--- a/Heart Disease Analysis and Predictions.pptx
+++ b/Heart Disease Analysis and Predictions.pptx
@@ -5,17 +5,21 @@
     <p:sldMasterId id="2147483660" r:id="rId4"/>
   </p:sldMasterIdLst>
   <p:notesMasterIdLst>
-    <p:notesMasterId r:id="rId13"/>
+    <p:notesMasterId r:id="rId17"/>
   </p:notesMasterIdLst>
   <p:sldIdLst>
     <p:sldId id="266" r:id="rId5"/>
     <p:sldId id="309" r:id="rId6"/>
-    <p:sldId id="310" r:id="rId7"/>
-    <p:sldId id="311" r:id="rId8"/>
-    <p:sldId id="315" r:id="rId9"/>
-    <p:sldId id="312" r:id="rId10"/>
-    <p:sldId id="313" r:id="rId11"/>
-    <p:sldId id="314" r:id="rId12"/>
+    <p:sldId id="316" r:id="rId7"/>
+    <p:sldId id="310" r:id="rId8"/>
+    <p:sldId id="311" r:id="rId9"/>
+    <p:sldId id="315" r:id="rId10"/>
+    <p:sldId id="312" r:id="rId11"/>
+    <p:sldId id="317" r:id="rId12"/>
+    <p:sldId id="313" r:id="rId13"/>
+    <p:sldId id="320" r:id="rId14"/>
+    <p:sldId id="318" r:id="rId15"/>
+    <p:sldId id="319" r:id="rId16"/>
   </p:sldIdLst>
   <p:sldSz cx="12192000" cy="6858000"/>
   <p:notesSz cx="6858000" cy="9144000"/>
@@ -1651,6 +1655,753 @@
 </dgm:colorsDef>
 </file>
 
+<file path=ppt/diagrams/colors3.xml><?xml version="1.0" encoding="utf-8"?>
+<dgm:colorsDef xmlns:dgm="http://schemas.openxmlformats.org/drawingml/2006/diagram" xmlns:a="http://schemas.openxmlformats.org/drawingml/2006/main" uniqueId="urn:microsoft.com/office/officeart/2005/8/colors/accent1_2">
+  <dgm:title val=""/>
+  <dgm:desc val=""/>
+  <dgm:catLst>
+    <dgm:cat type="accent1" pri="11200"/>
+  </dgm:catLst>
+  <dgm:styleLbl name="node0">
+    <dgm:fillClrLst meth="repeat">
+      <a:schemeClr val="accent1"/>
+    </dgm:fillClrLst>
+    <dgm:linClrLst meth="repeat">
+      <a:schemeClr val="lt1"/>
+    </dgm:linClrLst>
+    <dgm:effectClrLst/>
+    <dgm:txLinClrLst/>
+    <dgm:txFillClrLst/>
+    <dgm:txEffectClrLst/>
+  </dgm:styleLbl>
+  <dgm:styleLbl name="alignNode1">
+    <dgm:fillClrLst meth="repeat">
+      <a:schemeClr val="accent1"/>
+    </dgm:fillClrLst>
+    <dgm:linClrLst meth="repeat">
+      <a:schemeClr val="accent1"/>
+    </dgm:linClrLst>
+    <dgm:effectClrLst/>
+    <dgm:txLinClrLst/>
+    <dgm:txFillClrLst/>
+    <dgm:txEffectClrLst/>
+  </dgm:styleLbl>
+  <dgm:styleLbl name="node1">
+    <dgm:fillClrLst meth="repeat">
+      <a:schemeClr val="accent1"/>
+    </dgm:fillClrLst>
+    <dgm:linClrLst meth="repeat">
+      <a:schemeClr val="lt1"/>
+    </dgm:linClrLst>
+    <dgm:effectClrLst/>
+    <dgm:txLinClrLst/>
+    <dgm:txFillClrLst/>
+    <dgm:txEffectClrLst/>
+  </dgm:styleLbl>
+  <dgm:styleLbl name="lnNode1">
+    <dgm:fillClrLst meth="repeat">
+      <a:schemeClr val="accent1"/>
+    </dgm:fillClrLst>
+    <dgm:linClrLst meth="repeat">
+      <a:schemeClr val="lt1"/>
+    </dgm:linClrLst>
+    <dgm:effectClrLst/>
+    <dgm:txLinClrLst/>
+    <dgm:txFillClrLst/>
+    <dgm:txEffectClrLst/>
+  </dgm:styleLbl>
+  <dgm:styleLbl name="vennNode1">
+    <dgm:fillClrLst meth="repeat">
+      <a:schemeClr val="accent1">
+        <a:alpha val="50000"/>
+      </a:schemeClr>
+    </dgm:fillClrLst>
+    <dgm:linClrLst meth="repeat">
+      <a:schemeClr val="lt1"/>
+    </dgm:linClrLst>
+    <dgm:effectClrLst/>
+    <dgm:txLinClrLst/>
+    <dgm:txFillClrLst/>
+    <dgm:txEffectClrLst/>
+  </dgm:styleLbl>
+  <dgm:styleLbl name="node2">
+    <dgm:fillClrLst meth="repeat">
+      <a:schemeClr val="accent1"/>
+    </dgm:fillClrLst>
+    <dgm:linClrLst meth="repeat">
+      <a:schemeClr val="lt1"/>
+    </dgm:linClrLst>
+    <dgm:effectClrLst/>
+    <dgm:txLinClrLst/>
+    <dgm:txFillClrLst/>
+    <dgm:txEffectClrLst/>
+  </dgm:styleLbl>
+  <dgm:styleLbl name="node3">
+    <dgm:fillClrLst meth="repeat">
+      <a:schemeClr val="accent1"/>
+    </dgm:fillClrLst>
+    <dgm:linClrLst meth="repeat">
+      <a:schemeClr val="lt1"/>
+    </dgm:linClrLst>
+    <dgm:effectClrLst/>
+    <dgm:txLinClrLst/>
+    <dgm:txFillClrLst/>
+    <dgm:txEffectClrLst/>
+  </dgm:styleLbl>
+  <dgm:styleLbl name="node4">
+    <dgm:fillClrLst meth="repeat">
+      <a:schemeClr val="accent1"/>
+    </dgm:fillClrLst>
+    <dgm:linClrLst meth="repeat">
+      <a:schemeClr val="lt1"/>
+    </dgm:linClrLst>
+    <dgm:effectClrLst/>
+    <dgm:txLinClrLst/>
+    <dgm:txFillClrLst/>
+    <dgm:txEffectClrLst/>
+  </dgm:styleLbl>
+  <dgm:styleLbl name="fgImgPlace1">
+    <dgm:fillClrLst meth="repeat">
+      <a:schemeClr val="accent1">
+        <a:tint val="50000"/>
+      </a:schemeClr>
+    </dgm:fillClrLst>
+    <dgm:linClrLst meth="repeat">
+      <a:schemeClr val="lt1"/>
+    </dgm:linClrLst>
+    <dgm:effectClrLst/>
+    <dgm:txLinClrLst/>
+    <dgm:txFillClrLst meth="repeat">
+      <a:schemeClr val="lt1"/>
+    </dgm:txFillClrLst>
+    <dgm:txEffectClrLst/>
+  </dgm:styleLbl>
+  <dgm:styleLbl name="alignImgPlace1">
+    <dgm:fillClrLst meth="repeat">
+      <a:schemeClr val="accent1">
+        <a:tint val="50000"/>
+      </a:schemeClr>
+    </dgm:fillClrLst>
+    <dgm:linClrLst meth="repeat">
+      <a:schemeClr val="lt1"/>
+    </dgm:linClrLst>
+    <dgm:effectClrLst/>
+    <dgm:txLinClrLst/>
+    <dgm:txFillClrLst meth="repeat">
+      <a:schemeClr val="lt1"/>
+    </dgm:txFillClrLst>
+    <dgm:txEffectClrLst/>
+  </dgm:styleLbl>
+  <dgm:styleLbl name="bgImgPlace1">
+    <dgm:fillClrLst meth="repeat">
+      <a:schemeClr val="accent1">
+        <a:tint val="50000"/>
+      </a:schemeClr>
+    </dgm:fillClrLst>
+    <dgm:linClrLst meth="repeat">
+      <a:schemeClr val="lt1"/>
+    </dgm:linClrLst>
+    <dgm:effectClrLst/>
+    <dgm:txLinClrLst/>
+    <dgm:txFillClrLst meth="repeat">
+      <a:schemeClr val="lt1"/>
+    </dgm:txFillClrLst>
+    <dgm:txEffectClrLst/>
+  </dgm:styleLbl>
+  <dgm:styleLbl name="sibTrans2D1">
+    <dgm:fillClrLst meth="repeat">
+      <a:schemeClr val="accent1">
+        <a:tint val="60000"/>
+      </a:schemeClr>
+    </dgm:fillClrLst>
+    <dgm:linClrLst meth="repeat">
+      <a:schemeClr val="accent1">
+        <a:tint val="60000"/>
+      </a:schemeClr>
+    </dgm:linClrLst>
+    <dgm:effectClrLst/>
+    <dgm:txLinClrLst/>
+    <dgm:txFillClrLst/>
+    <dgm:txEffectClrLst/>
+  </dgm:styleLbl>
+  <dgm:styleLbl name="fgSibTrans2D1">
+    <dgm:fillClrLst meth="repeat">
+      <a:schemeClr val="accent1">
+        <a:tint val="60000"/>
+      </a:schemeClr>
+    </dgm:fillClrLst>
+    <dgm:linClrLst meth="repeat">
+      <a:schemeClr val="accent1">
+        <a:tint val="60000"/>
+      </a:schemeClr>
+    </dgm:linClrLst>
+    <dgm:effectClrLst/>
+    <dgm:txLinClrLst/>
+    <dgm:txFillClrLst/>
+    <dgm:txEffectClrLst/>
+  </dgm:styleLbl>
+  <dgm:styleLbl name="bgSibTrans2D1">
+    <dgm:fillClrLst meth="repeat">
+      <a:schemeClr val="accent1">
+        <a:tint val="60000"/>
+      </a:schemeClr>
+    </dgm:fillClrLst>
+    <dgm:linClrLst meth="repeat">
+      <a:schemeClr val="accent1">
+        <a:tint val="60000"/>
+      </a:schemeClr>
+    </dgm:linClrLst>
+    <dgm:effectClrLst/>
+    <dgm:txLinClrLst/>
+    <dgm:txFillClrLst/>
+    <dgm:txEffectClrLst/>
+  </dgm:styleLbl>
+  <dgm:styleLbl name="sibTrans1D1">
+    <dgm:fillClrLst meth="repeat">
+      <a:schemeClr val="accent1"/>
+    </dgm:fillClrLst>
+    <dgm:linClrLst meth="repeat">
+      <a:schemeClr val="accent1"/>
+    </dgm:linClrLst>
+    <dgm:effectClrLst/>
+    <dgm:txLinClrLst/>
+    <dgm:txFillClrLst meth="repeat">
+      <a:schemeClr val="tx1"/>
+    </dgm:txFillClrLst>
+    <dgm:txEffectClrLst/>
+  </dgm:styleLbl>
+  <dgm:styleLbl name="callout">
+    <dgm:fillClrLst meth="repeat">
+      <a:schemeClr val="accent1"/>
+    </dgm:fillClrLst>
+    <dgm:linClrLst meth="repeat">
+      <a:schemeClr val="accent1">
+        <a:tint val="50000"/>
+      </a:schemeClr>
+    </dgm:linClrLst>
+    <dgm:effectClrLst/>
+    <dgm:txLinClrLst/>
+    <dgm:txFillClrLst meth="repeat">
+      <a:schemeClr val="tx1"/>
+    </dgm:txFillClrLst>
+    <dgm:txEffectClrLst/>
+  </dgm:styleLbl>
+  <dgm:styleLbl name="asst0">
+    <dgm:fillClrLst meth="repeat">
+      <a:schemeClr val="accent1"/>
+    </dgm:fillClrLst>
+    <dgm:linClrLst meth="repeat">
+      <a:schemeClr val="lt1"/>
+    </dgm:linClrLst>
+    <dgm:effectClrLst/>
+    <dgm:txLinClrLst/>
+    <dgm:txFillClrLst/>
+    <dgm:txEffectClrLst/>
+  </dgm:styleLbl>
+  <dgm:styleLbl name="asst1">
+    <dgm:fillClrLst meth="repeat">
+      <a:schemeClr val="accent1"/>
+    </dgm:fillClrLst>
+    <dgm:linClrLst meth="repeat">
+      <a:schemeClr val="lt1"/>
+    </dgm:linClrLst>
+    <dgm:effectClrLst/>
+    <dgm:txLinClrLst/>
+    <dgm:txFillClrLst/>
+    <dgm:txEffectClrLst/>
+  </dgm:styleLbl>
+  <dgm:styleLbl name="asst2">
+    <dgm:fillClrLst meth="repeat">
+      <a:schemeClr val="accent1"/>
+    </dgm:fillClrLst>
+    <dgm:linClrLst meth="repeat">
+      <a:schemeClr val="lt1"/>
+    </dgm:linClrLst>
+    <dgm:effectClrLst/>
+    <dgm:txLinClrLst/>
+    <dgm:txFillClrLst/>
+    <dgm:txEffectClrLst/>
+  </dgm:styleLbl>
+  <dgm:styleLbl name="asst3">
+    <dgm:fillClrLst meth="repeat">
+      <a:schemeClr val="accent1"/>
+    </dgm:fillClrLst>
+    <dgm:linClrLst meth="repeat">
+      <a:schemeClr val="lt1"/>
+    </dgm:linClrLst>
+    <dgm:effectClrLst/>
+    <dgm:txLinClrLst/>
+    <dgm:txFillClrLst/>
+    <dgm:txEffectClrLst/>
+  </dgm:styleLbl>
+  <dgm:styleLbl name="asst4">
+    <dgm:fillClrLst meth="repeat">
+      <a:schemeClr val="accent1"/>
+    </dgm:fillClrLst>
+    <dgm:linClrLst meth="repeat">
+      <a:schemeClr val="lt1"/>
+    </dgm:linClrLst>
+    <dgm:effectClrLst/>
+    <dgm:txLinClrLst/>
+    <dgm:txFillClrLst/>
+    <dgm:txEffectClrLst/>
+  </dgm:styleLbl>
+  <dgm:styleLbl name="parChTrans2D1">
+    <dgm:fillClrLst meth="repeat">
+      <a:schemeClr val="accent1">
+        <a:tint val="60000"/>
+      </a:schemeClr>
+    </dgm:fillClrLst>
+    <dgm:linClrLst meth="repeat">
+      <a:schemeClr val="accent1">
+        <a:tint val="60000"/>
+      </a:schemeClr>
+    </dgm:linClrLst>
+    <dgm:effectClrLst/>
+    <dgm:txLinClrLst/>
+    <dgm:txFillClrLst meth="repeat">
+      <a:schemeClr val="lt1"/>
+    </dgm:txFillClrLst>
+    <dgm:txEffectClrLst/>
+  </dgm:styleLbl>
+  <dgm:styleLbl name="parChTrans2D2">
+    <dgm:fillClrLst meth="repeat">
+      <a:schemeClr val="accent1"/>
+    </dgm:fillClrLst>
+    <dgm:linClrLst meth="repeat">
+      <a:schemeClr val="accent1"/>
+    </dgm:linClrLst>
+    <dgm:effectClrLst/>
+    <dgm:txLinClrLst/>
+    <dgm:txFillClrLst meth="repeat">
+      <a:schemeClr val="lt1"/>
+    </dgm:txFillClrLst>
+    <dgm:txEffectClrLst/>
+  </dgm:styleLbl>
+  <dgm:styleLbl name="parChTrans2D3">
+    <dgm:fillClrLst meth="repeat">
+      <a:schemeClr val="accent1"/>
+    </dgm:fillClrLst>
+    <dgm:linClrLst meth="repeat">
+      <a:schemeClr val="accent1"/>
+    </dgm:linClrLst>
+    <dgm:effectClrLst/>
+    <dgm:txLinClrLst/>
+    <dgm:txFillClrLst meth="repeat">
+      <a:schemeClr val="lt1"/>
+    </dgm:txFillClrLst>
+    <dgm:txEffectClrLst/>
+  </dgm:styleLbl>
+  <dgm:styleLbl name="parChTrans2D4">
+    <dgm:fillClrLst meth="repeat">
+      <a:schemeClr val="accent1"/>
+    </dgm:fillClrLst>
+    <dgm:linClrLst meth="repeat">
+      <a:schemeClr val="accent1"/>
+    </dgm:linClrLst>
+    <dgm:effectClrLst/>
+    <dgm:txLinClrLst/>
+    <dgm:txFillClrLst meth="repeat">
+      <a:schemeClr val="lt1"/>
+    </dgm:txFillClrLst>
+    <dgm:txEffectClrLst/>
+  </dgm:styleLbl>
+  <dgm:styleLbl name="parChTrans1D1">
+    <dgm:fillClrLst meth="repeat">
+      <a:schemeClr val="accent1"/>
+    </dgm:fillClrLst>
+    <dgm:linClrLst meth="repeat">
+      <a:schemeClr val="accent1">
+        <a:shade val="60000"/>
+      </a:schemeClr>
+    </dgm:linClrLst>
+    <dgm:effectClrLst/>
+    <dgm:txLinClrLst/>
+    <dgm:txFillClrLst meth="repeat">
+      <a:schemeClr val="tx1"/>
+    </dgm:txFillClrLst>
+    <dgm:txEffectClrLst/>
+  </dgm:styleLbl>
+  <dgm:styleLbl name="parChTrans1D2">
+    <dgm:fillClrLst meth="repeat">
+      <a:schemeClr val="accent1"/>
+    </dgm:fillClrLst>
+    <dgm:linClrLst meth="repeat">
+      <a:schemeClr val="accent1">
+        <a:shade val="60000"/>
+      </a:schemeClr>
+    </dgm:linClrLst>
+    <dgm:effectClrLst/>
+    <dgm:txLinClrLst/>
+    <dgm:txFillClrLst meth="repeat">
+      <a:schemeClr val="tx1"/>
+    </dgm:txFillClrLst>
+    <dgm:txEffectClrLst/>
+  </dgm:styleLbl>
+  <dgm:styleLbl name="parChTrans1D3">
+    <dgm:fillClrLst meth="repeat">
+      <a:schemeClr val="accent1"/>
+    </dgm:fillClrLst>
+    <dgm:linClrLst meth="repeat">
+      <a:schemeClr val="accent1">
+        <a:shade val="80000"/>
+      </a:schemeClr>
+    </dgm:linClrLst>
+    <dgm:effectClrLst/>
+    <dgm:txLinClrLst/>
+    <dgm:txFillClrLst meth="repeat">
+      <a:schemeClr val="tx1"/>
+    </dgm:txFillClrLst>
+    <dgm:txEffectClrLst/>
+  </dgm:styleLbl>
+  <dgm:styleLbl name="parChTrans1D4">
+    <dgm:fillClrLst meth="repeat">
+      <a:schemeClr val="accent1"/>
+    </dgm:fillClrLst>
+    <dgm:linClrLst meth="repeat">
+      <a:schemeClr val="accent1">
+        <a:shade val="80000"/>
+      </a:schemeClr>
+    </dgm:linClrLst>
+    <dgm:effectClrLst/>
+    <dgm:txLinClrLst/>
+    <dgm:txFillClrLst meth="repeat">
+      <a:schemeClr val="tx1"/>
+    </dgm:txFillClrLst>
+    <dgm:txEffectClrLst/>
+  </dgm:styleLbl>
+  <dgm:styleLbl name="fgAcc1">
+    <dgm:fillClrLst meth="repeat">
+      <a:schemeClr val="lt1">
+        <a:alpha val="90000"/>
+      </a:schemeClr>
+    </dgm:fillClrLst>
+    <dgm:linClrLst meth="repeat">
+      <a:schemeClr val="accent1"/>
+    </dgm:linClrLst>
+    <dgm:effectClrLst/>
+    <dgm:txLinClrLst/>
+    <dgm:txFillClrLst meth="repeat">
+      <a:schemeClr val="dk1"/>
+    </dgm:txFillClrLst>
+    <dgm:txEffectClrLst/>
+  </dgm:styleLbl>
+  <dgm:styleLbl name="conFgAcc1">
+    <dgm:fillClrLst meth="repeat">
+      <a:schemeClr val="lt1">
+        <a:alpha val="90000"/>
+      </a:schemeClr>
+    </dgm:fillClrLst>
+    <dgm:linClrLst meth="repeat">
+      <a:schemeClr val="accent1"/>
+    </dgm:linClrLst>
+    <dgm:effectClrLst/>
+    <dgm:txLinClrLst/>
+    <dgm:txFillClrLst meth="repeat">
+      <a:schemeClr val="dk1"/>
+    </dgm:txFillClrLst>
+    <dgm:txEffectClrLst/>
+  </dgm:styleLbl>
+  <dgm:styleLbl name="alignAcc1">
+    <dgm:fillClrLst meth="repeat">
+      <a:schemeClr val="lt1">
+        <a:alpha val="90000"/>
+      </a:schemeClr>
+    </dgm:fillClrLst>
+    <dgm:linClrLst meth="repeat">
+      <a:schemeClr val="accent1"/>
+    </dgm:linClrLst>
+    <dgm:effectClrLst/>
+    <dgm:txLinClrLst/>
+    <dgm:txFillClrLst meth="repeat">
+      <a:schemeClr val="dk1"/>
+    </dgm:txFillClrLst>
+    <dgm:txEffectClrLst/>
+  </dgm:styleLbl>
+  <dgm:styleLbl name="trAlignAcc1">
+    <dgm:fillClrLst meth="repeat">
+      <a:schemeClr val="lt1">
+        <a:alpha val="40000"/>
+      </a:schemeClr>
+    </dgm:fillClrLst>
+    <dgm:linClrLst meth="repeat">
+      <a:schemeClr val="accent1"/>
+    </dgm:linClrLst>
+    <dgm:effectClrLst/>
+    <dgm:txLinClrLst/>
+    <dgm:txFillClrLst meth="repeat">
+      <a:schemeClr val="dk1"/>
+    </dgm:txFillClrLst>
+    <dgm:txEffectClrLst/>
+  </dgm:styleLbl>
+  <dgm:styleLbl name="bgAcc1">
+    <dgm:fillClrLst meth="repeat">
+      <a:schemeClr val="lt1">
+        <a:alpha val="90000"/>
+      </a:schemeClr>
+    </dgm:fillClrLst>
+    <dgm:linClrLst meth="repeat">
+      <a:schemeClr val="accent1"/>
+    </dgm:linClrLst>
+    <dgm:effectClrLst/>
+    <dgm:txLinClrLst/>
+    <dgm:txFillClrLst meth="repeat">
+      <a:schemeClr val="dk1"/>
+    </dgm:txFillClrLst>
+    <dgm:txEffectClrLst/>
+  </dgm:styleLbl>
+  <dgm:styleLbl name="solidFgAcc1">
+    <dgm:fillClrLst meth="repeat">
+      <a:schemeClr val="lt1"/>
+    </dgm:fillClrLst>
+    <dgm:linClrLst meth="repeat">
+      <a:schemeClr val="accent1"/>
+    </dgm:linClrLst>
+    <dgm:effectClrLst/>
+    <dgm:txLinClrLst/>
+    <dgm:txFillClrLst meth="repeat">
+      <a:schemeClr val="dk1"/>
+    </dgm:txFillClrLst>
+    <dgm:txEffectClrLst/>
+  </dgm:styleLbl>
+  <dgm:styleLbl name="solidAlignAcc1">
+    <dgm:fillClrLst meth="repeat">
+      <a:schemeClr val="lt1"/>
+    </dgm:fillClrLst>
+    <dgm:linClrLst meth="repeat">
+      <a:schemeClr val="accent1"/>
+    </dgm:linClrLst>
+    <dgm:effectClrLst/>
+    <dgm:txLinClrLst/>
+    <dgm:txFillClrLst meth="repeat">
+      <a:schemeClr val="dk1"/>
+    </dgm:txFillClrLst>
+    <dgm:txEffectClrLst/>
+  </dgm:styleLbl>
+  <dgm:styleLbl name="solidBgAcc1">
+    <dgm:fillClrLst meth="repeat">
+      <a:schemeClr val="lt1"/>
+    </dgm:fillClrLst>
+    <dgm:linClrLst meth="repeat">
+      <a:schemeClr val="accent1"/>
+    </dgm:linClrLst>
+    <dgm:effectClrLst/>
+    <dgm:txLinClrLst/>
+    <dgm:txFillClrLst meth="repeat">
+      <a:schemeClr val="dk1"/>
+    </dgm:txFillClrLst>
+    <dgm:txEffectClrLst/>
+  </dgm:styleLbl>
+  <dgm:styleLbl name="fgAccFollowNode1">
+    <dgm:fillClrLst meth="repeat">
+      <a:schemeClr val="accent1">
+        <a:alpha val="90000"/>
+        <a:tint val="40000"/>
+      </a:schemeClr>
+    </dgm:fillClrLst>
+    <dgm:linClrLst meth="repeat">
+      <a:schemeClr val="accent1">
+        <a:alpha val="90000"/>
+        <a:tint val="40000"/>
+      </a:schemeClr>
+    </dgm:linClrLst>
+    <dgm:effectClrLst/>
+    <dgm:txLinClrLst/>
+    <dgm:txFillClrLst meth="repeat">
+      <a:schemeClr val="dk1"/>
+    </dgm:txFillClrLst>
+    <dgm:txEffectClrLst/>
+  </dgm:styleLbl>
+  <dgm:styleLbl name="alignAccFollowNode1">
+    <dgm:fillClrLst meth="repeat">
+      <a:schemeClr val="accent1">
+        <a:alpha val="90000"/>
+        <a:tint val="40000"/>
+      </a:schemeClr>
+    </dgm:fillClrLst>
+    <dgm:linClrLst meth="repeat">
+      <a:schemeClr val="accent1">
+        <a:alpha val="90000"/>
+        <a:tint val="40000"/>
+      </a:schemeClr>
+    </dgm:linClrLst>
+    <dgm:effectClrLst/>
+    <dgm:txLinClrLst/>
+    <dgm:txFillClrLst meth="repeat">
+      <a:schemeClr val="dk1"/>
+    </dgm:txFillClrLst>
+    <dgm:txEffectClrLst/>
+  </dgm:styleLbl>
+  <dgm:styleLbl name="bgAccFollowNode1">
+    <dgm:fillClrLst meth="repeat">
+      <a:schemeClr val="accent1">
+        <a:alpha val="90000"/>
+        <a:tint val="40000"/>
+      </a:schemeClr>
+    </dgm:fillClrLst>
+    <dgm:linClrLst meth="repeat">
+      <a:schemeClr val="accent1">
+        <a:alpha val="90000"/>
+        <a:tint val="40000"/>
+      </a:schemeClr>
+    </dgm:linClrLst>
+    <dgm:effectClrLst/>
+    <dgm:txLinClrLst/>
+    <dgm:txFillClrLst meth="repeat">
+      <a:schemeClr val="dk1"/>
+    </dgm:txFillClrLst>
+    <dgm:txEffectClrLst/>
+  </dgm:styleLbl>
+  <dgm:styleLbl name="fgAcc0">
+    <dgm:fillClrLst meth="repeat">
+      <a:schemeClr val="lt1">
+        <a:alpha val="90000"/>
+      </a:schemeClr>
+    </dgm:fillClrLst>
+    <dgm:linClrLst meth="repeat">
+      <a:schemeClr val="accent1"/>
+    </dgm:linClrLst>
+    <dgm:effectClrLst/>
+    <dgm:txLinClrLst/>
+    <dgm:txFillClrLst meth="repeat">
+      <a:schemeClr val="dk1"/>
+    </dgm:txFillClrLst>
+    <dgm:txEffectClrLst/>
+  </dgm:styleLbl>
+  <dgm:styleLbl name="fgAcc2">
+    <dgm:fillClrLst meth="repeat">
+      <a:schemeClr val="lt1">
+        <a:alpha val="90000"/>
+      </a:schemeClr>
+    </dgm:fillClrLst>
+    <dgm:linClrLst meth="repeat">
+      <a:schemeClr val="accent1"/>
+    </dgm:linClrLst>
+    <dgm:effectClrLst/>
+    <dgm:txLinClrLst/>
+    <dgm:txFillClrLst meth="repeat">
+      <a:schemeClr val="dk1"/>
+    </dgm:txFillClrLst>
+    <dgm:txEffectClrLst/>
+  </dgm:styleLbl>
+  <dgm:styleLbl name="fgAcc3">
+    <dgm:fillClrLst meth="repeat">
+      <a:schemeClr val="lt1">
+        <a:alpha val="90000"/>
+      </a:schemeClr>
+    </dgm:fillClrLst>
+    <dgm:linClrLst meth="repeat">
+      <a:schemeClr val="accent1"/>
+    </dgm:linClrLst>
+    <dgm:effectClrLst/>
+    <dgm:txLinClrLst/>
+    <dgm:txFillClrLst meth="repeat">
+      <a:schemeClr val="dk1"/>
+    </dgm:txFillClrLst>
+    <dgm:txEffectClrLst/>
+  </dgm:styleLbl>
+  <dgm:styleLbl name="fgAcc4">
+    <dgm:fillClrLst meth="repeat">
+      <a:schemeClr val="lt1">
+        <a:alpha val="90000"/>
+      </a:schemeClr>
+    </dgm:fillClrLst>
+    <dgm:linClrLst meth="repeat">
+      <a:schemeClr val="accent1"/>
+    </dgm:linClrLst>
+    <dgm:effectClrLst/>
+    <dgm:txLinClrLst/>
+    <dgm:txFillClrLst meth="repeat">
+      <a:schemeClr val="dk1"/>
+    </dgm:txFillClrLst>
+    <dgm:txEffectClrLst/>
+  </dgm:styleLbl>
+  <dgm:styleLbl name="bgShp">
+    <dgm:fillClrLst meth="repeat">
+      <a:schemeClr val="accent1">
+        <a:tint val="40000"/>
+      </a:schemeClr>
+    </dgm:fillClrLst>
+    <dgm:linClrLst meth="repeat">
+      <a:schemeClr val="accent1"/>
+    </dgm:linClrLst>
+    <dgm:effectClrLst/>
+    <dgm:txLinClrLst/>
+    <dgm:txFillClrLst meth="repeat">
+      <a:schemeClr val="dk1"/>
+    </dgm:txFillClrLst>
+    <dgm:txEffectClrLst/>
+  </dgm:styleLbl>
+  <dgm:styleLbl name="dkBgShp">
+    <dgm:fillClrLst meth="repeat">
+      <a:schemeClr val="accent1">
+        <a:shade val="80000"/>
+      </a:schemeClr>
+    </dgm:fillClrLst>
+    <dgm:linClrLst meth="repeat">
+      <a:schemeClr val="accent1"/>
+    </dgm:linClrLst>
+    <dgm:effectClrLst/>
+    <dgm:txLinClrLst/>
+    <dgm:txFillClrLst meth="repeat">
+      <a:schemeClr val="lt1"/>
+    </dgm:txFillClrLst>
+    <dgm:txEffectClrLst/>
+  </dgm:styleLbl>
+  <dgm:styleLbl name="trBgShp">
+    <dgm:fillClrLst meth="repeat">
+      <a:schemeClr val="accent1">
+        <a:tint val="50000"/>
+        <a:alpha val="40000"/>
+      </a:schemeClr>
+    </dgm:fillClrLst>
+    <dgm:linClrLst meth="repeat">
+      <a:schemeClr val="accent1"/>
+    </dgm:linClrLst>
+    <dgm:effectClrLst/>
+    <dgm:txLinClrLst/>
+    <dgm:txFillClrLst meth="repeat">
+      <a:schemeClr val="lt1"/>
+    </dgm:txFillClrLst>
+    <dgm:txEffectClrLst/>
+  </dgm:styleLbl>
+  <dgm:styleLbl name="fgShp">
+    <dgm:fillClrLst meth="repeat">
+      <a:schemeClr val="accent1">
+        <a:tint val="60000"/>
+      </a:schemeClr>
+    </dgm:fillClrLst>
+    <dgm:linClrLst meth="repeat">
+      <a:schemeClr val="lt1"/>
+    </dgm:linClrLst>
+    <dgm:effectClrLst/>
+    <dgm:txLinClrLst/>
+    <dgm:txFillClrLst meth="repeat">
+      <a:schemeClr val="dk1"/>
+    </dgm:txFillClrLst>
+    <dgm:txEffectClrLst/>
+  </dgm:styleLbl>
+  <dgm:styleLbl name="revTx">
+    <dgm:fillClrLst meth="repeat">
+      <a:schemeClr val="lt1">
+        <a:alpha val="0"/>
+      </a:schemeClr>
+    </dgm:fillClrLst>
+    <dgm:linClrLst meth="repeat">
+      <a:schemeClr val="dk1">
+        <a:alpha val="0"/>
+      </a:schemeClr>
+    </dgm:linClrLst>
+    <dgm:effectClrLst/>
+    <dgm:txLinClrLst/>
+    <dgm:txFillClrLst meth="repeat">
+      <a:schemeClr val="tx1"/>
+    </dgm:txFillClrLst>
+    <dgm:txEffectClrLst/>
+  </dgm:styleLbl>
+</dgm:colorsDef>
+</file>
+
 <file path=ppt/diagrams/data1.xml><?xml version="1.0" encoding="utf-8"?>
 <dgm:dataModel xmlns:dgm="http://schemas.openxmlformats.org/drawingml/2006/diagram" xmlns:a="http://schemas.openxmlformats.org/drawingml/2006/main">
   <dgm:ptLst>
@@ -1702,14 +2453,14 @@
       </dgm:t>
     </dgm:pt>
     <dgm:pt modelId="{DDEABF04-9B94-454E-A9AE-0C246467384A}">
-      <dgm:prSet phldrT="[Text]"/>
+      <dgm:prSet phldrT="[Text]" custT="1"/>
       <dgm:spPr/>
       <dgm:t>
         <a:bodyPr/>
         <a:lstStyle/>
         <a:p>
           <a:r>
-            <a:rPr lang="en-AU" dirty="0"/>
+            <a:rPr lang="en-AU" sz="1400" dirty="0"/>
             <a:t>Read in csv</a:t>
           </a:r>
         </a:p>
@@ -1727,39 +2478,6 @@
       </dgm:t>
     </dgm:pt>
     <dgm:pt modelId="{5164C96C-493A-49D6-B44C-DFAB02F8D75A}" type="sibTrans" cxnId="{8D0546AC-F794-494D-95FD-06DD6FE039DF}">
-      <dgm:prSet/>
-      <dgm:spPr/>
-      <dgm:t>
-        <a:bodyPr/>
-        <a:lstStyle/>
-        <a:p>
-          <a:endParaRPr lang="en-AU"/>
-        </a:p>
-      </dgm:t>
-    </dgm:pt>
-    <dgm:pt modelId="{30F9EF2A-F995-4455-A307-181355EEADF5}">
-      <dgm:prSet phldrT="[Text]" phldr="1"/>
-      <dgm:spPr/>
-      <dgm:t>
-        <a:bodyPr/>
-        <a:lstStyle/>
-        <a:p>
-          <a:endParaRPr lang="en-AU"/>
-        </a:p>
-      </dgm:t>
-    </dgm:pt>
-    <dgm:pt modelId="{034E46FD-4F81-41DA-9735-96E0BEAFA4F3}" type="parTrans" cxnId="{5E7A6884-7E0D-4176-A342-7430EC45DC41}">
-      <dgm:prSet/>
-      <dgm:spPr/>
-      <dgm:t>
-        <a:bodyPr/>
-        <a:lstStyle/>
-        <a:p>
-          <a:endParaRPr lang="en-AU"/>
-        </a:p>
-      </dgm:t>
-    </dgm:pt>
-    <dgm:pt modelId="{5C032A23-92D3-44CF-8A0C-0B303EA3419E}" type="sibTrans" cxnId="{5E7A6884-7E0D-4176-A342-7430EC45DC41}">
       <dgm:prSet/>
       <dgm:spPr/>
       <dgm:t>
@@ -1807,21 +2525,16 @@
       </dgm:t>
     </dgm:pt>
     <dgm:pt modelId="{BD0122A8-45FA-4D29-97A1-956536A7CA37}">
-      <dgm:prSet phldrT="[Text]"/>
+      <dgm:prSet phldrT="[Text]" custT="1"/>
       <dgm:spPr/>
       <dgm:t>
         <a:bodyPr/>
         <a:lstStyle/>
         <a:p>
           <a:r>
-            <a:rPr lang="en-AU" dirty="0"/>
-            <a:t>Remove all </a:t>
+            <a:rPr lang="en-AU" sz="1400" dirty="0"/>
+            <a:t>No NULL</a:t>
           </a:r>
-          <a:r>
-            <a:rPr lang="en-AU" dirty="0" err="1"/>
-            <a:t>NaN</a:t>
-          </a:r>
-          <a:endParaRPr lang="en-AU" dirty="0"/>
         </a:p>
       </dgm:t>
     </dgm:pt>
@@ -1837,39 +2550,6 @@
       </dgm:t>
     </dgm:pt>
     <dgm:pt modelId="{A9A8DF35-CCB2-463F-B0E3-42CC7A06BE86}" type="sibTrans" cxnId="{38588C70-EC20-4F25-A60A-74F0760E2C89}">
-      <dgm:prSet/>
-      <dgm:spPr/>
-      <dgm:t>
-        <a:bodyPr/>
-        <a:lstStyle/>
-        <a:p>
-          <a:endParaRPr lang="en-AU"/>
-        </a:p>
-      </dgm:t>
-    </dgm:pt>
-    <dgm:pt modelId="{387D2C4C-F5AD-4C89-AE36-97F49A7770FC}">
-      <dgm:prSet phldrT="[Text]" phldr="1"/>
-      <dgm:spPr/>
-      <dgm:t>
-        <a:bodyPr/>
-        <a:lstStyle/>
-        <a:p>
-          <a:endParaRPr lang="en-AU"/>
-        </a:p>
-      </dgm:t>
-    </dgm:pt>
-    <dgm:pt modelId="{CF78BE80-B757-4F56-A46A-4AEA61A5CF85}" type="parTrans" cxnId="{CB171CE4-4E4F-4614-BEE3-B37C7EDA65E0}">
-      <dgm:prSet/>
-      <dgm:spPr/>
-      <dgm:t>
-        <a:bodyPr/>
-        <a:lstStyle/>
-        <a:p>
-          <a:endParaRPr lang="en-AU"/>
-        </a:p>
-      </dgm:t>
-    </dgm:pt>
-    <dgm:pt modelId="{517ADCDE-4A3A-4BB0-9A0C-40DB241972FB}" type="sibTrans" cxnId="{CB171CE4-4E4F-4614-BEE3-B37C7EDA65E0}">
       <dgm:prSet/>
       <dgm:spPr/>
       <dgm:t>
@@ -1917,13 +2597,16 @@
       </dgm:t>
     </dgm:pt>
     <dgm:pt modelId="{810D10D5-0505-48C1-88E9-F5B70AFE2F97}">
-      <dgm:prSet phldrT="[Text]" phldr="1"/>
+      <dgm:prSet phldrT="[Text]" custT="1"/>
       <dgm:spPr/>
       <dgm:t>
         <a:bodyPr/>
         <a:lstStyle/>
         <a:p>
-          <a:endParaRPr lang="en-AU"/>
+          <a:r>
+            <a:rPr lang="en-AU" sz="1400" dirty="0"/>
+            <a:t>Logistic Regression</a:t>
+          </a:r>
         </a:p>
       </dgm:t>
     </dgm:pt>
@@ -1939,39 +2622,6 @@
       </dgm:t>
     </dgm:pt>
     <dgm:pt modelId="{7391CBA7-3974-4DE8-A816-DA8AA56DF0DD}" type="sibTrans" cxnId="{E36B5387-AF9C-4550-8843-2D26E267BE78}">
-      <dgm:prSet/>
-      <dgm:spPr/>
-      <dgm:t>
-        <a:bodyPr/>
-        <a:lstStyle/>
-        <a:p>
-          <a:endParaRPr lang="en-AU"/>
-        </a:p>
-      </dgm:t>
-    </dgm:pt>
-    <dgm:pt modelId="{5D47D5F5-5874-4EBB-8103-E064B2172338}">
-      <dgm:prSet phldrT="[Text]" phldr="1"/>
-      <dgm:spPr/>
-      <dgm:t>
-        <a:bodyPr/>
-        <a:lstStyle/>
-        <a:p>
-          <a:endParaRPr lang="en-AU" dirty="0"/>
-        </a:p>
-      </dgm:t>
-    </dgm:pt>
-    <dgm:pt modelId="{C14125A4-7520-4042-B398-1D846CE6C051}" type="parTrans" cxnId="{4224C23A-CE5B-4290-8424-7028794544F7}">
-      <dgm:prSet/>
-      <dgm:spPr/>
-      <dgm:t>
-        <a:bodyPr/>
-        <a:lstStyle/>
-        <a:p>
-          <a:endParaRPr lang="en-AU"/>
-        </a:p>
-      </dgm:t>
-    </dgm:pt>
-    <dgm:pt modelId="{164368E4-370A-4F1B-A187-007677616CFA}" type="sibTrans" cxnId="{4224C23A-CE5B-4290-8424-7028794544F7}">
       <dgm:prSet/>
       <dgm:spPr/>
       <dgm:t>
@@ -2055,15 +2705,15 @@
       </dgm:t>
     </dgm:pt>
     <dgm:pt modelId="{C569DC59-DEF3-42AF-B493-AB09C23F9E72}">
-      <dgm:prSet phldrT="[Text]"/>
+      <dgm:prSet phldrT="[Text]" custT="1"/>
       <dgm:spPr/>
       <dgm:t>
         <a:bodyPr/>
         <a:lstStyle/>
         <a:p>
           <a:r>
-            <a:rPr lang="en-AU" dirty="0"/>
-            <a:t>Logistic </a:t>
+            <a:rPr lang="en-AU" sz="1400" dirty="0"/>
+            <a:t>Train-Test-Split </a:t>
           </a:r>
         </a:p>
       </dgm:t>
@@ -2091,13 +2741,13 @@
       </dgm:t>
     </dgm:pt>
     <dgm:pt modelId="{8C6AEFBB-C6A8-4036-BD40-9B1EF8E63CBB}">
-      <dgm:prSet phldrT="[Text]"/>
+      <dgm:prSet phldrT="[Text]" custT="1"/>
       <dgm:spPr/>
       <dgm:t>
         <a:bodyPr/>
         <a:lstStyle/>
         <a:p>
-          <a:endParaRPr lang="en-AU" dirty="0"/>
+          <a:endParaRPr lang="en-AU" sz="1400" dirty="0"/>
         </a:p>
       </dgm:t>
     </dgm:pt>
@@ -2124,13 +2774,16 @@
       </dgm:t>
     </dgm:pt>
     <dgm:pt modelId="{E5528C22-55B5-4605-9ED5-CE15317E21F0}">
-      <dgm:prSet phldrT="[Text]"/>
+      <dgm:prSet phldrT="[Text]" custT="1"/>
       <dgm:spPr/>
       <dgm:t>
         <a:bodyPr/>
         <a:lstStyle/>
         <a:p>
-          <a:endParaRPr lang="en-AU" dirty="0"/>
+          <a:r>
+            <a:rPr lang="en-AU" sz="1400" dirty="0"/>
+            <a:t>Save predictions</a:t>
+          </a:r>
         </a:p>
       </dgm:t>
     </dgm:pt>
@@ -2153,6 +2806,1023 @@
         <a:lstStyle/>
         <a:p>
           <a:endParaRPr lang="en-AU"/>
+        </a:p>
+      </dgm:t>
+    </dgm:pt>
+    <dgm:pt modelId="{6FA7435F-AC48-414F-8F28-1DA73023D914}">
+      <dgm:prSet phldrT="[Text]" custT="1"/>
+      <dgm:spPr/>
+      <dgm:t>
+        <a:bodyPr/>
+        <a:lstStyle/>
+        <a:p>
+          <a:r>
+            <a:rPr lang="en-AU" sz="1400" dirty="0"/>
+            <a:t>Features</a:t>
+          </a:r>
+        </a:p>
+      </dgm:t>
+    </dgm:pt>
+    <dgm:pt modelId="{0DA2F0F3-B1CC-3147-8C8A-8F3191508D17}" type="parTrans" cxnId="{0D7BC8FB-EF86-1B47-975C-1C0D3380355B}">
+      <dgm:prSet/>
+      <dgm:spPr/>
+      <dgm:t>
+        <a:bodyPr/>
+        <a:lstStyle/>
+        <a:p>
+          <a:endParaRPr lang="en-GB"/>
+        </a:p>
+      </dgm:t>
+    </dgm:pt>
+    <dgm:pt modelId="{3BC80BE9-6D56-E748-95A9-8A0BD4F28EC0}" type="sibTrans" cxnId="{0D7BC8FB-EF86-1B47-975C-1C0D3380355B}">
+      <dgm:prSet/>
+      <dgm:spPr/>
+      <dgm:t>
+        <a:bodyPr/>
+        <a:lstStyle/>
+        <a:p>
+          <a:endParaRPr lang="en-GB"/>
+        </a:p>
+      </dgm:t>
+    </dgm:pt>
+    <dgm:pt modelId="{3B6D7BBA-0B7D-6A40-B2E7-17377863EDB7}">
+      <dgm:prSet phldrT="[Text]" custT="1"/>
+      <dgm:spPr/>
+      <dgm:t>
+        <a:bodyPr/>
+        <a:lstStyle/>
+        <a:p>
+          <a:r>
+            <a:rPr lang="en-AU" sz="1400" dirty="0"/>
+            <a:t>Random Forest</a:t>
+          </a:r>
+        </a:p>
+      </dgm:t>
+    </dgm:pt>
+    <dgm:pt modelId="{6D9663A5-AF6F-6B4E-9368-A75169F31E63}" type="parTrans" cxnId="{E673BC15-03E8-0740-8A95-A151E98272A9}">
+      <dgm:prSet/>
+      <dgm:spPr/>
+      <dgm:t>
+        <a:bodyPr/>
+        <a:lstStyle/>
+        <a:p>
+          <a:endParaRPr lang="en-GB"/>
+        </a:p>
+      </dgm:t>
+    </dgm:pt>
+    <dgm:pt modelId="{1889B5B7-2A19-6B43-85AF-12F9065E8394}" type="sibTrans" cxnId="{E673BC15-03E8-0740-8A95-A151E98272A9}">
+      <dgm:prSet/>
+      <dgm:spPr/>
+      <dgm:t>
+        <a:bodyPr/>
+        <a:lstStyle/>
+        <a:p>
+          <a:endParaRPr lang="en-GB"/>
+        </a:p>
+      </dgm:t>
+    </dgm:pt>
+    <dgm:pt modelId="{7F8143B7-0FD1-414A-8E87-69F18DC26853}">
+      <dgm:prSet phldrT="[Text]" custT="1"/>
+      <dgm:spPr/>
+      <dgm:t>
+        <a:bodyPr/>
+        <a:lstStyle/>
+        <a:p>
+          <a:r>
+            <a:rPr lang="en-AU" sz="1400" dirty="0"/>
+            <a:t>Make decision on whether to drop any features</a:t>
+          </a:r>
+        </a:p>
+      </dgm:t>
+    </dgm:pt>
+    <dgm:pt modelId="{D1B72F0F-DDC3-6B4D-9201-607C04B13420}" type="parTrans" cxnId="{6D10E7C6-75E7-3942-830E-68D9B477E043}">
+      <dgm:prSet/>
+      <dgm:spPr/>
+      <dgm:t>
+        <a:bodyPr/>
+        <a:lstStyle/>
+        <a:p>
+          <a:endParaRPr lang="en-GB"/>
+        </a:p>
+      </dgm:t>
+    </dgm:pt>
+    <dgm:pt modelId="{9E0765CE-9FBA-464A-BF81-7773DA39860C}" type="sibTrans" cxnId="{6D10E7C6-75E7-3942-830E-68D9B477E043}">
+      <dgm:prSet/>
+      <dgm:spPr/>
+      <dgm:t>
+        <a:bodyPr/>
+        <a:lstStyle/>
+        <a:p>
+          <a:endParaRPr lang="en-GB"/>
+        </a:p>
+      </dgm:t>
+    </dgm:pt>
+    <dgm:pt modelId="{D6661E20-2C20-4A4B-9FB3-B4AE5AFFA60A}">
+      <dgm:prSet phldrT="[Text]" custT="1"/>
+      <dgm:spPr/>
+      <dgm:t>
+        <a:bodyPr/>
+        <a:lstStyle/>
+        <a:p>
+          <a:r>
+            <a:rPr lang="en-AU" sz="1400" dirty="0"/>
+            <a:t>Train-Test-Split</a:t>
+          </a:r>
+        </a:p>
+      </dgm:t>
+    </dgm:pt>
+    <dgm:pt modelId="{04207D8A-6457-4741-AB8B-20B8523B1BFC}" type="parTrans" cxnId="{9C03792C-AF34-7647-8C61-3F0AA56CCFAB}">
+      <dgm:prSet/>
+      <dgm:spPr/>
+      <dgm:t>
+        <a:bodyPr/>
+        <a:lstStyle/>
+        <a:p>
+          <a:endParaRPr lang="en-GB"/>
+        </a:p>
+      </dgm:t>
+    </dgm:pt>
+    <dgm:pt modelId="{02F3C074-9C74-5C4D-BDA5-97591BFCCDE4}" type="sibTrans" cxnId="{9C03792C-AF34-7647-8C61-3F0AA56CCFAB}">
+      <dgm:prSet/>
+      <dgm:spPr/>
+      <dgm:t>
+        <a:bodyPr/>
+        <a:lstStyle/>
+        <a:p>
+          <a:endParaRPr lang="en-GB"/>
+        </a:p>
+      </dgm:t>
+    </dgm:pt>
+    <dgm:pt modelId="{3D631056-54BF-8743-86A8-281BF3AB45B0}">
+      <dgm:prSet phldrT="[Text]" custT="1"/>
+      <dgm:spPr/>
+      <dgm:t>
+        <a:bodyPr/>
+        <a:lstStyle/>
+        <a:p>
+          <a:r>
+            <a:rPr lang="en-AU" sz="1400" dirty="0"/>
+            <a:t>Fit model</a:t>
+          </a:r>
+        </a:p>
+      </dgm:t>
+    </dgm:pt>
+    <dgm:pt modelId="{80E683B0-872F-4F4E-98B9-B314D5215E66}" type="parTrans" cxnId="{E82EFF64-DF12-6D40-B20C-A759384890FB}">
+      <dgm:prSet/>
+      <dgm:spPr/>
+      <dgm:t>
+        <a:bodyPr/>
+        <a:lstStyle/>
+        <a:p>
+          <a:endParaRPr lang="en-GB"/>
+        </a:p>
+      </dgm:t>
+    </dgm:pt>
+    <dgm:pt modelId="{FA61BB31-B989-8A49-88AC-A1FBA581238C}" type="sibTrans" cxnId="{E82EFF64-DF12-6D40-B20C-A759384890FB}">
+      <dgm:prSet/>
+      <dgm:spPr/>
+      <dgm:t>
+        <a:bodyPr/>
+        <a:lstStyle/>
+        <a:p>
+          <a:endParaRPr lang="en-GB"/>
+        </a:p>
+      </dgm:t>
+    </dgm:pt>
+    <dgm:pt modelId="{71388600-21FF-704F-90C2-CD8013C81BEF}">
+      <dgm:prSet phldrT="[Text]" custT="1"/>
+      <dgm:spPr/>
+      <dgm:t>
+        <a:bodyPr/>
+        <a:lstStyle/>
+        <a:p>
+          <a:endParaRPr lang="en-AU" sz="1400" dirty="0"/>
+        </a:p>
+      </dgm:t>
+    </dgm:pt>
+    <dgm:pt modelId="{09B2B757-3CF0-D94C-BE82-4E3B1B1F8D1F}" type="parTrans" cxnId="{9E2E0A57-C5A8-554E-9C8E-5046F623D2C7}">
+      <dgm:prSet/>
+      <dgm:spPr/>
+      <dgm:t>
+        <a:bodyPr/>
+        <a:lstStyle/>
+        <a:p>
+          <a:endParaRPr lang="en-GB"/>
+        </a:p>
+      </dgm:t>
+    </dgm:pt>
+    <dgm:pt modelId="{9E3D429F-80AC-BD4E-B3E3-D9A7A537CFA4}" type="sibTrans" cxnId="{9E2E0A57-C5A8-554E-9C8E-5046F623D2C7}">
+      <dgm:prSet/>
+      <dgm:spPr/>
+      <dgm:t>
+        <a:bodyPr/>
+        <a:lstStyle/>
+        <a:p>
+          <a:endParaRPr lang="en-GB"/>
+        </a:p>
+      </dgm:t>
+    </dgm:pt>
+    <dgm:pt modelId="{70B7EB28-2F74-A640-802C-064A59BF5EC1}">
+      <dgm:prSet phldrT="[Text]" custT="1"/>
+      <dgm:spPr/>
+      <dgm:t>
+        <a:bodyPr/>
+        <a:lstStyle/>
+        <a:p>
+          <a:r>
+            <a:rPr lang="en-AU" sz="1400" dirty="0"/>
+            <a:t>Evaluate Model</a:t>
+          </a:r>
+        </a:p>
+      </dgm:t>
+    </dgm:pt>
+    <dgm:pt modelId="{09145397-6F97-AF4E-B4FE-69C266A819D8}" type="parTrans" cxnId="{5EAADFF8-7FB1-1D41-AEB7-434D8FBCA058}">
+      <dgm:prSet/>
+      <dgm:spPr/>
+      <dgm:t>
+        <a:bodyPr/>
+        <a:lstStyle/>
+        <a:p>
+          <a:endParaRPr lang="en-GB"/>
+        </a:p>
+      </dgm:t>
+    </dgm:pt>
+    <dgm:pt modelId="{8CCEDF1F-63C9-554D-8AB1-1003C0433030}" type="sibTrans" cxnId="{5EAADFF8-7FB1-1D41-AEB7-434D8FBCA058}">
+      <dgm:prSet/>
+      <dgm:spPr/>
+      <dgm:t>
+        <a:bodyPr/>
+        <a:lstStyle/>
+        <a:p>
+          <a:endParaRPr lang="en-GB"/>
+        </a:p>
+      </dgm:t>
+    </dgm:pt>
+    <dgm:pt modelId="{004245E3-D58F-7E4F-86E2-682FADE388E4}">
+      <dgm:prSet phldrT="[Text]" custT="1"/>
+      <dgm:spPr/>
+      <dgm:t>
+        <a:bodyPr/>
+        <a:lstStyle/>
+        <a:p>
+          <a:endParaRPr lang="en-AU" sz="1400" dirty="0"/>
+        </a:p>
+      </dgm:t>
+    </dgm:pt>
+    <dgm:pt modelId="{C4A5660C-72C5-FC40-BD8F-7DA01D87C433}" type="parTrans" cxnId="{540467E7-9D66-5F48-AB80-3C51126021BC}">
+      <dgm:prSet/>
+      <dgm:spPr/>
+      <dgm:t>
+        <a:bodyPr/>
+        <a:lstStyle/>
+        <a:p>
+          <a:endParaRPr lang="en-GB"/>
+        </a:p>
+      </dgm:t>
+    </dgm:pt>
+    <dgm:pt modelId="{5A718391-1D9E-2A4F-B814-5C793BB4596A}" type="sibTrans" cxnId="{540467E7-9D66-5F48-AB80-3C51126021BC}">
+      <dgm:prSet/>
+      <dgm:spPr/>
+      <dgm:t>
+        <a:bodyPr/>
+        <a:lstStyle/>
+        <a:p>
+          <a:endParaRPr lang="en-GB"/>
+        </a:p>
+      </dgm:t>
+    </dgm:pt>
+    <dgm:pt modelId="{4D752997-0193-B74A-B642-FECFF2DAC645}">
+      <dgm:prSet phldrT="[Text]" custT="1"/>
+      <dgm:spPr/>
+      <dgm:t>
+        <a:bodyPr/>
+        <a:lstStyle/>
+        <a:p>
+          <a:r>
+            <a:rPr lang="en-AU" sz="1400" dirty="0"/>
+            <a:t>Accuracy score</a:t>
+          </a:r>
+        </a:p>
+      </dgm:t>
+    </dgm:pt>
+    <dgm:pt modelId="{562BF9CE-707F-8C4F-A000-D8BF9EA35082}" type="parTrans" cxnId="{7104E7E2-51B1-9648-8569-71CF513A46EB}">
+      <dgm:prSet/>
+      <dgm:spPr/>
+      <dgm:t>
+        <a:bodyPr/>
+        <a:lstStyle/>
+        <a:p>
+          <a:endParaRPr lang="en-GB"/>
+        </a:p>
+      </dgm:t>
+    </dgm:pt>
+    <dgm:pt modelId="{E44FF420-D2D9-4E45-A47A-71CA52F1242C}" type="sibTrans" cxnId="{7104E7E2-51B1-9648-8569-71CF513A46EB}">
+      <dgm:prSet/>
+      <dgm:spPr/>
+      <dgm:t>
+        <a:bodyPr/>
+        <a:lstStyle/>
+        <a:p>
+          <a:endParaRPr lang="en-GB"/>
+        </a:p>
+      </dgm:t>
+    </dgm:pt>
+    <dgm:pt modelId="{3B0863DB-5AA5-C048-AF5D-9E86DE232D56}">
+      <dgm:prSet phldrT="[Text]" custT="1"/>
+      <dgm:spPr/>
+      <dgm:t>
+        <a:bodyPr/>
+        <a:lstStyle/>
+        <a:p>
+          <a:r>
+            <a:rPr lang="en-AU" sz="1400" dirty="0"/>
+            <a:t>Confusion Matrix</a:t>
+          </a:r>
+        </a:p>
+      </dgm:t>
+    </dgm:pt>
+    <dgm:pt modelId="{5BF793A2-923C-DB49-B3B7-000FB2E369A2}" type="parTrans" cxnId="{CC7813EE-A274-5345-A17B-955E328D91E8}">
+      <dgm:prSet/>
+      <dgm:spPr/>
+      <dgm:t>
+        <a:bodyPr/>
+        <a:lstStyle/>
+        <a:p>
+          <a:endParaRPr lang="en-GB"/>
+        </a:p>
+      </dgm:t>
+    </dgm:pt>
+    <dgm:pt modelId="{F019D74A-39EB-404C-8D9B-80A9F802CC4F}" type="sibTrans" cxnId="{CC7813EE-A274-5345-A17B-955E328D91E8}">
+      <dgm:prSet/>
+      <dgm:spPr/>
+      <dgm:t>
+        <a:bodyPr/>
+        <a:lstStyle/>
+        <a:p>
+          <a:endParaRPr lang="en-GB"/>
+        </a:p>
+      </dgm:t>
+    </dgm:pt>
+    <dgm:pt modelId="{FABEDAA4-D0D6-6E4F-A8B9-516ED237D645}">
+      <dgm:prSet phldrT="[Text]" custT="1"/>
+      <dgm:spPr/>
+      <dgm:t>
+        <a:bodyPr/>
+        <a:lstStyle/>
+        <a:p>
+          <a:r>
+            <a:rPr lang="en-AU" sz="1400" dirty="0"/>
+            <a:t>Classification report</a:t>
+          </a:r>
+        </a:p>
+      </dgm:t>
+    </dgm:pt>
+    <dgm:pt modelId="{10AD6F61-4359-2840-B698-5EC681AC6950}" type="parTrans" cxnId="{635DE193-ADAB-264B-9461-B09FCF52754D}">
+      <dgm:prSet/>
+      <dgm:spPr/>
+      <dgm:t>
+        <a:bodyPr/>
+        <a:lstStyle/>
+        <a:p>
+          <a:endParaRPr lang="en-GB"/>
+        </a:p>
+      </dgm:t>
+    </dgm:pt>
+    <dgm:pt modelId="{7A730C74-3C7D-AA47-883F-53FFB1A66905}" type="sibTrans" cxnId="{635DE193-ADAB-264B-9461-B09FCF52754D}">
+      <dgm:prSet/>
+      <dgm:spPr/>
+      <dgm:t>
+        <a:bodyPr/>
+        <a:lstStyle/>
+        <a:p>
+          <a:endParaRPr lang="en-GB"/>
+        </a:p>
+      </dgm:t>
+    </dgm:pt>
+    <dgm:pt modelId="{EA56C81B-2598-D240-A314-E97337CE79B0}">
+      <dgm:prSet phldrT="[Text]" custT="1"/>
+      <dgm:spPr/>
+      <dgm:t>
+        <a:bodyPr/>
+        <a:lstStyle/>
+        <a:p>
+          <a:endParaRPr lang="en-AU" sz="1400" dirty="0"/>
+        </a:p>
+      </dgm:t>
+    </dgm:pt>
+    <dgm:pt modelId="{473DD5E9-FFB2-4345-B318-0ED51AB7A3D2}" type="parTrans" cxnId="{26319D7E-D942-EB49-B6B7-7F684A3AD34A}">
+      <dgm:prSet/>
+      <dgm:spPr/>
+      <dgm:t>
+        <a:bodyPr/>
+        <a:lstStyle/>
+        <a:p>
+          <a:endParaRPr lang="en-GB"/>
+        </a:p>
+      </dgm:t>
+    </dgm:pt>
+    <dgm:pt modelId="{7D6CF148-E047-D74E-B99B-C2B26D182EF5}" type="sibTrans" cxnId="{26319D7E-D942-EB49-B6B7-7F684A3AD34A}">
+      <dgm:prSet/>
+      <dgm:spPr/>
+      <dgm:t>
+        <a:bodyPr/>
+        <a:lstStyle/>
+        <a:p>
+          <a:endParaRPr lang="en-GB"/>
+        </a:p>
+      </dgm:t>
+    </dgm:pt>
+    <dgm:pt modelId="{F16D854A-D615-5141-8F01-9329F08B1492}">
+      <dgm:prSet phldrT="[Text]" custT="1"/>
+      <dgm:spPr/>
+      <dgm:t>
+        <a:bodyPr/>
+        <a:lstStyle/>
+        <a:p>
+          <a:r>
+            <a:rPr lang="en-AU" sz="1400" dirty="0"/>
+            <a:t>Feature Selection</a:t>
+          </a:r>
+        </a:p>
+      </dgm:t>
+    </dgm:pt>
+    <dgm:pt modelId="{A87E04F8-DE38-B34E-8382-F2BC10E0A4DF}" type="parTrans" cxnId="{72816282-56B7-D448-A5EA-CD0684350497}">
+      <dgm:prSet/>
+      <dgm:spPr/>
+      <dgm:t>
+        <a:bodyPr/>
+        <a:lstStyle/>
+        <a:p>
+          <a:endParaRPr lang="en-GB"/>
+        </a:p>
+      </dgm:t>
+    </dgm:pt>
+    <dgm:pt modelId="{FD72C812-174E-2543-9EB5-1129F04117F3}" type="sibTrans" cxnId="{72816282-56B7-D448-A5EA-CD0684350497}">
+      <dgm:prSet/>
+      <dgm:spPr/>
+      <dgm:t>
+        <a:bodyPr/>
+        <a:lstStyle/>
+        <a:p>
+          <a:endParaRPr lang="en-GB"/>
+        </a:p>
+      </dgm:t>
+    </dgm:pt>
+    <dgm:pt modelId="{68EE18BA-6D20-114C-A395-CE9F631A83C2}">
+      <dgm:prSet phldrT="[Text]" custT="1"/>
+      <dgm:spPr/>
+      <dgm:t>
+        <a:bodyPr/>
+        <a:lstStyle/>
+        <a:p>
+          <a:endParaRPr lang="en-AU" sz="1400" dirty="0"/>
+        </a:p>
+      </dgm:t>
+    </dgm:pt>
+    <dgm:pt modelId="{A3F8B19B-BD35-554A-8FE8-1E2CDF94FACB}" type="parTrans" cxnId="{81A8DA66-2D61-1343-88A0-D273854B4BFE}">
+      <dgm:prSet/>
+      <dgm:spPr/>
+      <dgm:t>
+        <a:bodyPr/>
+        <a:lstStyle/>
+        <a:p>
+          <a:endParaRPr lang="en-GB"/>
+        </a:p>
+      </dgm:t>
+    </dgm:pt>
+    <dgm:pt modelId="{1DD24965-B5A5-0B4D-BD10-D9B231638CED}" type="sibTrans" cxnId="{81A8DA66-2D61-1343-88A0-D273854B4BFE}">
+      <dgm:prSet/>
+      <dgm:spPr/>
+      <dgm:t>
+        <a:bodyPr/>
+        <a:lstStyle/>
+        <a:p>
+          <a:endParaRPr lang="en-GB"/>
+        </a:p>
+      </dgm:t>
+    </dgm:pt>
+    <dgm:pt modelId="{BD46FECC-931E-054E-8EB2-A5E0530AEC3C}">
+      <dgm:prSet phldrT="[Text]" custT="1"/>
+      <dgm:spPr/>
+      <dgm:t>
+        <a:bodyPr/>
+        <a:lstStyle/>
+        <a:p>
+          <a:endParaRPr lang="en-AU" sz="1400" dirty="0"/>
+        </a:p>
+      </dgm:t>
+    </dgm:pt>
+    <dgm:pt modelId="{203FFBA7-7209-3A44-B584-D81F3F3DBC7E}" type="parTrans" cxnId="{E43408EF-A29E-6B41-8E4E-34C503CC9BFF}">
+      <dgm:prSet/>
+      <dgm:spPr/>
+      <dgm:t>
+        <a:bodyPr/>
+        <a:lstStyle/>
+        <a:p>
+          <a:endParaRPr lang="en-GB"/>
+        </a:p>
+      </dgm:t>
+    </dgm:pt>
+    <dgm:pt modelId="{6B99A7E0-53D3-CA4A-AB95-CE6B37597D52}" type="sibTrans" cxnId="{E43408EF-A29E-6B41-8E4E-34C503CC9BFF}">
+      <dgm:prSet/>
+      <dgm:spPr/>
+      <dgm:t>
+        <a:bodyPr/>
+        <a:lstStyle/>
+        <a:p>
+          <a:endParaRPr lang="en-GB"/>
+        </a:p>
+      </dgm:t>
+    </dgm:pt>
+    <dgm:pt modelId="{60E0E03A-0BF1-D44F-8FA6-E853DDCC7497}">
+      <dgm:prSet phldrT="[Text]" custT="1"/>
+      <dgm:spPr/>
+      <dgm:t>
+        <a:bodyPr/>
+        <a:lstStyle/>
+        <a:p>
+          <a:r>
+            <a:rPr lang="en-AU" sz="1400" dirty="0"/>
+            <a:t>Hyperparameters</a:t>
+          </a:r>
+        </a:p>
+      </dgm:t>
+    </dgm:pt>
+    <dgm:pt modelId="{A4571AC3-5649-6940-B816-91697001EFAB}" type="parTrans" cxnId="{19B67AA7-822C-CD4C-AF18-B2E4FB4ABE86}">
+      <dgm:prSet/>
+      <dgm:spPr/>
+      <dgm:t>
+        <a:bodyPr/>
+        <a:lstStyle/>
+        <a:p>
+          <a:endParaRPr lang="en-GB"/>
+        </a:p>
+      </dgm:t>
+    </dgm:pt>
+    <dgm:pt modelId="{E06EB6BE-697B-7741-AA08-72153A6A0938}" type="sibTrans" cxnId="{19B67AA7-822C-CD4C-AF18-B2E4FB4ABE86}">
+      <dgm:prSet/>
+      <dgm:spPr/>
+      <dgm:t>
+        <a:bodyPr/>
+        <a:lstStyle/>
+        <a:p>
+          <a:endParaRPr lang="en-GB"/>
+        </a:p>
+      </dgm:t>
+    </dgm:pt>
+    <dgm:pt modelId="{73407205-7ED8-BF41-88C6-4BC99BEA5924}">
+      <dgm:prSet phldrT="[Text]" custT="1"/>
+      <dgm:spPr/>
+      <dgm:t>
+        <a:bodyPr/>
+        <a:lstStyle/>
+        <a:p>
+          <a:endParaRPr lang="en-AU" sz="1400" dirty="0"/>
+        </a:p>
+      </dgm:t>
+    </dgm:pt>
+    <dgm:pt modelId="{73DB272B-C2A9-0747-A813-D968960D0AB6}" type="parTrans" cxnId="{626F77F7-D20D-CE45-B32D-1621E119833A}">
+      <dgm:prSet/>
+      <dgm:spPr/>
+      <dgm:t>
+        <a:bodyPr/>
+        <a:lstStyle/>
+        <a:p>
+          <a:endParaRPr lang="en-GB"/>
+        </a:p>
+      </dgm:t>
+    </dgm:pt>
+    <dgm:pt modelId="{4FDA1382-9579-5045-A33B-48300D8C7ACF}" type="sibTrans" cxnId="{626F77F7-D20D-CE45-B32D-1621E119833A}">
+      <dgm:prSet/>
+      <dgm:spPr/>
+      <dgm:t>
+        <a:bodyPr/>
+        <a:lstStyle/>
+        <a:p>
+          <a:endParaRPr lang="en-GB"/>
+        </a:p>
+      </dgm:t>
+    </dgm:pt>
+    <dgm:pt modelId="{514891BE-D68C-1545-9846-9DAFBBB8F517}">
+      <dgm:prSet phldrT="[Text]" custT="1"/>
+      <dgm:spPr/>
+      <dgm:t>
+        <a:bodyPr/>
+        <a:lstStyle/>
+        <a:p>
+          <a:r>
+            <a:rPr lang="en-AU" sz="1400" dirty="0"/>
+            <a:t>Neural network</a:t>
+          </a:r>
+        </a:p>
+      </dgm:t>
+    </dgm:pt>
+    <dgm:pt modelId="{A02570E0-993A-A44D-AB49-9477AFF69DAB}" type="parTrans" cxnId="{A60145D4-5DBF-3B44-8EE2-2C83CEFF7474}">
+      <dgm:prSet/>
+      <dgm:spPr/>
+      <dgm:t>
+        <a:bodyPr/>
+        <a:lstStyle/>
+        <a:p>
+          <a:endParaRPr lang="en-GB"/>
+        </a:p>
+      </dgm:t>
+    </dgm:pt>
+    <dgm:pt modelId="{DDCD0135-DE33-BC43-BB6D-21E97E6C3165}" type="sibTrans" cxnId="{A60145D4-5DBF-3B44-8EE2-2C83CEFF7474}">
+      <dgm:prSet/>
+      <dgm:spPr/>
+      <dgm:t>
+        <a:bodyPr/>
+        <a:lstStyle/>
+        <a:p>
+          <a:endParaRPr lang="en-GB"/>
+        </a:p>
+      </dgm:t>
+    </dgm:pt>
+    <dgm:pt modelId="{07D75612-E7E8-2044-BD06-B197CB203504}">
+      <dgm:prSet phldrT="[Text]" custT="1"/>
+      <dgm:spPr/>
+      <dgm:t>
+        <a:bodyPr/>
+        <a:lstStyle/>
+        <a:p>
+          <a:endParaRPr lang="en-AU" sz="1400" dirty="0"/>
+        </a:p>
+      </dgm:t>
+    </dgm:pt>
+    <dgm:pt modelId="{14125309-A59F-DA48-ACEB-8D4A0C0224B9}" type="parTrans" cxnId="{D768D2F9-A8A1-4A4E-A359-1644C720E5B0}">
+      <dgm:prSet/>
+      <dgm:spPr/>
+      <dgm:t>
+        <a:bodyPr/>
+        <a:lstStyle/>
+        <a:p>
+          <a:endParaRPr lang="en-GB"/>
+        </a:p>
+      </dgm:t>
+    </dgm:pt>
+    <dgm:pt modelId="{536DA08D-4498-6B40-BEBE-0584BDEC6663}" type="sibTrans" cxnId="{D768D2F9-A8A1-4A4E-A359-1644C720E5B0}">
+      <dgm:prSet/>
+      <dgm:spPr/>
+      <dgm:t>
+        <a:bodyPr/>
+        <a:lstStyle/>
+        <a:p>
+          <a:endParaRPr lang="en-GB"/>
+        </a:p>
+      </dgm:t>
+    </dgm:pt>
+    <dgm:pt modelId="{DC8B24FB-5231-4E4E-9A75-85A4027CD447}">
+      <dgm:prSet phldrT="[Text]" custT="1"/>
+      <dgm:spPr/>
+      <dgm:t>
+        <a:bodyPr/>
+        <a:lstStyle/>
+        <a:p>
+          <a:r>
+            <a:rPr lang="en-AU" sz="1400" dirty="0"/>
+            <a:t>Summary statistics</a:t>
+          </a:r>
+        </a:p>
+      </dgm:t>
+    </dgm:pt>
+    <dgm:pt modelId="{F998DCF4-9B52-8542-8F30-82C84D97D6D6}" type="parTrans" cxnId="{B6961ABF-C1A6-C44E-8E2C-1BB85893A467}">
+      <dgm:prSet/>
+      <dgm:spPr/>
+      <dgm:t>
+        <a:bodyPr/>
+        <a:lstStyle/>
+        <a:p>
+          <a:endParaRPr lang="en-GB"/>
+        </a:p>
+      </dgm:t>
+    </dgm:pt>
+    <dgm:pt modelId="{6A30BBD0-16AA-184B-9463-B66055CE6961}" type="sibTrans" cxnId="{B6961ABF-C1A6-C44E-8E2C-1BB85893A467}">
+      <dgm:prSet/>
+      <dgm:spPr/>
+      <dgm:t>
+        <a:bodyPr/>
+        <a:lstStyle/>
+        <a:p>
+          <a:endParaRPr lang="en-GB"/>
+        </a:p>
+      </dgm:t>
+    </dgm:pt>
+    <dgm:pt modelId="{F2894729-5F01-7544-8DD0-6BCB26D79A96}">
+      <dgm:prSet phldrT="[Text]" custT="1"/>
+      <dgm:spPr/>
+      <dgm:t>
+        <a:bodyPr/>
+        <a:lstStyle/>
+        <a:p>
+          <a:endParaRPr lang="en-AU" sz="1400" dirty="0"/>
+        </a:p>
+      </dgm:t>
+    </dgm:pt>
+    <dgm:pt modelId="{1D2FDB6C-4C49-3C4B-9B03-6AD51C5CC041}" type="parTrans" cxnId="{C03C9EBF-DF7B-7C48-91F7-FE3BCB057B05}">
+      <dgm:prSet/>
+      <dgm:spPr/>
+      <dgm:t>
+        <a:bodyPr/>
+        <a:lstStyle/>
+        <a:p>
+          <a:endParaRPr lang="en-GB"/>
+        </a:p>
+      </dgm:t>
+    </dgm:pt>
+    <dgm:pt modelId="{00C8866D-AD08-6D48-85B0-168AFCF739DC}" type="sibTrans" cxnId="{C03C9EBF-DF7B-7C48-91F7-FE3BCB057B05}">
+      <dgm:prSet/>
+      <dgm:spPr/>
+      <dgm:t>
+        <a:bodyPr/>
+        <a:lstStyle/>
+        <a:p>
+          <a:endParaRPr lang="en-GB"/>
+        </a:p>
+      </dgm:t>
+    </dgm:pt>
+    <dgm:pt modelId="{8F6CB1A0-C84C-1E4A-BDA5-64DEB8AC123C}">
+      <dgm:prSet phldrT="[Text]" custT="1"/>
+      <dgm:spPr/>
+      <dgm:t>
+        <a:bodyPr/>
+        <a:lstStyle/>
+        <a:p>
+          <a:r>
+            <a:rPr lang="en-AU" sz="1400" dirty="0"/>
+            <a:t>Value-counts</a:t>
+          </a:r>
+        </a:p>
+      </dgm:t>
+    </dgm:pt>
+    <dgm:pt modelId="{ABAD5186-61B2-5F4D-9E06-F6AB9E460EB1}" type="parTrans" cxnId="{09F50D4F-1B06-284A-A730-B3A2D1A3910E}">
+      <dgm:prSet/>
+      <dgm:spPr/>
+      <dgm:t>
+        <a:bodyPr/>
+        <a:lstStyle/>
+        <a:p>
+          <a:endParaRPr lang="en-GB"/>
+        </a:p>
+      </dgm:t>
+    </dgm:pt>
+    <dgm:pt modelId="{388128F0-6A27-FF47-A51A-638AC42C19C2}" type="sibTrans" cxnId="{09F50D4F-1B06-284A-A730-B3A2D1A3910E}">
+      <dgm:prSet/>
+      <dgm:spPr/>
+      <dgm:t>
+        <a:bodyPr/>
+        <a:lstStyle/>
+        <a:p>
+          <a:endParaRPr lang="en-GB"/>
+        </a:p>
+      </dgm:t>
+    </dgm:pt>
+    <dgm:pt modelId="{801189BB-C81A-8D48-85A2-0B52BEFE3396}">
+      <dgm:prSet phldrT="[Text]" custT="1"/>
+      <dgm:spPr/>
+      <dgm:t>
+        <a:bodyPr/>
+        <a:lstStyle/>
+        <a:p>
+          <a:r>
+            <a:rPr lang="en-AU" sz="1400" dirty="0"/>
+            <a:t>Histograms</a:t>
+          </a:r>
+        </a:p>
+      </dgm:t>
+    </dgm:pt>
+    <dgm:pt modelId="{8E3F0584-B44E-7145-B6B3-896BB68EBE47}" type="parTrans" cxnId="{6FAF4C98-C67A-B143-9D16-630520EEB36E}">
+      <dgm:prSet/>
+      <dgm:spPr/>
+      <dgm:t>
+        <a:bodyPr/>
+        <a:lstStyle/>
+        <a:p>
+          <a:endParaRPr lang="en-GB"/>
+        </a:p>
+      </dgm:t>
+    </dgm:pt>
+    <dgm:pt modelId="{51E2C986-55E6-5640-8847-E1010CD33C62}" type="sibTrans" cxnId="{6FAF4C98-C67A-B143-9D16-630520EEB36E}">
+      <dgm:prSet/>
+      <dgm:spPr/>
+      <dgm:t>
+        <a:bodyPr/>
+        <a:lstStyle/>
+        <a:p>
+          <a:endParaRPr lang="en-GB"/>
+        </a:p>
+      </dgm:t>
+    </dgm:pt>
+    <dgm:pt modelId="{28B6FF32-D854-8F4F-A5F0-E3AB73C5DA56}">
+      <dgm:prSet phldrT="[Text]" custT="1"/>
+      <dgm:spPr/>
+      <dgm:t>
+        <a:bodyPr/>
+        <a:lstStyle/>
+        <a:p>
+          <a:r>
+            <a:rPr lang="en-AU" sz="1400" dirty="0"/>
+            <a:t>Bar/pie plots</a:t>
+          </a:r>
+        </a:p>
+      </dgm:t>
+    </dgm:pt>
+    <dgm:pt modelId="{316F805D-EF34-5341-8557-69F858DE4E32}" type="parTrans" cxnId="{8AFD45E1-8B77-F849-B847-6A90A2E35D24}">
+      <dgm:prSet/>
+      <dgm:spPr/>
+      <dgm:t>
+        <a:bodyPr/>
+        <a:lstStyle/>
+        <a:p>
+          <a:endParaRPr lang="en-GB"/>
+        </a:p>
+      </dgm:t>
+    </dgm:pt>
+    <dgm:pt modelId="{C584065E-20DE-6749-ABC2-8A818DDC8760}" type="sibTrans" cxnId="{8AFD45E1-8B77-F849-B847-6A90A2E35D24}">
+      <dgm:prSet/>
+      <dgm:spPr/>
+      <dgm:t>
+        <a:bodyPr/>
+        <a:lstStyle/>
+        <a:p>
+          <a:endParaRPr lang="en-GB"/>
+        </a:p>
+      </dgm:t>
+    </dgm:pt>
+    <dgm:pt modelId="{CD7E0659-5DA8-2942-8E27-3707BB182C24}">
+      <dgm:prSet phldrT="[Text]" custT="1"/>
+      <dgm:spPr/>
+      <dgm:t>
+        <a:bodyPr/>
+        <a:lstStyle/>
+        <a:p>
+          <a:endParaRPr lang="en-AU" sz="1400" dirty="0"/>
+        </a:p>
+      </dgm:t>
+    </dgm:pt>
+    <dgm:pt modelId="{F3381ACC-4291-094F-B0E7-D0BCC3B26E7E}" type="parTrans" cxnId="{A88EA4CD-3A90-E848-8B54-F931CB0ABE20}">
+      <dgm:prSet/>
+      <dgm:spPr/>
+      <dgm:t>
+        <a:bodyPr/>
+        <a:lstStyle/>
+        <a:p>
+          <a:endParaRPr lang="en-GB"/>
+        </a:p>
+      </dgm:t>
+    </dgm:pt>
+    <dgm:pt modelId="{55199474-55AB-8641-8251-779CF687EAA3}" type="sibTrans" cxnId="{A88EA4CD-3A90-E848-8B54-F931CB0ABE20}">
+      <dgm:prSet/>
+      <dgm:spPr/>
+      <dgm:t>
+        <a:bodyPr/>
+        <a:lstStyle/>
+        <a:p>
+          <a:endParaRPr lang="en-GB"/>
+        </a:p>
+      </dgm:t>
+    </dgm:pt>
+    <dgm:pt modelId="{F9DAFCDD-9D37-6A44-B26B-45BD9477575F}">
+      <dgm:prSet phldrT="[Text]" custT="1"/>
+      <dgm:spPr/>
+      <dgm:t>
+        <a:bodyPr/>
+        <a:lstStyle/>
+        <a:p>
+          <a:r>
+            <a:rPr lang="en-AU" sz="1400" dirty="0"/>
+            <a:t>Pair plot</a:t>
+          </a:r>
+        </a:p>
+      </dgm:t>
+    </dgm:pt>
+    <dgm:pt modelId="{4483DCF6-5294-B641-B447-C5839F349AAC}" type="parTrans" cxnId="{C2E7EAF3-D10F-0942-8F1C-62431DD8F630}">
+      <dgm:prSet/>
+      <dgm:spPr/>
+      <dgm:t>
+        <a:bodyPr/>
+        <a:lstStyle/>
+        <a:p>
+          <a:endParaRPr lang="en-GB"/>
+        </a:p>
+      </dgm:t>
+    </dgm:pt>
+    <dgm:pt modelId="{C6DC27B8-3271-7F4E-A499-E0A8688F8045}" type="sibTrans" cxnId="{C2E7EAF3-D10F-0942-8F1C-62431DD8F630}">
+      <dgm:prSet/>
+      <dgm:spPr/>
+      <dgm:t>
+        <a:bodyPr/>
+        <a:lstStyle/>
+        <a:p>
+          <a:endParaRPr lang="en-GB"/>
+        </a:p>
+      </dgm:t>
+    </dgm:pt>
+    <dgm:pt modelId="{88D376F0-7E7E-BA42-875E-EFCBF8ED1578}">
+      <dgm:prSet phldrT="[Text]" custT="1"/>
+      <dgm:spPr/>
+      <dgm:t>
+        <a:bodyPr/>
+        <a:lstStyle/>
+        <a:p>
+          <a:r>
+            <a:rPr lang="en-AU" sz="1400" dirty="0"/>
+            <a:t>Correlation matrix</a:t>
+          </a:r>
+        </a:p>
+      </dgm:t>
+    </dgm:pt>
+    <dgm:pt modelId="{17486D80-397B-1A42-8E19-19DEE1CFFEE7}" type="parTrans" cxnId="{22F2F98E-21DA-974C-B3E6-9437B25DBBC5}">
+      <dgm:prSet/>
+      <dgm:spPr/>
+      <dgm:t>
+        <a:bodyPr/>
+        <a:lstStyle/>
+        <a:p>
+          <a:endParaRPr lang="en-GB"/>
+        </a:p>
+      </dgm:t>
+    </dgm:pt>
+    <dgm:pt modelId="{301F55B6-422D-9048-BF3F-AE2695D71E87}" type="sibTrans" cxnId="{22F2F98E-21DA-974C-B3E6-9437B25DBBC5}">
+      <dgm:prSet/>
+      <dgm:spPr/>
+      <dgm:t>
+        <a:bodyPr/>
+        <a:lstStyle/>
+        <a:p>
+          <a:endParaRPr lang="en-GB"/>
+        </a:p>
+      </dgm:t>
+    </dgm:pt>
+    <dgm:pt modelId="{5C64605B-0E28-8642-9515-CA7FAA8AFB77}">
+      <dgm:prSet phldrT="[Text]" custT="1"/>
+      <dgm:spPr/>
+      <dgm:t>
+        <a:bodyPr/>
+        <a:lstStyle/>
+        <a:p>
+          <a:r>
+            <a:rPr lang="en-AU" sz="1400" dirty="0"/>
+            <a:t>Principal Component Analysis</a:t>
+          </a:r>
+        </a:p>
+      </dgm:t>
+    </dgm:pt>
+    <dgm:pt modelId="{F6022CF8-92FA-184E-9658-BBAF298C752B}" type="parTrans" cxnId="{3B5353AA-F9B4-AB48-B3BA-A2D01F1E48E9}">
+      <dgm:prSet/>
+      <dgm:spPr/>
+      <dgm:t>
+        <a:bodyPr/>
+        <a:lstStyle/>
+        <a:p>
+          <a:endParaRPr lang="en-GB"/>
+        </a:p>
+      </dgm:t>
+    </dgm:pt>
+    <dgm:pt modelId="{DFA4BE0B-48B8-474C-9E1E-6484E0D6B6FD}" type="sibTrans" cxnId="{3B5353AA-F9B4-AB48-B3BA-A2D01F1E48E9}">
+      <dgm:prSet/>
+      <dgm:spPr/>
+      <dgm:t>
+        <a:bodyPr/>
+        <a:lstStyle/>
+        <a:p>
+          <a:endParaRPr lang="en-GB"/>
+        </a:p>
+      </dgm:t>
+    </dgm:pt>
+    <dgm:pt modelId="{706990C5-8E39-9942-92D6-C01221A203F2}">
+      <dgm:prSet phldrT="[Text]" custT="1"/>
+      <dgm:spPr/>
+      <dgm:t>
+        <a:bodyPr/>
+        <a:lstStyle/>
+        <a:p>
+          <a:r>
+            <a:rPr lang="en-AU" sz="1400" dirty="0"/>
+            <a:t>Scaling Data</a:t>
+          </a:r>
+        </a:p>
+      </dgm:t>
+    </dgm:pt>
+    <dgm:pt modelId="{82D03FFC-7886-1E49-89B2-EF25BA2560A7}" type="parTrans" cxnId="{B0157E78-C4A1-3546-A449-44C11AF2B87E}">
+      <dgm:prSet/>
+      <dgm:spPr/>
+      <dgm:t>
+        <a:bodyPr/>
+        <a:lstStyle/>
+        <a:p>
+          <a:endParaRPr lang="en-GB"/>
+        </a:p>
+      </dgm:t>
+    </dgm:pt>
+    <dgm:pt modelId="{A69CF3D3-E8FA-8F48-A5FF-C91A75ED0309}" type="sibTrans" cxnId="{B0157E78-C4A1-3546-A449-44C11AF2B87E}">
+      <dgm:prSet/>
+      <dgm:spPr/>
+      <dgm:t>
+        <a:bodyPr/>
+        <a:lstStyle/>
+        <a:p>
+          <a:endParaRPr lang="en-GB"/>
         </a:p>
       </dgm:t>
     </dgm:pt>
@@ -2187,7 +3857,7 @@
       <dgm:spPr/>
     </dgm:pt>
     <dgm:pt modelId="{9D2B5F7F-5B2F-4B91-BF15-96B599E0BCF4}" type="pres">
-      <dgm:prSet presAssocID="{CCFD6D6B-FD66-4313-8B9A-881C99F2D80F}" presName="childNode1" presStyleLbl="bgAcc1" presStyleIdx="0" presStyleCnt="5">
+      <dgm:prSet presAssocID="{CCFD6D6B-FD66-4313-8B9A-881C99F2D80F}" presName="childNode1" presStyleLbl="bgAcc1" presStyleIdx="0" presStyleCnt="5" custScaleY="100521">
         <dgm:presLayoutVars>
           <dgm:bulletEnabled val="1"/>
         </dgm:presLayoutVars>
@@ -2216,7 +3886,7 @@
       <dgm:spPr/>
     </dgm:pt>
     <dgm:pt modelId="{8A4207EB-1395-4143-BB94-898C4141A296}" type="pres">
-      <dgm:prSet presAssocID="{0017EB55-15E4-4216-B054-5BE3EBFEAFF1}" presName="Name9" presStyleLbl="sibTrans2D1" presStyleIdx="0" presStyleCnt="4"/>
+      <dgm:prSet presAssocID="{0017EB55-15E4-4216-B054-5BE3EBFEAFF1}" presName="Name9" presStyleLbl="sibTrans2D1" presStyleIdx="0" presStyleCnt="4" custLinFactNeighborX="-29937" custLinFactNeighborY="3897"/>
       <dgm:spPr/>
     </dgm:pt>
     <dgm:pt modelId="{E7A2A9F4-1B6C-4B6B-9378-5074579B86B8}" type="pres">
@@ -2228,7 +3898,7 @@
       <dgm:spPr/>
     </dgm:pt>
     <dgm:pt modelId="{743AD5AC-C6A8-4D7E-977F-36D844A7F8E6}" type="pres">
-      <dgm:prSet presAssocID="{EEAAB9E3-E7DC-46F2-BBEE-6AFD86B0CDDC}" presName="childNode2" presStyleLbl="bgAcc1" presStyleIdx="1" presStyleCnt="5">
+      <dgm:prSet presAssocID="{EEAAB9E3-E7DC-46F2-BBEE-6AFD86B0CDDC}" presName="childNode2" presStyleLbl="bgAcc1" presStyleIdx="1" presStyleCnt="5" custScaleX="90364" custScaleY="341359" custLinFactNeighborX="1167" custLinFactNeighborY="453">
         <dgm:presLayoutVars>
           <dgm:bulletEnabled val="1"/>
         </dgm:presLayoutVars>
@@ -2244,7 +3914,7 @@
       <dgm:spPr/>
     </dgm:pt>
     <dgm:pt modelId="{AE222765-4791-4CCF-B32F-E27B27667C06}" type="pres">
-      <dgm:prSet presAssocID="{EEAAB9E3-E7DC-46F2-BBEE-6AFD86B0CDDC}" presName="parentNode2" presStyleLbl="node1" presStyleIdx="1" presStyleCnt="5">
+      <dgm:prSet presAssocID="{EEAAB9E3-E7DC-46F2-BBEE-6AFD86B0CDDC}" presName="parentNode2" presStyleLbl="node1" presStyleIdx="1" presStyleCnt="5" custLinFactY="-100000" custLinFactNeighborX="2739" custLinFactNeighborY="-144877">
         <dgm:presLayoutVars>
           <dgm:chMax val="0"/>
           <dgm:bulletEnabled val="1"/>
@@ -2257,7 +3927,7 @@
       <dgm:spPr/>
     </dgm:pt>
     <dgm:pt modelId="{60D5F0D8-6C46-4C52-B693-FC7974405978}" type="pres">
-      <dgm:prSet presAssocID="{0F86576C-7C42-4458-AFE5-57776267252C}" presName="Name18" presStyleLbl="sibTrans2D1" presStyleIdx="1" presStyleCnt="4"/>
+      <dgm:prSet presAssocID="{0F86576C-7C42-4458-AFE5-57776267252C}" presName="Name18" presStyleLbl="sibTrans2D1" presStyleIdx="1" presStyleCnt="4" custLinFactNeighborX="14869" custLinFactNeighborY="-3258"/>
       <dgm:spPr/>
     </dgm:pt>
     <dgm:pt modelId="{988E68E9-7125-4EF2-9E2C-8EA0BA7CDE50}" type="pres">
@@ -2269,7 +3939,7 @@
       <dgm:spPr/>
     </dgm:pt>
     <dgm:pt modelId="{18D69007-BAA6-4D8E-B3B5-42D3F0D7B18C}" type="pres">
-      <dgm:prSet presAssocID="{5E3D9E31-112D-4134-921D-ACC0C1F34F17}" presName="childNode1" presStyleLbl="bgAcc1" presStyleIdx="2" presStyleCnt="5">
+      <dgm:prSet presAssocID="{5E3D9E31-112D-4134-921D-ACC0C1F34F17}" presName="childNode1" presStyleLbl="bgAcc1" presStyleIdx="2" presStyleCnt="5" custScaleY="157163" custLinFactNeighborY="17996">
         <dgm:presLayoutVars>
           <dgm:bulletEnabled val="1"/>
         </dgm:presLayoutVars>
@@ -2285,7 +3955,7 @@
       <dgm:spPr/>
     </dgm:pt>
     <dgm:pt modelId="{788FD7FE-8D77-4D8A-BB88-1B0B41727152}" type="pres">
-      <dgm:prSet presAssocID="{5E3D9E31-112D-4134-921D-ACC0C1F34F17}" presName="parentNode1" presStyleLbl="node1" presStyleIdx="2" presStyleCnt="5">
+      <dgm:prSet presAssocID="{5E3D9E31-112D-4134-921D-ACC0C1F34F17}" presName="parentNode1" presStyleLbl="node1" presStyleIdx="2" presStyleCnt="5" custLinFactY="33562" custLinFactNeighborX="5798" custLinFactNeighborY="100000">
         <dgm:presLayoutVars>
           <dgm:chMax val="1"/>
           <dgm:bulletEnabled val="1"/>
@@ -2298,7 +3968,7 @@
       <dgm:spPr/>
     </dgm:pt>
     <dgm:pt modelId="{BB148359-B059-41BA-91AB-B22967A4A3DA}" type="pres">
-      <dgm:prSet presAssocID="{8A69EB6C-1499-40C4-95E4-EB8387AD72F6}" presName="Name9" presStyleLbl="sibTrans2D1" presStyleIdx="2" presStyleCnt="4"/>
+      <dgm:prSet presAssocID="{8A69EB6C-1499-40C4-95E4-EB8387AD72F6}" presName="Name9" presStyleLbl="sibTrans2D1" presStyleIdx="2" presStyleCnt="4" custScaleX="115998" custLinFactNeighborX="15381" custLinFactNeighborY="13431"/>
       <dgm:spPr/>
     </dgm:pt>
     <dgm:pt modelId="{8A260E6C-F596-4FFE-B837-C002CCB942D5}" type="pres">
@@ -2310,7 +3980,7 @@
       <dgm:spPr/>
     </dgm:pt>
     <dgm:pt modelId="{71796D5B-AB65-4130-8C68-CEA523B7F38D}" type="pres">
-      <dgm:prSet presAssocID="{AAB76D82-E62B-41C3-B52C-07E8BF1B5D5E}" presName="childNode2" presStyleLbl="bgAcc1" presStyleIdx="3" presStyleCnt="5">
+      <dgm:prSet presAssocID="{AAB76D82-E62B-41C3-B52C-07E8BF1B5D5E}" presName="childNode2" presStyleLbl="bgAcc1" presStyleIdx="3" presStyleCnt="5" custScaleY="173844" custLinFactNeighborX="-800" custLinFactNeighborY="-3867">
         <dgm:presLayoutVars>
           <dgm:bulletEnabled val="1"/>
         </dgm:presLayoutVars>
@@ -2326,7 +3996,7 @@
       <dgm:spPr/>
     </dgm:pt>
     <dgm:pt modelId="{25FCC15B-B91E-442D-8C0D-AC419F2B184B}" type="pres">
-      <dgm:prSet presAssocID="{AAB76D82-E62B-41C3-B52C-07E8BF1B5D5E}" presName="parentNode2" presStyleLbl="node1" presStyleIdx="3" presStyleCnt="5">
+      <dgm:prSet presAssocID="{AAB76D82-E62B-41C3-B52C-07E8BF1B5D5E}" presName="parentNode2" presStyleLbl="node1" presStyleIdx="3" presStyleCnt="5" custLinFactNeighborX="4536" custLinFactNeighborY="-66173">
         <dgm:presLayoutVars>
           <dgm:chMax val="0"/>
           <dgm:bulletEnabled val="1"/>
@@ -2339,7 +4009,7 @@
       <dgm:spPr/>
     </dgm:pt>
     <dgm:pt modelId="{6F53FAE5-3A6F-4C91-862A-4430B7BD7D51}" type="pres">
-      <dgm:prSet presAssocID="{F7DACAEE-4211-4CDA-A717-19F0FD7D9C88}" presName="Name18" presStyleLbl="sibTrans2D1" presStyleIdx="3" presStyleCnt="4"/>
+      <dgm:prSet presAssocID="{F7DACAEE-4211-4CDA-A717-19F0FD7D9C88}" presName="Name18" presStyleLbl="sibTrans2D1" presStyleIdx="3" presStyleCnt="4" custLinFactNeighborX="5013" custLinFactNeighborY="-2100"/>
       <dgm:spPr/>
     </dgm:pt>
     <dgm:pt modelId="{8B09F25F-6D49-4412-A4CD-30351723F8AA}" type="pres">
@@ -2351,7 +4021,7 @@
       <dgm:spPr/>
     </dgm:pt>
     <dgm:pt modelId="{9291C99C-8015-4566-8592-8DC5DA23A1A0}" type="pres">
-      <dgm:prSet presAssocID="{078E15EA-AE26-4742-A9E9-37D2CDCF44C6}" presName="childNode1" presStyleLbl="bgAcc1" presStyleIdx="4" presStyleCnt="5">
+      <dgm:prSet presAssocID="{078E15EA-AE26-4742-A9E9-37D2CDCF44C6}" presName="childNode1" presStyleLbl="bgAcc1" presStyleIdx="4" presStyleCnt="5" custScaleY="147085">
         <dgm:presLayoutVars>
           <dgm:bulletEnabled val="1"/>
         </dgm:presLayoutVars>
@@ -2367,7 +4037,7 @@
       <dgm:spPr/>
     </dgm:pt>
     <dgm:pt modelId="{5A1D16DC-957D-4AFE-9021-B08B29607D6D}" type="pres">
-      <dgm:prSet presAssocID="{078E15EA-AE26-4742-A9E9-37D2CDCF44C6}" presName="parentNode1" presStyleLbl="node1" presStyleIdx="4" presStyleCnt="5">
+      <dgm:prSet presAssocID="{078E15EA-AE26-4742-A9E9-37D2CDCF44C6}" presName="parentNode1" presStyleLbl="node1" presStyleIdx="4" presStyleCnt="5" custLinFactNeighborX="-4195" custLinFactNeighborY="62181">
         <dgm:presLayoutVars>
           <dgm:chMax val="1"/>
           <dgm:bulletEnabled val="1"/>
@@ -2383,46 +4053,124 @@
   <dgm:cxnLst>
     <dgm:cxn modelId="{DAE7B000-447C-4812-A820-E4BDA2343460}" type="presOf" srcId="{CCFD6D6B-FD66-4313-8B9A-881C99F2D80F}" destId="{6620E5EB-37BD-49E5-B5D5-2351A6FC9774}" srcOrd="0" destOrd="0" presId="urn:microsoft.com/office/officeart/2005/8/layout/hProcess4"/>
     <dgm:cxn modelId="{A8800003-E29C-4045-80D5-066128D50FB7}" srcId="{28F8C22A-14E1-46CC-BB94-263BF2E4A26E}" destId="{078E15EA-AE26-4742-A9E9-37D2CDCF44C6}" srcOrd="4" destOrd="0" parTransId="{906F4036-21AB-4F36-A218-E3DC62930F87}" sibTransId="{F9508D9C-6DC7-4AA9-B82F-313498E96D34}"/>
+    <dgm:cxn modelId="{F59DE003-BF09-5F40-AFD4-D4BBD0FE9044}" type="presOf" srcId="{3B6D7BBA-0B7D-6A40-B2E7-17377863EDB7}" destId="{18D69007-BAA6-4D8E-B3B5-42D3F0D7B18C}" srcOrd="0" destOrd="1" presId="urn:microsoft.com/office/officeart/2005/8/layout/hProcess4"/>
     <dgm:cxn modelId="{70A4E403-E65F-4EED-A493-829AFB22860F}" srcId="{AAB76D82-E62B-41C3-B52C-07E8BF1B5D5E}" destId="{E5528C22-55B5-4605-9ED5-CE15317E21F0}" srcOrd="0" destOrd="0" parTransId="{E2B5FA9C-01D6-46B0-B2DB-A7F929A3CBA5}" sibTransId="{22CB2AE0-45F0-42E2-A8C6-A4017751BA69}"/>
     <dgm:cxn modelId="{AE17F906-5C0E-40A7-80D6-CF162CC15A14}" type="presOf" srcId="{DDEABF04-9B94-454E-A9AE-0C246467384A}" destId="{9D2B5F7F-5B2F-4B91-BF15-96B599E0BCF4}" srcOrd="0" destOrd="0" presId="urn:microsoft.com/office/officeart/2005/8/layout/hProcess4"/>
     <dgm:cxn modelId="{1CFC190E-3C76-4A42-B822-3D6650E48A03}" srcId="{28F8C22A-14E1-46CC-BB94-263BF2E4A26E}" destId="{5E3D9E31-112D-4134-921D-ACC0C1F34F17}" srcOrd="2" destOrd="0" parTransId="{0A28AAD4-2209-4930-AEC1-5D5A91C0FA1B}" sibTransId="{8A69EB6C-1499-40C4-95E4-EB8387AD72F6}"/>
     <dgm:cxn modelId="{EE8B1D10-8FE9-48C9-8851-5715C9D62D45}" type="presOf" srcId="{810D10D5-0505-48C1-88E9-F5B70AFE2F97}" destId="{18D69007-BAA6-4D8E-B3B5-42D3F0D7B18C}" srcOrd="0" destOrd="0" presId="urn:microsoft.com/office/officeart/2005/8/layout/hProcess4"/>
-    <dgm:cxn modelId="{AE79B41D-0635-4683-8202-C42B779BA577}" type="presOf" srcId="{387D2C4C-F5AD-4C89-AE36-97F49A7770FC}" destId="{53580BA6-390C-47DE-831B-1A7A372FB01C}" srcOrd="1" destOrd="1" presId="urn:microsoft.com/office/officeart/2005/8/layout/hProcess4"/>
-    <dgm:cxn modelId="{7E54CE1D-A1FA-48CA-B693-FD6E72097541}" type="presOf" srcId="{5D47D5F5-5874-4EBB-8103-E064B2172338}" destId="{5ABBD53D-F728-4B96-AF72-A6F23E3CD4D4}" srcOrd="1" destOrd="1" presId="urn:microsoft.com/office/officeart/2005/8/layout/hProcess4"/>
+    <dgm:cxn modelId="{E673BC15-03E8-0740-8A95-A151E98272A9}" srcId="{5E3D9E31-112D-4134-921D-ACC0C1F34F17}" destId="{3B6D7BBA-0B7D-6A40-B2E7-17377863EDB7}" srcOrd="1" destOrd="0" parTransId="{6D9663A5-AF6F-6B4E-9368-A75169F31E63}" sibTransId="{1889B5B7-2A19-6B43-85AF-12F9065E8394}"/>
+    <dgm:cxn modelId="{E405C815-26D3-7A4B-B2C8-883A9BC387D6}" type="presOf" srcId="{BD46FECC-931E-054E-8EB2-A5E0530AEC3C}" destId="{68C36A29-EA17-4862-B50E-7D74104542DF}" srcOrd="1" destOrd="3" presId="urn:microsoft.com/office/officeart/2005/8/layout/hProcess4"/>
+    <dgm:cxn modelId="{D0173517-1335-064A-BACF-488398E02505}" type="presOf" srcId="{3B0863DB-5AA5-C048-AF5D-9E86DE232D56}" destId="{68C36A29-EA17-4862-B50E-7D74104542DF}" srcOrd="1" destOrd="5" presId="urn:microsoft.com/office/officeart/2005/8/layout/hProcess4"/>
+    <dgm:cxn modelId="{6139511C-057F-3E44-AD6F-35233B369A17}" type="presOf" srcId="{801189BB-C81A-8D48-85A2-0B52BEFE3396}" destId="{743AD5AC-C6A8-4D7E-977F-36D844A7F8E6}" srcOrd="0" destOrd="4" presId="urn:microsoft.com/office/officeart/2005/8/layout/hProcess4"/>
     <dgm:cxn modelId="{4380F81D-1B3C-4E4E-A328-75018BE08BE4}" type="presOf" srcId="{E5528C22-55B5-4605-9ED5-CE15317E21F0}" destId="{71796D5B-AB65-4130-8C68-CEA523B7F38D}" srcOrd="0" destOrd="0" presId="urn:microsoft.com/office/officeart/2005/8/layout/hProcess4"/>
+    <dgm:cxn modelId="{B127D11E-20CB-5042-8271-FD097DF9FF84}" type="presOf" srcId="{07D75612-E7E8-2044-BD06-B197CB203504}" destId="{5ABBD53D-F728-4B96-AF72-A6F23E3CD4D4}" srcOrd="1" destOrd="4" presId="urn:microsoft.com/office/officeart/2005/8/layout/hProcess4"/>
+    <dgm:cxn modelId="{58FBA920-DE42-9145-BB3B-532C26E414CE}" type="presOf" srcId="{70B7EB28-2F74-A640-802C-064A59BF5EC1}" destId="{71796D5B-AB65-4130-8C68-CEA523B7F38D}" srcOrd="0" destOrd="2" presId="urn:microsoft.com/office/officeart/2005/8/layout/hProcess4"/>
     <dgm:cxn modelId="{BA0C6F28-8D0F-4657-BABD-1AD3DC8FE0D2}" type="presOf" srcId="{0F86576C-7C42-4458-AFE5-57776267252C}" destId="{60D5F0D8-6C46-4C52-B693-FC7974405978}" srcOrd="0" destOrd="0" presId="urn:microsoft.com/office/officeart/2005/8/layout/hProcess4"/>
+    <dgm:cxn modelId="{B8031629-3C35-904A-9F82-5E28BCFA314D}" type="presOf" srcId="{F2894729-5F01-7544-8DD0-6BCB26D79A96}" destId="{53580BA6-390C-47DE-831B-1A7A372FB01C}" srcOrd="1" destOrd="10" presId="urn:microsoft.com/office/officeart/2005/8/layout/hProcess4"/>
+    <dgm:cxn modelId="{9C03792C-AF34-7647-8C61-3F0AA56CCFAB}" srcId="{EEAAB9E3-E7DC-46F2-BBEE-6AFD86B0CDDC}" destId="{D6661E20-2C20-4A4B-9FB3-B4AE5AFFA60A}" srcOrd="11" destOrd="0" parTransId="{04207D8A-6457-4741-AB8B-20B8523B1BFC}" sibTransId="{02F3C074-9C74-5C4D-BDA5-97591BFCCDE4}"/>
+    <dgm:cxn modelId="{798EC72E-FAC4-5941-A7A2-5DC2C1CE9350}" type="presOf" srcId="{7F8143B7-0FD1-414A-8E87-69F18DC26853}" destId="{53580BA6-390C-47DE-831B-1A7A372FB01C}" srcOrd="1" destOrd="9" presId="urn:microsoft.com/office/officeart/2005/8/layout/hProcess4"/>
     <dgm:cxn modelId="{5E66E72E-B3C2-4081-8F2E-7FB54070C2FA}" type="presOf" srcId="{8A69EB6C-1499-40C4-95E4-EB8387AD72F6}" destId="{BB148359-B059-41BA-91AB-B22967A4A3DA}" srcOrd="0" destOrd="0" presId="urn:microsoft.com/office/officeart/2005/8/layout/hProcess4"/>
     <dgm:cxn modelId="{0C0F5439-A6C1-47C6-9BC7-BA6BFCB8F2F5}" type="presOf" srcId="{28F8C22A-14E1-46CC-BB94-263BF2E4A26E}" destId="{64B23BFD-2B18-4CA6-9584-F129E6E9EF24}" srcOrd="0" destOrd="0" presId="urn:microsoft.com/office/officeart/2005/8/layout/hProcess4"/>
-    <dgm:cxn modelId="{4224C23A-CE5B-4290-8424-7028794544F7}" srcId="{5E3D9E31-112D-4134-921D-ACC0C1F34F17}" destId="{5D47D5F5-5874-4EBB-8103-E064B2172338}" srcOrd="1" destOrd="0" parTransId="{C14125A4-7520-4042-B398-1D846CE6C051}" sibTransId="{164368E4-370A-4F1B-A187-007677616CFA}"/>
+    <dgm:cxn modelId="{3627193C-951E-9945-A6B4-D0E6FADA272C}" type="presOf" srcId="{EA56C81B-2598-D240-A314-E97337CE79B0}" destId="{9291C99C-8015-4566-8592-8DC5DA23A1A0}" srcOrd="0" destOrd="5" presId="urn:microsoft.com/office/officeart/2005/8/layout/hProcess4"/>
+    <dgm:cxn modelId="{DBA94F3D-E932-3E4C-B95C-EC16BD792837}" type="presOf" srcId="{73407205-7ED8-BF41-88C6-4BC99BEA5924}" destId="{596539F2-C013-4B98-BA1F-52742479D700}" srcOrd="1" destOrd="3" presId="urn:microsoft.com/office/officeart/2005/8/layout/hProcess4"/>
+    <dgm:cxn modelId="{5007513D-A230-434C-9394-4865C39317C8}" type="presOf" srcId="{8F6CB1A0-C84C-1E4A-BDA5-64DEB8AC123C}" destId="{53580BA6-390C-47DE-831B-1A7A372FB01C}" srcOrd="1" destOrd="3" presId="urn:microsoft.com/office/officeart/2005/8/layout/hProcess4"/>
+    <dgm:cxn modelId="{87B1973F-5227-AD48-A26D-E487ED80668F}" type="presOf" srcId="{73407205-7ED8-BF41-88C6-4BC99BEA5924}" destId="{9291C99C-8015-4566-8592-8DC5DA23A1A0}" srcOrd="0" destOrd="3" presId="urn:microsoft.com/office/officeart/2005/8/layout/hProcess4"/>
+    <dgm:cxn modelId="{1B437140-441A-EB4A-B91B-856712B00498}" type="presOf" srcId="{3B6D7BBA-0B7D-6A40-B2E7-17377863EDB7}" destId="{5ABBD53D-F728-4B96-AF72-A6F23E3CD4D4}" srcOrd="1" destOrd="1" presId="urn:microsoft.com/office/officeart/2005/8/layout/hProcess4"/>
+    <dgm:cxn modelId="{A6D2D244-A669-6849-BF0B-12354D7B3A44}" type="presOf" srcId="{F2894729-5F01-7544-8DD0-6BCB26D79A96}" destId="{743AD5AC-C6A8-4D7E-977F-36D844A7F8E6}" srcOrd="0" destOrd="10" presId="urn:microsoft.com/office/officeart/2005/8/layout/hProcess4"/>
     <dgm:cxn modelId="{16DCD045-C46A-42CB-8CF6-A87E2DD7533A}" srcId="{078E15EA-AE26-4742-A9E9-37D2CDCF44C6}" destId="{C569DC59-DEF3-42AF-B493-AB09C23F9E72}" srcOrd="0" destOrd="0" parTransId="{D71D57BC-4A07-46AD-8F0D-B082669DE4F9}" sibTransId="{07919CEE-44EB-483E-B455-1A9D3105A64E}"/>
     <dgm:cxn modelId="{5DE9F248-2BA2-40D9-8302-3771383E9C99}" type="presOf" srcId="{E5528C22-55B5-4605-9ED5-CE15317E21F0}" destId="{68C36A29-EA17-4862-B50E-7D74104542DF}" srcOrd="1" destOrd="0" presId="urn:microsoft.com/office/officeart/2005/8/layout/hProcess4"/>
+    <dgm:cxn modelId="{09F50D4F-1B06-284A-A730-B3A2D1A3910E}" srcId="{EEAAB9E3-E7DC-46F2-BBEE-6AFD86B0CDDC}" destId="{8F6CB1A0-C84C-1E4A-BDA5-64DEB8AC123C}" srcOrd="3" destOrd="0" parTransId="{ABAD5186-61B2-5F4D-9E06-F6AB9E460EB1}" sibTransId="{388128F0-6A27-FF47-A51A-638AC42C19C2}"/>
+    <dgm:cxn modelId="{0AA37B51-4851-A94F-A2B2-3CF82C0EF8AD}" type="presOf" srcId="{3B0863DB-5AA5-C048-AF5D-9E86DE232D56}" destId="{71796D5B-AB65-4130-8C68-CEA523B7F38D}" srcOrd="0" destOrd="5" presId="urn:microsoft.com/office/officeart/2005/8/layout/hProcess4"/>
+    <dgm:cxn modelId="{97273A55-3C3D-400C-A685-85F5D16F401F}" type="presOf" srcId="{5E3D9E31-112D-4134-921D-ACC0C1F34F17}" destId="{788FD7FE-8D77-4D8A-BB88-1B0B41727152}" srcOrd="0" destOrd="0" presId="urn:microsoft.com/office/officeart/2005/8/layout/hProcess4"/>
+    <dgm:cxn modelId="{0B5BE355-D46F-2541-B990-211B10C9A298}" type="presOf" srcId="{7F8143B7-0FD1-414A-8E87-69F18DC26853}" destId="{743AD5AC-C6A8-4D7E-977F-36D844A7F8E6}" srcOrd="0" destOrd="9" presId="urn:microsoft.com/office/officeart/2005/8/layout/hProcess4"/>
+    <dgm:cxn modelId="{9E2E0A57-C5A8-554E-9C8E-5046F623D2C7}" srcId="{5E3D9E31-112D-4134-921D-ACC0C1F34F17}" destId="{71388600-21FF-704F-90C2-CD8013C81BEF}" srcOrd="6" destOrd="0" parTransId="{09B2B757-3CF0-D94C-BE82-4E3B1B1F8D1F}" sibTransId="{9E3D429F-80AC-BD4E-B3E3-D9A7A537CFA4}"/>
+    <dgm:cxn modelId="{3DF1815C-07B6-3347-91EA-262FB82E7569}" type="presOf" srcId="{07D75612-E7E8-2044-BD06-B197CB203504}" destId="{18D69007-BAA6-4D8E-B3B5-42D3F0D7B18C}" srcOrd="0" destOrd="4" presId="urn:microsoft.com/office/officeart/2005/8/layout/hProcess4"/>
+    <dgm:cxn modelId="{8797F561-C0CE-BE47-A875-3C4F671B8832}" type="presOf" srcId="{EA56C81B-2598-D240-A314-E97337CE79B0}" destId="{596539F2-C013-4B98-BA1F-52742479D700}" srcOrd="1" destOrd="5" presId="urn:microsoft.com/office/officeart/2005/8/layout/hProcess4"/>
+    <dgm:cxn modelId="{C0D5C162-CA6D-CB4E-AD10-B2875E14FD98}" type="presOf" srcId="{CD7E0659-5DA8-2942-8E27-3707BB182C24}" destId="{743AD5AC-C6A8-4D7E-977F-36D844A7F8E6}" srcOrd="0" destOrd="8" presId="urn:microsoft.com/office/officeart/2005/8/layout/hProcess4"/>
+    <dgm:cxn modelId="{E82EFF64-DF12-6D40-B20C-A759384890FB}" srcId="{5E3D9E31-112D-4134-921D-ACC0C1F34F17}" destId="{3D631056-54BF-8743-86A8-281BF3AB45B0}" srcOrd="5" destOrd="0" parTransId="{80E683B0-872F-4F4E-98B9-B314D5215E66}" sibTransId="{FA61BB31-B989-8A49-88AC-A1FBA581238C}"/>
+    <dgm:cxn modelId="{C31C7D65-B829-F44D-AFD6-91A36F194A8F}" type="presOf" srcId="{70B7EB28-2F74-A640-802C-064A59BF5EC1}" destId="{68C36A29-EA17-4862-B50E-7D74104542DF}" srcOrd="1" destOrd="2" presId="urn:microsoft.com/office/officeart/2005/8/layout/hProcess4"/>
+    <dgm:cxn modelId="{241C4E66-B860-644E-8C44-86FB78A3C9BC}" type="presOf" srcId="{DC8B24FB-5231-4E4E-9A75-85A4027CD447}" destId="{53580BA6-390C-47DE-831B-1A7A372FB01C}" srcOrd="1" destOrd="2" presId="urn:microsoft.com/office/officeart/2005/8/layout/hProcess4"/>
+    <dgm:cxn modelId="{81A8DA66-2D61-1343-88A0-D273854B4BFE}" srcId="{078E15EA-AE26-4742-A9E9-37D2CDCF44C6}" destId="{68EE18BA-6D20-114C-A395-CE9F631A83C2}" srcOrd="1" destOrd="0" parTransId="{A3F8B19B-BD35-554A-8FE8-1E2CDF94FACB}" sibTransId="{1DD24965-B5A5-0B4D-BD10-D9B231638CED}"/>
     <dgm:cxn modelId="{38588C70-EC20-4F25-A60A-74F0760E2C89}" srcId="{EEAAB9E3-E7DC-46F2-BBEE-6AFD86B0CDDC}" destId="{BD0122A8-45FA-4D29-97A1-956536A7CA37}" srcOrd="0" destOrd="0" parTransId="{BBD0070F-25F3-4816-B8D3-17D0192EA4F4}" sibTransId="{A9A8DF35-CCB2-463F-B0E3-42CC7A06BE86}"/>
-    <dgm:cxn modelId="{97273A55-3C3D-400C-A685-85F5D16F401F}" type="presOf" srcId="{5E3D9E31-112D-4134-921D-ACC0C1F34F17}" destId="{788FD7FE-8D77-4D8A-BB88-1B0B41727152}" srcOrd="0" destOrd="0" presId="urn:microsoft.com/office/officeart/2005/8/layout/hProcess4"/>
-    <dgm:cxn modelId="{8BF9B182-5BB1-46DD-B971-AB4C12A67761}" type="presOf" srcId="{5D47D5F5-5874-4EBB-8103-E064B2172338}" destId="{18D69007-BAA6-4D8E-B3B5-42D3F0D7B18C}" srcOrd="0" destOrd="1" presId="urn:microsoft.com/office/officeart/2005/8/layout/hProcess4"/>
-    <dgm:cxn modelId="{5C4E0984-64F4-4D28-8F8D-2ABFF4F98AB7}" type="presOf" srcId="{387D2C4C-F5AD-4C89-AE36-97F49A7770FC}" destId="{743AD5AC-C6A8-4D7E-977F-36D844A7F8E6}" srcOrd="0" destOrd="1" presId="urn:microsoft.com/office/officeart/2005/8/layout/hProcess4"/>
-    <dgm:cxn modelId="{5E7A6884-7E0D-4176-A342-7430EC45DC41}" srcId="{CCFD6D6B-FD66-4313-8B9A-881C99F2D80F}" destId="{30F9EF2A-F995-4455-A307-181355EEADF5}" srcOrd="1" destOrd="0" parTransId="{034E46FD-4F81-41DA-9735-96E0BEAFA4F3}" sibTransId="{5C032A23-92D3-44CF-8A0C-0B303EA3419E}"/>
-    <dgm:cxn modelId="{3526DE84-33F6-4BD4-9533-567E0231A801}" type="presOf" srcId="{8C6AEFBB-C6A8-4036-BD40-9B1EF8E63CBB}" destId="{596539F2-C013-4B98-BA1F-52742479D700}" srcOrd="1" destOrd="1" presId="urn:microsoft.com/office/officeart/2005/8/layout/hProcess4"/>
+    <dgm:cxn modelId="{98261E74-D273-1548-9E74-9A8E4DA5F554}" type="presOf" srcId="{F16D854A-D615-5141-8F01-9329F08B1492}" destId="{596539F2-C013-4B98-BA1F-52742479D700}" srcOrd="1" destOrd="2" presId="urn:microsoft.com/office/officeart/2005/8/layout/hProcess4"/>
+    <dgm:cxn modelId="{B0157E78-C4A1-3546-A449-44C11AF2B87E}" srcId="{EEAAB9E3-E7DC-46F2-BBEE-6AFD86B0CDDC}" destId="{706990C5-8E39-9942-92D6-C01221A203F2}" srcOrd="12" destOrd="0" parTransId="{82D03FFC-7886-1E49-89B2-EF25BA2560A7}" sibTransId="{A69CF3D3-E8FA-8F48-A5FF-C91A75ED0309}"/>
+    <dgm:cxn modelId="{A1FC657E-749D-EF46-B6AC-8B66D3631086}" type="presOf" srcId="{D6661E20-2C20-4A4B-9FB3-B4AE5AFFA60A}" destId="{743AD5AC-C6A8-4D7E-977F-36D844A7F8E6}" srcOrd="0" destOrd="11" presId="urn:microsoft.com/office/officeart/2005/8/layout/hProcess4"/>
+    <dgm:cxn modelId="{26319D7E-D942-EB49-B6B7-7F684A3AD34A}" srcId="{078E15EA-AE26-4742-A9E9-37D2CDCF44C6}" destId="{EA56C81B-2598-D240-A314-E97337CE79B0}" srcOrd="5" destOrd="0" parTransId="{473DD5E9-FFB2-4345-B318-0ED51AB7A3D2}" sibTransId="{7D6CF148-E047-D74E-B99B-C2B26D182EF5}"/>
+    <dgm:cxn modelId="{72816282-56B7-D448-A5EA-CD0684350497}" srcId="{078E15EA-AE26-4742-A9E9-37D2CDCF44C6}" destId="{F16D854A-D615-5141-8F01-9329F08B1492}" srcOrd="2" destOrd="0" parTransId="{A87E04F8-DE38-B34E-8382-F2BC10E0A4DF}" sibTransId="{FD72C812-174E-2543-9EB5-1129F04117F3}"/>
+    <dgm:cxn modelId="{8D3CC383-C019-8D43-B65A-F444DC04BD86}" type="presOf" srcId="{71388600-21FF-704F-90C2-CD8013C81BEF}" destId="{18D69007-BAA6-4D8E-B3B5-42D3F0D7B18C}" srcOrd="0" destOrd="6" presId="urn:microsoft.com/office/officeart/2005/8/layout/hProcess4"/>
+    <dgm:cxn modelId="{3526DE84-33F6-4BD4-9533-567E0231A801}" type="presOf" srcId="{8C6AEFBB-C6A8-4036-BD40-9B1EF8E63CBB}" destId="{596539F2-C013-4B98-BA1F-52742479D700}" srcOrd="1" destOrd="6" presId="urn:microsoft.com/office/officeart/2005/8/layout/hProcess4"/>
+    <dgm:cxn modelId="{30A4AD85-B7FF-7740-9273-6CC12FFBA77D}" type="presOf" srcId="{5C64605B-0E28-8642-9515-CA7FAA8AFB77}" destId="{18D69007-BAA6-4D8E-B3B5-42D3F0D7B18C}" srcOrd="0" destOrd="2" presId="urn:microsoft.com/office/officeart/2005/8/layout/hProcess4"/>
     <dgm:cxn modelId="{E36B5387-AF9C-4550-8843-2D26E267BE78}" srcId="{5E3D9E31-112D-4134-921D-ACC0C1F34F17}" destId="{810D10D5-0505-48C1-88E9-F5B70AFE2F97}" srcOrd="0" destOrd="0" parTransId="{430D602F-70E1-468F-A7AF-D7E102351E7F}" sibTransId="{7391CBA7-3974-4DE8-A816-DA8AA56DF0DD}"/>
+    <dgm:cxn modelId="{77045688-286D-0245-9CF9-9723837CDE17}" type="presOf" srcId="{4D752997-0193-B74A-B642-FECFF2DAC645}" destId="{71796D5B-AB65-4130-8C68-CEA523B7F38D}" srcOrd="0" destOrd="4" presId="urn:microsoft.com/office/officeart/2005/8/layout/hProcess4"/>
     <dgm:cxn modelId="{C612CE88-A018-44DC-A0A6-343D53715AC9}" type="presOf" srcId="{BD0122A8-45FA-4D29-97A1-956536A7CA37}" destId="{743AD5AC-C6A8-4D7E-977F-36D844A7F8E6}" srcOrd="0" destOrd="0" presId="urn:microsoft.com/office/officeart/2005/8/layout/hProcess4"/>
     <dgm:cxn modelId="{2D0AF18A-0825-494F-9C84-3D2A6E62C752}" type="presOf" srcId="{0017EB55-15E4-4216-B054-5BE3EBFEAFF1}" destId="{8A4207EB-1395-4143-BB94-898C4141A296}" srcOrd="0" destOrd="0" presId="urn:microsoft.com/office/officeart/2005/8/layout/hProcess4"/>
-    <dgm:cxn modelId="{FE2A239C-7C2D-448E-A1FA-0E0EC50C1EE0}" type="presOf" srcId="{30F9EF2A-F995-4455-A307-181355EEADF5}" destId="{A07CE4BE-3D0F-4AF6-94CE-CAC509D5CB8A}" srcOrd="1" destOrd="1" presId="urn:microsoft.com/office/officeart/2005/8/layout/hProcess4"/>
+    <dgm:cxn modelId="{9C9D528E-AA95-104A-AA55-89E542D13F79}" type="presOf" srcId="{004245E3-D58F-7E4F-86E2-682FADE388E4}" destId="{71796D5B-AB65-4130-8C68-CEA523B7F38D}" srcOrd="0" destOrd="1" presId="urn:microsoft.com/office/officeart/2005/8/layout/hProcess4"/>
+    <dgm:cxn modelId="{22F2F98E-21DA-974C-B3E6-9437B25DBBC5}" srcId="{EEAAB9E3-E7DC-46F2-BBEE-6AFD86B0CDDC}" destId="{88D376F0-7E7E-BA42-875E-EFCBF8ED1578}" srcOrd="7" destOrd="0" parTransId="{17486D80-397B-1A42-8E19-19DEE1CFFEE7}" sibTransId="{301F55B6-422D-9048-BF3F-AE2695D71E87}"/>
+    <dgm:cxn modelId="{635DE193-ADAB-264B-9461-B09FCF52754D}" srcId="{AAB76D82-E62B-41C3-B52C-07E8BF1B5D5E}" destId="{FABEDAA4-D0D6-6E4F-A8B9-516ED237D645}" srcOrd="6" destOrd="0" parTransId="{10AD6F61-4359-2840-B698-5EC681AC6950}" sibTransId="{7A730C74-3C7D-AA47-883F-53FFB1A66905}"/>
+    <dgm:cxn modelId="{6FAF4C98-C67A-B143-9D16-630520EEB36E}" srcId="{EEAAB9E3-E7DC-46F2-BBEE-6AFD86B0CDDC}" destId="{801189BB-C81A-8D48-85A2-0B52BEFE3396}" srcOrd="4" destOrd="0" parTransId="{8E3F0584-B44E-7145-B6B3-896BB68EBE47}" sibTransId="{51E2C986-55E6-5640-8847-E1010CD33C62}"/>
+    <dgm:cxn modelId="{7DBD3B9A-21AE-5340-AF0B-F815B3900FAD}" type="presOf" srcId="{F9DAFCDD-9D37-6A44-B26B-45BD9477575F}" destId="{743AD5AC-C6A8-4D7E-977F-36D844A7F8E6}" srcOrd="0" destOrd="5" presId="urn:microsoft.com/office/officeart/2005/8/layout/hProcess4"/>
+    <dgm:cxn modelId="{F667BC9A-5B1F-BF4F-884E-E13CEA135E1A}" type="presOf" srcId="{3D631056-54BF-8743-86A8-281BF3AB45B0}" destId="{5ABBD53D-F728-4B96-AF72-A6F23E3CD4D4}" srcOrd="1" destOrd="5" presId="urn:microsoft.com/office/officeart/2005/8/layout/hProcess4"/>
     <dgm:cxn modelId="{E675BF9E-B3A0-4676-B75F-D1A2709FF39D}" srcId="{28F8C22A-14E1-46CC-BB94-263BF2E4A26E}" destId="{AAB76D82-E62B-41C3-B52C-07E8BF1B5D5E}" srcOrd="3" destOrd="0" parTransId="{B51EDC74-2A8B-43BD-A98D-BF731EB6108C}" sibTransId="{F7DACAEE-4211-4CDA-A717-19F0FD7D9C88}"/>
+    <dgm:cxn modelId="{5288A3A2-FDED-4B42-BB48-6B58077DFE07}" type="presOf" srcId="{88D376F0-7E7E-BA42-875E-EFCBF8ED1578}" destId="{743AD5AC-C6A8-4D7E-977F-36D844A7F8E6}" srcOrd="0" destOrd="7" presId="urn:microsoft.com/office/officeart/2005/8/layout/hProcess4"/>
+    <dgm:cxn modelId="{ED176BA3-7F89-484D-BE21-23ACD7BD6275}" type="presOf" srcId="{514891BE-D68C-1545-9846-9DAFBBB8F517}" destId="{5ABBD53D-F728-4B96-AF72-A6F23E3CD4D4}" srcOrd="1" destOrd="3" presId="urn:microsoft.com/office/officeart/2005/8/layout/hProcess4"/>
     <dgm:cxn modelId="{F5631FA5-A955-479D-8708-6FD57C02B0DD}" type="presOf" srcId="{AAB76D82-E62B-41C3-B52C-07E8BF1B5D5E}" destId="{25FCC15B-B91E-442D-8C0D-AC419F2B184B}" srcOrd="0" destOrd="0" presId="urn:microsoft.com/office/officeart/2005/8/layout/hProcess4"/>
-    <dgm:cxn modelId="{5F91E2AA-EE13-490A-8BB2-A8A13B48632A}" srcId="{078E15EA-AE26-4742-A9E9-37D2CDCF44C6}" destId="{8C6AEFBB-C6A8-4036-BD40-9B1EF8E63CBB}" srcOrd="1" destOrd="0" parTransId="{5CDBA549-04C2-43CF-826B-E99C4153BCB5}" sibTransId="{B72533F3-5DE5-4344-B5C2-9FAA0BBD396A}"/>
+    <dgm:cxn modelId="{A16280A6-C657-7F46-B38D-82B06A0C290E}" type="presOf" srcId="{5C64605B-0E28-8642-9515-CA7FAA8AFB77}" destId="{5ABBD53D-F728-4B96-AF72-A6F23E3CD4D4}" srcOrd="1" destOrd="2" presId="urn:microsoft.com/office/officeart/2005/8/layout/hProcess4"/>
+    <dgm:cxn modelId="{5811C4A6-6762-D245-9214-63A0CE92DF01}" type="presOf" srcId="{68EE18BA-6D20-114C-A395-CE9F631A83C2}" destId="{9291C99C-8015-4566-8592-8DC5DA23A1A0}" srcOrd="0" destOrd="1" presId="urn:microsoft.com/office/officeart/2005/8/layout/hProcess4"/>
+    <dgm:cxn modelId="{19B67AA7-822C-CD4C-AF18-B2E4FB4ABE86}" srcId="{078E15EA-AE26-4742-A9E9-37D2CDCF44C6}" destId="{60E0E03A-0BF1-D44F-8FA6-E853DDCC7497}" srcOrd="4" destOrd="0" parTransId="{A4571AC3-5649-6940-B816-91697001EFAB}" sibTransId="{E06EB6BE-697B-7741-AA08-72153A6A0938}"/>
+    <dgm:cxn modelId="{D41B43A8-42A5-0F4D-A1C6-173C6989C4D4}" type="presOf" srcId="{D6661E20-2C20-4A4B-9FB3-B4AE5AFFA60A}" destId="{53580BA6-390C-47DE-831B-1A7A372FB01C}" srcOrd="1" destOrd="11" presId="urn:microsoft.com/office/officeart/2005/8/layout/hProcess4"/>
+    <dgm:cxn modelId="{3B5353AA-F9B4-AB48-B3BA-A2D01F1E48E9}" srcId="{5E3D9E31-112D-4134-921D-ACC0C1F34F17}" destId="{5C64605B-0E28-8642-9515-CA7FAA8AFB77}" srcOrd="2" destOrd="0" parTransId="{F6022CF8-92FA-184E-9658-BBAF298C752B}" sibTransId="{DFA4BE0B-48B8-474C-9E1E-6484E0D6B6FD}"/>
+    <dgm:cxn modelId="{5F91E2AA-EE13-490A-8BB2-A8A13B48632A}" srcId="{078E15EA-AE26-4742-A9E9-37D2CDCF44C6}" destId="{8C6AEFBB-C6A8-4036-BD40-9B1EF8E63CBB}" srcOrd="6" destOrd="0" parTransId="{5CDBA549-04C2-43CF-826B-E99C4153BCB5}" sibTransId="{B72533F3-5DE5-4344-B5C2-9FAA0BBD396A}"/>
     <dgm:cxn modelId="{8D0546AC-F794-494D-95FD-06DD6FE039DF}" srcId="{CCFD6D6B-FD66-4313-8B9A-881C99F2D80F}" destId="{DDEABF04-9B94-454E-A9AE-0C246467384A}" srcOrd="0" destOrd="0" parTransId="{FAEB9E33-4908-4378-B9BD-270932093DCF}" sibTransId="{5164C96C-493A-49D6-B44C-DFAB02F8D75A}"/>
+    <dgm:cxn modelId="{D90410AD-BAC8-A64F-8305-5EE17A12E9BA}" type="presOf" srcId="{88D376F0-7E7E-BA42-875E-EFCBF8ED1578}" destId="{53580BA6-390C-47DE-831B-1A7A372FB01C}" srcOrd="1" destOrd="7" presId="urn:microsoft.com/office/officeart/2005/8/layout/hProcess4"/>
+    <dgm:cxn modelId="{34297AAE-7F85-F241-88FB-17428EDFFE4C}" type="presOf" srcId="{CD7E0659-5DA8-2942-8E27-3707BB182C24}" destId="{53580BA6-390C-47DE-831B-1A7A372FB01C}" srcOrd="1" destOrd="8" presId="urn:microsoft.com/office/officeart/2005/8/layout/hProcess4"/>
+    <dgm:cxn modelId="{6906ABAE-4F6B-C047-8406-61C4EA73B52D}" type="presOf" srcId="{F16D854A-D615-5141-8F01-9329F08B1492}" destId="{9291C99C-8015-4566-8592-8DC5DA23A1A0}" srcOrd="0" destOrd="2" presId="urn:microsoft.com/office/officeart/2005/8/layout/hProcess4"/>
+    <dgm:cxn modelId="{141FC5B1-830A-884B-8B76-26AB6C22E93A}" type="presOf" srcId="{6FA7435F-AC48-414F-8F28-1DA73023D914}" destId="{743AD5AC-C6A8-4D7E-977F-36D844A7F8E6}" srcOrd="0" destOrd="1" presId="urn:microsoft.com/office/officeart/2005/8/layout/hProcess4"/>
+    <dgm:cxn modelId="{9CB792B2-E2C1-E348-BFFF-E6EFD4F02953}" type="presOf" srcId="{BD46FECC-931E-054E-8EB2-A5E0530AEC3C}" destId="{71796D5B-AB65-4130-8C68-CEA523B7F38D}" srcOrd="0" destOrd="3" presId="urn:microsoft.com/office/officeart/2005/8/layout/hProcess4"/>
     <dgm:cxn modelId="{32F5F7B5-7068-4D91-8BB4-BAFD7EF46F8B}" type="presOf" srcId="{810D10D5-0505-48C1-88E9-F5B70AFE2F97}" destId="{5ABBD53D-F728-4B96-AF72-A6F23E3CD4D4}" srcOrd="1" destOrd="0" presId="urn:microsoft.com/office/officeart/2005/8/layout/hProcess4"/>
+    <dgm:cxn modelId="{8AFDC1B7-F5B5-DC4B-8481-313A64B4B758}" type="presOf" srcId="{68EE18BA-6D20-114C-A395-CE9F631A83C2}" destId="{596539F2-C013-4B98-BA1F-52742479D700}" srcOrd="1" destOrd="1" presId="urn:microsoft.com/office/officeart/2005/8/layout/hProcess4"/>
+    <dgm:cxn modelId="{F7CA6DBA-D69C-9B49-82F9-C627A9D8A167}" type="presOf" srcId="{FABEDAA4-D0D6-6E4F-A8B9-516ED237D645}" destId="{68C36A29-EA17-4862-B50E-7D74104542DF}" srcOrd="1" destOrd="6" presId="urn:microsoft.com/office/officeart/2005/8/layout/hProcess4"/>
     <dgm:cxn modelId="{E0A3D6BA-CDF6-4C04-B38B-B676062E97C0}" type="presOf" srcId="{DDEABF04-9B94-454E-A9AE-0C246467384A}" destId="{A07CE4BE-3D0F-4AF6-94CE-CAC509D5CB8A}" srcOrd="1" destOrd="0" presId="urn:microsoft.com/office/officeart/2005/8/layout/hProcess4"/>
+    <dgm:cxn modelId="{C73846BB-720F-7C41-8C17-2851C23B6A14}" type="presOf" srcId="{DC8B24FB-5231-4E4E-9A75-85A4027CD447}" destId="{743AD5AC-C6A8-4D7E-977F-36D844A7F8E6}" srcOrd="0" destOrd="2" presId="urn:microsoft.com/office/officeart/2005/8/layout/hProcess4"/>
+    <dgm:cxn modelId="{DB186FBB-FC28-6445-971D-ADCA60E7DFDC}" type="presOf" srcId="{3D631056-54BF-8743-86A8-281BF3AB45B0}" destId="{18D69007-BAA6-4D8E-B3B5-42D3F0D7B18C}" srcOrd="0" destOrd="5" presId="urn:microsoft.com/office/officeart/2005/8/layout/hProcess4"/>
+    <dgm:cxn modelId="{B6961ABF-C1A6-C44E-8E2C-1BB85893A467}" srcId="{EEAAB9E3-E7DC-46F2-BBEE-6AFD86B0CDDC}" destId="{DC8B24FB-5231-4E4E-9A75-85A4027CD447}" srcOrd="2" destOrd="0" parTransId="{F998DCF4-9B52-8542-8F30-82C84D97D6D6}" sibTransId="{6A30BBD0-16AA-184B-9463-B66055CE6961}"/>
+    <dgm:cxn modelId="{C03C9EBF-DF7B-7C48-91F7-FE3BCB057B05}" srcId="{EEAAB9E3-E7DC-46F2-BBEE-6AFD86B0CDDC}" destId="{F2894729-5F01-7544-8DD0-6BCB26D79A96}" srcOrd="10" destOrd="0" parTransId="{1D2FDB6C-4C49-3C4B-9B03-6AD51C5CC041}" sibTransId="{00C8866D-AD08-6D48-85B0-168AFCF739DC}"/>
+    <dgm:cxn modelId="{DBDD7FC3-FA82-504C-94A9-6618EABBED1A}" type="presOf" srcId="{514891BE-D68C-1545-9846-9DAFBBB8F517}" destId="{18D69007-BAA6-4D8E-B3B5-42D3F0D7B18C}" srcOrd="0" destOrd="3" presId="urn:microsoft.com/office/officeart/2005/8/layout/hProcess4"/>
+    <dgm:cxn modelId="{E7D997C3-6C50-844A-8F33-0B925BE1E44F}" type="presOf" srcId="{004245E3-D58F-7E4F-86E2-682FADE388E4}" destId="{68C36A29-EA17-4862-B50E-7D74104542DF}" srcOrd="1" destOrd="1" presId="urn:microsoft.com/office/officeart/2005/8/layout/hProcess4"/>
     <dgm:cxn modelId="{7BC5C5C4-DEF4-464F-8970-F36D47A6412E}" type="presOf" srcId="{F7DACAEE-4211-4CDA-A717-19F0FD7D9C88}" destId="{6F53FAE5-3A6F-4C91-862A-4430B7BD7D51}" srcOrd="0" destOrd="0" presId="urn:microsoft.com/office/officeart/2005/8/layout/hProcess4"/>
     <dgm:cxn modelId="{55B50BC5-EA89-4A7E-A53D-A4B863F7C6B1}" type="presOf" srcId="{BD0122A8-45FA-4D29-97A1-956536A7CA37}" destId="{53580BA6-390C-47DE-831B-1A7A372FB01C}" srcOrd="1" destOrd="0" presId="urn:microsoft.com/office/officeart/2005/8/layout/hProcess4"/>
-    <dgm:cxn modelId="{168F55CA-A860-406B-8FA4-1C0ACA55E301}" type="presOf" srcId="{8C6AEFBB-C6A8-4036-BD40-9B1EF8E63CBB}" destId="{9291C99C-8015-4566-8592-8DC5DA23A1A0}" srcOrd="0" destOrd="1" presId="urn:microsoft.com/office/officeart/2005/8/layout/hProcess4"/>
+    <dgm:cxn modelId="{6D10E7C6-75E7-3942-830E-68D9B477E043}" srcId="{EEAAB9E3-E7DC-46F2-BBEE-6AFD86B0CDDC}" destId="{7F8143B7-0FD1-414A-8E87-69F18DC26853}" srcOrd="9" destOrd="0" parTransId="{D1B72F0F-DDC3-6B4D-9201-607C04B13420}" sibTransId="{9E0765CE-9FBA-464A-BF81-7773DA39860C}"/>
+    <dgm:cxn modelId="{168F55CA-A860-406B-8FA4-1C0ACA55E301}" type="presOf" srcId="{8C6AEFBB-C6A8-4036-BD40-9B1EF8E63CBB}" destId="{9291C99C-8015-4566-8592-8DC5DA23A1A0}" srcOrd="0" destOrd="6" presId="urn:microsoft.com/office/officeart/2005/8/layout/hProcess4"/>
+    <dgm:cxn modelId="{76AE59CB-89AA-1842-89C2-34E9DE1361E6}" type="presOf" srcId="{801189BB-C81A-8D48-85A2-0B52BEFE3396}" destId="{53580BA6-390C-47DE-831B-1A7A372FB01C}" srcOrd="1" destOrd="4" presId="urn:microsoft.com/office/officeart/2005/8/layout/hProcess4"/>
+    <dgm:cxn modelId="{7CA994CB-763B-534D-9C91-0FE4215FE42E}" type="presOf" srcId="{8F6CB1A0-C84C-1E4A-BDA5-64DEB8AC123C}" destId="{743AD5AC-C6A8-4D7E-977F-36D844A7F8E6}" srcOrd="0" destOrd="3" presId="urn:microsoft.com/office/officeart/2005/8/layout/hProcess4"/>
+    <dgm:cxn modelId="{A88EA4CD-3A90-E848-8B54-F931CB0ABE20}" srcId="{EEAAB9E3-E7DC-46F2-BBEE-6AFD86B0CDDC}" destId="{CD7E0659-5DA8-2942-8E27-3707BB182C24}" srcOrd="8" destOrd="0" parTransId="{F3381ACC-4291-094F-B0E7-D0BCC3B26E7E}" sibTransId="{55199474-55AB-8641-8251-779CF687EAA3}"/>
+    <dgm:cxn modelId="{F98EE6CE-87EE-9149-A047-7147FED3EEE2}" type="presOf" srcId="{706990C5-8E39-9942-92D6-C01221A203F2}" destId="{743AD5AC-C6A8-4D7E-977F-36D844A7F8E6}" srcOrd="0" destOrd="12" presId="urn:microsoft.com/office/officeart/2005/8/layout/hProcess4"/>
     <dgm:cxn modelId="{CB7318D2-6299-4FC2-A93C-141B804E6A5D}" type="presOf" srcId="{EEAAB9E3-E7DC-46F2-BBEE-6AFD86B0CDDC}" destId="{AE222765-4791-4CCF-B32F-E27B27667C06}" srcOrd="0" destOrd="0" presId="urn:microsoft.com/office/officeart/2005/8/layout/hProcess4"/>
-    <dgm:cxn modelId="{90C4F0DA-1E7F-4203-8684-50785B7B0DA7}" type="presOf" srcId="{30F9EF2A-F995-4455-A307-181355EEADF5}" destId="{9D2B5F7F-5B2F-4B91-BF15-96B599E0BCF4}" srcOrd="0" destOrd="1" presId="urn:microsoft.com/office/officeart/2005/8/layout/hProcess4"/>
+    <dgm:cxn modelId="{BDB0BBD2-B83D-6F41-9546-091709396B80}" type="presOf" srcId="{60E0E03A-0BF1-D44F-8FA6-E853DDCC7497}" destId="{596539F2-C013-4B98-BA1F-52742479D700}" srcOrd="1" destOrd="4" presId="urn:microsoft.com/office/officeart/2005/8/layout/hProcess4"/>
+    <dgm:cxn modelId="{A60145D4-5DBF-3B44-8EE2-2C83CEFF7474}" srcId="{5E3D9E31-112D-4134-921D-ACC0C1F34F17}" destId="{514891BE-D68C-1545-9846-9DAFBBB8F517}" srcOrd="3" destOrd="0" parTransId="{A02570E0-993A-A44D-AB49-9477AFF69DAB}" sibTransId="{DDCD0135-DE33-BC43-BB6D-21E97E6C3165}"/>
+    <dgm:cxn modelId="{080A5CD6-FFEB-4D46-8946-235B20024937}" type="presOf" srcId="{FABEDAA4-D0D6-6E4F-A8B9-516ED237D645}" destId="{71796D5B-AB65-4130-8C68-CEA523B7F38D}" srcOrd="0" destOrd="6" presId="urn:microsoft.com/office/officeart/2005/8/layout/hProcess4"/>
+    <dgm:cxn modelId="{28A4EAD7-1655-414D-90B5-FE54C699AB3C}" type="presOf" srcId="{706990C5-8E39-9942-92D6-C01221A203F2}" destId="{53580BA6-390C-47DE-831B-1A7A372FB01C}" srcOrd="1" destOrd="12" presId="urn:microsoft.com/office/officeart/2005/8/layout/hProcess4"/>
     <dgm:cxn modelId="{EA4803DC-361C-441F-8C4A-66A2D895ED5E}" srcId="{28F8C22A-14E1-46CC-BB94-263BF2E4A26E}" destId="{EEAAB9E3-E7DC-46F2-BBEE-6AFD86B0CDDC}" srcOrd="1" destOrd="0" parTransId="{3F48FF4D-E6B4-4DAF-B348-F8E655DAE700}" sibTransId="{0F86576C-7C42-4458-AFE5-57776267252C}"/>
+    <dgm:cxn modelId="{7BB9A9DF-D8E6-774E-A8AC-A5D32F22B489}" type="presOf" srcId="{F9DAFCDD-9D37-6A44-B26B-45BD9477575F}" destId="{53580BA6-390C-47DE-831B-1A7A372FB01C}" srcOrd="1" destOrd="5" presId="urn:microsoft.com/office/officeart/2005/8/layout/hProcess4"/>
+    <dgm:cxn modelId="{844BAADF-1F2E-7E42-9149-E5D4D452B20E}" type="presOf" srcId="{71388600-21FF-704F-90C2-CD8013C81BEF}" destId="{5ABBD53D-F728-4B96-AF72-A6F23E3CD4D4}" srcOrd="1" destOrd="6" presId="urn:microsoft.com/office/officeart/2005/8/layout/hProcess4"/>
     <dgm:cxn modelId="{63CEEDE0-DC4D-4CDF-9508-DA9BAF468166}" type="presOf" srcId="{C569DC59-DEF3-42AF-B493-AB09C23F9E72}" destId="{596539F2-C013-4B98-BA1F-52742479D700}" srcOrd="1" destOrd="0" presId="urn:microsoft.com/office/officeart/2005/8/layout/hProcess4"/>
-    <dgm:cxn modelId="{CB171CE4-4E4F-4614-BEE3-B37C7EDA65E0}" srcId="{EEAAB9E3-E7DC-46F2-BBEE-6AFD86B0CDDC}" destId="{387D2C4C-F5AD-4C89-AE36-97F49A7770FC}" srcOrd="1" destOrd="0" parTransId="{CF78BE80-B757-4F56-A46A-4AEA61A5CF85}" sibTransId="{517ADCDE-4A3A-4BB0-9A0C-40DB241972FB}"/>
+    <dgm:cxn modelId="{8AFD45E1-8B77-F849-B847-6A90A2E35D24}" srcId="{EEAAB9E3-E7DC-46F2-BBEE-6AFD86B0CDDC}" destId="{28B6FF32-D854-8F4F-A5F0-E3AB73C5DA56}" srcOrd="6" destOrd="0" parTransId="{316F805D-EF34-5341-8557-69F858DE4E32}" sibTransId="{C584065E-20DE-6749-ABC2-8A818DDC8760}"/>
+    <dgm:cxn modelId="{D7C629E2-BEA5-E748-AAD6-242AC7C4A6DC}" type="presOf" srcId="{28B6FF32-D854-8F4F-A5F0-E3AB73C5DA56}" destId="{743AD5AC-C6A8-4D7E-977F-36D844A7F8E6}" srcOrd="0" destOrd="6" presId="urn:microsoft.com/office/officeart/2005/8/layout/hProcess4"/>
+    <dgm:cxn modelId="{7104E7E2-51B1-9648-8569-71CF513A46EB}" srcId="{AAB76D82-E62B-41C3-B52C-07E8BF1B5D5E}" destId="{4D752997-0193-B74A-B642-FECFF2DAC645}" srcOrd="4" destOrd="0" parTransId="{562BF9CE-707F-8C4F-A000-D8BF9EA35082}" sibTransId="{E44FF420-D2D9-4E45-A47A-71CA52F1242C}"/>
+    <dgm:cxn modelId="{1AC1E7E4-DEA6-924D-9503-FDDC570E23E8}" type="presOf" srcId="{60E0E03A-0BF1-D44F-8FA6-E853DDCC7497}" destId="{9291C99C-8015-4566-8592-8DC5DA23A1A0}" srcOrd="0" destOrd="4" presId="urn:microsoft.com/office/officeart/2005/8/layout/hProcess4"/>
+    <dgm:cxn modelId="{540467E7-9D66-5F48-AB80-3C51126021BC}" srcId="{AAB76D82-E62B-41C3-B52C-07E8BF1B5D5E}" destId="{004245E3-D58F-7E4F-86E2-682FADE388E4}" srcOrd="1" destOrd="0" parTransId="{C4A5660C-72C5-FC40-BD8F-7DA01D87C433}" sibTransId="{5A718391-1D9E-2A4F-B814-5C793BB4596A}"/>
     <dgm:cxn modelId="{D97DC3E7-4B2A-41E1-B9B9-1F515598C392}" type="presOf" srcId="{C569DC59-DEF3-42AF-B493-AB09C23F9E72}" destId="{9291C99C-8015-4566-8592-8DC5DA23A1A0}" srcOrd="0" destOrd="0" presId="urn:microsoft.com/office/officeart/2005/8/layout/hProcess4"/>
+    <dgm:cxn modelId="{003FAFEB-C858-424E-A823-B9FA5BD846FE}" type="presOf" srcId="{6FA7435F-AC48-414F-8F28-1DA73023D914}" destId="{53580BA6-390C-47DE-831B-1A7A372FB01C}" srcOrd="1" destOrd="1" presId="urn:microsoft.com/office/officeart/2005/8/layout/hProcess4"/>
+    <dgm:cxn modelId="{CC7813EE-A274-5345-A17B-955E328D91E8}" srcId="{AAB76D82-E62B-41C3-B52C-07E8BF1B5D5E}" destId="{3B0863DB-5AA5-C048-AF5D-9E86DE232D56}" srcOrd="5" destOrd="0" parTransId="{5BF793A2-923C-DB49-B3B7-000FB2E369A2}" sibTransId="{F019D74A-39EB-404C-8D9B-80A9F802CC4F}"/>
+    <dgm:cxn modelId="{E43408EF-A29E-6B41-8E4E-34C503CC9BFF}" srcId="{AAB76D82-E62B-41C3-B52C-07E8BF1B5D5E}" destId="{BD46FECC-931E-054E-8EB2-A5E0530AEC3C}" srcOrd="3" destOrd="0" parTransId="{203FFBA7-7209-3A44-B584-D81F3F3DBC7E}" sibTransId="{6B99A7E0-53D3-CA4A-AB95-CE6B37597D52}"/>
     <dgm:cxn modelId="{470E27EF-1C7D-4372-B3E2-30F4EF3CFD39}" srcId="{28F8C22A-14E1-46CC-BB94-263BF2E4A26E}" destId="{CCFD6D6B-FD66-4313-8B9A-881C99F2D80F}" srcOrd="0" destOrd="0" parTransId="{661BC3F4-2B56-4FD9-B0FC-FAE18ABC4466}" sibTransId="{0017EB55-15E4-4216-B054-5BE3EBFEAFF1}"/>
+    <dgm:cxn modelId="{D217C8EF-CA32-5447-BC19-81AF683BF392}" type="presOf" srcId="{28B6FF32-D854-8F4F-A5F0-E3AB73C5DA56}" destId="{53580BA6-390C-47DE-831B-1A7A372FB01C}" srcOrd="1" destOrd="6" presId="urn:microsoft.com/office/officeart/2005/8/layout/hProcess4"/>
+    <dgm:cxn modelId="{C2E7EAF3-D10F-0942-8F1C-62431DD8F630}" srcId="{EEAAB9E3-E7DC-46F2-BBEE-6AFD86B0CDDC}" destId="{F9DAFCDD-9D37-6A44-B26B-45BD9477575F}" srcOrd="5" destOrd="0" parTransId="{4483DCF6-5294-B641-B447-C5839F349AAC}" sibTransId="{C6DC27B8-3271-7F4E-A499-E0A8688F8045}"/>
+    <dgm:cxn modelId="{626F77F7-D20D-CE45-B32D-1621E119833A}" srcId="{078E15EA-AE26-4742-A9E9-37D2CDCF44C6}" destId="{73407205-7ED8-BF41-88C6-4BC99BEA5924}" srcOrd="3" destOrd="0" parTransId="{73DB272B-C2A9-0747-A813-D968960D0AB6}" sibTransId="{4FDA1382-9579-5045-A33B-48300D8C7ACF}"/>
+    <dgm:cxn modelId="{5EAADFF8-7FB1-1D41-AEB7-434D8FBCA058}" srcId="{AAB76D82-E62B-41C3-B52C-07E8BF1B5D5E}" destId="{70B7EB28-2F74-A640-802C-064A59BF5EC1}" srcOrd="2" destOrd="0" parTransId="{09145397-6F97-AF4E-B4FE-69C266A819D8}" sibTransId="{8CCEDF1F-63C9-554D-8AB1-1003C0433030}"/>
+    <dgm:cxn modelId="{D768D2F9-A8A1-4A4E-A359-1644C720E5B0}" srcId="{5E3D9E31-112D-4134-921D-ACC0C1F34F17}" destId="{07D75612-E7E8-2044-BD06-B197CB203504}" srcOrd="4" destOrd="0" parTransId="{14125309-A59F-DA48-ACEB-8D4A0C0224B9}" sibTransId="{536DA08D-4498-6B40-BEBE-0584BDEC6663}"/>
+    <dgm:cxn modelId="{0D7BC8FB-EF86-1B47-975C-1C0D3380355B}" srcId="{EEAAB9E3-E7DC-46F2-BBEE-6AFD86B0CDDC}" destId="{6FA7435F-AC48-414F-8F28-1DA73023D914}" srcOrd="1" destOrd="0" parTransId="{0DA2F0F3-B1CC-3147-8C8A-8F3191508D17}" sibTransId="{3BC80BE9-6D56-E748-95A9-8A0BD4F28EC0}"/>
     <dgm:cxn modelId="{B04291FC-64DF-4C4F-801E-5A8E345B5F2C}" type="presOf" srcId="{078E15EA-AE26-4742-A9E9-37D2CDCF44C6}" destId="{5A1D16DC-957D-4AFE-9021-B08B29607D6D}" srcOrd="0" destOrd="0" presId="urn:microsoft.com/office/officeart/2005/8/layout/hProcess4"/>
+    <dgm:cxn modelId="{D6EE60FE-EE54-A043-9856-0333586C58CC}" type="presOf" srcId="{4D752997-0193-B74A-B642-FECFF2DAC645}" destId="{68C36A29-EA17-4862-B50E-7D74104542DF}" srcOrd="1" destOrd="4" presId="urn:microsoft.com/office/officeart/2005/8/layout/hProcess4"/>
     <dgm:cxn modelId="{C82CC0E7-AD8D-4DFC-9AA5-5460DA1D6263}" type="presParOf" srcId="{64B23BFD-2B18-4CA6-9584-F129E6E9EF24}" destId="{C1E10870-0BEE-4176-865C-3A58E895C701}" srcOrd="0" destOrd="0" presId="urn:microsoft.com/office/officeart/2005/8/layout/hProcess4"/>
     <dgm:cxn modelId="{96B769DD-B433-45BA-A7C9-8004E7D534CA}" type="presParOf" srcId="{64B23BFD-2B18-4CA6-9584-F129E6E9EF24}" destId="{E349E072-1743-4D58-90FE-D022F1106463}" srcOrd="1" destOrd="0" presId="urn:microsoft.com/office/officeart/2005/8/layout/hProcess4"/>
     <dgm:cxn modelId="{31D10542-9298-4A0E-A068-95C1393D71FD}" type="presParOf" srcId="{64B23BFD-2B18-4CA6-9584-F129E6E9EF24}" destId="{27C76AB9-8015-4879-B826-EE0D9576F284}" srcOrd="2" destOrd="0" presId="urn:microsoft.com/office/officeart/2005/8/layout/hProcess4"/>
@@ -3532,15 +5280,15 @@
     <dgm:cxn modelId="{08F60732-6F47-4AE1-8DBD-56B8ED5E6532}" type="presOf" srcId="{58707933-5ED1-4FA5-A087-AAEF5EC8A1A7}" destId="{E174F146-C147-4FC1-A56D-3D2F498FF86B}" srcOrd="0" destOrd="0" presId="urn:microsoft.com/office/officeart/2005/8/layout/vList2"/>
     <dgm:cxn modelId="{59510637-8C36-45BB-BA3D-2AAC9A27FF70}" type="presOf" srcId="{1C29D6E9-C143-42A0-8770-2AC6B0B91CDC}" destId="{6B06612A-DFA0-4CE1-9739-45BAC7EC58BA}" srcOrd="0" destOrd="0" presId="urn:microsoft.com/office/officeart/2005/8/layout/vList2"/>
     <dgm:cxn modelId="{DA34DB3B-40D6-4898-A9E8-3B49E4821362}" type="presOf" srcId="{52F08A95-A195-49BB-9284-FC163041578B}" destId="{C5927F14-4640-415A-8281-3D690429E012}" srcOrd="0" destOrd="0" presId="urn:microsoft.com/office/officeart/2005/8/layout/vList2"/>
+    <dgm:cxn modelId="{06028646-0B29-4463-AEE2-5CB4AAAD9853}" type="presOf" srcId="{B00F6B8C-0381-4206-84C7-5682643D6814}" destId="{5A338105-47C7-4264-82A5-84AC52B92A9B}" srcOrd="0" destOrd="0" presId="urn:microsoft.com/office/officeart/2005/8/layout/vList2"/>
+    <dgm:cxn modelId="{5BC83551-2CE8-4698-9EC9-A3C8461A92A4}" srcId="{CFE39241-B361-463B-A628-7BD328826B72}" destId="{52F08A95-A195-49BB-9284-FC163041578B}" srcOrd="11" destOrd="0" parTransId="{CBD34E40-33B5-4E0C-8482-7E522A6CE74D}" sibTransId="{B343251D-75A7-4606-9D87-870308906206}"/>
+    <dgm:cxn modelId="{5C267F51-BAAB-4E54-AB66-C78B86E927F6}" type="presOf" srcId="{7DD15251-D095-4ADA-A86D-F12E4883E4FB}" destId="{E146CA31-5070-4C09-BAA8-531C76D9D432}" srcOrd="0" destOrd="0" presId="urn:microsoft.com/office/officeart/2005/8/layout/vList2"/>
+    <dgm:cxn modelId="{14D27457-B32F-4B1C-B0CD-962698ADF0CB}" srcId="{CFE39241-B361-463B-A628-7BD328826B72}" destId="{B026A940-4D28-4825-B319-B084471E2ED0}" srcOrd="3" destOrd="0" parTransId="{586A3A97-E78F-4E6E-B9E3-714ED69C0C67}" sibTransId="{86E74ACC-97FE-486E-AC52-73A9BA596600}"/>
     <dgm:cxn modelId="{5A89515E-1E24-4A1A-A1F3-55437C631DC8}" srcId="{B026A940-4D28-4825-B319-B084471E2ED0}" destId="{49309FAA-8F9C-4950-A400-95371C463C2E}" srcOrd="0" destOrd="0" parTransId="{C1E44735-7AF3-4F9A-9159-279E10597C13}" sibTransId="{47341796-FBF8-4133-B365-46D2A1947E1E}"/>
     <dgm:cxn modelId="{BDDCFF60-D139-4174-A88A-5F328B746488}" type="presOf" srcId="{0FD6FD04-4829-4C07-AC51-C96A5E8F3A0D}" destId="{6A7E3222-B83C-4467-8E37-0904AE12CBEC}" srcOrd="0" destOrd="1" presId="urn:microsoft.com/office/officeart/2005/8/layout/vList2"/>
     <dgm:cxn modelId="{717FD364-65C2-4813-87BB-2097FC9D5B13}" srcId="{CFE39241-B361-463B-A628-7BD328826B72}" destId="{66915D16-3CD1-45E5-9DCE-5F0E348CC16F}" srcOrd="9" destOrd="0" parTransId="{D6E3B929-D334-42EC-93AA-EF0ACE715014}" sibTransId="{BB5DF3E7-34EB-4421-BCA9-53413FA2C6E6}"/>
     <dgm:cxn modelId="{77273565-442A-4A99-97FD-F328FF0B88FF}" type="presOf" srcId="{66915D16-3CD1-45E5-9DCE-5F0E348CC16F}" destId="{7F94EA3B-DDCE-4E3F-AAB2-38F1F50E047B}" srcOrd="0" destOrd="0" presId="urn:microsoft.com/office/officeart/2005/8/layout/vList2"/>
-    <dgm:cxn modelId="{06028646-0B29-4463-AEE2-5CB4AAAD9853}" type="presOf" srcId="{B00F6B8C-0381-4206-84C7-5682643D6814}" destId="{5A338105-47C7-4264-82A5-84AC52B92A9B}" srcOrd="0" destOrd="0" presId="urn:microsoft.com/office/officeart/2005/8/layout/vList2"/>
-    <dgm:cxn modelId="{5BC83551-2CE8-4698-9EC9-A3C8461A92A4}" srcId="{CFE39241-B361-463B-A628-7BD328826B72}" destId="{52F08A95-A195-49BB-9284-FC163041578B}" srcOrd="11" destOrd="0" parTransId="{CBD34E40-33B5-4E0C-8482-7E522A6CE74D}" sibTransId="{B343251D-75A7-4606-9D87-870308906206}"/>
-    <dgm:cxn modelId="{5C267F51-BAAB-4E54-AB66-C78B86E927F6}" type="presOf" srcId="{7DD15251-D095-4ADA-A86D-F12E4883E4FB}" destId="{E146CA31-5070-4C09-BAA8-531C76D9D432}" srcOrd="0" destOrd="0" presId="urn:microsoft.com/office/officeart/2005/8/layout/vList2"/>
     <dgm:cxn modelId="{0BEB1676-CEB9-4240-8434-3ACDFBB9EB3D}" srcId="{CFE39241-B361-463B-A628-7BD328826B72}" destId="{60E4BD01-423A-4356-A829-27BA40AB4769}" srcOrd="6" destOrd="0" parTransId="{FF6D98B4-5E65-46A8-85C2-3BBAE3A9DC46}" sibTransId="{409ED05A-0CB8-4F1A-8723-D6DF2CC3CBC7}"/>
-    <dgm:cxn modelId="{14D27457-B32F-4B1C-B0CD-962698ADF0CB}" srcId="{CFE39241-B361-463B-A628-7BD328826B72}" destId="{B026A940-4D28-4825-B319-B084471E2ED0}" srcOrd="3" destOrd="0" parTransId="{586A3A97-E78F-4E6E-B9E3-714ED69C0C67}" sibTransId="{86E74ACC-97FE-486E-AC52-73A9BA596600}"/>
     <dgm:cxn modelId="{406E0F8A-8266-4D57-B824-975762F86DCD}" srcId="{B026A940-4D28-4825-B319-B084471E2ED0}" destId="{DAE56BD1-4AF6-40E9-8085-2AAED2C6D894}" srcOrd="2" destOrd="0" parTransId="{2B540FFA-499A-4B8E-80FA-14544B9D26D1}" sibTransId="{888D24ED-87D3-4A09-A66C-EAD6595520BE}"/>
     <dgm:cxn modelId="{ADB4958A-B84A-4A02-8EFB-9FDDF8884F08}" srcId="{1B1E7446-7279-401B-A4AF-78A489146B7F}" destId="{0FD6FD04-4829-4C07-AC51-C96A5E8F3A0D}" srcOrd="1" destOrd="0" parTransId="{4BFDA64D-AB3F-4867-8919-4326A0B9EADB}" sibTransId="{51E2FC1C-FB18-425C-AE52-E5C4758F8568}"/>
     <dgm:cxn modelId="{E557778C-15CA-4B29-9017-D200C0A415EB}" srcId="{CFE39241-B361-463B-A628-7BD328826B72}" destId="{1C29D6E9-C143-42A0-8770-2AC6B0B91CDC}" srcOrd="4" destOrd="0" parTransId="{E3D3A72F-DCB1-4BC2-ADBD-191F9D62D50E}" sibTransId="{5730336B-CD3A-4108-B346-D2C0C5C0A88B}"/>
@@ -3604,6 +5352,197 @@
 </dgm:dataModel>
 </file>
 
+<file path=ppt/diagrams/data3.xml><?xml version="1.0" encoding="utf-8"?>
+<dgm:dataModel xmlns:dgm="http://schemas.openxmlformats.org/drawingml/2006/diagram" xmlns:a="http://schemas.openxmlformats.org/drawingml/2006/main">
+  <dgm:ptLst>
+    <dgm:pt modelId="{8C3097EF-C357-4E42-9BDC-1D000C787281}" type="doc">
+      <dgm:prSet loTypeId="urn:microsoft.com/office/officeart/2005/8/layout/vList2" loCatId="list" qsTypeId="urn:microsoft.com/office/officeart/2005/8/quickstyle/simple1" qsCatId="simple" csTypeId="urn:microsoft.com/office/officeart/2005/8/colors/accent1_2" csCatId="accent1" phldr="1"/>
+      <dgm:spPr/>
+      <dgm:t>
+        <a:bodyPr/>
+        <a:lstStyle/>
+        <a:p>
+          <a:endParaRPr lang="en-US"/>
+        </a:p>
+      </dgm:t>
+    </dgm:pt>
+    <dgm:pt modelId="{30CE707B-641C-4F1A-9D49-4841DE019902}">
+      <dgm:prSet/>
+      <dgm:spPr/>
+      <dgm:t>
+        <a:bodyPr/>
+        <a:lstStyle/>
+        <a:p>
+          <a:r>
+            <a:rPr lang="en-US" dirty="0"/>
+            <a:t>Random Forest				Feature Selection	</a:t>
+          </a:r>
+        </a:p>
+      </dgm:t>
+    </dgm:pt>
+    <dgm:pt modelId="{CB99C501-4D46-4A31-BBF3-D6F68991A1E4}" type="parTrans" cxnId="{103AD275-51FA-43EA-B2E2-ECF167810ADA}">
+      <dgm:prSet/>
+      <dgm:spPr/>
+      <dgm:t>
+        <a:bodyPr/>
+        <a:lstStyle/>
+        <a:p>
+          <a:endParaRPr lang="en-US"/>
+        </a:p>
+      </dgm:t>
+    </dgm:pt>
+    <dgm:pt modelId="{4B29788B-E3F5-48F6-B38A-391661D59725}" type="sibTrans" cxnId="{103AD275-51FA-43EA-B2E2-ECF167810ADA}">
+      <dgm:prSet/>
+      <dgm:spPr/>
+      <dgm:t>
+        <a:bodyPr/>
+        <a:lstStyle/>
+        <a:p>
+          <a:endParaRPr lang="en-US"/>
+        </a:p>
+      </dgm:t>
+    </dgm:pt>
+    <dgm:pt modelId="{CA8918FF-305A-435E-8266-96963A2DCDD7}">
+      <dgm:prSet/>
+      <dgm:spPr/>
+      <dgm:t>
+        <a:bodyPr/>
+        <a:lstStyle/>
+        <a:p>
+          <a:r>
+            <a:rPr lang="en-US" dirty="0"/>
+            <a:t>Logistic Regression			Train-Test-Split</a:t>
+          </a:r>
+        </a:p>
+      </dgm:t>
+    </dgm:pt>
+    <dgm:pt modelId="{67136E71-08B1-4B7D-969C-F3FED3723425}" type="parTrans" cxnId="{9C6E5A5A-65E7-4C63-93F6-DA92C7E688F2}">
+      <dgm:prSet/>
+      <dgm:spPr/>
+      <dgm:t>
+        <a:bodyPr/>
+        <a:lstStyle/>
+        <a:p>
+          <a:endParaRPr lang="en-US"/>
+        </a:p>
+      </dgm:t>
+    </dgm:pt>
+    <dgm:pt modelId="{BAF23A2B-97E4-4669-BA3C-C12FFDCAA157}" type="sibTrans" cxnId="{9C6E5A5A-65E7-4C63-93F6-DA92C7E688F2}">
+      <dgm:prSet/>
+      <dgm:spPr/>
+      <dgm:t>
+        <a:bodyPr/>
+        <a:lstStyle/>
+        <a:p>
+          <a:endParaRPr lang="en-US"/>
+        </a:p>
+      </dgm:t>
+    </dgm:pt>
+    <dgm:pt modelId="{EA110294-04E7-4463-BD02-AFDC6BF52187}">
+      <dgm:prSet/>
+      <dgm:spPr/>
+      <dgm:t>
+        <a:bodyPr/>
+        <a:lstStyle/>
+        <a:p>
+          <a:r>
+            <a:rPr lang="en-US"/>
+            <a:t>Neural Network				Hyperparameters</a:t>
+          </a:r>
+        </a:p>
+      </dgm:t>
+    </dgm:pt>
+    <dgm:pt modelId="{DC534141-A08C-4CF9-83DF-05CDA88906C5}" type="parTrans" cxnId="{7C77DF3B-F7F9-44A4-B0B4-07D9839C0C23}">
+      <dgm:prSet/>
+      <dgm:spPr/>
+      <dgm:t>
+        <a:bodyPr/>
+        <a:lstStyle/>
+        <a:p>
+          <a:endParaRPr lang="en-US"/>
+        </a:p>
+      </dgm:t>
+    </dgm:pt>
+    <dgm:pt modelId="{C0827A6F-F8AD-4DF8-8C6C-57A8BB215457}" type="sibTrans" cxnId="{7C77DF3B-F7F9-44A4-B0B4-07D9839C0C23}">
+      <dgm:prSet/>
+      <dgm:spPr/>
+      <dgm:t>
+        <a:bodyPr/>
+        <a:lstStyle/>
+        <a:p>
+          <a:endParaRPr lang="en-US"/>
+        </a:p>
+      </dgm:t>
+    </dgm:pt>
+    <dgm:pt modelId="{C8E67247-CD5D-CC43-BE75-EC9402C97DBC}" type="pres">
+      <dgm:prSet presAssocID="{8C3097EF-C357-4E42-9BDC-1D000C787281}" presName="linear" presStyleCnt="0">
+        <dgm:presLayoutVars>
+          <dgm:animLvl val="lvl"/>
+          <dgm:resizeHandles val="exact"/>
+        </dgm:presLayoutVars>
+      </dgm:prSet>
+      <dgm:spPr/>
+    </dgm:pt>
+    <dgm:pt modelId="{19487287-432C-6D47-9FEE-2B993807991B}" type="pres">
+      <dgm:prSet presAssocID="{30CE707B-641C-4F1A-9D49-4841DE019902}" presName="parentText" presStyleLbl="node1" presStyleIdx="0" presStyleCnt="3">
+        <dgm:presLayoutVars>
+          <dgm:chMax val="0"/>
+          <dgm:bulletEnabled val="1"/>
+        </dgm:presLayoutVars>
+      </dgm:prSet>
+      <dgm:spPr/>
+    </dgm:pt>
+    <dgm:pt modelId="{FA02EA38-A7FB-8A44-B770-341BD51AD6EF}" type="pres">
+      <dgm:prSet presAssocID="{4B29788B-E3F5-48F6-B38A-391661D59725}" presName="spacer" presStyleCnt="0"/>
+      <dgm:spPr/>
+    </dgm:pt>
+    <dgm:pt modelId="{B9192CB3-3300-854A-A229-CA085B1D3D2D}" type="pres">
+      <dgm:prSet presAssocID="{CA8918FF-305A-435E-8266-96963A2DCDD7}" presName="parentText" presStyleLbl="node1" presStyleIdx="1" presStyleCnt="3">
+        <dgm:presLayoutVars>
+          <dgm:chMax val="0"/>
+          <dgm:bulletEnabled val="1"/>
+        </dgm:presLayoutVars>
+      </dgm:prSet>
+      <dgm:spPr/>
+    </dgm:pt>
+    <dgm:pt modelId="{B905AF3D-6779-5642-8828-DD35DF25A5D9}" type="pres">
+      <dgm:prSet presAssocID="{BAF23A2B-97E4-4669-BA3C-C12FFDCAA157}" presName="spacer" presStyleCnt="0"/>
+      <dgm:spPr/>
+    </dgm:pt>
+    <dgm:pt modelId="{9F01DE9A-9230-7542-90AD-5B661EDD43F3}" type="pres">
+      <dgm:prSet presAssocID="{EA110294-04E7-4463-BD02-AFDC6BF52187}" presName="parentText" presStyleLbl="node1" presStyleIdx="2" presStyleCnt="3">
+        <dgm:presLayoutVars>
+          <dgm:chMax val="0"/>
+          <dgm:bulletEnabled val="1"/>
+        </dgm:presLayoutVars>
+      </dgm:prSet>
+      <dgm:spPr/>
+    </dgm:pt>
+  </dgm:ptLst>
+  <dgm:cxnLst>
+    <dgm:cxn modelId="{E08DEB1A-FFA3-DC46-B348-FC19F2127D92}" type="presOf" srcId="{8C3097EF-C357-4E42-9BDC-1D000C787281}" destId="{C8E67247-CD5D-CC43-BE75-EC9402C97DBC}" srcOrd="0" destOrd="0" presId="urn:microsoft.com/office/officeart/2005/8/layout/vList2"/>
+    <dgm:cxn modelId="{7C77DF3B-F7F9-44A4-B0B4-07D9839C0C23}" srcId="{8C3097EF-C357-4E42-9BDC-1D000C787281}" destId="{EA110294-04E7-4463-BD02-AFDC6BF52187}" srcOrd="2" destOrd="0" parTransId="{DC534141-A08C-4CF9-83DF-05CDA88906C5}" sibTransId="{C0827A6F-F8AD-4DF8-8C6C-57A8BB215457}"/>
+    <dgm:cxn modelId="{9C6E5A5A-65E7-4C63-93F6-DA92C7E688F2}" srcId="{8C3097EF-C357-4E42-9BDC-1D000C787281}" destId="{CA8918FF-305A-435E-8266-96963A2DCDD7}" srcOrd="1" destOrd="0" parTransId="{67136E71-08B1-4B7D-969C-F3FED3723425}" sibTransId="{BAF23A2B-97E4-4669-BA3C-C12FFDCAA157}"/>
+    <dgm:cxn modelId="{1E7C3D6F-126A-E048-ABE2-C426F7E8CE8A}" type="presOf" srcId="{30CE707B-641C-4F1A-9D49-4841DE019902}" destId="{19487287-432C-6D47-9FEE-2B993807991B}" srcOrd="0" destOrd="0" presId="urn:microsoft.com/office/officeart/2005/8/layout/vList2"/>
+    <dgm:cxn modelId="{103AD275-51FA-43EA-B2E2-ECF167810ADA}" srcId="{8C3097EF-C357-4E42-9BDC-1D000C787281}" destId="{30CE707B-641C-4F1A-9D49-4841DE019902}" srcOrd="0" destOrd="0" parTransId="{CB99C501-4D46-4A31-BBF3-D6F68991A1E4}" sibTransId="{4B29788B-E3F5-48F6-B38A-391661D59725}"/>
+    <dgm:cxn modelId="{19395A95-959B-8640-A28E-85E36BB93C2B}" type="presOf" srcId="{EA110294-04E7-4463-BD02-AFDC6BF52187}" destId="{9F01DE9A-9230-7542-90AD-5B661EDD43F3}" srcOrd="0" destOrd="0" presId="urn:microsoft.com/office/officeart/2005/8/layout/vList2"/>
+    <dgm:cxn modelId="{BE40A4FF-8670-5B47-891F-D8EB591BF4EB}" type="presOf" srcId="{CA8918FF-305A-435E-8266-96963A2DCDD7}" destId="{B9192CB3-3300-854A-A229-CA085B1D3D2D}" srcOrd="0" destOrd="0" presId="urn:microsoft.com/office/officeart/2005/8/layout/vList2"/>
+    <dgm:cxn modelId="{4E416608-17BC-3945-BABC-47DBE3FDC801}" type="presParOf" srcId="{C8E67247-CD5D-CC43-BE75-EC9402C97DBC}" destId="{19487287-432C-6D47-9FEE-2B993807991B}" srcOrd="0" destOrd="0" presId="urn:microsoft.com/office/officeart/2005/8/layout/vList2"/>
+    <dgm:cxn modelId="{F722794C-91B3-604A-8480-6CFC8946B435}" type="presParOf" srcId="{C8E67247-CD5D-CC43-BE75-EC9402C97DBC}" destId="{FA02EA38-A7FB-8A44-B770-341BD51AD6EF}" srcOrd="1" destOrd="0" presId="urn:microsoft.com/office/officeart/2005/8/layout/vList2"/>
+    <dgm:cxn modelId="{C067E39C-1BD3-9F4C-9BBA-F6064F0EBFD0}" type="presParOf" srcId="{C8E67247-CD5D-CC43-BE75-EC9402C97DBC}" destId="{B9192CB3-3300-854A-A229-CA085B1D3D2D}" srcOrd="2" destOrd="0" presId="urn:microsoft.com/office/officeart/2005/8/layout/vList2"/>
+    <dgm:cxn modelId="{797D4760-41F8-6E43-9F72-1AEB26BB4D98}" type="presParOf" srcId="{C8E67247-CD5D-CC43-BE75-EC9402C97DBC}" destId="{B905AF3D-6779-5642-8828-DD35DF25A5D9}" srcOrd="3" destOrd="0" presId="urn:microsoft.com/office/officeart/2005/8/layout/vList2"/>
+    <dgm:cxn modelId="{D3ADDB88-7AED-9948-B52D-B6F0D1EAA4AA}" type="presParOf" srcId="{C8E67247-CD5D-CC43-BE75-EC9402C97DBC}" destId="{9F01DE9A-9230-7542-90AD-5B661EDD43F3}" srcOrd="4" destOrd="0" presId="urn:microsoft.com/office/officeart/2005/8/layout/vList2"/>
+  </dgm:cxnLst>
+  <dgm:bg/>
+  <dgm:whole/>
+  <dgm:extLst>
+    <a:ext uri="http://schemas.microsoft.com/office/drawing/2008/diagram">
+      <dsp:dataModelExt xmlns:dsp="http://schemas.microsoft.com/office/drawing/2008/diagram" relId="rId6" minVer="http://schemas.openxmlformats.org/drawingml/2006/diagram"/>
+    </a:ext>
+  </dgm:extLst>
+</dgm:dataModel>
+</file>
+
 <file path=ppt/diagrams/drawing1.xml><?xml version="1.0" encoding="utf-8"?>
 <dsp:drawing xmlns:dgm="http://schemas.openxmlformats.org/drawingml/2006/diagram" xmlns:dsp="http://schemas.microsoft.com/office/drawing/2008/diagram" xmlns:a="http://schemas.openxmlformats.org/drawingml/2006/main">
   <dsp:spTree>
@@ -3619,8 +5558,8 @@
       </dsp:nvSpPr>
       <dsp:spPr>
         <a:xfrm>
-          <a:off x="5175" y="2292947"/>
-          <a:ext cx="1619959" cy="1336127"/>
+          <a:off x="9895" y="2057028"/>
+          <a:ext cx="1749844" cy="1450774"/>
         </a:xfrm>
         <a:prstGeom prst="roundRect">
           <a:avLst>
@@ -3662,12 +5601,12 @@
         <a:fontRef idx="minor"/>
       </dsp:style>
       <dsp:txBody>
-        <a:bodyPr spcFirstLastPara="0" vert="horz" wrap="square" lIns="40005" tIns="40005" rIns="40005" bIns="40005" numCol="1" spcCol="1270" anchor="t" anchorCtr="0">
+        <a:bodyPr spcFirstLastPara="0" vert="horz" wrap="square" lIns="123825" tIns="123825" rIns="123825" bIns="123825" numCol="1" spcCol="1270" anchor="t" anchorCtr="0">
           <a:noAutofit/>
         </a:bodyPr>
         <a:lstStyle/>
         <a:p>
-          <a:pPr marL="228600" lvl="1" indent="-228600" algn="l" defTabSz="933450">
+          <a:pPr marL="114300" lvl="1" indent="-114300" algn="l" defTabSz="622300">
             <a:lnSpc>
               <a:spcPct val="90000"/>
             </a:lnSpc>
@@ -3680,29 +5619,14 @@
             <a:buChar char="•"/>
           </a:pPr>
           <a:r>
-            <a:rPr lang="en-AU" sz="2100" kern="1200" dirty="0"/>
+            <a:rPr lang="en-AU" sz="1400" kern="1200" dirty="0"/>
             <a:t>Read in csv</a:t>
           </a:r>
         </a:p>
-        <a:p>
-          <a:pPr marL="228600" lvl="1" indent="-228600" algn="l" defTabSz="933450">
-            <a:lnSpc>
-              <a:spcPct val="90000"/>
-            </a:lnSpc>
-            <a:spcBef>
-              <a:spcPct val="0"/>
-            </a:spcBef>
-            <a:spcAft>
-              <a:spcPct val="15000"/>
-            </a:spcAft>
-            <a:buChar char="•"/>
-          </a:pPr>
-          <a:endParaRPr lang="en-AU" sz="2100" kern="1200"/>
-        </a:p>
       </dsp:txBody>
       <dsp:txXfrm>
-        <a:off x="35923" y="2323695"/>
-        <a:ext cx="1558463" cy="988318"/>
+        <a:off x="43281" y="2090414"/>
+        <a:ext cx="1683072" cy="1073122"/>
       </dsp:txXfrm>
     </dsp:sp>
     <dsp:sp modelId="{8A4207EB-1395-4143-BB94-898C4141A296}">
@@ -3712,16 +5636,16 @@
       </dsp:nvSpPr>
       <dsp:spPr>
         <a:xfrm>
-          <a:off x="927611" y="2654491"/>
-          <a:ext cx="1722519" cy="1722519"/>
+          <a:off x="416826" y="2480216"/>
+          <a:ext cx="1951116" cy="1951116"/>
         </a:xfrm>
         <a:prstGeom prst="leftCircularArrow">
           <a:avLst>
-            <a:gd name="adj1" fmla="val 2785"/>
-            <a:gd name="adj2" fmla="val 339828"/>
-            <a:gd name="adj3" fmla="val 2115339"/>
-            <a:gd name="adj4" fmla="val 9024489"/>
-            <a:gd name="adj5" fmla="val 3250"/>
+            <a:gd name="adj1" fmla="val 3103"/>
+            <a:gd name="adj2" fmla="val 381429"/>
+            <a:gd name="adj3" fmla="val 2225138"/>
+            <a:gd name="adj4" fmla="val 9092688"/>
+            <a:gd name="adj5" fmla="val 3620"/>
           </a:avLst>
         </a:prstGeom>
         <a:solidFill>
@@ -3760,8 +5684,8 @@
       </dsp:nvSpPr>
       <dsp:spPr>
         <a:xfrm>
-          <a:off x="365166" y="3342762"/>
-          <a:ext cx="1439963" cy="572626"/>
+          <a:off x="398749" y="3194774"/>
+          <a:ext cx="1555416" cy="618538"/>
         </a:xfrm>
         <a:prstGeom prst="roundRect">
           <a:avLst>
@@ -3804,12 +5728,12 @@
         </a:fontRef>
       </dsp:style>
       <dsp:txBody>
-        <a:bodyPr spcFirstLastPara="0" vert="horz" wrap="square" lIns="34290" tIns="22860" rIns="34290" bIns="22860" numCol="1" spcCol="1270" anchor="ctr" anchorCtr="0">
+        <a:bodyPr spcFirstLastPara="0" vert="horz" wrap="square" lIns="38100" tIns="25400" rIns="38100" bIns="25400" numCol="1" spcCol="1270" anchor="ctr" anchorCtr="0">
           <a:noAutofit/>
         </a:bodyPr>
         <a:lstStyle/>
         <a:p>
-          <a:pPr marL="0" lvl="0" indent="0" algn="ctr" defTabSz="800100">
+          <a:pPr marL="0" lvl="0" indent="0" algn="ctr" defTabSz="889000">
             <a:lnSpc>
               <a:spcPct val="90000"/>
             </a:lnSpc>
@@ -3822,14 +5746,14 @@
             <a:buNone/>
           </a:pPr>
           <a:r>
-            <a:rPr lang="en-AU" sz="1800" kern="1200" dirty="0"/>
+            <a:rPr lang="en-AU" sz="2000" kern="1200" dirty="0"/>
             <a:t>Get data</a:t>
           </a:r>
         </a:p>
       </dsp:txBody>
       <dsp:txXfrm>
-        <a:off x="381938" y="3359534"/>
-        <a:ext cx="1406419" cy="539082"/>
+        <a:off x="416865" y="3212890"/>
+        <a:ext cx="1519184" cy="582306"/>
       </dsp:txXfrm>
     </dsp:sp>
     <dsp:sp modelId="{743AD5AC-C6A8-4D7E-977F-36D844A7F8E6}">
@@ -3839,8 +5763,8 @@
       </dsp:nvSpPr>
       <dsp:spPr>
         <a:xfrm>
-          <a:off x="2033605" y="2292947"/>
-          <a:ext cx="1619959" cy="1336127"/>
+          <a:off x="2347213" y="325585"/>
+          <a:ext cx="1581229" cy="4926682"/>
         </a:xfrm>
         <a:prstGeom prst="roundRect">
           <a:avLst>
@@ -3882,12 +5806,12 @@
         <a:fontRef idx="minor"/>
       </dsp:style>
       <dsp:txBody>
-        <a:bodyPr spcFirstLastPara="0" vert="horz" wrap="square" lIns="40005" tIns="40005" rIns="40005" bIns="40005" numCol="1" spcCol="1270" anchor="t" anchorCtr="0">
+        <a:bodyPr spcFirstLastPara="0" vert="horz" wrap="square" lIns="123825" tIns="123825" rIns="123825" bIns="123825" numCol="1" spcCol="1270" anchor="t" anchorCtr="0">
           <a:noAutofit/>
         </a:bodyPr>
         <a:lstStyle/>
         <a:p>
-          <a:pPr marL="228600" lvl="1" indent="-228600" algn="l" defTabSz="933450">
+          <a:pPr marL="114300" lvl="1" indent="-114300" algn="l" defTabSz="622300">
             <a:lnSpc>
               <a:spcPct val="90000"/>
             </a:lnSpc>
@@ -3900,17 +5824,12 @@
             <a:buChar char="•"/>
           </a:pPr>
           <a:r>
-            <a:rPr lang="en-AU" sz="2100" kern="1200" dirty="0"/>
-            <a:t>Remove all </a:t>
+            <a:rPr lang="en-AU" sz="1400" kern="1200" dirty="0"/>
+            <a:t>No NULL</a:t>
           </a:r>
-          <a:r>
-            <a:rPr lang="en-AU" sz="2100" kern="1200" dirty="0" err="1"/>
-            <a:t>NaN</a:t>
-          </a:r>
-          <a:endParaRPr lang="en-AU" sz="2100" kern="1200" dirty="0"/>
-        </a:p>
-        <a:p>
-          <a:pPr marL="228600" lvl="1" indent="-228600" algn="l" defTabSz="933450">
+        </a:p>
+        <a:p>
+          <a:pPr marL="114300" lvl="1" indent="-114300" algn="l" defTabSz="622300">
             <a:lnSpc>
               <a:spcPct val="90000"/>
             </a:lnSpc>
@@ -3922,12 +5841,207 @@
             </a:spcAft>
             <a:buChar char="•"/>
           </a:pPr>
-          <a:endParaRPr lang="en-AU" sz="2100" kern="1200"/>
+          <a:r>
+            <a:rPr lang="en-AU" sz="1400" kern="1200" dirty="0"/>
+            <a:t>Features</a:t>
+          </a:r>
+        </a:p>
+        <a:p>
+          <a:pPr marL="114300" lvl="1" indent="-114300" algn="l" defTabSz="622300">
+            <a:lnSpc>
+              <a:spcPct val="90000"/>
+            </a:lnSpc>
+            <a:spcBef>
+              <a:spcPct val="0"/>
+            </a:spcBef>
+            <a:spcAft>
+              <a:spcPct val="15000"/>
+            </a:spcAft>
+            <a:buChar char="•"/>
+          </a:pPr>
+          <a:r>
+            <a:rPr lang="en-AU" sz="1400" kern="1200" dirty="0"/>
+            <a:t>Summary statistics</a:t>
+          </a:r>
+        </a:p>
+        <a:p>
+          <a:pPr marL="114300" lvl="1" indent="-114300" algn="l" defTabSz="622300">
+            <a:lnSpc>
+              <a:spcPct val="90000"/>
+            </a:lnSpc>
+            <a:spcBef>
+              <a:spcPct val="0"/>
+            </a:spcBef>
+            <a:spcAft>
+              <a:spcPct val="15000"/>
+            </a:spcAft>
+            <a:buChar char="•"/>
+          </a:pPr>
+          <a:r>
+            <a:rPr lang="en-AU" sz="1400" kern="1200" dirty="0"/>
+            <a:t>Value-counts</a:t>
+          </a:r>
+        </a:p>
+        <a:p>
+          <a:pPr marL="114300" lvl="1" indent="-114300" algn="l" defTabSz="622300">
+            <a:lnSpc>
+              <a:spcPct val="90000"/>
+            </a:lnSpc>
+            <a:spcBef>
+              <a:spcPct val="0"/>
+            </a:spcBef>
+            <a:spcAft>
+              <a:spcPct val="15000"/>
+            </a:spcAft>
+            <a:buChar char="•"/>
+          </a:pPr>
+          <a:r>
+            <a:rPr lang="en-AU" sz="1400" kern="1200" dirty="0"/>
+            <a:t>Histograms</a:t>
+          </a:r>
+        </a:p>
+        <a:p>
+          <a:pPr marL="114300" lvl="1" indent="-114300" algn="l" defTabSz="622300">
+            <a:lnSpc>
+              <a:spcPct val="90000"/>
+            </a:lnSpc>
+            <a:spcBef>
+              <a:spcPct val="0"/>
+            </a:spcBef>
+            <a:spcAft>
+              <a:spcPct val="15000"/>
+            </a:spcAft>
+            <a:buChar char="•"/>
+          </a:pPr>
+          <a:r>
+            <a:rPr lang="en-AU" sz="1400" kern="1200" dirty="0"/>
+            <a:t>Pair plot</a:t>
+          </a:r>
+        </a:p>
+        <a:p>
+          <a:pPr marL="114300" lvl="1" indent="-114300" algn="l" defTabSz="622300">
+            <a:lnSpc>
+              <a:spcPct val="90000"/>
+            </a:lnSpc>
+            <a:spcBef>
+              <a:spcPct val="0"/>
+            </a:spcBef>
+            <a:spcAft>
+              <a:spcPct val="15000"/>
+            </a:spcAft>
+            <a:buChar char="•"/>
+          </a:pPr>
+          <a:r>
+            <a:rPr lang="en-AU" sz="1400" kern="1200" dirty="0"/>
+            <a:t>Bar/pie plots</a:t>
+          </a:r>
+        </a:p>
+        <a:p>
+          <a:pPr marL="114300" lvl="1" indent="-114300" algn="l" defTabSz="622300">
+            <a:lnSpc>
+              <a:spcPct val="90000"/>
+            </a:lnSpc>
+            <a:spcBef>
+              <a:spcPct val="0"/>
+            </a:spcBef>
+            <a:spcAft>
+              <a:spcPct val="15000"/>
+            </a:spcAft>
+            <a:buChar char="•"/>
+          </a:pPr>
+          <a:r>
+            <a:rPr lang="en-AU" sz="1400" kern="1200" dirty="0"/>
+            <a:t>Correlation matrix</a:t>
+          </a:r>
+        </a:p>
+        <a:p>
+          <a:pPr marL="114300" lvl="1" indent="-114300" algn="l" defTabSz="622300">
+            <a:lnSpc>
+              <a:spcPct val="90000"/>
+            </a:lnSpc>
+            <a:spcBef>
+              <a:spcPct val="0"/>
+            </a:spcBef>
+            <a:spcAft>
+              <a:spcPct val="15000"/>
+            </a:spcAft>
+            <a:buChar char="•"/>
+          </a:pPr>
+          <a:endParaRPr lang="en-AU" sz="1400" kern="1200" dirty="0"/>
+        </a:p>
+        <a:p>
+          <a:pPr marL="114300" lvl="1" indent="-114300" algn="l" defTabSz="622300">
+            <a:lnSpc>
+              <a:spcPct val="90000"/>
+            </a:lnSpc>
+            <a:spcBef>
+              <a:spcPct val="0"/>
+            </a:spcBef>
+            <a:spcAft>
+              <a:spcPct val="15000"/>
+            </a:spcAft>
+            <a:buChar char="•"/>
+          </a:pPr>
+          <a:r>
+            <a:rPr lang="en-AU" sz="1400" kern="1200" dirty="0"/>
+            <a:t>Make decision on whether to drop any features</a:t>
+          </a:r>
+        </a:p>
+        <a:p>
+          <a:pPr marL="114300" lvl="1" indent="-114300" algn="l" defTabSz="622300">
+            <a:lnSpc>
+              <a:spcPct val="90000"/>
+            </a:lnSpc>
+            <a:spcBef>
+              <a:spcPct val="0"/>
+            </a:spcBef>
+            <a:spcAft>
+              <a:spcPct val="15000"/>
+            </a:spcAft>
+            <a:buChar char="•"/>
+          </a:pPr>
+          <a:endParaRPr lang="en-AU" sz="1400" kern="1200" dirty="0"/>
+        </a:p>
+        <a:p>
+          <a:pPr marL="114300" lvl="1" indent="-114300" algn="l" defTabSz="622300">
+            <a:lnSpc>
+              <a:spcPct val="90000"/>
+            </a:lnSpc>
+            <a:spcBef>
+              <a:spcPct val="0"/>
+            </a:spcBef>
+            <a:spcAft>
+              <a:spcPct val="15000"/>
+            </a:spcAft>
+            <a:buChar char="•"/>
+          </a:pPr>
+          <a:r>
+            <a:rPr lang="en-AU" sz="1400" kern="1200" dirty="0"/>
+            <a:t>Train-Test-Split</a:t>
+          </a:r>
+        </a:p>
+        <a:p>
+          <a:pPr marL="114300" lvl="1" indent="-114300" algn="l" defTabSz="622300">
+            <a:lnSpc>
+              <a:spcPct val="90000"/>
+            </a:lnSpc>
+            <a:spcBef>
+              <a:spcPct val="0"/>
+            </a:spcBef>
+            <a:spcAft>
+              <a:spcPct val="15000"/>
+            </a:spcAft>
+            <a:buChar char="•"/>
+          </a:pPr>
+          <a:r>
+            <a:rPr lang="en-AU" sz="1400" kern="1200" dirty="0"/>
+            <a:t>Scaling Data</a:t>
+          </a:r>
         </a:p>
       </dsp:txBody>
       <dsp:txXfrm>
-        <a:off x="2064353" y="2610008"/>
-        <a:ext cx="1558463" cy="988318"/>
+        <a:off x="2393526" y="1427616"/>
+        <a:ext cx="1488603" cy="3778338"/>
       </dsp:txXfrm>
     </dsp:sp>
     <dsp:sp modelId="{60D5F0D8-6C46-4C52-B693-FC7974405978}">
@@ -3937,16 +6051,16 @@
       </dsp:nvSpPr>
       <dsp:spPr>
         <a:xfrm>
-          <a:off x="2942542" y="1492624"/>
-          <a:ext cx="1929513" cy="1929513"/>
+          <a:off x="2765345" y="29566"/>
+          <a:ext cx="2963112" cy="2963112"/>
         </a:xfrm>
         <a:prstGeom prst="circularArrow">
           <a:avLst>
-            <a:gd name="adj1" fmla="val 2487"/>
-            <a:gd name="adj2" fmla="val 301269"/>
-            <a:gd name="adj3" fmla="val 19523220"/>
-            <a:gd name="adj4" fmla="val 12575511"/>
-            <a:gd name="adj5" fmla="val 2901"/>
+            <a:gd name="adj1" fmla="val 2043"/>
+            <a:gd name="adj2" fmla="val 245050"/>
+            <a:gd name="adj3" fmla="val 733587"/>
+            <a:gd name="adj4" fmla="val 15329659"/>
+            <a:gd name="adj5" fmla="val 2384"/>
           </a:avLst>
         </a:prstGeom>
         <a:solidFill>
@@ -3985,8 +6099,8 @@
       </dsp:nvSpPr>
       <dsp:spPr>
         <a:xfrm>
-          <a:off x="2393596" y="2006634"/>
-          <a:ext cx="1439963" cy="572626"/>
+          <a:off x="2673942" y="236834"/>
+          <a:ext cx="1555416" cy="618538"/>
         </a:xfrm>
         <a:prstGeom prst="roundRect">
           <a:avLst>
@@ -4029,12 +6143,12 @@
         </a:fontRef>
       </dsp:style>
       <dsp:txBody>
-        <a:bodyPr spcFirstLastPara="0" vert="horz" wrap="square" lIns="34290" tIns="22860" rIns="34290" bIns="22860" numCol="1" spcCol="1270" anchor="ctr" anchorCtr="0">
+        <a:bodyPr spcFirstLastPara="0" vert="horz" wrap="square" lIns="38100" tIns="25400" rIns="38100" bIns="25400" numCol="1" spcCol="1270" anchor="ctr" anchorCtr="0">
           <a:noAutofit/>
         </a:bodyPr>
         <a:lstStyle/>
         <a:p>
-          <a:pPr marL="0" lvl="0" indent="0" algn="ctr" defTabSz="800100">
+          <a:pPr marL="0" lvl="0" indent="0" algn="ctr" defTabSz="889000">
             <a:lnSpc>
               <a:spcPct val="90000"/>
             </a:lnSpc>
@@ -4047,14 +6161,14 @@
             <a:buNone/>
           </a:pPr>
           <a:r>
-            <a:rPr lang="en-AU" sz="1800" kern="1200" dirty="0"/>
+            <a:rPr lang="en-AU" sz="2000" kern="1200" dirty="0"/>
             <a:t>Clean and Prepare data</a:t>
           </a:r>
         </a:p>
       </dsp:txBody>
       <dsp:txXfrm>
-        <a:off x="2410368" y="2023406"/>
-        <a:ext cx="1406419" cy="539082"/>
+        <a:off x="2692058" y="254950"/>
+        <a:ext cx="1519184" cy="582306"/>
       </dsp:txXfrm>
     </dsp:sp>
     <dsp:sp modelId="{18D69007-BAA6-4D8E-B3B5-42D3F0D7B18C}">
@@ -4064,8 +6178,8 @@
       </dsp:nvSpPr>
       <dsp:spPr>
         <a:xfrm>
-          <a:off x="4062035" y="2292947"/>
-          <a:ext cx="1619959" cy="1336127"/>
+          <a:off x="4475075" y="1907985"/>
+          <a:ext cx="1749844" cy="2268263"/>
         </a:xfrm>
         <a:prstGeom prst="roundRect">
           <a:avLst>
@@ -4107,12 +6221,12 @@
         <a:fontRef idx="minor"/>
       </dsp:style>
       <dsp:txBody>
-        <a:bodyPr spcFirstLastPara="0" vert="horz" wrap="square" lIns="40005" tIns="40005" rIns="40005" bIns="40005" numCol="1" spcCol="1270" anchor="t" anchorCtr="0">
+        <a:bodyPr spcFirstLastPara="0" vert="horz" wrap="square" lIns="123825" tIns="123825" rIns="123825" bIns="123825" numCol="1" spcCol="1270" anchor="t" anchorCtr="0">
           <a:noAutofit/>
         </a:bodyPr>
         <a:lstStyle/>
         <a:p>
-          <a:pPr marL="228600" lvl="1" indent="-228600" algn="l" defTabSz="933450">
+          <a:pPr marL="114300" lvl="1" indent="-114300" algn="l" defTabSz="622300">
             <a:lnSpc>
               <a:spcPct val="90000"/>
             </a:lnSpc>
@@ -4124,10 +6238,13 @@
             </a:spcAft>
             <a:buChar char="•"/>
           </a:pPr>
-          <a:endParaRPr lang="en-AU" sz="2100" kern="1200"/>
-        </a:p>
-        <a:p>
-          <a:pPr marL="228600" lvl="1" indent="-228600" algn="l" defTabSz="933450">
+          <a:r>
+            <a:rPr lang="en-AU" sz="1400" kern="1200" dirty="0"/>
+            <a:t>Logistic Regression</a:t>
+          </a:r>
+        </a:p>
+        <a:p>
+          <a:pPr marL="114300" lvl="1" indent="-114300" algn="l" defTabSz="622300">
             <a:lnSpc>
               <a:spcPct val="90000"/>
             </a:lnSpc>
@@ -4139,12 +6256,99 @@
             </a:spcAft>
             <a:buChar char="•"/>
           </a:pPr>
-          <a:endParaRPr lang="en-AU" sz="2100" kern="1200" dirty="0"/>
+          <a:r>
+            <a:rPr lang="en-AU" sz="1400" kern="1200" dirty="0"/>
+            <a:t>Random Forest</a:t>
+          </a:r>
+        </a:p>
+        <a:p>
+          <a:pPr marL="114300" lvl="1" indent="-114300" algn="l" defTabSz="622300">
+            <a:lnSpc>
+              <a:spcPct val="90000"/>
+            </a:lnSpc>
+            <a:spcBef>
+              <a:spcPct val="0"/>
+            </a:spcBef>
+            <a:spcAft>
+              <a:spcPct val="15000"/>
+            </a:spcAft>
+            <a:buChar char="•"/>
+          </a:pPr>
+          <a:r>
+            <a:rPr lang="en-AU" sz="1400" kern="1200" dirty="0"/>
+            <a:t>Principal Component Analysis</a:t>
+          </a:r>
+        </a:p>
+        <a:p>
+          <a:pPr marL="114300" lvl="1" indent="-114300" algn="l" defTabSz="622300">
+            <a:lnSpc>
+              <a:spcPct val="90000"/>
+            </a:lnSpc>
+            <a:spcBef>
+              <a:spcPct val="0"/>
+            </a:spcBef>
+            <a:spcAft>
+              <a:spcPct val="15000"/>
+            </a:spcAft>
+            <a:buChar char="•"/>
+          </a:pPr>
+          <a:r>
+            <a:rPr lang="en-AU" sz="1400" kern="1200" dirty="0"/>
+            <a:t>Neural network</a:t>
+          </a:r>
+        </a:p>
+        <a:p>
+          <a:pPr marL="114300" lvl="1" indent="-114300" algn="l" defTabSz="622300">
+            <a:lnSpc>
+              <a:spcPct val="90000"/>
+            </a:lnSpc>
+            <a:spcBef>
+              <a:spcPct val="0"/>
+            </a:spcBef>
+            <a:spcAft>
+              <a:spcPct val="15000"/>
+            </a:spcAft>
+            <a:buChar char="•"/>
+          </a:pPr>
+          <a:endParaRPr lang="en-AU" sz="1400" kern="1200" dirty="0"/>
+        </a:p>
+        <a:p>
+          <a:pPr marL="114300" lvl="1" indent="-114300" algn="l" defTabSz="622300">
+            <a:lnSpc>
+              <a:spcPct val="90000"/>
+            </a:lnSpc>
+            <a:spcBef>
+              <a:spcPct val="0"/>
+            </a:spcBef>
+            <a:spcAft>
+              <a:spcPct val="15000"/>
+            </a:spcAft>
+            <a:buChar char="•"/>
+          </a:pPr>
+          <a:r>
+            <a:rPr lang="en-AU" sz="1400" kern="1200" dirty="0"/>
+            <a:t>Fit model</a:t>
+          </a:r>
+        </a:p>
+        <a:p>
+          <a:pPr marL="114300" lvl="1" indent="-114300" algn="l" defTabSz="622300">
+            <a:lnSpc>
+              <a:spcPct val="90000"/>
+            </a:lnSpc>
+            <a:spcBef>
+              <a:spcPct val="0"/>
+            </a:spcBef>
+            <a:spcAft>
+              <a:spcPct val="15000"/>
+            </a:spcAft>
+            <a:buChar char="•"/>
+          </a:pPr>
+          <a:endParaRPr lang="en-AU" sz="1400" kern="1200" dirty="0"/>
         </a:p>
       </dsp:txBody>
       <dsp:txXfrm>
-        <a:off x="4092783" y="2323695"/>
-        <a:ext cx="1558463" cy="988318"/>
+        <a:off x="4526326" y="1959236"/>
+        <a:ext cx="1647342" cy="1679704"/>
       </dsp:txXfrm>
     </dsp:sp>
     <dsp:sp modelId="{BB148359-B059-41BA-91AB-B22967A4A3DA}">
@@ -4154,16 +6358,16 @@
       </dsp:nvSpPr>
       <dsp:spPr>
         <a:xfrm>
-          <a:off x="4984471" y="2654491"/>
-          <a:ext cx="1722519" cy="1722519"/>
+          <a:off x="5323408" y="3025570"/>
+          <a:ext cx="2419600" cy="2085898"/>
         </a:xfrm>
         <a:prstGeom prst="leftCircularArrow">
           <a:avLst>
-            <a:gd name="adj1" fmla="val 2785"/>
-            <a:gd name="adj2" fmla="val 339828"/>
-            <a:gd name="adj3" fmla="val 2115339"/>
-            <a:gd name="adj4" fmla="val 9024489"/>
-            <a:gd name="adj5" fmla="val 3250"/>
+            <a:gd name="adj1" fmla="val 2903"/>
+            <a:gd name="adj2" fmla="val 355104"/>
+            <a:gd name="adj3" fmla="val 273225"/>
+            <a:gd name="adj4" fmla="val 7167099"/>
+            <a:gd name="adj5" fmla="val 3386"/>
           </a:avLst>
         </a:prstGeom>
         <a:solidFill>
@@ -4202,8 +6406,8 @@
       </dsp:nvSpPr>
       <dsp:spPr>
         <a:xfrm>
-          <a:off x="4422026" y="3342762"/>
-          <a:ext cx="1439963" cy="572626"/>
+          <a:off x="4954113" y="4020878"/>
+          <a:ext cx="1555416" cy="618538"/>
         </a:xfrm>
         <a:prstGeom prst="roundRect">
           <a:avLst>
@@ -4246,12 +6450,12 @@
         </a:fontRef>
       </dsp:style>
       <dsp:txBody>
-        <a:bodyPr spcFirstLastPara="0" vert="horz" wrap="square" lIns="34290" tIns="22860" rIns="34290" bIns="22860" numCol="1" spcCol="1270" anchor="ctr" anchorCtr="0">
+        <a:bodyPr spcFirstLastPara="0" vert="horz" wrap="square" lIns="38100" tIns="25400" rIns="38100" bIns="25400" numCol="1" spcCol="1270" anchor="ctr" anchorCtr="0">
           <a:noAutofit/>
         </a:bodyPr>
         <a:lstStyle/>
         <a:p>
-          <a:pPr marL="0" lvl="0" indent="0" algn="ctr" defTabSz="800100">
+          <a:pPr marL="0" lvl="0" indent="0" algn="ctr" defTabSz="889000">
             <a:lnSpc>
               <a:spcPct val="90000"/>
             </a:lnSpc>
@@ -4264,14 +6468,14 @@
             <a:buNone/>
           </a:pPr>
           <a:r>
-            <a:rPr lang="en-AU" sz="1800" kern="1200" dirty="0"/>
+            <a:rPr lang="en-AU" sz="2000" kern="1200" dirty="0"/>
             <a:t>Train Model</a:t>
           </a:r>
         </a:p>
       </dsp:txBody>
       <dsp:txXfrm>
-        <a:off x="4438798" y="3359534"/>
-        <a:ext cx="1406419" cy="539082"/>
+        <a:off x="4972229" y="4038994"/>
+        <a:ext cx="1519184" cy="582306"/>
       </dsp:txXfrm>
     </dsp:sp>
     <dsp:sp modelId="{71796D5B-AB65-4130-8C68-CEA523B7F38D}">
@@ -4281,8 +6485,8 @@
       </dsp:nvSpPr>
       <dsp:spPr>
         <a:xfrm>
-          <a:off x="6090465" y="2292947"/>
-          <a:ext cx="1619959" cy="1336127"/>
+          <a:off x="6693667" y="1472071"/>
+          <a:ext cx="1749844" cy="2509012"/>
         </a:xfrm>
         <a:prstGeom prst="roundRect">
           <a:avLst>
@@ -4324,12 +6528,12 @@
         <a:fontRef idx="minor"/>
       </dsp:style>
       <dsp:txBody>
-        <a:bodyPr spcFirstLastPara="0" vert="horz" wrap="square" lIns="40005" tIns="40005" rIns="40005" bIns="40005" numCol="1" spcCol="1270" anchor="t" anchorCtr="0">
+        <a:bodyPr spcFirstLastPara="0" vert="horz" wrap="square" lIns="123825" tIns="123825" rIns="123825" bIns="123825" numCol="1" spcCol="1270" anchor="t" anchorCtr="0">
           <a:noAutofit/>
         </a:bodyPr>
         <a:lstStyle/>
         <a:p>
-          <a:pPr marL="228600" lvl="1" indent="-228600" algn="l" defTabSz="933450">
+          <a:pPr marL="114300" lvl="1" indent="-114300" algn="l" defTabSz="622300">
             <a:lnSpc>
               <a:spcPct val="90000"/>
             </a:lnSpc>
@@ -4341,12 +6545,117 @@
             </a:spcAft>
             <a:buChar char="•"/>
           </a:pPr>
-          <a:endParaRPr lang="en-AU" sz="2100" kern="1200" dirty="0"/>
+          <a:r>
+            <a:rPr lang="en-AU" sz="1400" kern="1200" dirty="0"/>
+            <a:t>Save predictions</a:t>
+          </a:r>
+        </a:p>
+        <a:p>
+          <a:pPr marL="114300" lvl="1" indent="-114300" algn="l" defTabSz="622300">
+            <a:lnSpc>
+              <a:spcPct val="90000"/>
+            </a:lnSpc>
+            <a:spcBef>
+              <a:spcPct val="0"/>
+            </a:spcBef>
+            <a:spcAft>
+              <a:spcPct val="15000"/>
+            </a:spcAft>
+            <a:buChar char="•"/>
+          </a:pPr>
+          <a:endParaRPr lang="en-AU" sz="1400" kern="1200" dirty="0"/>
+        </a:p>
+        <a:p>
+          <a:pPr marL="114300" lvl="1" indent="-114300" algn="l" defTabSz="622300">
+            <a:lnSpc>
+              <a:spcPct val="90000"/>
+            </a:lnSpc>
+            <a:spcBef>
+              <a:spcPct val="0"/>
+            </a:spcBef>
+            <a:spcAft>
+              <a:spcPct val="15000"/>
+            </a:spcAft>
+            <a:buChar char="•"/>
+          </a:pPr>
+          <a:r>
+            <a:rPr lang="en-AU" sz="1400" kern="1200" dirty="0"/>
+            <a:t>Evaluate Model</a:t>
+          </a:r>
+        </a:p>
+        <a:p>
+          <a:pPr marL="114300" lvl="1" indent="-114300" algn="l" defTabSz="622300">
+            <a:lnSpc>
+              <a:spcPct val="90000"/>
+            </a:lnSpc>
+            <a:spcBef>
+              <a:spcPct val="0"/>
+            </a:spcBef>
+            <a:spcAft>
+              <a:spcPct val="15000"/>
+            </a:spcAft>
+            <a:buChar char="•"/>
+          </a:pPr>
+          <a:endParaRPr lang="en-AU" sz="1400" kern="1200" dirty="0"/>
+        </a:p>
+        <a:p>
+          <a:pPr marL="114300" lvl="1" indent="-114300" algn="l" defTabSz="622300">
+            <a:lnSpc>
+              <a:spcPct val="90000"/>
+            </a:lnSpc>
+            <a:spcBef>
+              <a:spcPct val="0"/>
+            </a:spcBef>
+            <a:spcAft>
+              <a:spcPct val="15000"/>
+            </a:spcAft>
+            <a:buChar char="•"/>
+          </a:pPr>
+          <a:r>
+            <a:rPr lang="en-AU" sz="1400" kern="1200" dirty="0"/>
+            <a:t>Accuracy score</a:t>
+          </a:r>
+        </a:p>
+        <a:p>
+          <a:pPr marL="114300" lvl="1" indent="-114300" algn="l" defTabSz="622300">
+            <a:lnSpc>
+              <a:spcPct val="90000"/>
+            </a:lnSpc>
+            <a:spcBef>
+              <a:spcPct val="0"/>
+            </a:spcBef>
+            <a:spcAft>
+              <a:spcPct val="15000"/>
+            </a:spcAft>
+            <a:buChar char="•"/>
+          </a:pPr>
+          <a:r>
+            <a:rPr lang="en-AU" sz="1400" kern="1200" dirty="0"/>
+            <a:t>Confusion Matrix</a:t>
+          </a:r>
+        </a:p>
+        <a:p>
+          <a:pPr marL="114300" lvl="1" indent="-114300" algn="l" defTabSz="622300">
+            <a:lnSpc>
+              <a:spcPct val="90000"/>
+            </a:lnSpc>
+            <a:spcBef>
+              <a:spcPct val="0"/>
+            </a:spcBef>
+            <a:spcAft>
+              <a:spcPct val="15000"/>
+            </a:spcAft>
+            <a:buChar char="•"/>
+          </a:pPr>
+          <a:r>
+            <a:rPr lang="en-AU" sz="1400" kern="1200" dirty="0"/>
+            <a:t>Classification report</a:t>
+          </a:r>
         </a:p>
       </dsp:txBody>
       <dsp:txXfrm>
-        <a:off x="6121213" y="2610008"/>
-        <a:ext cx="1558463" cy="988318"/>
+        <a:off x="6744918" y="2060968"/>
+        <a:ext cx="1647342" cy="1868865"/>
       </dsp:txXfrm>
     </dsp:sp>
     <dsp:sp modelId="{6F53FAE5-3A6F-4C91-862A-4430B7BD7D51}">
@@ -4356,16 +6665,16 @@
       </dsp:nvSpPr>
       <dsp:spPr>
         <a:xfrm>
-          <a:off x="6999402" y="1492624"/>
-          <a:ext cx="1929513" cy="1929513"/>
+          <a:off x="7716925" y="916063"/>
+          <a:ext cx="2124746" cy="2124746"/>
         </a:xfrm>
         <a:prstGeom prst="circularArrow">
           <a:avLst>
-            <a:gd name="adj1" fmla="val 2487"/>
-            <a:gd name="adj2" fmla="val 301269"/>
-            <a:gd name="adj3" fmla="val 19523220"/>
-            <a:gd name="adj4" fmla="val 12575511"/>
-            <a:gd name="adj5" fmla="val 2901"/>
+            <a:gd name="adj1" fmla="val 2850"/>
+            <a:gd name="adj2" fmla="val 348178"/>
+            <a:gd name="adj3" fmla="val 20285834"/>
+            <a:gd name="adj4" fmla="val 13385034"/>
+            <a:gd name="adj5" fmla="val 3325"/>
           </a:avLst>
         </a:prstGeom>
         <a:solidFill>
@@ -4404,8 +6713,8 @@
       </dsp:nvSpPr>
       <dsp:spPr>
         <a:xfrm>
-          <a:off x="6450456" y="2006634"/>
-          <a:ext cx="1439963" cy="572626"/>
+          <a:off x="7167074" y="1342186"/>
+          <a:ext cx="1555416" cy="618538"/>
         </a:xfrm>
         <a:prstGeom prst="roundRect">
           <a:avLst>
@@ -4448,12 +6757,12 @@
         </a:fontRef>
       </dsp:style>
       <dsp:txBody>
-        <a:bodyPr spcFirstLastPara="0" vert="horz" wrap="square" lIns="34290" tIns="22860" rIns="34290" bIns="22860" numCol="1" spcCol="1270" anchor="ctr" anchorCtr="0">
+        <a:bodyPr spcFirstLastPara="0" vert="horz" wrap="square" lIns="38100" tIns="25400" rIns="38100" bIns="25400" numCol="1" spcCol="1270" anchor="ctr" anchorCtr="0">
           <a:noAutofit/>
         </a:bodyPr>
         <a:lstStyle/>
         <a:p>
-          <a:pPr marL="0" lvl="0" indent="0" algn="ctr" defTabSz="800100">
+          <a:pPr marL="0" lvl="0" indent="0" algn="ctr" defTabSz="889000">
             <a:lnSpc>
               <a:spcPct val="90000"/>
             </a:lnSpc>
@@ -4466,14 +6775,14 @@
             <a:buNone/>
           </a:pPr>
           <a:r>
-            <a:rPr lang="en-AU" sz="1800" kern="1200" dirty="0"/>
+            <a:rPr lang="en-AU" sz="2000" kern="1200" dirty="0"/>
             <a:t>Test Data</a:t>
           </a:r>
         </a:p>
       </dsp:txBody>
       <dsp:txXfrm>
-        <a:off x="6467228" y="2023406"/>
-        <a:ext cx="1406419" cy="539082"/>
+        <a:off x="7185190" y="1360302"/>
+        <a:ext cx="1519184" cy="582306"/>
       </dsp:txXfrm>
     </dsp:sp>
     <dsp:sp modelId="{9291C99C-8015-4566-8592-8DC5DA23A1A0}">
@@ -4483,8 +6792,8 @@
       </dsp:nvSpPr>
       <dsp:spPr>
         <a:xfrm>
-          <a:off x="8118895" y="2292947"/>
-          <a:ext cx="1619959" cy="1336127"/>
+          <a:off x="8940256" y="1720982"/>
+          <a:ext cx="1749844" cy="2122812"/>
         </a:xfrm>
         <a:prstGeom prst="roundRect">
           <a:avLst>
@@ -4526,12 +6835,12 @@
         <a:fontRef idx="minor"/>
       </dsp:style>
       <dsp:txBody>
-        <a:bodyPr spcFirstLastPara="0" vert="horz" wrap="square" lIns="40005" tIns="40005" rIns="40005" bIns="40005" numCol="1" spcCol="1270" anchor="t" anchorCtr="0">
+        <a:bodyPr spcFirstLastPara="0" vert="horz" wrap="square" lIns="123825" tIns="123825" rIns="123825" bIns="123825" numCol="1" spcCol="1270" anchor="t" anchorCtr="0">
           <a:noAutofit/>
         </a:bodyPr>
         <a:lstStyle/>
         <a:p>
-          <a:pPr marL="228600" lvl="1" indent="-228600" algn="l" defTabSz="933450">
+          <a:pPr marL="114300" lvl="1" indent="-114300" algn="l" defTabSz="622300">
             <a:lnSpc>
               <a:spcPct val="90000"/>
             </a:lnSpc>
@@ -4544,12 +6853,12 @@
             <a:buChar char="•"/>
           </a:pPr>
           <a:r>
-            <a:rPr lang="en-AU" sz="2100" kern="1200" dirty="0"/>
-            <a:t>Logistic </a:t>
+            <a:rPr lang="en-AU" sz="1400" kern="1200" dirty="0"/>
+            <a:t>Train-Test-Split </a:t>
           </a:r>
         </a:p>
         <a:p>
-          <a:pPr marL="228600" lvl="1" indent="-228600" algn="l" defTabSz="933450">
+          <a:pPr marL="114300" lvl="1" indent="-114300" algn="l" defTabSz="622300">
             <a:lnSpc>
               <a:spcPct val="90000"/>
             </a:lnSpc>
@@ -4561,12 +6870,93 @@
             </a:spcAft>
             <a:buChar char="•"/>
           </a:pPr>
-          <a:endParaRPr lang="en-AU" sz="2100" kern="1200" dirty="0"/>
+          <a:endParaRPr lang="en-AU" sz="1400" kern="1200" dirty="0"/>
+        </a:p>
+        <a:p>
+          <a:pPr marL="114300" lvl="1" indent="-114300" algn="l" defTabSz="622300">
+            <a:lnSpc>
+              <a:spcPct val="90000"/>
+            </a:lnSpc>
+            <a:spcBef>
+              <a:spcPct val="0"/>
+            </a:spcBef>
+            <a:spcAft>
+              <a:spcPct val="15000"/>
+            </a:spcAft>
+            <a:buChar char="•"/>
+          </a:pPr>
+          <a:r>
+            <a:rPr lang="en-AU" sz="1400" kern="1200" dirty="0"/>
+            <a:t>Feature Selection</a:t>
+          </a:r>
+        </a:p>
+        <a:p>
+          <a:pPr marL="114300" lvl="1" indent="-114300" algn="l" defTabSz="622300">
+            <a:lnSpc>
+              <a:spcPct val="90000"/>
+            </a:lnSpc>
+            <a:spcBef>
+              <a:spcPct val="0"/>
+            </a:spcBef>
+            <a:spcAft>
+              <a:spcPct val="15000"/>
+            </a:spcAft>
+            <a:buChar char="•"/>
+          </a:pPr>
+          <a:endParaRPr lang="en-AU" sz="1400" kern="1200" dirty="0"/>
+        </a:p>
+        <a:p>
+          <a:pPr marL="114300" lvl="1" indent="-114300" algn="l" defTabSz="622300">
+            <a:lnSpc>
+              <a:spcPct val="90000"/>
+            </a:lnSpc>
+            <a:spcBef>
+              <a:spcPct val="0"/>
+            </a:spcBef>
+            <a:spcAft>
+              <a:spcPct val="15000"/>
+            </a:spcAft>
+            <a:buChar char="•"/>
+          </a:pPr>
+          <a:r>
+            <a:rPr lang="en-AU" sz="1400" kern="1200" dirty="0"/>
+            <a:t>Hyperparameters</a:t>
+          </a:r>
+        </a:p>
+        <a:p>
+          <a:pPr marL="114300" lvl="1" indent="-114300" algn="l" defTabSz="622300">
+            <a:lnSpc>
+              <a:spcPct val="90000"/>
+            </a:lnSpc>
+            <a:spcBef>
+              <a:spcPct val="0"/>
+            </a:spcBef>
+            <a:spcAft>
+              <a:spcPct val="15000"/>
+            </a:spcAft>
+            <a:buChar char="•"/>
+          </a:pPr>
+          <a:endParaRPr lang="en-AU" sz="1400" kern="1200" dirty="0"/>
+        </a:p>
+        <a:p>
+          <a:pPr marL="114300" lvl="1" indent="-114300" algn="l" defTabSz="622300">
+            <a:lnSpc>
+              <a:spcPct val="90000"/>
+            </a:lnSpc>
+            <a:spcBef>
+              <a:spcPct val="0"/>
+            </a:spcBef>
+            <a:spcAft>
+              <a:spcPct val="15000"/>
+            </a:spcAft>
+            <a:buChar char="•"/>
+          </a:pPr>
+          <a:endParaRPr lang="en-AU" sz="1400" kern="1200" dirty="0"/>
         </a:p>
       </dsp:txBody>
       <dsp:txXfrm>
-        <a:off x="8149643" y="2323695"/>
-        <a:ext cx="1558463" cy="988318"/>
+        <a:off x="8989108" y="1769834"/>
+        <a:ext cx="1652140" cy="1570219"/>
       </dsp:txXfrm>
     </dsp:sp>
     <dsp:sp modelId="{5A1D16DC-957D-4AFE-9021-B08B29607D6D}">
@@ -4576,8 +6966,8 @@
       </dsp:nvSpPr>
       <dsp:spPr>
         <a:xfrm>
-          <a:off x="8478886" y="3342762"/>
-          <a:ext cx="1439963" cy="572626"/>
+          <a:off x="9263861" y="3579360"/>
+          <a:ext cx="1555416" cy="618538"/>
         </a:xfrm>
         <a:prstGeom prst="roundRect">
           <a:avLst>
@@ -4620,12 +7010,12 @@
         </a:fontRef>
       </dsp:style>
       <dsp:txBody>
-        <a:bodyPr spcFirstLastPara="0" vert="horz" wrap="square" lIns="34290" tIns="22860" rIns="34290" bIns="22860" numCol="1" spcCol="1270" anchor="ctr" anchorCtr="0">
+        <a:bodyPr spcFirstLastPara="0" vert="horz" wrap="square" lIns="38100" tIns="25400" rIns="38100" bIns="25400" numCol="1" spcCol="1270" anchor="ctr" anchorCtr="0">
           <a:noAutofit/>
         </a:bodyPr>
         <a:lstStyle/>
         <a:p>
-          <a:pPr marL="0" lvl="0" indent="0" algn="ctr" defTabSz="800100">
+          <a:pPr marL="0" lvl="0" indent="0" algn="ctr" defTabSz="889000">
             <a:lnSpc>
               <a:spcPct val="90000"/>
             </a:lnSpc>
@@ -4638,14 +7028,14 @@
             <a:buNone/>
           </a:pPr>
           <a:r>
-            <a:rPr lang="en-AU" sz="1800" kern="1200" dirty="0"/>
+            <a:rPr lang="en-AU" sz="2000" kern="1200" dirty="0"/>
             <a:t>Optimize Data</a:t>
           </a:r>
         </a:p>
       </dsp:txBody>
       <dsp:txXfrm>
-        <a:off x="8495658" y="3359534"/>
-        <a:ext cx="1406419" cy="539082"/>
+        <a:off x="9281977" y="3597476"/>
+        <a:ext cx="1519184" cy="582306"/>
       </dsp:txXfrm>
     </dsp:sp>
   </dsp:spTree>
@@ -6000,6 +8390,249 @@
       <dsp:txXfrm>
         <a:off x="0" y="5523962"/>
         <a:ext cx="6797675" cy="329647"/>
+      </dsp:txXfrm>
+    </dsp:sp>
+  </dsp:spTree>
+</dsp:drawing>
+</file>
+
+<file path=ppt/diagrams/drawing3.xml><?xml version="1.0" encoding="utf-8"?>
+<dsp:drawing xmlns:dgm="http://schemas.openxmlformats.org/drawingml/2006/diagram" xmlns:dsp="http://schemas.microsoft.com/office/drawing/2008/diagram" xmlns:a="http://schemas.openxmlformats.org/drawingml/2006/main">
+  <dsp:spTree>
+    <dsp:nvGrpSpPr>
+      <dsp:cNvPr id="0" name=""/>
+      <dsp:cNvGrpSpPr/>
+    </dsp:nvGrpSpPr>
+    <dsp:grpSpPr/>
+    <dsp:sp modelId="{19487287-432C-6D47-9FEE-2B993807991B}">
+      <dsp:nvSpPr>
+        <dsp:cNvPr id="0" name=""/>
+        <dsp:cNvSpPr/>
+      </dsp:nvSpPr>
+      <dsp:spPr>
+        <a:xfrm>
+          <a:off x="0" y="703065"/>
+          <a:ext cx="10058399" cy="725399"/>
+        </a:xfrm>
+        <a:prstGeom prst="roundRect">
+          <a:avLst/>
+        </a:prstGeom>
+        <a:solidFill>
+          <a:schemeClr val="accent1">
+            <a:hueOff val="0"/>
+            <a:satOff val="0"/>
+            <a:lumOff val="0"/>
+            <a:alphaOff val="0"/>
+          </a:schemeClr>
+        </a:solidFill>
+        <a:ln w="15875" cap="flat" cmpd="sng" algn="ctr">
+          <a:solidFill>
+            <a:schemeClr val="lt1">
+              <a:hueOff val="0"/>
+              <a:satOff val="0"/>
+              <a:lumOff val="0"/>
+              <a:alphaOff val="0"/>
+            </a:schemeClr>
+          </a:solidFill>
+          <a:prstDash val="solid"/>
+        </a:ln>
+        <a:effectLst/>
+      </dsp:spPr>
+      <dsp:style>
+        <a:lnRef idx="2">
+          <a:scrgbClr r="0" g="0" b="0"/>
+        </a:lnRef>
+        <a:fillRef idx="1">
+          <a:scrgbClr r="0" g="0" b="0"/>
+        </a:fillRef>
+        <a:effectRef idx="0">
+          <a:scrgbClr r="0" g="0" b="0"/>
+        </a:effectRef>
+        <a:fontRef idx="minor">
+          <a:schemeClr val="lt1"/>
+        </a:fontRef>
+      </dsp:style>
+      <dsp:txBody>
+        <a:bodyPr spcFirstLastPara="0" vert="horz" wrap="square" lIns="118110" tIns="118110" rIns="118110" bIns="118110" numCol="1" spcCol="1270" anchor="ctr" anchorCtr="0">
+          <a:noAutofit/>
+        </a:bodyPr>
+        <a:lstStyle/>
+        <a:p>
+          <a:pPr marL="0" lvl="0" indent="0" algn="l" defTabSz="1377950">
+            <a:lnSpc>
+              <a:spcPct val="90000"/>
+            </a:lnSpc>
+            <a:spcBef>
+              <a:spcPct val="0"/>
+            </a:spcBef>
+            <a:spcAft>
+              <a:spcPct val="35000"/>
+            </a:spcAft>
+            <a:buNone/>
+          </a:pPr>
+          <a:r>
+            <a:rPr lang="en-US" sz="3100" kern="1200" dirty="0"/>
+            <a:t>Random Forest				Feature Selection	</a:t>
+          </a:r>
+        </a:p>
+      </dsp:txBody>
+      <dsp:txXfrm>
+        <a:off x="35411" y="738476"/>
+        <a:ext cx="9987577" cy="654577"/>
+      </dsp:txXfrm>
+    </dsp:sp>
+    <dsp:sp modelId="{B9192CB3-3300-854A-A229-CA085B1D3D2D}">
+      <dsp:nvSpPr>
+        <dsp:cNvPr id="0" name=""/>
+        <dsp:cNvSpPr/>
+      </dsp:nvSpPr>
+      <dsp:spPr>
+        <a:xfrm>
+          <a:off x="0" y="1517745"/>
+          <a:ext cx="10058399" cy="725399"/>
+        </a:xfrm>
+        <a:prstGeom prst="roundRect">
+          <a:avLst/>
+        </a:prstGeom>
+        <a:solidFill>
+          <a:schemeClr val="accent1">
+            <a:hueOff val="0"/>
+            <a:satOff val="0"/>
+            <a:lumOff val="0"/>
+            <a:alphaOff val="0"/>
+          </a:schemeClr>
+        </a:solidFill>
+        <a:ln w="15875" cap="flat" cmpd="sng" algn="ctr">
+          <a:solidFill>
+            <a:schemeClr val="lt1">
+              <a:hueOff val="0"/>
+              <a:satOff val="0"/>
+              <a:lumOff val="0"/>
+              <a:alphaOff val="0"/>
+            </a:schemeClr>
+          </a:solidFill>
+          <a:prstDash val="solid"/>
+        </a:ln>
+        <a:effectLst/>
+      </dsp:spPr>
+      <dsp:style>
+        <a:lnRef idx="2">
+          <a:scrgbClr r="0" g="0" b="0"/>
+        </a:lnRef>
+        <a:fillRef idx="1">
+          <a:scrgbClr r="0" g="0" b="0"/>
+        </a:fillRef>
+        <a:effectRef idx="0">
+          <a:scrgbClr r="0" g="0" b="0"/>
+        </a:effectRef>
+        <a:fontRef idx="minor">
+          <a:schemeClr val="lt1"/>
+        </a:fontRef>
+      </dsp:style>
+      <dsp:txBody>
+        <a:bodyPr spcFirstLastPara="0" vert="horz" wrap="square" lIns="118110" tIns="118110" rIns="118110" bIns="118110" numCol="1" spcCol="1270" anchor="ctr" anchorCtr="0">
+          <a:noAutofit/>
+        </a:bodyPr>
+        <a:lstStyle/>
+        <a:p>
+          <a:pPr marL="0" lvl="0" indent="0" algn="l" defTabSz="1377950">
+            <a:lnSpc>
+              <a:spcPct val="90000"/>
+            </a:lnSpc>
+            <a:spcBef>
+              <a:spcPct val="0"/>
+            </a:spcBef>
+            <a:spcAft>
+              <a:spcPct val="35000"/>
+            </a:spcAft>
+            <a:buNone/>
+          </a:pPr>
+          <a:r>
+            <a:rPr lang="en-US" sz="3100" kern="1200" dirty="0"/>
+            <a:t>Logistic Regression			Train-Test-Split</a:t>
+          </a:r>
+        </a:p>
+      </dsp:txBody>
+      <dsp:txXfrm>
+        <a:off x="35411" y="1553156"/>
+        <a:ext cx="9987577" cy="654577"/>
+      </dsp:txXfrm>
+    </dsp:sp>
+    <dsp:sp modelId="{9F01DE9A-9230-7542-90AD-5B661EDD43F3}">
+      <dsp:nvSpPr>
+        <dsp:cNvPr id="0" name=""/>
+        <dsp:cNvSpPr/>
+      </dsp:nvSpPr>
+      <dsp:spPr>
+        <a:xfrm>
+          <a:off x="0" y="2332425"/>
+          <a:ext cx="10058399" cy="725399"/>
+        </a:xfrm>
+        <a:prstGeom prst="roundRect">
+          <a:avLst/>
+        </a:prstGeom>
+        <a:solidFill>
+          <a:schemeClr val="accent1">
+            <a:hueOff val="0"/>
+            <a:satOff val="0"/>
+            <a:lumOff val="0"/>
+            <a:alphaOff val="0"/>
+          </a:schemeClr>
+        </a:solidFill>
+        <a:ln w="15875" cap="flat" cmpd="sng" algn="ctr">
+          <a:solidFill>
+            <a:schemeClr val="lt1">
+              <a:hueOff val="0"/>
+              <a:satOff val="0"/>
+              <a:lumOff val="0"/>
+              <a:alphaOff val="0"/>
+            </a:schemeClr>
+          </a:solidFill>
+          <a:prstDash val="solid"/>
+        </a:ln>
+        <a:effectLst/>
+      </dsp:spPr>
+      <dsp:style>
+        <a:lnRef idx="2">
+          <a:scrgbClr r="0" g="0" b="0"/>
+        </a:lnRef>
+        <a:fillRef idx="1">
+          <a:scrgbClr r="0" g="0" b="0"/>
+        </a:fillRef>
+        <a:effectRef idx="0">
+          <a:scrgbClr r="0" g="0" b="0"/>
+        </a:effectRef>
+        <a:fontRef idx="minor">
+          <a:schemeClr val="lt1"/>
+        </a:fontRef>
+      </dsp:style>
+      <dsp:txBody>
+        <a:bodyPr spcFirstLastPara="0" vert="horz" wrap="square" lIns="118110" tIns="118110" rIns="118110" bIns="118110" numCol="1" spcCol="1270" anchor="ctr" anchorCtr="0">
+          <a:noAutofit/>
+        </a:bodyPr>
+        <a:lstStyle/>
+        <a:p>
+          <a:pPr marL="0" lvl="0" indent="0" algn="l" defTabSz="1377950">
+            <a:lnSpc>
+              <a:spcPct val="90000"/>
+            </a:lnSpc>
+            <a:spcBef>
+              <a:spcPct val="0"/>
+            </a:spcBef>
+            <a:spcAft>
+              <a:spcPct val="35000"/>
+            </a:spcAft>
+            <a:buNone/>
+          </a:pPr>
+          <a:r>
+            <a:rPr lang="en-US" sz="3100" kern="1200"/>
+            <a:t>Neural Network				Hyperparameters</a:t>
+          </a:r>
+        </a:p>
+      </dsp:txBody>
+      <dsp:txXfrm>
+        <a:off x="35411" y="2367836"/>
+        <a:ext cx="9987577" cy="654577"/>
       </dsp:txXfrm>
     </dsp:sp>
   </dsp:spTree>
@@ -6717,6 +9350,173 @@
 </dgm:layoutDef>
 </file>
 
+<file path=ppt/diagrams/layout3.xml><?xml version="1.0" encoding="utf-8"?>
+<dgm:layoutDef xmlns:dgm="http://schemas.openxmlformats.org/drawingml/2006/diagram" xmlns:a="http://schemas.openxmlformats.org/drawingml/2006/main" uniqueId="urn:microsoft.com/office/officeart/2005/8/layout/vList2">
+  <dgm:title val=""/>
+  <dgm:desc val=""/>
+  <dgm:catLst>
+    <dgm:cat type="list" pri="3000"/>
+    <dgm:cat type="convert" pri="1000"/>
+  </dgm:catLst>
+  <dgm:sampData>
+    <dgm:dataModel>
+      <dgm:ptLst>
+        <dgm:pt modelId="0" type="doc"/>
+        <dgm:pt modelId="1">
+          <dgm:prSet phldr="1"/>
+        </dgm:pt>
+        <dgm:pt modelId="11">
+          <dgm:prSet phldr="1"/>
+        </dgm:pt>
+        <dgm:pt modelId="2">
+          <dgm:prSet phldr="1"/>
+        </dgm:pt>
+        <dgm:pt modelId="21">
+          <dgm:prSet phldr="1"/>
+        </dgm:pt>
+      </dgm:ptLst>
+      <dgm:cxnLst>
+        <dgm:cxn modelId="4" srcId="0" destId="1" srcOrd="0" destOrd="0"/>
+        <dgm:cxn modelId="5" srcId="0" destId="2" srcOrd="1" destOrd="0"/>
+        <dgm:cxn modelId="12" srcId="1" destId="11" srcOrd="0" destOrd="0"/>
+        <dgm:cxn modelId="23" srcId="2" destId="21" srcOrd="0" destOrd="0"/>
+      </dgm:cxnLst>
+      <dgm:bg/>
+      <dgm:whole/>
+    </dgm:dataModel>
+  </dgm:sampData>
+  <dgm:styleData>
+    <dgm:dataModel>
+      <dgm:ptLst>
+        <dgm:pt modelId="0" type="doc"/>
+        <dgm:pt modelId="1"/>
+        <dgm:pt modelId="2"/>
+      </dgm:ptLst>
+      <dgm:cxnLst>
+        <dgm:cxn modelId="3" srcId="0" destId="1" srcOrd="0" destOrd="0"/>
+        <dgm:cxn modelId="4" srcId="0" destId="2" srcOrd="1" destOrd="0"/>
+      </dgm:cxnLst>
+      <dgm:bg/>
+      <dgm:whole/>
+    </dgm:dataModel>
+  </dgm:styleData>
+  <dgm:clrData>
+    <dgm:dataModel>
+      <dgm:ptLst>
+        <dgm:pt modelId="0" type="doc"/>
+        <dgm:pt modelId="1"/>
+        <dgm:pt modelId="2"/>
+        <dgm:pt modelId="3"/>
+        <dgm:pt modelId="4"/>
+      </dgm:ptLst>
+      <dgm:cxnLst>
+        <dgm:cxn modelId="5" srcId="0" destId="1" srcOrd="0" destOrd="0"/>
+        <dgm:cxn modelId="6" srcId="0" destId="2" srcOrd="1" destOrd="0"/>
+        <dgm:cxn modelId="7" srcId="0" destId="3" srcOrd="2" destOrd="0"/>
+        <dgm:cxn modelId="8" srcId="0" destId="4" srcOrd="3" destOrd="0"/>
+      </dgm:cxnLst>
+      <dgm:bg/>
+      <dgm:whole/>
+    </dgm:dataModel>
+  </dgm:clrData>
+  <dgm:layoutNode name="linear">
+    <dgm:varLst>
+      <dgm:animLvl val="lvl"/>
+      <dgm:resizeHandles val="exact"/>
+    </dgm:varLst>
+    <dgm:alg type="lin">
+      <dgm:param type="linDir" val="fromT"/>
+      <dgm:param type="vertAlign" val="mid"/>
+    </dgm:alg>
+    <dgm:shape xmlns:r="http://schemas.openxmlformats.org/officeDocument/2006/relationships" r:blip="">
+      <dgm:adjLst/>
+    </dgm:shape>
+    <dgm:presOf/>
+    <dgm:constrLst>
+      <dgm:constr type="w" for="ch" forName="parentText" refType="w"/>
+      <dgm:constr type="h" for="ch" forName="parentText" refType="primFontSz" refFor="ch" refForName="parentText" fact="0.52"/>
+      <dgm:constr type="w" for="ch" forName="childText" refType="w"/>
+      <dgm:constr type="h" for="ch" forName="childText" refType="primFontSz" refFor="ch" refForName="parentText" fact="0.46"/>
+      <dgm:constr type="h" for="ch" forName="parentText" op="equ"/>
+      <dgm:constr type="primFontSz" for="ch" forName="parentText" op="equ" val="65"/>
+      <dgm:constr type="primFontSz" for="ch" forName="childText" refType="primFontSz" refFor="ch" refForName="parentText" op="equ"/>
+      <dgm:constr type="h" for="ch" forName="spacer" refType="primFontSz" refFor="ch" refForName="parentText" fact="0.08"/>
+    </dgm:constrLst>
+    <dgm:ruleLst>
+      <dgm:rule type="primFontSz" for="ch" forName="parentText" val="5" fact="NaN" max="NaN"/>
+    </dgm:ruleLst>
+    <dgm:forEach name="Name0" axis="ch" ptType="node">
+      <dgm:layoutNode name="parentText" styleLbl="node1">
+        <dgm:varLst>
+          <dgm:chMax val="0"/>
+          <dgm:bulletEnabled val="1"/>
+        </dgm:varLst>
+        <dgm:alg type="tx">
+          <dgm:param type="parTxLTRAlign" val="l"/>
+          <dgm:param type="parTxRTLAlign" val="r"/>
+        </dgm:alg>
+        <dgm:shape xmlns:r="http://schemas.openxmlformats.org/officeDocument/2006/relationships" type="roundRect" r:blip="">
+          <dgm:adjLst/>
+        </dgm:shape>
+        <dgm:presOf axis="self"/>
+        <dgm:constrLst>
+          <dgm:constr type="tMarg" refType="primFontSz" fact="0.3"/>
+          <dgm:constr type="bMarg" refType="primFontSz" fact="0.3"/>
+          <dgm:constr type="lMarg" refType="primFontSz" fact="0.3"/>
+          <dgm:constr type="rMarg" refType="primFontSz" fact="0.3"/>
+        </dgm:constrLst>
+        <dgm:ruleLst>
+          <dgm:rule type="h" val="INF" fact="NaN" max="NaN"/>
+        </dgm:ruleLst>
+      </dgm:layoutNode>
+      <dgm:choose name="Name1">
+        <dgm:if name="Name2" axis="ch" ptType="node" func="cnt" op="gte" val="1">
+          <dgm:layoutNode name="childText" styleLbl="revTx">
+            <dgm:varLst>
+              <dgm:bulletEnabled val="1"/>
+            </dgm:varLst>
+            <dgm:alg type="tx">
+              <dgm:param type="stBulletLvl" val="1"/>
+              <dgm:param type="lnSpAfChP" val="20"/>
+            </dgm:alg>
+            <dgm:shape xmlns:r="http://schemas.openxmlformats.org/officeDocument/2006/relationships" type="rect" r:blip="">
+              <dgm:adjLst/>
+            </dgm:shape>
+            <dgm:presOf axis="des" ptType="node"/>
+            <dgm:constrLst>
+              <dgm:constr type="tMarg" refType="primFontSz" fact="0.1"/>
+              <dgm:constr type="bMarg" refType="primFontSz" fact="0.1"/>
+              <dgm:constr type="lMarg" refType="w" fact="0.09"/>
+            </dgm:constrLst>
+            <dgm:ruleLst>
+              <dgm:rule type="h" val="INF" fact="NaN" max="NaN"/>
+            </dgm:ruleLst>
+          </dgm:layoutNode>
+        </dgm:if>
+        <dgm:else name="Name3">
+          <dgm:choose name="Name4">
+            <dgm:if name="Name5" axis="par ch" ptType="doc node" func="cnt" op="gte" val="2">
+              <dgm:forEach name="Name6" axis="followSib" ptType="sibTrans" cnt="1">
+                <dgm:layoutNode name="spacer">
+                  <dgm:alg type="sp"/>
+                  <dgm:shape xmlns:r="http://schemas.openxmlformats.org/officeDocument/2006/relationships" r:blip="">
+                    <dgm:adjLst/>
+                  </dgm:shape>
+                  <dgm:presOf/>
+                  <dgm:constrLst/>
+                  <dgm:ruleLst/>
+                </dgm:layoutNode>
+              </dgm:forEach>
+            </dgm:if>
+            <dgm:else name="Name7"/>
+          </dgm:choose>
+        </dgm:else>
+      </dgm:choose>
+    </dgm:forEach>
+  </dgm:layoutNode>
+</dgm:layoutDef>
+</file>
+
 <file path=ppt/diagrams/quickStyle1.xml><?xml version="1.0" encoding="utf-8"?>
 <dgm:styleDef xmlns:dgm="http://schemas.openxmlformats.org/drawingml/2006/diagram" xmlns:a="http://schemas.openxmlformats.org/drawingml/2006/main" uniqueId="urn:microsoft.com/office/officeart/2005/8/quickstyle/simple1">
   <dgm:title val=""/>
@@ -7752,6 +10552,1040 @@
 </file>
 
 <file path=ppt/diagrams/quickStyle2.xml><?xml version="1.0" encoding="utf-8"?>
+<dgm:styleDef xmlns:dgm="http://schemas.openxmlformats.org/drawingml/2006/diagram" xmlns:a="http://schemas.openxmlformats.org/drawingml/2006/main" uniqueId="urn:microsoft.com/office/officeart/2005/8/quickstyle/simple1">
+  <dgm:title val=""/>
+  <dgm:desc val=""/>
+  <dgm:catLst>
+    <dgm:cat type="simple" pri="10100"/>
+  </dgm:catLst>
+  <dgm:scene3d>
+    <a:camera prst="orthographicFront"/>
+    <a:lightRig rig="threePt" dir="t"/>
+  </dgm:scene3d>
+  <dgm:styleLbl name="node0">
+    <dgm:scene3d>
+      <a:camera prst="orthographicFront"/>
+      <a:lightRig rig="threePt" dir="t"/>
+    </dgm:scene3d>
+    <dgm:sp3d/>
+    <dgm:txPr/>
+    <dgm:style>
+      <a:lnRef idx="2">
+        <a:scrgbClr r="0" g="0" b="0"/>
+      </a:lnRef>
+      <a:fillRef idx="1">
+        <a:scrgbClr r="0" g="0" b="0"/>
+      </a:fillRef>
+      <a:effectRef idx="0">
+        <a:scrgbClr r="0" g="0" b="0"/>
+      </a:effectRef>
+      <a:fontRef idx="minor">
+        <a:schemeClr val="lt1"/>
+      </a:fontRef>
+    </dgm:style>
+  </dgm:styleLbl>
+  <dgm:styleLbl name="lnNode1">
+    <dgm:scene3d>
+      <a:camera prst="orthographicFront"/>
+      <a:lightRig rig="threePt" dir="t"/>
+    </dgm:scene3d>
+    <dgm:sp3d/>
+    <dgm:txPr/>
+    <dgm:style>
+      <a:lnRef idx="2">
+        <a:scrgbClr r="0" g="0" b="0"/>
+      </a:lnRef>
+      <a:fillRef idx="1">
+        <a:scrgbClr r="0" g="0" b="0"/>
+      </a:fillRef>
+      <a:effectRef idx="0">
+        <a:scrgbClr r="0" g="0" b="0"/>
+      </a:effectRef>
+      <a:fontRef idx="minor">
+        <a:schemeClr val="lt1"/>
+      </a:fontRef>
+    </dgm:style>
+  </dgm:styleLbl>
+  <dgm:styleLbl name="vennNode1">
+    <dgm:scene3d>
+      <a:camera prst="orthographicFront"/>
+      <a:lightRig rig="threePt" dir="t"/>
+    </dgm:scene3d>
+    <dgm:sp3d/>
+    <dgm:txPr/>
+    <dgm:style>
+      <a:lnRef idx="2">
+        <a:scrgbClr r="0" g="0" b="0"/>
+      </a:lnRef>
+      <a:fillRef idx="1">
+        <a:scrgbClr r="0" g="0" b="0"/>
+      </a:fillRef>
+      <a:effectRef idx="0">
+        <a:scrgbClr r="0" g="0" b="0"/>
+      </a:effectRef>
+      <a:fontRef idx="minor">
+        <a:schemeClr val="tx1"/>
+      </a:fontRef>
+    </dgm:style>
+  </dgm:styleLbl>
+  <dgm:styleLbl name="alignNode1">
+    <dgm:scene3d>
+      <a:camera prst="orthographicFront"/>
+      <a:lightRig rig="threePt" dir="t"/>
+    </dgm:scene3d>
+    <dgm:sp3d/>
+    <dgm:txPr/>
+    <dgm:style>
+      <a:lnRef idx="2">
+        <a:scrgbClr r="0" g="0" b="0"/>
+      </a:lnRef>
+      <a:fillRef idx="1">
+        <a:scrgbClr r="0" g="0" b="0"/>
+      </a:fillRef>
+      <a:effectRef idx="0">
+        <a:scrgbClr r="0" g="0" b="0"/>
+      </a:effectRef>
+      <a:fontRef idx="minor">
+        <a:schemeClr val="lt1"/>
+      </a:fontRef>
+    </dgm:style>
+  </dgm:styleLbl>
+  <dgm:styleLbl name="node1">
+    <dgm:scene3d>
+      <a:camera prst="orthographicFront"/>
+      <a:lightRig rig="threePt" dir="t"/>
+    </dgm:scene3d>
+    <dgm:sp3d/>
+    <dgm:txPr/>
+    <dgm:style>
+      <a:lnRef idx="2">
+        <a:scrgbClr r="0" g="0" b="0"/>
+      </a:lnRef>
+      <a:fillRef idx="1">
+        <a:scrgbClr r="0" g="0" b="0"/>
+      </a:fillRef>
+      <a:effectRef idx="0">
+        <a:scrgbClr r="0" g="0" b="0"/>
+      </a:effectRef>
+      <a:fontRef idx="minor">
+        <a:schemeClr val="lt1"/>
+      </a:fontRef>
+    </dgm:style>
+  </dgm:styleLbl>
+  <dgm:styleLbl name="node2">
+    <dgm:scene3d>
+      <a:camera prst="orthographicFront"/>
+      <a:lightRig rig="threePt" dir="t"/>
+    </dgm:scene3d>
+    <dgm:sp3d/>
+    <dgm:txPr/>
+    <dgm:style>
+      <a:lnRef idx="2">
+        <a:scrgbClr r="0" g="0" b="0"/>
+      </a:lnRef>
+      <a:fillRef idx="1">
+        <a:scrgbClr r="0" g="0" b="0"/>
+      </a:fillRef>
+      <a:effectRef idx="0">
+        <a:scrgbClr r="0" g="0" b="0"/>
+      </a:effectRef>
+      <a:fontRef idx="minor">
+        <a:schemeClr val="lt1"/>
+      </a:fontRef>
+    </dgm:style>
+  </dgm:styleLbl>
+  <dgm:styleLbl name="node3">
+    <dgm:scene3d>
+      <a:camera prst="orthographicFront"/>
+      <a:lightRig rig="threePt" dir="t"/>
+    </dgm:scene3d>
+    <dgm:sp3d/>
+    <dgm:txPr/>
+    <dgm:style>
+      <a:lnRef idx="2">
+        <a:scrgbClr r="0" g="0" b="0"/>
+      </a:lnRef>
+      <a:fillRef idx="1">
+        <a:scrgbClr r="0" g="0" b="0"/>
+      </a:fillRef>
+      <a:effectRef idx="0">
+        <a:scrgbClr r="0" g="0" b="0"/>
+      </a:effectRef>
+      <a:fontRef idx="minor">
+        <a:schemeClr val="lt1"/>
+      </a:fontRef>
+    </dgm:style>
+  </dgm:styleLbl>
+  <dgm:styleLbl name="node4">
+    <dgm:scene3d>
+      <a:camera prst="orthographicFront"/>
+      <a:lightRig rig="threePt" dir="t"/>
+    </dgm:scene3d>
+    <dgm:sp3d/>
+    <dgm:txPr/>
+    <dgm:style>
+      <a:lnRef idx="2">
+        <a:scrgbClr r="0" g="0" b="0"/>
+      </a:lnRef>
+      <a:fillRef idx="1">
+        <a:scrgbClr r="0" g="0" b="0"/>
+      </a:fillRef>
+      <a:effectRef idx="0">
+        <a:scrgbClr r="0" g="0" b="0"/>
+      </a:effectRef>
+      <a:fontRef idx="minor">
+        <a:schemeClr val="lt1"/>
+      </a:fontRef>
+    </dgm:style>
+  </dgm:styleLbl>
+  <dgm:styleLbl name="fgImgPlace1">
+    <dgm:scene3d>
+      <a:camera prst="orthographicFront"/>
+      <a:lightRig rig="threePt" dir="t"/>
+    </dgm:scene3d>
+    <dgm:sp3d/>
+    <dgm:txPr/>
+    <dgm:style>
+      <a:lnRef idx="2">
+        <a:scrgbClr r="0" g="0" b="0"/>
+      </a:lnRef>
+      <a:fillRef idx="1">
+        <a:scrgbClr r="0" g="0" b="0"/>
+      </a:fillRef>
+      <a:effectRef idx="0">
+        <a:scrgbClr r="0" g="0" b="0"/>
+      </a:effectRef>
+      <a:fontRef idx="minor"/>
+    </dgm:style>
+  </dgm:styleLbl>
+  <dgm:styleLbl name="alignImgPlace1">
+    <dgm:scene3d>
+      <a:camera prst="orthographicFront"/>
+      <a:lightRig rig="threePt" dir="t"/>
+    </dgm:scene3d>
+    <dgm:sp3d/>
+    <dgm:txPr/>
+    <dgm:style>
+      <a:lnRef idx="2">
+        <a:scrgbClr r="0" g="0" b="0"/>
+      </a:lnRef>
+      <a:fillRef idx="1">
+        <a:scrgbClr r="0" g="0" b="0"/>
+      </a:fillRef>
+      <a:effectRef idx="0">
+        <a:scrgbClr r="0" g="0" b="0"/>
+      </a:effectRef>
+      <a:fontRef idx="minor"/>
+    </dgm:style>
+  </dgm:styleLbl>
+  <dgm:styleLbl name="bgImgPlace1">
+    <dgm:scene3d>
+      <a:camera prst="orthographicFront"/>
+      <a:lightRig rig="threePt" dir="t"/>
+    </dgm:scene3d>
+    <dgm:sp3d/>
+    <dgm:txPr/>
+    <dgm:style>
+      <a:lnRef idx="2">
+        <a:scrgbClr r="0" g="0" b="0"/>
+      </a:lnRef>
+      <a:fillRef idx="1">
+        <a:scrgbClr r="0" g="0" b="0"/>
+      </a:fillRef>
+      <a:effectRef idx="0">
+        <a:scrgbClr r="0" g="0" b="0"/>
+      </a:effectRef>
+      <a:fontRef idx="minor"/>
+    </dgm:style>
+  </dgm:styleLbl>
+  <dgm:styleLbl name="sibTrans2D1">
+    <dgm:scene3d>
+      <a:camera prst="orthographicFront"/>
+      <a:lightRig rig="threePt" dir="t"/>
+    </dgm:scene3d>
+    <dgm:sp3d/>
+    <dgm:txPr/>
+    <dgm:style>
+      <a:lnRef idx="0">
+        <a:scrgbClr r="0" g="0" b="0"/>
+      </a:lnRef>
+      <a:fillRef idx="1">
+        <a:scrgbClr r="0" g="0" b="0"/>
+      </a:fillRef>
+      <a:effectRef idx="0">
+        <a:scrgbClr r="0" g="0" b="0"/>
+      </a:effectRef>
+      <a:fontRef idx="minor">
+        <a:schemeClr val="lt1"/>
+      </a:fontRef>
+    </dgm:style>
+  </dgm:styleLbl>
+  <dgm:styleLbl name="fgSibTrans2D1">
+    <dgm:scene3d>
+      <a:camera prst="orthographicFront"/>
+      <a:lightRig rig="threePt" dir="t"/>
+    </dgm:scene3d>
+    <dgm:sp3d/>
+    <dgm:txPr/>
+    <dgm:style>
+      <a:lnRef idx="0">
+        <a:scrgbClr r="0" g="0" b="0"/>
+      </a:lnRef>
+      <a:fillRef idx="1">
+        <a:scrgbClr r="0" g="0" b="0"/>
+      </a:fillRef>
+      <a:effectRef idx="0">
+        <a:scrgbClr r="0" g="0" b="0"/>
+      </a:effectRef>
+      <a:fontRef idx="minor">
+        <a:schemeClr val="lt1"/>
+      </a:fontRef>
+    </dgm:style>
+  </dgm:styleLbl>
+  <dgm:styleLbl name="bgSibTrans2D1">
+    <dgm:scene3d>
+      <a:camera prst="orthographicFront"/>
+      <a:lightRig rig="threePt" dir="t"/>
+    </dgm:scene3d>
+    <dgm:sp3d/>
+    <dgm:txPr/>
+    <dgm:style>
+      <a:lnRef idx="0">
+        <a:scrgbClr r="0" g="0" b="0"/>
+      </a:lnRef>
+      <a:fillRef idx="1">
+        <a:scrgbClr r="0" g="0" b="0"/>
+      </a:fillRef>
+      <a:effectRef idx="0">
+        <a:scrgbClr r="0" g="0" b="0"/>
+      </a:effectRef>
+      <a:fontRef idx="minor">
+        <a:schemeClr val="lt1"/>
+      </a:fontRef>
+    </dgm:style>
+  </dgm:styleLbl>
+  <dgm:styleLbl name="sibTrans1D1">
+    <dgm:scene3d>
+      <a:camera prst="orthographicFront"/>
+      <a:lightRig rig="threePt" dir="t"/>
+    </dgm:scene3d>
+    <dgm:sp3d/>
+    <dgm:txPr/>
+    <dgm:style>
+      <a:lnRef idx="1">
+        <a:scrgbClr r="0" g="0" b="0"/>
+      </a:lnRef>
+      <a:fillRef idx="0">
+        <a:scrgbClr r="0" g="0" b="0"/>
+      </a:fillRef>
+      <a:effectRef idx="0">
+        <a:scrgbClr r="0" g="0" b="0"/>
+      </a:effectRef>
+      <a:fontRef idx="minor"/>
+    </dgm:style>
+  </dgm:styleLbl>
+  <dgm:styleLbl name="callout">
+    <dgm:scene3d>
+      <a:camera prst="orthographicFront"/>
+      <a:lightRig rig="threePt" dir="t"/>
+    </dgm:scene3d>
+    <dgm:sp3d/>
+    <dgm:txPr/>
+    <dgm:style>
+      <a:lnRef idx="2">
+        <a:scrgbClr r="0" g="0" b="0"/>
+      </a:lnRef>
+      <a:fillRef idx="1">
+        <a:scrgbClr r="0" g="0" b="0"/>
+      </a:fillRef>
+      <a:effectRef idx="0">
+        <a:scrgbClr r="0" g="0" b="0"/>
+      </a:effectRef>
+      <a:fontRef idx="minor"/>
+    </dgm:style>
+  </dgm:styleLbl>
+  <dgm:styleLbl name="asst0">
+    <dgm:scene3d>
+      <a:camera prst="orthographicFront"/>
+      <a:lightRig rig="threePt" dir="t"/>
+    </dgm:scene3d>
+    <dgm:sp3d/>
+    <dgm:txPr/>
+    <dgm:style>
+      <a:lnRef idx="2">
+        <a:scrgbClr r="0" g="0" b="0"/>
+      </a:lnRef>
+      <a:fillRef idx="1">
+        <a:scrgbClr r="0" g="0" b="0"/>
+      </a:fillRef>
+      <a:effectRef idx="0">
+        <a:scrgbClr r="0" g="0" b="0"/>
+      </a:effectRef>
+      <a:fontRef idx="minor">
+        <a:schemeClr val="lt1"/>
+      </a:fontRef>
+    </dgm:style>
+  </dgm:styleLbl>
+  <dgm:styleLbl name="asst1">
+    <dgm:scene3d>
+      <a:camera prst="orthographicFront"/>
+      <a:lightRig rig="threePt" dir="t"/>
+    </dgm:scene3d>
+    <dgm:sp3d/>
+    <dgm:txPr/>
+    <dgm:style>
+      <a:lnRef idx="2">
+        <a:scrgbClr r="0" g="0" b="0"/>
+      </a:lnRef>
+      <a:fillRef idx="1">
+        <a:scrgbClr r="0" g="0" b="0"/>
+      </a:fillRef>
+      <a:effectRef idx="0">
+        <a:scrgbClr r="0" g="0" b="0"/>
+      </a:effectRef>
+      <a:fontRef idx="minor">
+        <a:schemeClr val="lt1"/>
+      </a:fontRef>
+    </dgm:style>
+  </dgm:styleLbl>
+  <dgm:styleLbl name="asst2">
+    <dgm:scene3d>
+      <a:camera prst="orthographicFront"/>
+      <a:lightRig rig="threePt" dir="t"/>
+    </dgm:scene3d>
+    <dgm:sp3d/>
+    <dgm:txPr/>
+    <dgm:style>
+      <a:lnRef idx="2">
+        <a:scrgbClr r="0" g="0" b="0"/>
+      </a:lnRef>
+      <a:fillRef idx="1">
+        <a:scrgbClr r="0" g="0" b="0"/>
+      </a:fillRef>
+      <a:effectRef idx="0">
+        <a:scrgbClr r="0" g="0" b="0"/>
+      </a:effectRef>
+      <a:fontRef idx="minor">
+        <a:schemeClr val="lt1"/>
+      </a:fontRef>
+    </dgm:style>
+  </dgm:styleLbl>
+  <dgm:styleLbl name="asst3">
+    <dgm:scene3d>
+      <a:camera prst="orthographicFront"/>
+      <a:lightRig rig="threePt" dir="t"/>
+    </dgm:scene3d>
+    <dgm:sp3d/>
+    <dgm:txPr/>
+    <dgm:style>
+      <a:lnRef idx="2">
+        <a:scrgbClr r="0" g="0" b="0"/>
+      </a:lnRef>
+      <a:fillRef idx="1">
+        <a:scrgbClr r="0" g="0" b="0"/>
+      </a:fillRef>
+      <a:effectRef idx="0">
+        <a:scrgbClr r="0" g="0" b="0"/>
+      </a:effectRef>
+      <a:fontRef idx="minor">
+        <a:schemeClr val="lt1"/>
+      </a:fontRef>
+    </dgm:style>
+  </dgm:styleLbl>
+  <dgm:styleLbl name="asst4">
+    <dgm:scene3d>
+      <a:camera prst="orthographicFront"/>
+      <a:lightRig rig="threePt" dir="t"/>
+    </dgm:scene3d>
+    <dgm:sp3d/>
+    <dgm:txPr/>
+    <dgm:style>
+      <a:lnRef idx="2">
+        <a:scrgbClr r="0" g="0" b="0"/>
+      </a:lnRef>
+      <a:fillRef idx="1">
+        <a:scrgbClr r="0" g="0" b="0"/>
+      </a:fillRef>
+      <a:effectRef idx="0">
+        <a:scrgbClr r="0" g="0" b="0"/>
+      </a:effectRef>
+      <a:fontRef idx="minor">
+        <a:schemeClr val="lt1"/>
+      </a:fontRef>
+    </dgm:style>
+  </dgm:styleLbl>
+  <dgm:styleLbl name="parChTrans2D1">
+    <dgm:scene3d>
+      <a:camera prst="orthographicFront"/>
+      <a:lightRig rig="threePt" dir="t"/>
+    </dgm:scene3d>
+    <dgm:sp3d/>
+    <dgm:txPr/>
+    <dgm:style>
+      <a:lnRef idx="2">
+        <a:scrgbClr r="0" g="0" b="0"/>
+      </a:lnRef>
+      <a:fillRef idx="1">
+        <a:scrgbClr r="0" g="0" b="0"/>
+      </a:fillRef>
+      <a:effectRef idx="0">
+        <a:scrgbClr r="0" g="0" b="0"/>
+      </a:effectRef>
+      <a:fontRef idx="minor">
+        <a:schemeClr val="lt1"/>
+      </a:fontRef>
+    </dgm:style>
+  </dgm:styleLbl>
+  <dgm:styleLbl name="parChTrans2D2">
+    <dgm:scene3d>
+      <a:camera prst="orthographicFront"/>
+      <a:lightRig rig="threePt" dir="t"/>
+    </dgm:scene3d>
+    <dgm:sp3d/>
+    <dgm:txPr/>
+    <dgm:style>
+      <a:lnRef idx="2">
+        <a:scrgbClr r="0" g="0" b="0"/>
+      </a:lnRef>
+      <a:fillRef idx="1">
+        <a:scrgbClr r="0" g="0" b="0"/>
+      </a:fillRef>
+      <a:effectRef idx="0">
+        <a:scrgbClr r="0" g="0" b="0"/>
+      </a:effectRef>
+      <a:fontRef idx="minor">
+        <a:schemeClr val="lt1"/>
+      </a:fontRef>
+    </dgm:style>
+  </dgm:styleLbl>
+  <dgm:styleLbl name="parChTrans2D3">
+    <dgm:scene3d>
+      <a:camera prst="orthographicFront"/>
+      <a:lightRig rig="threePt" dir="t"/>
+    </dgm:scene3d>
+    <dgm:sp3d/>
+    <dgm:txPr/>
+    <dgm:style>
+      <a:lnRef idx="2">
+        <a:scrgbClr r="0" g="0" b="0"/>
+      </a:lnRef>
+      <a:fillRef idx="1">
+        <a:scrgbClr r="0" g="0" b="0"/>
+      </a:fillRef>
+      <a:effectRef idx="0">
+        <a:scrgbClr r="0" g="0" b="0"/>
+      </a:effectRef>
+      <a:fontRef idx="minor">
+        <a:schemeClr val="lt1"/>
+      </a:fontRef>
+    </dgm:style>
+  </dgm:styleLbl>
+  <dgm:styleLbl name="parChTrans2D4">
+    <dgm:scene3d>
+      <a:camera prst="orthographicFront"/>
+      <a:lightRig rig="threePt" dir="t"/>
+    </dgm:scene3d>
+    <dgm:sp3d/>
+    <dgm:txPr/>
+    <dgm:style>
+      <a:lnRef idx="2">
+        <a:scrgbClr r="0" g="0" b="0"/>
+      </a:lnRef>
+      <a:fillRef idx="1">
+        <a:scrgbClr r="0" g="0" b="0"/>
+      </a:fillRef>
+      <a:effectRef idx="0">
+        <a:scrgbClr r="0" g="0" b="0"/>
+      </a:effectRef>
+      <a:fontRef idx="minor">
+        <a:schemeClr val="lt1"/>
+      </a:fontRef>
+    </dgm:style>
+  </dgm:styleLbl>
+  <dgm:styleLbl name="parChTrans1D1">
+    <dgm:scene3d>
+      <a:camera prst="orthographicFront"/>
+      <a:lightRig rig="threePt" dir="t"/>
+    </dgm:scene3d>
+    <dgm:sp3d/>
+    <dgm:txPr/>
+    <dgm:style>
+      <a:lnRef idx="2">
+        <a:scrgbClr r="0" g="0" b="0"/>
+      </a:lnRef>
+      <a:fillRef idx="0">
+        <a:scrgbClr r="0" g="0" b="0"/>
+      </a:fillRef>
+      <a:effectRef idx="0">
+        <a:scrgbClr r="0" g="0" b="0"/>
+      </a:effectRef>
+      <a:fontRef idx="minor"/>
+    </dgm:style>
+  </dgm:styleLbl>
+  <dgm:styleLbl name="parChTrans1D2">
+    <dgm:scene3d>
+      <a:camera prst="orthographicFront"/>
+      <a:lightRig rig="threePt" dir="t"/>
+    </dgm:scene3d>
+    <dgm:sp3d/>
+    <dgm:txPr/>
+    <dgm:style>
+      <a:lnRef idx="2">
+        <a:scrgbClr r="0" g="0" b="0"/>
+      </a:lnRef>
+      <a:fillRef idx="0">
+        <a:scrgbClr r="0" g="0" b="0"/>
+      </a:fillRef>
+      <a:effectRef idx="0">
+        <a:scrgbClr r="0" g="0" b="0"/>
+      </a:effectRef>
+      <a:fontRef idx="minor"/>
+    </dgm:style>
+  </dgm:styleLbl>
+  <dgm:styleLbl name="parChTrans1D3">
+    <dgm:scene3d>
+      <a:camera prst="orthographicFront"/>
+      <a:lightRig rig="threePt" dir="t"/>
+    </dgm:scene3d>
+    <dgm:sp3d/>
+    <dgm:txPr/>
+    <dgm:style>
+      <a:lnRef idx="2">
+        <a:scrgbClr r="0" g="0" b="0"/>
+      </a:lnRef>
+      <a:fillRef idx="0">
+        <a:scrgbClr r="0" g="0" b="0"/>
+      </a:fillRef>
+      <a:effectRef idx="0">
+        <a:scrgbClr r="0" g="0" b="0"/>
+      </a:effectRef>
+      <a:fontRef idx="minor"/>
+    </dgm:style>
+  </dgm:styleLbl>
+  <dgm:styleLbl name="parChTrans1D4">
+    <dgm:scene3d>
+      <a:camera prst="orthographicFront"/>
+      <a:lightRig rig="threePt" dir="t"/>
+    </dgm:scene3d>
+    <dgm:sp3d/>
+    <dgm:txPr/>
+    <dgm:style>
+      <a:lnRef idx="2">
+        <a:scrgbClr r="0" g="0" b="0"/>
+      </a:lnRef>
+      <a:fillRef idx="0">
+        <a:scrgbClr r="0" g="0" b="0"/>
+      </a:fillRef>
+      <a:effectRef idx="0">
+        <a:scrgbClr r="0" g="0" b="0"/>
+      </a:effectRef>
+      <a:fontRef idx="minor"/>
+    </dgm:style>
+  </dgm:styleLbl>
+  <dgm:styleLbl name="fgAcc1">
+    <dgm:scene3d>
+      <a:camera prst="orthographicFront"/>
+      <a:lightRig rig="threePt" dir="t"/>
+    </dgm:scene3d>
+    <dgm:sp3d/>
+    <dgm:txPr/>
+    <dgm:style>
+      <a:lnRef idx="2">
+        <a:scrgbClr r="0" g="0" b="0"/>
+      </a:lnRef>
+      <a:fillRef idx="1">
+        <a:scrgbClr r="0" g="0" b="0"/>
+      </a:fillRef>
+      <a:effectRef idx="0">
+        <a:scrgbClr r="0" g="0" b="0"/>
+      </a:effectRef>
+      <a:fontRef idx="minor"/>
+    </dgm:style>
+  </dgm:styleLbl>
+  <dgm:styleLbl name="conFgAcc1">
+    <dgm:scene3d>
+      <a:camera prst="orthographicFront"/>
+      <a:lightRig rig="threePt" dir="t"/>
+    </dgm:scene3d>
+    <dgm:sp3d/>
+    <dgm:txPr/>
+    <dgm:style>
+      <a:lnRef idx="2">
+        <a:scrgbClr r="0" g="0" b="0"/>
+      </a:lnRef>
+      <a:fillRef idx="1">
+        <a:scrgbClr r="0" g="0" b="0"/>
+      </a:fillRef>
+      <a:effectRef idx="0">
+        <a:scrgbClr r="0" g="0" b="0"/>
+      </a:effectRef>
+      <a:fontRef idx="minor"/>
+    </dgm:style>
+  </dgm:styleLbl>
+  <dgm:styleLbl name="alignAcc1">
+    <dgm:scene3d>
+      <a:camera prst="orthographicFront"/>
+      <a:lightRig rig="threePt" dir="t"/>
+    </dgm:scene3d>
+    <dgm:sp3d/>
+    <dgm:txPr/>
+    <dgm:style>
+      <a:lnRef idx="2">
+        <a:scrgbClr r="0" g="0" b="0"/>
+      </a:lnRef>
+      <a:fillRef idx="1">
+        <a:scrgbClr r="0" g="0" b="0"/>
+      </a:fillRef>
+      <a:effectRef idx="0">
+        <a:scrgbClr r="0" g="0" b="0"/>
+      </a:effectRef>
+      <a:fontRef idx="minor"/>
+    </dgm:style>
+  </dgm:styleLbl>
+  <dgm:styleLbl name="trAlignAcc1">
+    <dgm:scene3d>
+      <a:camera prst="orthographicFront"/>
+      <a:lightRig rig="threePt" dir="t"/>
+    </dgm:scene3d>
+    <dgm:sp3d/>
+    <dgm:txPr/>
+    <dgm:style>
+      <a:lnRef idx="1">
+        <a:scrgbClr r="0" g="0" b="0"/>
+      </a:lnRef>
+      <a:fillRef idx="1">
+        <a:scrgbClr r="0" g="0" b="0"/>
+      </a:fillRef>
+      <a:effectRef idx="0">
+        <a:scrgbClr r="0" g="0" b="0"/>
+      </a:effectRef>
+      <a:fontRef idx="minor"/>
+    </dgm:style>
+  </dgm:styleLbl>
+  <dgm:styleLbl name="bgAcc1">
+    <dgm:scene3d>
+      <a:camera prst="orthographicFront"/>
+      <a:lightRig rig="threePt" dir="t"/>
+    </dgm:scene3d>
+    <dgm:sp3d/>
+    <dgm:txPr/>
+    <dgm:style>
+      <a:lnRef idx="2">
+        <a:scrgbClr r="0" g="0" b="0"/>
+      </a:lnRef>
+      <a:fillRef idx="1">
+        <a:scrgbClr r="0" g="0" b="0"/>
+      </a:fillRef>
+      <a:effectRef idx="0">
+        <a:scrgbClr r="0" g="0" b="0"/>
+      </a:effectRef>
+      <a:fontRef idx="minor"/>
+    </dgm:style>
+  </dgm:styleLbl>
+  <dgm:styleLbl name="solidFgAcc1">
+    <dgm:scene3d>
+      <a:camera prst="orthographicFront"/>
+      <a:lightRig rig="threePt" dir="t"/>
+    </dgm:scene3d>
+    <dgm:sp3d/>
+    <dgm:txPr/>
+    <dgm:style>
+      <a:lnRef idx="2">
+        <a:scrgbClr r="0" g="0" b="0"/>
+      </a:lnRef>
+      <a:fillRef idx="1">
+        <a:scrgbClr r="0" g="0" b="0"/>
+      </a:fillRef>
+      <a:effectRef idx="0">
+        <a:scrgbClr r="0" g="0" b="0"/>
+      </a:effectRef>
+      <a:fontRef idx="minor"/>
+    </dgm:style>
+  </dgm:styleLbl>
+  <dgm:styleLbl name="solidAlignAcc1">
+    <dgm:scene3d>
+      <a:camera prst="orthographicFront"/>
+      <a:lightRig rig="threePt" dir="t"/>
+    </dgm:scene3d>
+    <dgm:sp3d/>
+    <dgm:txPr/>
+    <dgm:style>
+      <a:lnRef idx="2">
+        <a:scrgbClr r="0" g="0" b="0"/>
+      </a:lnRef>
+      <a:fillRef idx="1">
+        <a:scrgbClr r="0" g="0" b="0"/>
+      </a:fillRef>
+      <a:effectRef idx="0">
+        <a:scrgbClr r="0" g="0" b="0"/>
+      </a:effectRef>
+      <a:fontRef idx="minor"/>
+    </dgm:style>
+  </dgm:styleLbl>
+  <dgm:styleLbl name="solidBgAcc1">
+    <dgm:scene3d>
+      <a:camera prst="orthographicFront"/>
+      <a:lightRig rig="threePt" dir="t"/>
+    </dgm:scene3d>
+    <dgm:sp3d/>
+    <dgm:txPr/>
+    <dgm:style>
+      <a:lnRef idx="2">
+        <a:scrgbClr r="0" g="0" b="0"/>
+      </a:lnRef>
+      <a:fillRef idx="1">
+        <a:scrgbClr r="0" g="0" b="0"/>
+      </a:fillRef>
+      <a:effectRef idx="0">
+        <a:scrgbClr r="0" g="0" b="0"/>
+      </a:effectRef>
+      <a:fontRef idx="minor"/>
+    </dgm:style>
+  </dgm:styleLbl>
+  <dgm:styleLbl name="fgAccFollowNode1">
+    <dgm:scene3d>
+      <a:camera prst="orthographicFront"/>
+      <a:lightRig rig="threePt" dir="t"/>
+    </dgm:scene3d>
+    <dgm:sp3d/>
+    <dgm:txPr/>
+    <dgm:style>
+      <a:lnRef idx="2">
+        <a:scrgbClr r="0" g="0" b="0"/>
+      </a:lnRef>
+      <a:fillRef idx="1">
+        <a:scrgbClr r="0" g="0" b="0"/>
+      </a:fillRef>
+      <a:effectRef idx="0">
+        <a:scrgbClr r="0" g="0" b="0"/>
+      </a:effectRef>
+      <a:fontRef idx="minor"/>
+    </dgm:style>
+  </dgm:styleLbl>
+  <dgm:styleLbl name="alignAccFollowNode1">
+    <dgm:scene3d>
+      <a:camera prst="orthographicFront"/>
+      <a:lightRig rig="threePt" dir="t"/>
+    </dgm:scene3d>
+    <dgm:sp3d/>
+    <dgm:txPr/>
+    <dgm:style>
+      <a:lnRef idx="2">
+        <a:scrgbClr r="0" g="0" b="0"/>
+      </a:lnRef>
+      <a:fillRef idx="1">
+        <a:scrgbClr r="0" g="0" b="0"/>
+      </a:fillRef>
+      <a:effectRef idx="0">
+        <a:scrgbClr r="0" g="0" b="0"/>
+      </a:effectRef>
+      <a:fontRef idx="minor"/>
+    </dgm:style>
+  </dgm:styleLbl>
+  <dgm:styleLbl name="bgAccFollowNode1">
+    <dgm:scene3d>
+      <a:camera prst="orthographicFront"/>
+      <a:lightRig rig="threePt" dir="t"/>
+    </dgm:scene3d>
+    <dgm:sp3d/>
+    <dgm:txPr/>
+    <dgm:style>
+      <a:lnRef idx="2">
+        <a:scrgbClr r="0" g="0" b="0"/>
+      </a:lnRef>
+      <a:fillRef idx="1">
+        <a:scrgbClr r="0" g="0" b="0"/>
+      </a:fillRef>
+      <a:effectRef idx="0">
+        <a:scrgbClr r="0" g="0" b="0"/>
+      </a:effectRef>
+      <a:fontRef idx="minor"/>
+    </dgm:style>
+  </dgm:styleLbl>
+  <dgm:styleLbl name="fgAcc0">
+    <dgm:scene3d>
+      <a:camera prst="orthographicFront"/>
+      <a:lightRig rig="threePt" dir="t"/>
+    </dgm:scene3d>
+    <dgm:sp3d/>
+    <dgm:txPr/>
+    <dgm:style>
+      <a:lnRef idx="2">
+        <a:scrgbClr r="0" g="0" b="0"/>
+      </a:lnRef>
+      <a:fillRef idx="1">
+        <a:scrgbClr r="0" g="0" b="0"/>
+      </a:fillRef>
+      <a:effectRef idx="0">
+        <a:scrgbClr r="0" g="0" b="0"/>
+      </a:effectRef>
+      <a:fontRef idx="minor"/>
+    </dgm:style>
+  </dgm:styleLbl>
+  <dgm:styleLbl name="fgAcc2">
+    <dgm:scene3d>
+      <a:camera prst="orthographicFront"/>
+      <a:lightRig rig="threePt" dir="t"/>
+    </dgm:scene3d>
+    <dgm:sp3d/>
+    <dgm:txPr/>
+    <dgm:style>
+      <a:lnRef idx="2">
+        <a:scrgbClr r="0" g="0" b="0"/>
+      </a:lnRef>
+      <a:fillRef idx="1">
+        <a:scrgbClr r="0" g="0" b="0"/>
+      </a:fillRef>
+      <a:effectRef idx="0">
+        <a:scrgbClr r="0" g="0" b="0"/>
+      </a:effectRef>
+      <a:fontRef idx="minor"/>
+    </dgm:style>
+  </dgm:styleLbl>
+  <dgm:styleLbl name="fgAcc3">
+    <dgm:scene3d>
+      <a:camera prst="orthographicFront"/>
+      <a:lightRig rig="threePt" dir="t"/>
+    </dgm:scene3d>
+    <dgm:sp3d/>
+    <dgm:txPr/>
+    <dgm:style>
+      <a:lnRef idx="2">
+        <a:scrgbClr r="0" g="0" b="0"/>
+      </a:lnRef>
+      <a:fillRef idx="1">
+        <a:scrgbClr r="0" g="0" b="0"/>
+      </a:fillRef>
+      <a:effectRef idx="0">
+        <a:scrgbClr r="0" g="0" b="0"/>
+      </a:effectRef>
+      <a:fontRef idx="minor"/>
+    </dgm:style>
+  </dgm:styleLbl>
+  <dgm:styleLbl name="fgAcc4">
+    <dgm:scene3d>
+      <a:camera prst="orthographicFront"/>
+      <a:lightRig rig="threePt" dir="t"/>
+    </dgm:scene3d>
+    <dgm:sp3d/>
+    <dgm:txPr/>
+    <dgm:style>
+      <a:lnRef idx="2">
+        <a:scrgbClr r="0" g="0" b="0"/>
+      </a:lnRef>
+      <a:fillRef idx="1">
+        <a:scrgbClr r="0" g="0" b="0"/>
+      </a:fillRef>
+      <a:effectRef idx="0">
+        <a:scrgbClr r="0" g="0" b="0"/>
+      </a:effectRef>
+      <a:fontRef idx="minor"/>
+    </dgm:style>
+  </dgm:styleLbl>
+  <dgm:styleLbl name="bgShp">
+    <dgm:scene3d>
+      <a:camera prst="orthographicFront"/>
+      <a:lightRig rig="threePt" dir="t"/>
+    </dgm:scene3d>
+    <dgm:sp3d/>
+    <dgm:txPr/>
+    <dgm:style>
+      <a:lnRef idx="0">
+        <a:scrgbClr r="0" g="0" b="0"/>
+      </a:lnRef>
+      <a:fillRef idx="1">
+        <a:scrgbClr r="0" g="0" b="0"/>
+      </a:fillRef>
+      <a:effectRef idx="0">
+        <a:scrgbClr r="0" g="0" b="0"/>
+      </a:effectRef>
+      <a:fontRef idx="minor"/>
+    </dgm:style>
+  </dgm:styleLbl>
+  <dgm:styleLbl name="dkBgShp">
+    <dgm:scene3d>
+      <a:camera prst="orthographicFront"/>
+      <a:lightRig rig="threePt" dir="t"/>
+    </dgm:scene3d>
+    <dgm:sp3d/>
+    <dgm:txPr/>
+    <dgm:style>
+      <a:lnRef idx="0">
+        <a:scrgbClr r="0" g="0" b="0"/>
+      </a:lnRef>
+      <a:fillRef idx="1">
+        <a:scrgbClr r="0" g="0" b="0"/>
+      </a:fillRef>
+      <a:effectRef idx="0">
+        <a:scrgbClr r="0" g="0" b="0"/>
+      </a:effectRef>
+      <a:fontRef idx="minor"/>
+    </dgm:style>
+  </dgm:styleLbl>
+  <dgm:styleLbl name="trBgShp">
+    <dgm:scene3d>
+      <a:camera prst="orthographicFront"/>
+      <a:lightRig rig="threePt" dir="t"/>
+    </dgm:scene3d>
+    <dgm:sp3d/>
+    <dgm:txPr/>
+    <dgm:style>
+      <a:lnRef idx="0">
+        <a:scrgbClr r="0" g="0" b="0"/>
+      </a:lnRef>
+      <a:fillRef idx="1">
+        <a:scrgbClr r="0" g="0" b="0"/>
+      </a:fillRef>
+      <a:effectRef idx="0">
+        <a:scrgbClr r="0" g="0" b="0"/>
+      </a:effectRef>
+      <a:fontRef idx="minor"/>
+    </dgm:style>
+  </dgm:styleLbl>
+  <dgm:styleLbl name="fgShp">
+    <dgm:scene3d>
+      <a:camera prst="orthographicFront"/>
+      <a:lightRig rig="threePt" dir="t"/>
+    </dgm:scene3d>
+    <dgm:sp3d/>
+    <dgm:txPr/>
+    <dgm:style>
+      <a:lnRef idx="2">
+        <a:scrgbClr r="0" g="0" b="0"/>
+      </a:lnRef>
+      <a:fillRef idx="1">
+        <a:scrgbClr r="0" g="0" b="0"/>
+      </a:fillRef>
+      <a:effectRef idx="0">
+        <a:scrgbClr r="0" g="0" b="0"/>
+      </a:effectRef>
+      <a:fontRef idx="minor"/>
+    </dgm:style>
+  </dgm:styleLbl>
+  <dgm:styleLbl name="revTx">
+    <dgm:scene3d>
+      <a:camera prst="orthographicFront"/>
+      <a:lightRig rig="threePt" dir="t"/>
+    </dgm:scene3d>
+    <dgm:sp3d/>
+    <dgm:txPr/>
+    <dgm:style>
+      <a:lnRef idx="0">
+        <a:scrgbClr r="0" g="0" b="0"/>
+      </a:lnRef>
+      <a:fillRef idx="0">
+        <a:scrgbClr r="0" g="0" b="0"/>
+      </a:fillRef>
+      <a:effectRef idx="0">
+        <a:scrgbClr r="0" g="0" b="0"/>
+      </a:effectRef>
+      <a:fontRef idx="minor"/>
+    </dgm:style>
+  </dgm:styleLbl>
+</dgm:styleDef>
+</file>
+
+<file path=ppt/diagrams/quickStyle3.xml><?xml version="1.0" encoding="utf-8"?>
 <dgm:styleDef xmlns:dgm="http://schemas.openxmlformats.org/drawingml/2006/diagram" xmlns:a="http://schemas.openxmlformats.org/drawingml/2006/main" uniqueId="urn:microsoft.com/office/officeart/2005/8/quickstyle/simple1">
   <dgm:title val=""/>
   <dgm:desc val=""/>
@@ -8867,7 +12701,7 @@
           <a:p>
             <a:fld id="{E3A84ED6-D524-4C2A-8A2F-F1E973ED9C94}" type="datetimeFigureOut">
               <a:rPr lang="en-AU" smtClean="0"/>
-              <a:t>28/05/2023</a:t>
+              <a:t>1/6/2023</a:t>
             </a:fld>
             <a:endParaRPr lang="en-AU"/>
           </a:p>
@@ -9180,9 +13014,20 @@
           <a:lstStyle/>
           <a:p>
             <a:r>
-              <a:rPr lang="en-AU" dirty="0"/>
-              <a:t>Data was gotten from Kaggle </a:t>
+              <a:rPr lang="en-US" dirty="0"/>
+              <a:t>https://</a:t>
             </a:r>
+            <a:r>
+              <a:rPr lang="en-US" dirty="0" err="1"/>
+              <a:t>blogs.nvidia.com</a:t>
+            </a:r>
+            <a:r>
+              <a:rPr lang="en-US" dirty="0"/>
+              <a:t>/blog/2018/08/02/supervised-unsupervised-learning/</a:t>
+            </a:r>
+          </a:p>
+          <a:p>
+            <a:endParaRPr lang="en-US" dirty="0"/>
           </a:p>
         </p:txBody>
       </p:sp>
@@ -9212,6 +13057,93 @@
     </p:spTree>
     <p:extLst>
       <p:ext uri="{BB962C8B-B14F-4D97-AF65-F5344CB8AC3E}">
+        <p14:creationId xmlns:p14="http://schemas.microsoft.com/office/powerpoint/2010/main" val="150175900"/>
+      </p:ext>
+    </p:extLst>
+  </p:cSld>
+  <p:clrMapOvr>
+    <a:masterClrMapping/>
+  </p:clrMapOvr>
+</p:notes>
+</file>
+
+<file path=ppt/notesSlides/notesSlide2.xml><?xml version="1.0" encoding="utf-8"?>
+<p:notes xmlns:a="http://schemas.openxmlformats.org/drawingml/2006/main" xmlns:r="http://schemas.openxmlformats.org/officeDocument/2006/relationships" xmlns:p="http://schemas.openxmlformats.org/presentationml/2006/main">
+  <p:cSld>
+    <p:spTree>
+      <p:nvGrpSpPr>
+        <p:cNvPr id="1" name=""/>
+        <p:cNvGrpSpPr/>
+        <p:nvPr/>
+      </p:nvGrpSpPr>
+      <p:grpSpPr>
+        <a:xfrm>
+          <a:off x="0" y="0"/>
+          <a:ext cx="0" cy="0"/>
+          <a:chOff x="0" y="0"/>
+          <a:chExt cx="0" cy="0"/>
+        </a:xfrm>
+      </p:grpSpPr>
+      <p:sp>
+        <p:nvSpPr>
+          <p:cNvPr id="2" name="Slide Image Placeholder 1"/>
+          <p:cNvSpPr>
+            <a:spLocks noGrp="1" noRot="1" noChangeAspect="1"/>
+          </p:cNvSpPr>
+          <p:nvPr>
+            <p:ph type="sldImg"/>
+          </p:nvPr>
+        </p:nvSpPr>
+        <p:spPr/>
+      </p:sp>
+      <p:sp>
+        <p:nvSpPr>
+          <p:cNvPr id="3" name="Notes Placeholder 2"/>
+          <p:cNvSpPr>
+            <a:spLocks noGrp="1"/>
+          </p:cNvSpPr>
+          <p:nvPr>
+            <p:ph type="body" idx="1"/>
+          </p:nvPr>
+        </p:nvSpPr>
+        <p:spPr/>
+        <p:txBody>
+          <a:bodyPr/>
+          <a:lstStyle/>
+          <a:p>
+            <a:r>
+              <a:rPr lang="en-AU" dirty="0"/>
+              <a:t>Data was gotten from Kaggle </a:t>
+            </a:r>
+          </a:p>
+        </p:txBody>
+      </p:sp>
+      <p:sp>
+        <p:nvSpPr>
+          <p:cNvPr id="4" name="Slide Number Placeholder 3"/>
+          <p:cNvSpPr>
+            <a:spLocks noGrp="1"/>
+          </p:cNvSpPr>
+          <p:nvPr>
+            <p:ph type="sldNum" sz="quarter" idx="5"/>
+          </p:nvPr>
+        </p:nvSpPr>
+        <p:spPr/>
+        <p:txBody>
+          <a:bodyPr/>
+          <a:lstStyle/>
+          <a:p>
+            <a:fld id="{F8772642-2E14-4138-B7C0-524BA062FAD3}" type="slidenum">
+              <a:rPr lang="en-AU" smtClean="0"/>
+              <a:t>4</a:t>
+            </a:fld>
+            <a:endParaRPr lang="en-AU"/>
+          </a:p>
+        </p:txBody>
+      </p:sp>
+    </p:spTree>
+    <p:extLst>
+      <p:ext uri="{BB962C8B-B14F-4D97-AF65-F5344CB8AC3E}">
         <p14:creationId xmlns:p14="http://schemas.microsoft.com/office/powerpoint/2010/main" val="3469751596"/>
       </p:ext>
     </p:extLst>
@@ -9222,7 +13154,7 @@
 </p:notes>
 </file>
 
-<file path=ppt/notesSlides/notesSlide2.xml><?xml version="1.0" encoding="utf-8"?>
+<file path=ppt/notesSlides/notesSlide3.xml><?xml version="1.0" encoding="utf-8"?>
 <p:notes xmlns:a="http://schemas.openxmlformats.org/drawingml/2006/main" xmlns:r="http://schemas.openxmlformats.org/officeDocument/2006/relationships" xmlns:p="http://schemas.openxmlformats.org/presentationml/2006/main">
   <p:cSld>
     <p:spTree>
@@ -9290,7 +13222,7 @@
           <a:p>
             <a:fld id="{F8772642-2E14-4138-B7C0-524BA062FAD3}" type="slidenum">
               <a:rPr lang="en-AU" smtClean="0"/>
-              <a:t>4</a:t>
+              <a:t>5</a:t>
             </a:fld>
             <a:endParaRPr lang="en-AU"/>
           </a:p>
@@ -9309,7 +13241,7 @@
 </p:notes>
 </file>
 
-<file path=ppt/notesSlides/notesSlide3.xml><?xml version="1.0" encoding="utf-8"?>
+<file path=ppt/notesSlides/notesSlide4.xml><?xml version="1.0" encoding="utf-8"?>
 <p:notes xmlns:a="http://schemas.openxmlformats.org/drawingml/2006/main" xmlns:r="http://schemas.openxmlformats.org/officeDocument/2006/relationships" xmlns:p="http://schemas.openxmlformats.org/presentationml/2006/main">
   <p:cSld>
     <p:spTree>
@@ -9377,7 +13309,7 @@
           <a:p>
             <a:fld id="{F8772642-2E14-4138-B7C0-524BA062FAD3}" type="slidenum">
               <a:rPr lang="en-AU" smtClean="0"/>
-              <a:t>7</a:t>
+              <a:t>9</a:t>
             </a:fld>
             <a:endParaRPr lang="en-AU"/>
           </a:p>
@@ -9387,6 +13319,204 @@
     <p:extLst>
       <p:ext uri="{BB962C8B-B14F-4D97-AF65-F5344CB8AC3E}">
         <p14:creationId xmlns:p14="http://schemas.microsoft.com/office/powerpoint/2010/main" val="1523215571"/>
+      </p:ext>
+    </p:extLst>
+  </p:cSld>
+  <p:clrMapOvr>
+    <a:masterClrMapping/>
+  </p:clrMapOvr>
+</p:notes>
+</file>
+
+<file path=ppt/notesSlides/notesSlide5.xml><?xml version="1.0" encoding="utf-8"?>
+<p:notes xmlns:a="http://schemas.openxmlformats.org/drawingml/2006/main" xmlns:r="http://schemas.openxmlformats.org/officeDocument/2006/relationships" xmlns:p="http://schemas.openxmlformats.org/presentationml/2006/main">
+  <p:cSld>
+    <p:spTree>
+      <p:nvGrpSpPr>
+        <p:cNvPr id="1" name=""/>
+        <p:cNvGrpSpPr/>
+        <p:nvPr/>
+      </p:nvGrpSpPr>
+      <p:grpSpPr>
+        <a:xfrm>
+          <a:off x="0" y="0"/>
+          <a:ext cx="0" cy="0"/>
+          <a:chOff x="0" y="0"/>
+          <a:chExt cx="0" cy="0"/>
+        </a:xfrm>
+      </p:grpSpPr>
+      <p:sp>
+        <p:nvSpPr>
+          <p:cNvPr id="2" name="Slide Image Placeholder 1"/>
+          <p:cNvSpPr>
+            <a:spLocks noGrp="1" noRot="1" noChangeAspect="1"/>
+          </p:cNvSpPr>
+          <p:nvPr>
+            <p:ph type="sldImg"/>
+          </p:nvPr>
+        </p:nvSpPr>
+        <p:spPr/>
+      </p:sp>
+      <p:sp>
+        <p:nvSpPr>
+          <p:cNvPr id="3" name="Notes Placeholder 2"/>
+          <p:cNvSpPr>
+            <a:spLocks noGrp="1"/>
+          </p:cNvSpPr>
+          <p:nvPr>
+            <p:ph type="body" idx="1"/>
+          </p:nvPr>
+        </p:nvSpPr>
+        <p:spPr/>
+        <p:txBody>
+          <a:bodyPr/>
+          <a:lstStyle/>
+          <a:p>
+            <a:r>
+              <a:rPr lang="en-US" dirty="0"/>
+              <a:t>https://</a:t>
+            </a:r>
+            <a:r>
+              <a:rPr lang="en-US" dirty="0" err="1"/>
+              <a:t>medium.com</a:t>
+            </a:r>
+            <a:r>
+              <a:rPr lang="en-US" dirty="0"/>
+              <a:t>/analytics-</a:t>
+            </a:r>
+            <a:r>
+              <a:rPr lang="en-US" dirty="0" err="1"/>
+              <a:t>vidhya</a:t>
+            </a:r>
+            <a:r>
+              <a:rPr lang="en-US" dirty="0"/>
+              <a:t>/what-is-a-confusion-matrix-d1c0f8feda5</a:t>
+            </a:r>
+          </a:p>
+        </p:txBody>
+      </p:sp>
+      <p:sp>
+        <p:nvSpPr>
+          <p:cNvPr id="4" name="Slide Number Placeholder 3"/>
+          <p:cNvSpPr>
+            <a:spLocks noGrp="1"/>
+          </p:cNvSpPr>
+          <p:nvPr>
+            <p:ph type="sldNum" sz="quarter" idx="5"/>
+          </p:nvPr>
+        </p:nvSpPr>
+        <p:spPr/>
+        <p:txBody>
+          <a:bodyPr/>
+          <a:lstStyle/>
+          <a:p>
+            <a:fld id="{F8772642-2E14-4138-B7C0-524BA062FAD3}" type="slidenum">
+              <a:rPr lang="en-AU" smtClean="0"/>
+              <a:t>11</a:t>
+            </a:fld>
+            <a:endParaRPr lang="en-AU"/>
+          </a:p>
+        </p:txBody>
+      </p:sp>
+    </p:spTree>
+    <p:extLst>
+      <p:ext uri="{BB962C8B-B14F-4D97-AF65-F5344CB8AC3E}">
+        <p14:creationId xmlns:p14="http://schemas.microsoft.com/office/powerpoint/2010/main" val="17852934"/>
+      </p:ext>
+    </p:extLst>
+  </p:cSld>
+  <p:clrMapOvr>
+    <a:masterClrMapping/>
+  </p:clrMapOvr>
+</p:notes>
+</file>
+
+<file path=ppt/notesSlides/notesSlide6.xml><?xml version="1.0" encoding="utf-8"?>
+<p:notes xmlns:a="http://schemas.openxmlformats.org/drawingml/2006/main" xmlns:r="http://schemas.openxmlformats.org/officeDocument/2006/relationships" xmlns:p="http://schemas.openxmlformats.org/presentationml/2006/main">
+  <p:cSld>
+    <p:spTree>
+      <p:nvGrpSpPr>
+        <p:cNvPr id="1" name=""/>
+        <p:cNvGrpSpPr/>
+        <p:nvPr/>
+      </p:nvGrpSpPr>
+      <p:grpSpPr>
+        <a:xfrm>
+          <a:off x="0" y="0"/>
+          <a:ext cx="0" cy="0"/>
+          <a:chOff x="0" y="0"/>
+          <a:chExt cx="0" cy="0"/>
+        </a:xfrm>
+      </p:grpSpPr>
+      <p:sp>
+        <p:nvSpPr>
+          <p:cNvPr id="2" name="Slide Image Placeholder 1"/>
+          <p:cNvSpPr>
+            <a:spLocks noGrp="1" noRot="1" noChangeAspect="1"/>
+          </p:cNvSpPr>
+          <p:nvPr>
+            <p:ph type="sldImg"/>
+          </p:nvPr>
+        </p:nvSpPr>
+        <p:spPr/>
+      </p:sp>
+      <p:sp>
+        <p:nvSpPr>
+          <p:cNvPr id="3" name="Notes Placeholder 2"/>
+          <p:cNvSpPr>
+            <a:spLocks noGrp="1"/>
+          </p:cNvSpPr>
+          <p:nvPr>
+            <p:ph type="body" idx="1"/>
+          </p:nvPr>
+        </p:nvSpPr>
+        <p:spPr/>
+        <p:txBody>
+          <a:bodyPr/>
+          <a:lstStyle/>
+          <a:p>
+            <a:r>
+              <a:rPr lang="en-US" dirty="0"/>
+              <a:t>https://</a:t>
+            </a:r>
+            <a:r>
+              <a:rPr lang="en-US" dirty="0" err="1"/>
+              <a:t>scienceline.org</a:t>
+            </a:r>
+            <a:r>
+              <a:rPr lang="en-US" dirty="0"/>
+              <a:t>/2019/12/new-ai-can-screen-for-heart-disease-risk/</a:t>
+            </a:r>
+          </a:p>
+        </p:txBody>
+      </p:sp>
+      <p:sp>
+        <p:nvSpPr>
+          <p:cNvPr id="4" name="Slide Number Placeholder 3"/>
+          <p:cNvSpPr>
+            <a:spLocks noGrp="1"/>
+          </p:cNvSpPr>
+          <p:nvPr>
+            <p:ph type="sldNum" sz="quarter" idx="5"/>
+          </p:nvPr>
+        </p:nvSpPr>
+        <p:spPr/>
+        <p:txBody>
+          <a:bodyPr/>
+          <a:lstStyle/>
+          <a:p>
+            <a:fld id="{F8772642-2E14-4138-B7C0-524BA062FAD3}" type="slidenum">
+              <a:rPr lang="en-AU" smtClean="0"/>
+              <a:t>12</a:t>
+            </a:fld>
+            <a:endParaRPr lang="en-AU"/>
+          </a:p>
+        </p:txBody>
+      </p:sp>
+    </p:spTree>
+    <p:extLst>
+      <p:ext uri="{BB962C8B-B14F-4D97-AF65-F5344CB8AC3E}">
+        <p14:creationId xmlns:p14="http://schemas.microsoft.com/office/powerpoint/2010/main" val="4167519240"/>
       </p:ext>
     </p:extLst>
   </p:cSld>
@@ -9640,7 +13770,7 @@
           <a:p>
             <a:fld id="{9184DA70-C731-4C70-880D-CCD4705E623C}" type="datetime1">
               <a:rPr lang="en-US" smtClean="0"/>
-              <a:t>5/28/2023</a:t>
+              <a:t>6/1/23</a:t>
             </a:fld>
             <a:endParaRPr lang="en-US" dirty="0"/>
           </a:p>
@@ -9828,7 +13958,7 @@
           <a:p>
             <a:fld id="{4BE1D723-8F53-4F53-90B0-1982A396982E}" type="datetime1">
               <a:rPr lang="en-US" smtClean="0"/>
-              <a:t>5/28/2023</a:t>
+              <a:t>6/1/23</a:t>
             </a:fld>
             <a:endParaRPr lang="en-US" dirty="0"/>
           </a:p>
@@ -10201,7 +14331,7 @@
           <a:p>
             <a:fld id="{97669AF7-7BEB-44E4-9852-375E34362B5B}" type="datetime1">
               <a:rPr lang="en-US" smtClean="0"/>
-              <a:t>5/28/2023</a:t>
+              <a:t>6/1/23</a:t>
             </a:fld>
             <a:endParaRPr lang="en-US" dirty="0"/>
           </a:p>
@@ -10456,7 +14586,7 @@
           <a:p>
             <a:fld id="{BAAAC38D-0552-4C82-B593-E6124DFADBE2}" type="datetime1">
               <a:rPr lang="en-US" smtClean="0"/>
-              <a:t>5/28/2023</a:t>
+              <a:t>6/1/23</a:t>
             </a:fld>
             <a:endParaRPr lang="en-US" dirty="0"/>
           </a:p>
@@ -10853,7 +14983,7 @@
           <a:p>
             <a:fld id="{D9DF0F1C-5577-4ACB-BB62-DF8F3C494C7E}" type="datetime1">
               <a:rPr lang="en-US" smtClean="0"/>
-              <a:t>5/28/2023</a:t>
+              <a:t>6/1/23</a:t>
             </a:fld>
             <a:endParaRPr lang="en-US" dirty="0"/>
           </a:p>
@@ -10989,7 +15119,7 @@
           <a:p>
             <a:fld id="{1775B394-D9F9-4F0C-B15D-605F45CB9E9F}" type="datetime1">
               <a:rPr lang="en-US" smtClean="0"/>
-              <a:t>5/28/2023</a:t>
+              <a:t>6/1/23</a:t>
             </a:fld>
             <a:endParaRPr lang="en-US" dirty="0"/>
           </a:p>
@@ -11146,7 +15276,7 @@
           <a:p>
             <a:fld id="{39667345-2558-425A-8533-9BFDBCE15005}" type="datetime1">
               <a:rPr lang="en-US" smtClean="0"/>
-              <a:t>5/28/2023</a:t>
+              <a:t>6/1/23</a:t>
             </a:fld>
             <a:endParaRPr lang="en-US" dirty="0"/>
           </a:p>
@@ -11475,7 +15605,7 @@
           <a:p>
             <a:fld id="{92BEA474-078D-4E9B-9B14-09A87B19DC46}" type="datetime1">
               <a:rPr lang="en-US" smtClean="0"/>
-              <a:t>5/28/2023</a:t>
+              <a:t>6/1/23</a:t>
             </a:fld>
             <a:endParaRPr lang="en-US" dirty="0"/>
           </a:p>
@@ -11825,7 +15955,7 @@
           <a:p>
             <a:fld id="{4907D986-8816-4272-A432-0437A28A9828}" type="datetime1">
               <a:rPr lang="en-US" smtClean="0"/>
-              <a:t>5/28/2023</a:t>
+              <a:t>6/1/23</a:t>
             </a:fld>
             <a:endParaRPr lang="en-US" dirty="0"/>
           </a:p>
@@ -12086,7 +16216,7 @@
           <a:p>
             <a:fld id="{62D6E202-B606-4609-B914-27C9371A1F6D}" type="datetime1">
               <a:rPr lang="en-US" smtClean="0"/>
-              <a:t>5/28/2023</a:t>
+              <a:t>6/1/23</a:t>
             </a:fld>
             <a:endParaRPr lang="en-US" dirty="0"/>
           </a:p>
@@ -12896,6 +17026,1042 @@
 </p:sld>
 </file>
 
+<file path=ppt/slides/slide10.xml><?xml version="1.0" encoding="utf-8"?>
+<p:sld xmlns:a="http://schemas.openxmlformats.org/drawingml/2006/main" xmlns:r="http://schemas.openxmlformats.org/officeDocument/2006/relationships" xmlns:p="http://schemas.openxmlformats.org/presentationml/2006/main">
+  <p:cSld>
+    <p:spTree>
+      <p:nvGrpSpPr>
+        <p:cNvPr id="1" name=""/>
+        <p:cNvGrpSpPr/>
+        <p:nvPr/>
+      </p:nvGrpSpPr>
+      <p:grpSpPr>
+        <a:xfrm>
+          <a:off x="0" y="0"/>
+          <a:ext cx="0" cy="0"/>
+          <a:chOff x="0" y="0"/>
+          <a:chExt cx="0" cy="0"/>
+        </a:xfrm>
+      </p:grpSpPr>
+      <p:sp>
+        <p:nvSpPr>
+          <p:cNvPr id="2" name="Title 1">
+            <a:extLst>
+              <a:ext uri="{FF2B5EF4-FFF2-40B4-BE49-F238E27FC236}">
+                <a16:creationId xmlns:a16="http://schemas.microsoft.com/office/drawing/2014/main" id="{9C2E2928-1BF3-D6D1-9930-2E96E662E951}"/>
+              </a:ext>
+            </a:extLst>
+          </p:cNvPr>
+          <p:cNvSpPr>
+            <a:spLocks noGrp="1"/>
+          </p:cNvSpPr>
+          <p:nvPr>
+            <p:ph type="title"/>
+          </p:nvPr>
+        </p:nvSpPr>
+        <p:spPr/>
+        <p:txBody>
+          <a:bodyPr/>
+          <a:lstStyle/>
+          <a:p>
+            <a:r>
+              <a:rPr lang="en-US" dirty="0"/>
+              <a:t>ML Models &amp; Data Optimization</a:t>
+            </a:r>
+          </a:p>
+        </p:txBody>
+      </p:sp>
+      <p:graphicFrame>
+        <p:nvGraphicFramePr>
+          <p:cNvPr id="5" name="Content Placeholder 2">
+            <a:extLst>
+              <a:ext uri="{FF2B5EF4-FFF2-40B4-BE49-F238E27FC236}">
+                <a16:creationId xmlns:a16="http://schemas.microsoft.com/office/drawing/2014/main" id="{5A66B17E-EA5F-84EF-7154-DD7C2EB0C619}"/>
+              </a:ext>
+            </a:extLst>
+          </p:cNvPr>
+          <p:cNvGraphicFramePr>
+            <a:graphicFrameLocks noGrp="1"/>
+          </p:cNvGraphicFramePr>
+          <p:nvPr>
+            <p:ph idx="1"/>
+            <p:extLst>
+              <p:ext uri="{D42A27DB-BD31-4B8C-83A1-F6EECF244321}">
+                <p14:modId xmlns:p14="http://schemas.microsoft.com/office/powerpoint/2010/main" val="1419079735"/>
+              </p:ext>
+            </p:extLst>
+          </p:nvPr>
+        </p:nvGraphicFramePr>
+        <p:xfrm>
+          <a:off x="1097280" y="2108201"/>
+          <a:ext cx="10058400" cy="3760891"/>
+        </p:xfrm>
+        <a:graphic>
+          <a:graphicData uri="http://schemas.openxmlformats.org/drawingml/2006/diagram">
+            <dgm:relIds xmlns:dgm="http://schemas.openxmlformats.org/drawingml/2006/diagram" xmlns:r="http://schemas.openxmlformats.org/officeDocument/2006/relationships" r:dm="rId2" r:lo="rId3" r:qs="rId4" r:cs="rId5"/>
+          </a:graphicData>
+        </a:graphic>
+      </p:graphicFrame>
+    </p:spTree>
+    <p:extLst>
+      <p:ext uri="{BB962C8B-B14F-4D97-AF65-F5344CB8AC3E}">
+        <p14:creationId xmlns:p14="http://schemas.microsoft.com/office/powerpoint/2010/main" val="3893743461"/>
+      </p:ext>
+    </p:extLst>
+  </p:cSld>
+  <p:clrMapOvr>
+    <a:masterClrMapping/>
+  </p:clrMapOvr>
+</p:sld>
+</file>
+
+<file path=ppt/slides/slide11.xml><?xml version="1.0" encoding="utf-8"?>
+<p:sld xmlns:a="http://schemas.openxmlformats.org/drawingml/2006/main" xmlns:r="http://schemas.openxmlformats.org/officeDocument/2006/relationships" xmlns:p="http://schemas.openxmlformats.org/presentationml/2006/main">
+  <p:cSld>
+    <p:bg>
+      <p:bgPr>
+        <a:solidFill>
+          <a:schemeClr val="bg1"/>
+        </a:solidFill>
+        <a:effectLst/>
+      </p:bgPr>
+    </p:bg>
+    <p:spTree>
+      <p:nvGrpSpPr>
+        <p:cNvPr id="1" name=""/>
+        <p:cNvGrpSpPr/>
+        <p:nvPr/>
+      </p:nvGrpSpPr>
+      <p:grpSpPr>
+        <a:xfrm>
+          <a:off x="0" y="0"/>
+          <a:ext cx="0" cy="0"/>
+          <a:chOff x="0" y="0"/>
+          <a:chExt cx="0" cy="0"/>
+        </a:xfrm>
+      </p:grpSpPr>
+      <p:sp>
+        <p:nvSpPr>
+          <p:cNvPr id="34" name="Rectangle 33">
+            <a:extLst>
+              <a:ext uri="{FF2B5EF4-FFF2-40B4-BE49-F238E27FC236}">
+                <a16:creationId xmlns:a16="http://schemas.microsoft.com/office/drawing/2014/main" id="{39E3965E-AC41-4711-9D10-E25ABB132D86}"/>
+              </a:ext>
+              <a:ext uri="{C183D7F6-B498-43B3-948B-1728B52AA6E4}">
+                <adec:decorative xmlns:adec="http://schemas.microsoft.com/office/drawing/2017/decorative" val="1"/>
+              </a:ext>
+            </a:extLst>
+          </p:cNvPr>
+          <p:cNvSpPr>
+            <a:spLocks noGrp="1" noRot="1" noChangeAspect="1" noMove="1" noResize="1" noEditPoints="1" noAdjustHandles="1" noChangeArrowheads="1" noChangeShapeType="1" noTextEdit="1"/>
+          </p:cNvSpPr>
+          <p:nvPr>
+            <p:extLst>
+              <p:ext uri="{386F3935-93C4-4BCD-93E2-E3B085C9AB24}">
+                <p16:designElem xmlns:p16="http://schemas.microsoft.com/office/powerpoint/2015/main" val="1"/>
+              </p:ext>
+            </p:extLst>
+          </p:nvPr>
+        </p:nvSpPr>
+        <p:spPr>
+          <a:xfrm>
+            <a:off x="3175" y="6400800"/>
+            <a:ext cx="12188825" cy="457200"/>
+          </a:xfrm>
+          <a:prstGeom prst="rect">
+            <a:avLst/>
+          </a:prstGeom>
+          <a:solidFill>
+            <a:srgbClr val="262626"/>
+          </a:solidFill>
+          <a:ln>
+            <a:noFill/>
+          </a:ln>
+        </p:spPr>
+        <p:style>
+          <a:lnRef idx="2">
+            <a:schemeClr val="accent1">
+              <a:shade val="50000"/>
+            </a:schemeClr>
+          </a:lnRef>
+          <a:fillRef idx="1">
+            <a:schemeClr val="accent1"/>
+          </a:fillRef>
+          <a:effectRef idx="0">
+            <a:schemeClr val="accent1"/>
+          </a:effectRef>
+          <a:fontRef idx="minor">
+            <a:schemeClr val="lt1"/>
+          </a:fontRef>
+        </p:style>
+      </p:sp>
+      <p:cxnSp>
+        <p:nvCxnSpPr>
+          <p:cNvPr id="36" name="Straight Connector 35">
+            <a:extLst>
+              <a:ext uri="{FF2B5EF4-FFF2-40B4-BE49-F238E27FC236}">
+                <a16:creationId xmlns:a16="http://schemas.microsoft.com/office/drawing/2014/main" id="{1F5DC8C3-BA5F-4EED-BB9A-A14272BD82A1}"/>
+              </a:ext>
+              <a:ext uri="{C183D7F6-B498-43B3-948B-1728B52AA6E4}">
+                <adec:decorative xmlns:adec="http://schemas.microsoft.com/office/drawing/2017/decorative" val="1"/>
+              </a:ext>
+            </a:extLst>
+          </p:cNvPr>
+          <p:cNvCxnSpPr>
+            <a:cxnSpLocks noGrp="1" noRot="1" noChangeAspect="1" noMove="1" noResize="1" noEditPoints="1" noAdjustHandles="1" noChangeArrowheads="1" noChangeShapeType="1"/>
+          </p:cNvCxnSpPr>
+          <p:nvPr>
+            <p:extLst>
+              <p:ext uri="{386F3935-93C4-4BCD-93E2-E3B085C9AB24}">
+                <p16:designElem xmlns:p16="http://schemas.microsoft.com/office/powerpoint/2015/main" val="1"/>
+              </p:ext>
+            </p:extLst>
+          </p:nvPr>
+        </p:nvCxnSpPr>
+        <p:spPr>
+          <a:xfrm>
+            <a:off x="1207658" y="4474741"/>
+            <a:ext cx="9875520" cy="0"/>
+          </a:xfrm>
+          <a:prstGeom prst="line">
+            <a:avLst/>
+          </a:prstGeom>
+          <a:ln w="12700">
+            <a:solidFill>
+              <a:schemeClr val="tx1">
+                <a:lumMod val="75000"/>
+                <a:lumOff val="25000"/>
+              </a:schemeClr>
+            </a:solidFill>
+          </a:ln>
+        </p:spPr>
+        <p:style>
+          <a:lnRef idx="1">
+            <a:schemeClr val="accent1"/>
+          </a:lnRef>
+          <a:fillRef idx="0">
+            <a:schemeClr val="accent1"/>
+          </a:fillRef>
+          <a:effectRef idx="0">
+            <a:schemeClr val="accent1"/>
+          </a:effectRef>
+          <a:fontRef idx="minor">
+            <a:schemeClr val="tx1"/>
+          </a:fontRef>
+        </p:style>
+      </p:cxnSp>
+      <p:sp useBgFill="1">
+        <p:nvSpPr>
+          <p:cNvPr id="38" name="Rectangle 37">
+            <a:extLst>
+              <a:ext uri="{FF2B5EF4-FFF2-40B4-BE49-F238E27FC236}">
+                <a16:creationId xmlns:a16="http://schemas.microsoft.com/office/drawing/2014/main" id="{33428ACC-71EC-4171-9527-10983BA6B41D}"/>
+              </a:ext>
+              <a:ext uri="{C183D7F6-B498-43B3-948B-1728B52AA6E4}">
+                <adec:decorative xmlns:adec="http://schemas.microsoft.com/office/drawing/2017/decorative" val="1"/>
+              </a:ext>
+            </a:extLst>
+          </p:cNvPr>
+          <p:cNvSpPr>
+            <a:spLocks noGrp="1" noRot="1" noChangeAspect="1" noMove="1" noResize="1" noEditPoints="1" noAdjustHandles="1" noChangeArrowheads="1" noChangeShapeType="1" noTextEdit="1"/>
+          </p:cNvSpPr>
+          <p:nvPr>
+            <p:extLst>
+              <p:ext uri="{386F3935-93C4-4BCD-93E2-E3B085C9AB24}">
+                <p16:designElem xmlns:p16="http://schemas.microsoft.com/office/powerpoint/2015/main" val="1"/>
+              </p:ext>
+            </p:extLst>
+          </p:nvPr>
+        </p:nvSpPr>
+        <p:spPr>
+          <a:xfrm>
+            <a:off x="0" y="0"/>
+            <a:ext cx="12192001" cy="6858000"/>
+          </a:xfrm>
+          <a:prstGeom prst="rect">
+            <a:avLst/>
+          </a:prstGeom>
+          <a:ln>
+            <a:noFill/>
+          </a:ln>
+        </p:spPr>
+        <p:style>
+          <a:lnRef idx="2">
+            <a:schemeClr val="accent1">
+              <a:shade val="50000"/>
+            </a:schemeClr>
+          </a:lnRef>
+          <a:fillRef idx="1">
+            <a:schemeClr val="accent1"/>
+          </a:fillRef>
+          <a:effectRef idx="0">
+            <a:schemeClr val="accent1"/>
+          </a:effectRef>
+          <a:fontRef idx="minor">
+            <a:schemeClr val="lt1"/>
+          </a:fontRef>
+        </p:style>
+        <p:txBody>
+          <a:bodyPr rtlCol="0" anchor="ctr"/>
+          <a:lstStyle/>
+          <a:p>
+            <a:pPr algn="ctr"/>
+            <a:endParaRPr lang="en-US"/>
+          </a:p>
+        </p:txBody>
+      </p:sp>
+      <p:sp>
+        <p:nvSpPr>
+          <p:cNvPr id="2" name="Title 1">
+            <a:extLst>
+              <a:ext uri="{FF2B5EF4-FFF2-40B4-BE49-F238E27FC236}">
+                <a16:creationId xmlns:a16="http://schemas.microsoft.com/office/drawing/2014/main" id="{3E41C2D4-726B-226B-878F-1D74C27F856D}"/>
+              </a:ext>
+            </a:extLst>
+          </p:cNvPr>
+          <p:cNvSpPr>
+            <a:spLocks noGrp="1"/>
+          </p:cNvSpPr>
+          <p:nvPr>
+            <p:ph type="title"/>
+          </p:nvPr>
+        </p:nvSpPr>
+        <p:spPr>
+          <a:xfrm>
+            <a:off x="8141110" y="639098"/>
+            <a:ext cx="3401961" cy="3494790"/>
+          </a:xfrm>
+        </p:spPr>
+        <p:txBody>
+          <a:bodyPr vert="horz" lIns="91440" tIns="45720" rIns="91440" bIns="45720" rtlCol="0" anchor="b">
+            <a:normAutofit fontScale="90000"/>
+          </a:bodyPr>
+          <a:lstStyle/>
+          <a:p>
+            <a:br>
+              <a:rPr lang="en-US" sz="3800" dirty="0">
+                <a:solidFill>
+                  <a:schemeClr val="tx1">
+                    <a:lumMod val="85000"/>
+                    <a:lumOff val="15000"/>
+                  </a:schemeClr>
+                </a:solidFill>
+              </a:rPr>
+            </a:br>
+            <a:r>
+              <a:rPr lang="en-US" sz="3800" dirty="0">
+                <a:solidFill>
+                  <a:schemeClr val="tx1">
+                    <a:lumMod val="85000"/>
+                    <a:lumOff val="15000"/>
+                  </a:schemeClr>
+                </a:solidFill>
+              </a:rPr>
+              <a:t>Confusion Matrix</a:t>
+            </a:r>
+            <a:br>
+              <a:rPr lang="en-US" sz="3800" dirty="0">
+                <a:solidFill>
+                  <a:schemeClr val="tx1">
+                    <a:lumMod val="85000"/>
+                    <a:lumOff val="15000"/>
+                  </a:schemeClr>
+                </a:solidFill>
+              </a:rPr>
+            </a:br>
+            <a:br>
+              <a:rPr lang="en-US" sz="3800" dirty="0">
+                <a:solidFill>
+                  <a:schemeClr val="tx1">
+                    <a:lumMod val="85000"/>
+                    <a:lumOff val="15000"/>
+                  </a:schemeClr>
+                </a:solidFill>
+              </a:rPr>
+            </a:br>
+            <a:r>
+              <a:rPr lang="en-US" sz="3800" dirty="0">
+                <a:solidFill>
+                  <a:schemeClr val="tx1">
+                    <a:lumMod val="85000"/>
+                    <a:lumOff val="15000"/>
+                  </a:schemeClr>
+                </a:solidFill>
+              </a:rPr>
+              <a:t>Classification Report</a:t>
+            </a:r>
+            <a:br>
+              <a:rPr lang="en-US" sz="3800" dirty="0">
+                <a:solidFill>
+                  <a:schemeClr val="tx1">
+                    <a:lumMod val="85000"/>
+                    <a:lumOff val="15000"/>
+                  </a:schemeClr>
+                </a:solidFill>
+              </a:rPr>
+            </a:br>
+            <a:br>
+              <a:rPr lang="en-US" sz="3800" dirty="0">
+                <a:solidFill>
+                  <a:schemeClr val="tx1">
+                    <a:lumMod val="85000"/>
+                    <a:lumOff val="15000"/>
+                  </a:schemeClr>
+                </a:solidFill>
+              </a:rPr>
+            </a:br>
+            <a:r>
+              <a:rPr lang="en-US" sz="3800" dirty="0">
+                <a:solidFill>
+                  <a:schemeClr val="tx1">
+                    <a:lumMod val="85000"/>
+                    <a:lumOff val="15000"/>
+                  </a:schemeClr>
+                </a:solidFill>
+              </a:rPr>
+              <a:t>Accuracy Score</a:t>
+            </a:r>
+          </a:p>
+        </p:txBody>
+      </p:sp>
+      <p:pic>
+        <p:nvPicPr>
+          <p:cNvPr id="5" name="Content Placeholder 4" descr="A picture containing text, screenshot, font, design&#10;&#10;Description automatically generated">
+            <a:extLst>
+              <a:ext uri="{FF2B5EF4-FFF2-40B4-BE49-F238E27FC236}">
+                <a16:creationId xmlns:a16="http://schemas.microsoft.com/office/drawing/2014/main" id="{F2B19371-4700-E9C2-509A-71AD13577DBE}"/>
+              </a:ext>
+            </a:extLst>
+          </p:cNvPr>
+          <p:cNvPicPr>
+            <a:picLocks noGrp="1" noChangeAspect="1"/>
+          </p:cNvPicPr>
+          <p:nvPr>
+            <p:ph idx="1"/>
+          </p:nvPr>
+        </p:nvPicPr>
+        <p:blipFill rotWithShape="1">
+          <a:blip r:embed="rId3"/>
+          <a:srcRect l="1024" r="6967"/>
+          <a:stretch/>
+        </p:blipFill>
+        <p:spPr>
+          <a:xfrm>
+            <a:off x="1305508" y="640081"/>
+            <a:ext cx="5569198" cy="5054156"/>
+          </a:xfrm>
+          <a:prstGeom prst="rect">
+            <a:avLst/>
+          </a:prstGeom>
+        </p:spPr>
+      </p:pic>
+      <p:cxnSp>
+        <p:nvCxnSpPr>
+          <p:cNvPr id="40" name="Straight Connector 39">
+            <a:extLst>
+              <a:ext uri="{FF2B5EF4-FFF2-40B4-BE49-F238E27FC236}">
+                <a16:creationId xmlns:a16="http://schemas.microsoft.com/office/drawing/2014/main" id="{BA22713B-ABB6-4391-97F9-0449A2B9B664}"/>
+              </a:ext>
+              <a:ext uri="{C183D7F6-B498-43B3-948B-1728B52AA6E4}">
+                <adec:decorative xmlns:adec="http://schemas.microsoft.com/office/drawing/2017/decorative" val="1"/>
+              </a:ext>
+            </a:extLst>
+          </p:cNvPr>
+          <p:cNvCxnSpPr>
+            <a:cxnSpLocks noGrp="1" noRot="1" noChangeAspect="1" noMove="1" noResize="1" noEditPoints="1" noAdjustHandles="1" noChangeArrowheads="1" noChangeShapeType="1"/>
+          </p:cNvCxnSpPr>
+          <p:nvPr>
+            <p:extLst>
+              <p:ext uri="{386F3935-93C4-4BCD-93E2-E3B085C9AB24}">
+                <p16:designElem xmlns:p16="http://schemas.microsoft.com/office/powerpoint/2015/main" val="1"/>
+              </p:ext>
+            </p:extLst>
+          </p:nvPr>
+        </p:nvCxnSpPr>
+        <p:spPr>
+          <a:xfrm>
+            <a:off x="8209305" y="4294754"/>
+            <a:ext cx="3200400" cy="0"/>
+          </a:xfrm>
+          <a:prstGeom prst="line">
+            <a:avLst/>
+          </a:prstGeom>
+          <a:ln w="12700">
+            <a:solidFill>
+              <a:schemeClr val="tx1">
+                <a:lumMod val="75000"/>
+                <a:lumOff val="25000"/>
+              </a:schemeClr>
+            </a:solidFill>
+          </a:ln>
+        </p:spPr>
+        <p:style>
+          <a:lnRef idx="1">
+            <a:schemeClr val="accent1"/>
+          </a:lnRef>
+          <a:fillRef idx="0">
+            <a:schemeClr val="accent1"/>
+          </a:fillRef>
+          <a:effectRef idx="0">
+            <a:schemeClr val="accent1"/>
+          </a:effectRef>
+          <a:fontRef idx="minor">
+            <a:schemeClr val="tx1"/>
+          </a:fontRef>
+        </p:style>
+      </p:cxnSp>
+      <p:sp>
+        <p:nvSpPr>
+          <p:cNvPr id="42" name="Rectangle 41">
+            <a:extLst>
+              <a:ext uri="{FF2B5EF4-FFF2-40B4-BE49-F238E27FC236}">
+                <a16:creationId xmlns:a16="http://schemas.microsoft.com/office/drawing/2014/main" id="{8D4480B4-953D-41FA-9052-09AB3A026947}"/>
+              </a:ext>
+              <a:ext uri="{C183D7F6-B498-43B3-948B-1728B52AA6E4}">
+                <adec:decorative xmlns:adec="http://schemas.microsoft.com/office/drawing/2017/decorative" val="1"/>
+              </a:ext>
+            </a:extLst>
+          </p:cNvPr>
+          <p:cNvSpPr>
+            <a:spLocks noGrp="1" noRot="1" noChangeAspect="1" noMove="1" noResize="1" noEditPoints="1" noAdjustHandles="1" noChangeArrowheads="1" noChangeShapeType="1" noTextEdit="1"/>
+          </p:cNvSpPr>
+          <p:nvPr>
+            <p:extLst>
+              <p:ext uri="{386F3935-93C4-4BCD-93E2-E3B085C9AB24}">
+                <p16:designElem xmlns:p16="http://schemas.microsoft.com/office/powerpoint/2015/main" val="1"/>
+              </p:ext>
+            </p:extLst>
+          </p:nvPr>
+        </p:nvSpPr>
+        <p:spPr>
+          <a:xfrm>
+            <a:off x="0" y="6400800"/>
+            <a:ext cx="12192000" cy="457200"/>
+          </a:xfrm>
+          <a:prstGeom prst="rect">
+            <a:avLst/>
+          </a:prstGeom>
+          <a:solidFill>
+            <a:srgbClr val="262626"/>
+          </a:solidFill>
+          <a:ln>
+            <a:noFill/>
+          </a:ln>
+        </p:spPr>
+        <p:style>
+          <a:lnRef idx="2">
+            <a:schemeClr val="accent1">
+              <a:shade val="50000"/>
+            </a:schemeClr>
+          </a:lnRef>
+          <a:fillRef idx="1">
+            <a:schemeClr val="accent1"/>
+          </a:fillRef>
+          <a:effectRef idx="0">
+            <a:schemeClr val="accent1"/>
+          </a:effectRef>
+          <a:fontRef idx="minor">
+            <a:schemeClr val="lt1"/>
+          </a:fontRef>
+        </p:style>
+      </p:sp>
+    </p:spTree>
+    <p:extLst>
+      <p:ext uri="{BB962C8B-B14F-4D97-AF65-F5344CB8AC3E}">
+        <p14:creationId xmlns:p14="http://schemas.microsoft.com/office/powerpoint/2010/main" val="3045898883"/>
+      </p:ext>
+    </p:extLst>
+  </p:cSld>
+  <p:clrMapOvr>
+    <a:masterClrMapping/>
+  </p:clrMapOvr>
+</p:sld>
+</file>
+
+<file path=ppt/slides/slide12.xml><?xml version="1.0" encoding="utf-8"?>
+<p:sld xmlns:a="http://schemas.openxmlformats.org/drawingml/2006/main" xmlns:r="http://schemas.openxmlformats.org/officeDocument/2006/relationships" xmlns:p="http://schemas.openxmlformats.org/presentationml/2006/main">
+  <p:cSld>
+    <p:bg>
+      <p:bgPr>
+        <a:solidFill>
+          <a:schemeClr val="bg1"/>
+        </a:solidFill>
+        <a:effectLst/>
+      </p:bgPr>
+    </p:bg>
+    <p:spTree>
+      <p:nvGrpSpPr>
+        <p:cNvPr id="1" name=""/>
+        <p:cNvGrpSpPr/>
+        <p:nvPr/>
+      </p:nvGrpSpPr>
+      <p:grpSpPr>
+        <a:xfrm>
+          <a:off x="0" y="0"/>
+          <a:ext cx="0" cy="0"/>
+          <a:chOff x="0" y="0"/>
+          <a:chExt cx="0" cy="0"/>
+        </a:xfrm>
+      </p:grpSpPr>
+      <p:sp>
+        <p:nvSpPr>
+          <p:cNvPr id="1042" name="Rectangle 1030">
+            <a:extLst>
+              <a:ext uri="{FF2B5EF4-FFF2-40B4-BE49-F238E27FC236}">
+                <a16:creationId xmlns:a16="http://schemas.microsoft.com/office/drawing/2014/main" id="{39E3965E-AC41-4711-9D10-E25ABB132D86}"/>
+              </a:ext>
+              <a:ext uri="{C183D7F6-B498-43B3-948B-1728B52AA6E4}">
+                <adec:decorative xmlns:adec="http://schemas.microsoft.com/office/drawing/2017/decorative" val="1"/>
+              </a:ext>
+            </a:extLst>
+          </p:cNvPr>
+          <p:cNvSpPr>
+            <a:spLocks noGrp="1" noRot="1" noChangeAspect="1" noMove="1" noResize="1" noEditPoints="1" noAdjustHandles="1" noChangeArrowheads="1" noChangeShapeType="1" noTextEdit="1"/>
+          </p:cNvSpPr>
+          <p:nvPr>
+            <p:extLst>
+              <p:ext uri="{386F3935-93C4-4BCD-93E2-E3B085C9AB24}">
+                <p16:designElem xmlns:p16="http://schemas.microsoft.com/office/powerpoint/2015/main" val="1"/>
+              </p:ext>
+            </p:extLst>
+          </p:nvPr>
+        </p:nvSpPr>
+        <p:spPr>
+          <a:xfrm>
+            <a:off x="3175" y="6400800"/>
+            <a:ext cx="12188825" cy="457200"/>
+          </a:xfrm>
+          <a:prstGeom prst="rect">
+            <a:avLst/>
+          </a:prstGeom>
+          <a:solidFill>
+            <a:srgbClr val="262626"/>
+          </a:solidFill>
+          <a:ln>
+            <a:noFill/>
+          </a:ln>
+        </p:spPr>
+        <p:style>
+          <a:lnRef idx="2">
+            <a:schemeClr val="accent1">
+              <a:shade val="50000"/>
+            </a:schemeClr>
+          </a:lnRef>
+          <a:fillRef idx="1">
+            <a:schemeClr val="accent1"/>
+          </a:fillRef>
+          <a:effectRef idx="0">
+            <a:schemeClr val="accent1"/>
+          </a:effectRef>
+          <a:fontRef idx="minor">
+            <a:schemeClr val="lt1"/>
+          </a:fontRef>
+        </p:style>
+      </p:sp>
+      <p:cxnSp>
+        <p:nvCxnSpPr>
+          <p:cNvPr id="1043" name="Straight Connector 1032">
+            <a:extLst>
+              <a:ext uri="{FF2B5EF4-FFF2-40B4-BE49-F238E27FC236}">
+                <a16:creationId xmlns:a16="http://schemas.microsoft.com/office/drawing/2014/main" id="{1F5DC8C3-BA5F-4EED-BB9A-A14272BD82A1}"/>
+              </a:ext>
+              <a:ext uri="{C183D7F6-B498-43B3-948B-1728B52AA6E4}">
+                <adec:decorative xmlns:adec="http://schemas.microsoft.com/office/drawing/2017/decorative" val="1"/>
+              </a:ext>
+            </a:extLst>
+          </p:cNvPr>
+          <p:cNvCxnSpPr>
+            <a:cxnSpLocks noGrp="1" noRot="1" noChangeAspect="1" noMove="1" noResize="1" noEditPoints="1" noAdjustHandles="1" noChangeArrowheads="1" noChangeShapeType="1"/>
+          </p:cNvCxnSpPr>
+          <p:nvPr>
+            <p:extLst>
+              <p:ext uri="{386F3935-93C4-4BCD-93E2-E3B085C9AB24}">
+                <p16:designElem xmlns:p16="http://schemas.microsoft.com/office/powerpoint/2015/main" val="1"/>
+              </p:ext>
+            </p:extLst>
+          </p:nvPr>
+        </p:nvCxnSpPr>
+        <p:spPr>
+          <a:xfrm>
+            <a:off x="1207658" y="4474741"/>
+            <a:ext cx="9875520" cy="0"/>
+          </a:xfrm>
+          <a:prstGeom prst="line">
+            <a:avLst/>
+          </a:prstGeom>
+          <a:ln w="12700">
+            <a:solidFill>
+              <a:schemeClr val="tx1">
+                <a:lumMod val="75000"/>
+                <a:lumOff val="25000"/>
+              </a:schemeClr>
+            </a:solidFill>
+          </a:ln>
+        </p:spPr>
+        <p:style>
+          <a:lnRef idx="1">
+            <a:schemeClr val="accent1"/>
+          </a:lnRef>
+          <a:fillRef idx="0">
+            <a:schemeClr val="accent1"/>
+          </a:fillRef>
+          <a:effectRef idx="0">
+            <a:schemeClr val="accent1"/>
+          </a:effectRef>
+          <a:fontRef idx="minor">
+            <a:schemeClr val="tx1"/>
+          </a:fontRef>
+        </p:style>
+      </p:cxnSp>
+      <p:sp useBgFill="1">
+        <p:nvSpPr>
+          <p:cNvPr id="1044" name="Rectangle 1034">
+            <a:extLst>
+              <a:ext uri="{FF2B5EF4-FFF2-40B4-BE49-F238E27FC236}">
+                <a16:creationId xmlns:a16="http://schemas.microsoft.com/office/drawing/2014/main" id="{F1314C34-F582-4EEF-86CE-F88761E52434}"/>
+              </a:ext>
+              <a:ext uri="{C183D7F6-B498-43B3-948B-1728B52AA6E4}">
+                <adec:decorative xmlns:adec="http://schemas.microsoft.com/office/drawing/2017/decorative" val="1"/>
+              </a:ext>
+            </a:extLst>
+          </p:cNvPr>
+          <p:cNvSpPr>
+            <a:spLocks noGrp="1" noRot="1" noChangeAspect="1" noMove="1" noResize="1" noEditPoints="1" noAdjustHandles="1" noChangeArrowheads="1" noChangeShapeType="1" noTextEdit="1"/>
+          </p:cNvSpPr>
+          <p:nvPr>
+            <p:extLst>
+              <p:ext uri="{386F3935-93C4-4BCD-93E2-E3B085C9AB24}">
+                <p16:designElem xmlns:p16="http://schemas.microsoft.com/office/powerpoint/2015/main" val="1"/>
+              </p:ext>
+            </p:extLst>
+          </p:nvPr>
+        </p:nvSpPr>
+        <p:spPr>
+          <a:xfrm>
+            <a:off x="0" y="0"/>
+            <a:ext cx="12192000" cy="6858000"/>
+          </a:xfrm>
+          <a:prstGeom prst="rect">
+            <a:avLst/>
+          </a:prstGeom>
+          <a:ln w="15875" cap="flat" cmpd="sng" algn="ctr">
+            <a:noFill/>
+            <a:prstDash val="solid"/>
+          </a:ln>
+          <a:effectLst/>
+          <a:extLst>
+            <a:ext uri="{91240B29-F687-4F45-9708-019B960494DF}">
+              <a14:hiddenLine xmlns:a14="http://schemas.microsoft.com/office/drawing/2010/main" w="15875" cap="flat" cmpd="sng" algn="ctr">
+                <a:solidFill>
+                  <a:schemeClr val="accent1">
+                    <a:shade val="50000"/>
+                  </a:schemeClr>
+                </a:solidFill>
+                <a:prstDash val="solid"/>
+              </a14:hiddenLine>
+            </a:ext>
+          </a:extLst>
+        </p:spPr>
+        <p:style>
+          <a:lnRef idx="2">
+            <a:schemeClr val="accent1">
+              <a:shade val="50000"/>
+            </a:schemeClr>
+          </a:lnRef>
+          <a:fillRef idx="1">
+            <a:schemeClr val="accent1"/>
+          </a:fillRef>
+          <a:effectRef idx="0">
+            <a:schemeClr val="accent1"/>
+          </a:effectRef>
+          <a:fontRef idx="minor">
+            <a:schemeClr val="lt1"/>
+          </a:fontRef>
+        </p:style>
+        <p:txBody>
+          <a:bodyPr rtlCol="0" anchor="ctr"/>
+          <a:lstStyle/>
+          <a:p>
+            <a:pPr algn="ctr"/>
+            <a:endParaRPr lang="en-US"/>
+          </a:p>
+        </p:txBody>
+      </p:sp>
+      <p:pic>
+        <p:nvPicPr>
+          <p:cNvPr id="1026" name="Picture 2" descr="AI technology screens for risk of heart disease - Scienceline">
+            <a:extLst>
+              <a:ext uri="{FF2B5EF4-FFF2-40B4-BE49-F238E27FC236}">
+                <a16:creationId xmlns:a16="http://schemas.microsoft.com/office/drawing/2014/main" id="{A9FED485-A84F-0329-EA15-4C1DAE270345}"/>
+              </a:ext>
+            </a:extLst>
+          </p:cNvPr>
+          <p:cNvPicPr>
+            <a:picLocks noGrp="1" noChangeAspect="1" noChangeArrowheads="1"/>
+          </p:cNvPicPr>
+          <p:nvPr>
+            <p:ph idx="1"/>
+          </p:nvPr>
+        </p:nvPicPr>
+        <p:blipFill rotWithShape="1">
+          <a:blip r:embed="rId3">
+            <a:extLst>
+              <a:ext uri="{28A0092B-C50C-407E-A947-70E740481C1C}">
+                <a14:useLocalDpi xmlns:a14="http://schemas.microsoft.com/office/drawing/2010/main" val="0"/>
+              </a:ext>
+            </a:extLst>
+          </a:blip>
+          <a:srcRect t="15730"/>
+          <a:stretch/>
+        </p:blipFill>
+        <p:spPr bwMode="auto">
+          <a:xfrm>
+            <a:off x="-1" y="10"/>
+            <a:ext cx="12191999" cy="6857990"/>
+          </a:xfrm>
+          <a:prstGeom prst="rect">
+            <a:avLst/>
+          </a:prstGeom>
+          <a:noFill/>
+          <a:extLst>
+            <a:ext uri="{909E8E84-426E-40DD-AFC4-6F175D3DCCD1}">
+              <a14:hiddenFill xmlns:a14="http://schemas.microsoft.com/office/drawing/2010/main">
+                <a:solidFill>
+                  <a:srgbClr val="FFFFFF"/>
+                </a:solidFill>
+              </a14:hiddenFill>
+            </a:ext>
+          </a:extLst>
+        </p:spPr>
+      </p:pic>
+      <p:sp>
+        <p:nvSpPr>
+          <p:cNvPr id="1045" name="Rectangle 1036">
+            <a:extLst>
+              <a:ext uri="{FF2B5EF4-FFF2-40B4-BE49-F238E27FC236}">
+                <a16:creationId xmlns:a16="http://schemas.microsoft.com/office/drawing/2014/main" id="{7319A1DD-F557-4EC6-8A8C-F7617B4CD678}"/>
+              </a:ext>
+              <a:ext uri="{C183D7F6-B498-43B3-948B-1728B52AA6E4}">
+                <adec:decorative xmlns:adec="http://schemas.microsoft.com/office/drawing/2017/decorative" val="1"/>
+              </a:ext>
+            </a:extLst>
+          </p:cNvPr>
+          <p:cNvSpPr>
+            <a:spLocks noGrp="1" noRot="1" noChangeAspect="1" noMove="1" noResize="1" noEditPoints="1" noAdjustHandles="1" noChangeArrowheads="1" noChangeShapeType="1" noTextEdit="1"/>
+          </p:cNvSpPr>
+          <p:nvPr>
+            <p:extLst>
+              <p:ext uri="{386F3935-93C4-4BCD-93E2-E3B085C9AB24}">
+                <p16:designElem xmlns:p16="http://schemas.microsoft.com/office/powerpoint/2015/main" val="1"/>
+              </p:ext>
+            </p:extLst>
+          </p:nvPr>
+        </p:nvSpPr>
+        <p:spPr>
+          <a:xfrm>
+            <a:off x="-1" y="3118982"/>
+            <a:ext cx="7537704" cy="2462668"/>
+          </a:xfrm>
+          <a:prstGeom prst="rect">
+            <a:avLst/>
+          </a:prstGeom>
+          <a:solidFill>
+            <a:schemeClr val="bg1">
+              <a:alpha val="85000"/>
+            </a:schemeClr>
+          </a:solidFill>
+          <a:ln>
+            <a:noFill/>
+          </a:ln>
+        </p:spPr>
+        <p:style>
+          <a:lnRef idx="2">
+            <a:schemeClr val="accent1">
+              <a:shade val="50000"/>
+            </a:schemeClr>
+          </a:lnRef>
+          <a:fillRef idx="1">
+            <a:schemeClr val="accent1"/>
+          </a:fillRef>
+          <a:effectRef idx="0">
+            <a:schemeClr val="accent1"/>
+          </a:effectRef>
+          <a:fontRef idx="minor">
+            <a:schemeClr val="lt1"/>
+          </a:fontRef>
+        </p:style>
+        <p:txBody>
+          <a:bodyPr rtlCol="0" anchor="ctr"/>
+          <a:lstStyle/>
+          <a:p>
+            <a:pPr algn="ctr"/>
+            <a:endParaRPr lang="en-US"/>
+          </a:p>
+        </p:txBody>
+      </p:sp>
+      <p:sp>
+        <p:nvSpPr>
+          <p:cNvPr id="2" name="Title 1">
+            <a:extLst>
+              <a:ext uri="{FF2B5EF4-FFF2-40B4-BE49-F238E27FC236}">
+                <a16:creationId xmlns:a16="http://schemas.microsoft.com/office/drawing/2014/main" id="{E6F06B83-670E-A27E-2D57-46ACD4A3DA40}"/>
+              </a:ext>
+            </a:extLst>
+          </p:cNvPr>
+          <p:cNvSpPr>
+            <a:spLocks noGrp="1"/>
+          </p:cNvSpPr>
+          <p:nvPr>
+            <p:ph type="title"/>
+          </p:nvPr>
+        </p:nvSpPr>
+        <p:spPr>
+          <a:xfrm>
+            <a:off x="735791" y="3331444"/>
+            <a:ext cx="6470692" cy="1229306"/>
+          </a:xfrm>
+        </p:spPr>
+        <p:txBody>
+          <a:bodyPr vert="horz" lIns="91440" tIns="45720" rIns="91440" bIns="45720" rtlCol="0" anchor="b">
+            <a:normAutofit/>
+          </a:bodyPr>
+          <a:lstStyle/>
+          <a:p>
+            <a:r>
+              <a:rPr lang="en-US" sz="5400">
+                <a:solidFill>
+                  <a:schemeClr val="tx1"/>
+                </a:solidFill>
+              </a:rPr>
+              <a:t>Conclusion &amp; Questions</a:t>
+            </a:r>
+          </a:p>
+        </p:txBody>
+      </p:sp>
+      <p:cxnSp>
+        <p:nvCxnSpPr>
+          <p:cNvPr id="1046" name="Straight Connector 1038">
+            <a:extLst>
+              <a:ext uri="{FF2B5EF4-FFF2-40B4-BE49-F238E27FC236}">
+                <a16:creationId xmlns:a16="http://schemas.microsoft.com/office/drawing/2014/main" id="{D28A9C89-B313-458F-9C85-515930A51A93}"/>
+              </a:ext>
+              <a:ext uri="{C183D7F6-B498-43B3-948B-1728B52AA6E4}">
+                <adec:decorative xmlns:adec="http://schemas.microsoft.com/office/drawing/2017/decorative" val="1"/>
+              </a:ext>
+            </a:extLst>
+          </p:cNvPr>
+          <p:cNvCxnSpPr>
+            <a:cxnSpLocks noGrp="1" noRot="1" noChangeAspect="1" noMove="1" noResize="1" noEditPoints="1" noAdjustHandles="1" noChangeArrowheads="1" noChangeShapeType="1"/>
+          </p:cNvCxnSpPr>
+          <p:nvPr>
+            <p:extLst>
+              <p:ext uri="{386F3935-93C4-4BCD-93E2-E3B085C9AB24}">
+                <p16:designElem xmlns:p16="http://schemas.microsoft.com/office/powerpoint/2015/main" val="1"/>
+              </p:ext>
+            </p:extLst>
+          </p:nvPr>
+        </p:nvCxnSpPr>
+        <p:spPr>
+          <a:xfrm>
+            <a:off x="772429" y="4641183"/>
+            <a:ext cx="6309360" cy="0"/>
+          </a:xfrm>
+          <a:prstGeom prst="line">
+            <a:avLst/>
+          </a:prstGeom>
+          <a:ln w="19050">
+            <a:solidFill>
+              <a:schemeClr val="accent1">
+                <a:alpha val="90000"/>
+              </a:schemeClr>
+            </a:solidFill>
+          </a:ln>
+        </p:spPr>
+        <p:style>
+          <a:lnRef idx="1">
+            <a:schemeClr val="accent1"/>
+          </a:lnRef>
+          <a:fillRef idx="0">
+            <a:schemeClr val="accent1"/>
+          </a:fillRef>
+          <a:effectRef idx="0">
+            <a:schemeClr val="accent1"/>
+          </a:effectRef>
+          <a:fontRef idx="minor">
+            <a:schemeClr val="tx1"/>
+          </a:fontRef>
+        </p:style>
+      </p:cxnSp>
+      <p:sp>
+        <p:nvSpPr>
+          <p:cNvPr id="1041" name="!!footer rectangle">
+            <a:extLst>
+              <a:ext uri="{FF2B5EF4-FFF2-40B4-BE49-F238E27FC236}">
+                <a16:creationId xmlns:a16="http://schemas.microsoft.com/office/drawing/2014/main" id="{C390A367-0330-4E03-9D5F-40308A7975C8}"/>
+              </a:ext>
+              <a:ext uri="{C183D7F6-B498-43B3-948B-1728B52AA6E4}">
+                <adec:decorative xmlns:adec="http://schemas.microsoft.com/office/drawing/2017/decorative" val="1"/>
+              </a:ext>
+            </a:extLst>
+          </p:cNvPr>
+          <p:cNvSpPr>
+            <a:spLocks noGrp="1" noRot="1" noChangeAspect="1" noMove="1" noResize="1" noEditPoints="1" noAdjustHandles="1" noChangeArrowheads="1" noChangeShapeType="1" noTextEdit="1"/>
+          </p:cNvSpPr>
+          <p:nvPr>
+            <p:extLst>
+              <p:ext uri="{386F3935-93C4-4BCD-93E2-E3B085C9AB24}">
+                <p16:designElem xmlns:p16="http://schemas.microsoft.com/office/powerpoint/2015/main" val="1"/>
+              </p:ext>
+            </p:extLst>
+          </p:nvPr>
+        </p:nvSpPr>
+        <p:spPr>
+          <a:xfrm>
+            <a:off x="1" y="6400800"/>
+            <a:ext cx="12192000" cy="457200"/>
+          </a:xfrm>
+          <a:prstGeom prst="rect">
+            <a:avLst/>
+          </a:prstGeom>
+          <a:solidFill>
+            <a:srgbClr val="262626">
+              <a:alpha val="95000"/>
+            </a:srgbClr>
+          </a:solidFill>
+          <a:ln>
+            <a:noFill/>
+          </a:ln>
+        </p:spPr>
+        <p:style>
+          <a:lnRef idx="2">
+            <a:schemeClr val="accent1">
+              <a:shade val="50000"/>
+            </a:schemeClr>
+          </a:lnRef>
+          <a:fillRef idx="1">
+            <a:schemeClr val="accent1"/>
+          </a:fillRef>
+          <a:effectRef idx="0">
+            <a:schemeClr val="accent1"/>
+          </a:effectRef>
+          <a:fontRef idx="minor">
+            <a:schemeClr val="lt1"/>
+          </a:fontRef>
+        </p:style>
+      </p:sp>
+    </p:spTree>
+    <p:extLst>
+      <p:ext uri="{BB962C8B-B14F-4D97-AF65-F5344CB8AC3E}">
+        <p14:creationId xmlns:p14="http://schemas.microsoft.com/office/powerpoint/2010/main" val="435015"/>
+      </p:ext>
+    </p:extLst>
+  </p:cSld>
+  <p:clrMapOvr>
+    <a:overrideClrMapping bg1="dk1" tx1="lt1" bg2="dk2" tx2="lt2" accent1="accent1" accent2="accent2" accent3="accent3" accent4="accent4" accent5="accent5" accent6="accent6" hlink="hlink" folHlink="folHlink"/>
+  </p:clrMapOvr>
+</p:sld>
+</file>
+
 <file path=ppt/slides/slide2.xml><?xml version="1.0" encoding="utf-8"?>
 <p:sld xmlns:a="http://schemas.openxmlformats.org/drawingml/2006/main" xmlns:r="http://schemas.openxmlformats.org/officeDocument/2006/relationships" xmlns:p="http://schemas.openxmlformats.org/presentationml/2006/main">
   <p:cSld>
@@ -13134,6 +18300,26 @@
             </a:pPr>
             <a:r>
               <a:rPr lang="en-AU" dirty="0"/>
+              <a:t>Objectives</a:t>
+            </a:r>
+          </a:p>
+          <a:p>
+            <a:pPr>
+              <a:buFont typeface="Wingdings" panose="05000000000000000000" pitchFamily="2" charset="2"/>
+              <a:buChar char="v"/>
+            </a:pPr>
+            <a:r>
+              <a:rPr lang="en-AU" dirty="0"/>
+              <a:t>Process</a:t>
+            </a:r>
+          </a:p>
+          <a:p>
+            <a:pPr>
+              <a:buFont typeface="Wingdings" panose="05000000000000000000" pitchFamily="2" charset="2"/>
+              <a:buChar char="v"/>
+            </a:pPr>
+            <a:r>
+              <a:rPr lang="en-AU" dirty="0"/>
               <a:t>A breakdown of the dataset</a:t>
             </a:r>
           </a:p>
@@ -13144,27 +18330,7 @@
             </a:pPr>
             <a:r>
               <a:rPr lang="en-AU" dirty="0"/>
-              <a:t>Objectives</a:t>
-            </a:r>
-          </a:p>
-          <a:p>
-            <a:pPr>
-              <a:buFont typeface="Wingdings" panose="05000000000000000000" pitchFamily="2" charset="2"/>
-              <a:buChar char="v"/>
-            </a:pPr>
-            <a:r>
-              <a:rPr lang="en-AU" dirty="0"/>
               <a:t>Visualizations and analysis</a:t>
-            </a:r>
-          </a:p>
-          <a:p>
-            <a:pPr>
-              <a:buFont typeface="Wingdings" panose="05000000000000000000" pitchFamily="2" charset="2"/>
-              <a:buChar char="v"/>
-            </a:pPr>
-            <a:r>
-              <a:rPr lang="en-AU" dirty="0"/>
-              <a:t>Model prediction </a:t>
             </a:r>
           </a:p>
           <a:p>
@@ -13202,6 +18368,14 @@
 <file path=ppt/slides/slide3.xml><?xml version="1.0" encoding="utf-8"?>
 <p:sld xmlns:a="http://schemas.openxmlformats.org/drawingml/2006/main" xmlns:r="http://schemas.openxmlformats.org/officeDocument/2006/relationships" xmlns:p="http://schemas.openxmlformats.org/presentationml/2006/main">
   <p:cSld>
+    <p:bg>
+      <p:bgPr>
+        <a:solidFill>
+          <a:schemeClr val="bg1"/>
+        </a:solidFill>
+        <a:effectLst/>
+      </p:bgPr>
+    </p:bg>
     <p:spTree>
       <p:nvGrpSpPr>
         <p:cNvPr id="1" name=""/>
@@ -13218,6 +18392,687 @@
       </p:grpSpPr>
       <p:sp>
         <p:nvSpPr>
+          <p:cNvPr id="1031" name="Rectangle 1030">
+            <a:extLst>
+              <a:ext uri="{FF2B5EF4-FFF2-40B4-BE49-F238E27FC236}">
+                <a16:creationId xmlns:a16="http://schemas.microsoft.com/office/drawing/2014/main" id="{39E3965E-AC41-4711-9D10-E25ABB132D86}"/>
+              </a:ext>
+              <a:ext uri="{C183D7F6-B498-43B3-948B-1728B52AA6E4}">
+                <adec:decorative xmlns:adec="http://schemas.microsoft.com/office/drawing/2017/decorative" val="1"/>
+              </a:ext>
+            </a:extLst>
+          </p:cNvPr>
+          <p:cNvSpPr>
+            <a:spLocks noGrp="1" noRot="1" noChangeAspect="1" noMove="1" noResize="1" noEditPoints="1" noAdjustHandles="1" noChangeArrowheads="1" noChangeShapeType="1" noTextEdit="1"/>
+          </p:cNvSpPr>
+          <p:nvPr>
+            <p:extLst>
+              <p:ext uri="{386F3935-93C4-4BCD-93E2-E3B085C9AB24}">
+                <p16:designElem xmlns:p16="http://schemas.microsoft.com/office/powerpoint/2015/main" val="1"/>
+              </p:ext>
+            </p:extLst>
+          </p:nvPr>
+        </p:nvSpPr>
+        <p:spPr>
+          <a:xfrm>
+            <a:off x="3175" y="6400800"/>
+            <a:ext cx="12188825" cy="457200"/>
+          </a:xfrm>
+          <a:prstGeom prst="rect">
+            <a:avLst/>
+          </a:prstGeom>
+          <a:solidFill>
+            <a:srgbClr val="262626"/>
+          </a:solidFill>
+          <a:ln>
+            <a:noFill/>
+          </a:ln>
+        </p:spPr>
+        <p:style>
+          <a:lnRef idx="2">
+            <a:schemeClr val="accent1">
+              <a:shade val="50000"/>
+            </a:schemeClr>
+          </a:lnRef>
+          <a:fillRef idx="1">
+            <a:schemeClr val="accent1"/>
+          </a:fillRef>
+          <a:effectRef idx="0">
+            <a:schemeClr val="accent1"/>
+          </a:effectRef>
+          <a:fontRef idx="minor">
+            <a:schemeClr val="lt1"/>
+          </a:fontRef>
+        </p:style>
+      </p:sp>
+      <p:cxnSp>
+        <p:nvCxnSpPr>
+          <p:cNvPr id="1033" name="Straight Connector 1032">
+            <a:extLst>
+              <a:ext uri="{FF2B5EF4-FFF2-40B4-BE49-F238E27FC236}">
+                <a16:creationId xmlns:a16="http://schemas.microsoft.com/office/drawing/2014/main" id="{1F5DC8C3-BA5F-4EED-BB9A-A14272BD82A1}"/>
+              </a:ext>
+              <a:ext uri="{C183D7F6-B498-43B3-948B-1728B52AA6E4}">
+                <adec:decorative xmlns:adec="http://schemas.microsoft.com/office/drawing/2017/decorative" val="1"/>
+              </a:ext>
+            </a:extLst>
+          </p:cNvPr>
+          <p:cNvCxnSpPr>
+            <a:cxnSpLocks noGrp="1" noRot="1" noChangeAspect="1" noMove="1" noResize="1" noEditPoints="1" noAdjustHandles="1" noChangeArrowheads="1" noChangeShapeType="1"/>
+          </p:cNvCxnSpPr>
+          <p:nvPr>
+            <p:extLst>
+              <p:ext uri="{386F3935-93C4-4BCD-93E2-E3B085C9AB24}">
+                <p16:designElem xmlns:p16="http://schemas.microsoft.com/office/powerpoint/2015/main" val="1"/>
+              </p:ext>
+            </p:extLst>
+          </p:nvPr>
+        </p:nvCxnSpPr>
+        <p:spPr>
+          <a:xfrm>
+            <a:off x="1207658" y="4474741"/>
+            <a:ext cx="9875520" cy="0"/>
+          </a:xfrm>
+          <a:prstGeom prst="line">
+            <a:avLst/>
+          </a:prstGeom>
+          <a:ln w="12700">
+            <a:solidFill>
+              <a:schemeClr val="tx1">
+                <a:lumMod val="75000"/>
+                <a:lumOff val="25000"/>
+              </a:schemeClr>
+            </a:solidFill>
+          </a:ln>
+        </p:spPr>
+        <p:style>
+          <a:lnRef idx="1">
+            <a:schemeClr val="accent1"/>
+          </a:lnRef>
+          <a:fillRef idx="0">
+            <a:schemeClr val="accent1"/>
+          </a:fillRef>
+          <a:effectRef idx="0">
+            <a:schemeClr val="accent1"/>
+          </a:effectRef>
+          <a:fontRef idx="minor">
+            <a:schemeClr val="tx1"/>
+          </a:fontRef>
+        </p:style>
+      </p:cxnSp>
+      <p:sp useBgFill="1">
+        <p:nvSpPr>
+          <p:cNvPr id="1035" name="Rectangle 1034">
+            <a:extLst>
+              <a:ext uri="{FF2B5EF4-FFF2-40B4-BE49-F238E27FC236}">
+                <a16:creationId xmlns:a16="http://schemas.microsoft.com/office/drawing/2014/main" id="{4C869C3B-5565-4AAC-86A8-9EB0AB1C653E}"/>
+              </a:ext>
+              <a:ext uri="{C183D7F6-B498-43B3-948B-1728B52AA6E4}">
+                <adec:decorative xmlns:adec="http://schemas.microsoft.com/office/drawing/2017/decorative" val="1"/>
+              </a:ext>
+            </a:extLst>
+          </p:cNvPr>
+          <p:cNvSpPr>
+            <a:spLocks noGrp="1" noRot="1" noChangeAspect="1" noMove="1" noResize="1" noEditPoints="1" noAdjustHandles="1" noChangeArrowheads="1" noChangeShapeType="1" noTextEdit="1"/>
+          </p:cNvSpPr>
+          <p:nvPr>
+            <p:extLst>
+              <p:ext uri="{386F3935-93C4-4BCD-93E2-E3B085C9AB24}">
+                <p16:designElem xmlns:p16="http://schemas.microsoft.com/office/powerpoint/2015/main" val="1"/>
+              </p:ext>
+            </p:extLst>
+          </p:nvPr>
+        </p:nvSpPr>
+        <p:spPr>
+          <a:xfrm>
+            <a:off x="0" y="0"/>
+            <a:ext cx="12192001" cy="6858000"/>
+          </a:xfrm>
+          <a:prstGeom prst="rect">
+            <a:avLst/>
+          </a:prstGeom>
+          <a:ln>
+            <a:noFill/>
+          </a:ln>
+        </p:spPr>
+        <p:style>
+          <a:lnRef idx="2">
+            <a:schemeClr val="accent1">
+              <a:shade val="50000"/>
+            </a:schemeClr>
+          </a:lnRef>
+          <a:fillRef idx="1">
+            <a:schemeClr val="accent1"/>
+          </a:fillRef>
+          <a:effectRef idx="0">
+            <a:schemeClr val="accent1"/>
+          </a:effectRef>
+          <a:fontRef idx="minor">
+            <a:schemeClr val="lt1"/>
+          </a:fontRef>
+        </p:style>
+        <p:txBody>
+          <a:bodyPr rtlCol="0" anchor="ctr"/>
+          <a:lstStyle/>
+          <a:p>
+            <a:pPr algn="ctr"/>
+            <a:endParaRPr lang="en-US"/>
+          </a:p>
+        </p:txBody>
+      </p:sp>
+      <p:sp>
+        <p:nvSpPr>
+          <p:cNvPr id="2" name="Title 1">
+            <a:extLst>
+              <a:ext uri="{FF2B5EF4-FFF2-40B4-BE49-F238E27FC236}">
+                <a16:creationId xmlns:a16="http://schemas.microsoft.com/office/drawing/2014/main" id="{E7BD3F30-B3D9-754A-B81C-BCBF880B5588}"/>
+              </a:ext>
+            </a:extLst>
+          </p:cNvPr>
+          <p:cNvSpPr>
+            <a:spLocks noGrp="1"/>
+          </p:cNvSpPr>
+          <p:nvPr>
+            <p:ph type="title"/>
+          </p:nvPr>
+        </p:nvSpPr>
+        <p:spPr>
+          <a:xfrm>
+            <a:off x="638423" y="3807725"/>
+            <a:ext cx="10909073" cy="1447062"/>
+          </a:xfrm>
+        </p:spPr>
+        <p:txBody>
+          <a:bodyPr vert="horz" lIns="91440" tIns="45720" rIns="91440" bIns="45720" rtlCol="0" anchor="b">
+            <a:normAutofit/>
+          </a:bodyPr>
+          <a:lstStyle/>
+          <a:p>
+            <a:pPr algn="ctr"/>
+            <a:br>
+              <a:rPr lang="en-US" sz="2400" b="1" dirty="0">
+                <a:solidFill>
+                  <a:schemeClr val="tx1">
+                    <a:lumMod val="85000"/>
+                    <a:lumOff val="15000"/>
+                  </a:schemeClr>
+                </a:solidFill>
+                <a:effectLst/>
+              </a:rPr>
+            </a:br>
+            <a:r>
+              <a:rPr lang="en-US" sz="2400" b="1" dirty="0">
+                <a:solidFill>
+                  <a:schemeClr val="tx1">
+                    <a:lumMod val="85000"/>
+                    <a:lumOff val="15000"/>
+                  </a:schemeClr>
+                </a:solidFill>
+                <a:effectLst/>
+              </a:rPr>
+              <a:t>The purpose of this analysis was to use our knowledge of supervised machine learning to create a binary classifier that can predict the chance of  heart disease.</a:t>
+            </a:r>
+            <a:br>
+              <a:rPr lang="en-US" sz="2400" b="0" dirty="0">
+                <a:solidFill>
+                  <a:schemeClr val="tx1">
+                    <a:lumMod val="85000"/>
+                    <a:lumOff val="15000"/>
+                  </a:schemeClr>
+                </a:solidFill>
+                <a:effectLst/>
+              </a:rPr>
+            </a:br>
+            <a:endParaRPr lang="en-US" sz="2400" dirty="0">
+              <a:solidFill>
+                <a:schemeClr val="tx1">
+                  <a:lumMod val="85000"/>
+                  <a:lumOff val="15000"/>
+                </a:schemeClr>
+              </a:solidFill>
+            </a:endParaRPr>
+          </a:p>
+        </p:txBody>
+      </p:sp>
+      <p:pic>
+        <p:nvPicPr>
+          <p:cNvPr id="1026" name="Picture 2">
+            <a:extLst>
+              <a:ext uri="{FF2B5EF4-FFF2-40B4-BE49-F238E27FC236}">
+                <a16:creationId xmlns:a16="http://schemas.microsoft.com/office/drawing/2014/main" id="{FE48B79C-CA3D-2D81-6DB9-BD108C985A7C}"/>
+              </a:ext>
+            </a:extLst>
+          </p:cNvPr>
+          <p:cNvPicPr>
+            <a:picLocks noGrp="1" noChangeAspect="1" noChangeArrowheads="1"/>
+          </p:cNvPicPr>
+          <p:nvPr>
+            <p:ph idx="1"/>
+          </p:nvPr>
+        </p:nvPicPr>
+        <p:blipFill>
+          <a:blip r:embed="rId3">
+            <a:extLst>
+              <a:ext uri="{28A0092B-C50C-407E-A947-70E740481C1C}">
+                <a14:useLocalDpi xmlns:a14="http://schemas.microsoft.com/office/drawing/2010/main" val="0"/>
+              </a:ext>
+            </a:extLst>
+          </a:blip>
+          <a:stretch>
+            <a:fillRect/>
+          </a:stretch>
+        </p:blipFill>
+        <p:spPr bwMode="auto">
+          <a:xfrm>
+            <a:off x="1689633" y="771100"/>
+            <a:ext cx="8800070" cy="2750022"/>
+          </a:xfrm>
+          <a:prstGeom prst="rect">
+            <a:avLst/>
+          </a:prstGeom>
+          <a:noFill/>
+          <a:extLst>
+            <a:ext uri="{909E8E84-426E-40DD-AFC4-6F175D3DCCD1}">
+              <a14:hiddenFill xmlns:a14="http://schemas.microsoft.com/office/drawing/2010/main">
+                <a:solidFill>
+                  <a:srgbClr val="FFFFFF"/>
+                </a:solidFill>
+              </a14:hiddenFill>
+            </a:ext>
+          </a:extLst>
+        </p:spPr>
+      </p:pic>
+      <p:cxnSp>
+        <p:nvCxnSpPr>
+          <p:cNvPr id="1037" name="Straight Connector 1036">
+            <a:extLst>
+              <a:ext uri="{FF2B5EF4-FFF2-40B4-BE49-F238E27FC236}">
+                <a16:creationId xmlns:a16="http://schemas.microsoft.com/office/drawing/2014/main" id="{F41136EC-EC34-4D08-B5AB-8CE5870B1C74}"/>
+              </a:ext>
+              <a:ext uri="{C183D7F6-B498-43B3-948B-1728B52AA6E4}">
+                <adec:decorative xmlns:adec="http://schemas.microsoft.com/office/drawing/2017/decorative" val="1"/>
+              </a:ext>
+            </a:extLst>
+          </p:cNvPr>
+          <p:cNvCxnSpPr>
+            <a:cxnSpLocks noGrp="1" noRot="1" noChangeAspect="1" noMove="1" noResize="1" noEditPoints="1" noAdjustHandles="1" noChangeArrowheads="1" noChangeShapeType="1"/>
+          </p:cNvCxnSpPr>
+          <p:nvPr>
+            <p:extLst>
+              <p:ext uri="{386F3935-93C4-4BCD-93E2-E3B085C9AB24}">
+                <p16:designElem xmlns:p16="http://schemas.microsoft.com/office/powerpoint/2015/main" val="1"/>
+              </p:ext>
+            </p:extLst>
+          </p:nvPr>
+        </p:nvCxnSpPr>
+        <p:spPr>
+          <a:xfrm>
+            <a:off x="1752600" y="5415653"/>
+            <a:ext cx="8686800" cy="0"/>
+          </a:xfrm>
+          <a:prstGeom prst="line">
+            <a:avLst/>
+          </a:prstGeom>
+          <a:ln w="12700">
+            <a:solidFill>
+              <a:schemeClr val="tx1">
+                <a:lumMod val="75000"/>
+                <a:lumOff val="25000"/>
+              </a:schemeClr>
+            </a:solidFill>
+          </a:ln>
+        </p:spPr>
+        <p:style>
+          <a:lnRef idx="1">
+            <a:schemeClr val="accent1"/>
+          </a:lnRef>
+          <a:fillRef idx="0">
+            <a:schemeClr val="accent1"/>
+          </a:fillRef>
+          <a:effectRef idx="0">
+            <a:schemeClr val="accent1"/>
+          </a:effectRef>
+          <a:fontRef idx="minor">
+            <a:schemeClr val="tx1"/>
+          </a:fontRef>
+        </p:style>
+      </p:cxnSp>
+      <p:sp>
+        <p:nvSpPr>
+          <p:cNvPr id="1039" name="Rectangle 1038">
+            <a:extLst>
+              <a:ext uri="{FF2B5EF4-FFF2-40B4-BE49-F238E27FC236}">
+                <a16:creationId xmlns:a16="http://schemas.microsoft.com/office/drawing/2014/main" id="{9995470A-422C-4D09-B47E-C2E326495B72}"/>
+              </a:ext>
+              <a:ext uri="{C183D7F6-B498-43B3-948B-1728B52AA6E4}">
+                <adec:decorative xmlns:adec="http://schemas.microsoft.com/office/drawing/2017/decorative" val="1"/>
+              </a:ext>
+            </a:extLst>
+          </p:cNvPr>
+          <p:cNvSpPr>
+            <a:spLocks noGrp="1" noRot="1" noChangeAspect="1" noMove="1" noResize="1" noEditPoints="1" noAdjustHandles="1" noChangeArrowheads="1" noChangeShapeType="1" noTextEdit="1"/>
+          </p:cNvSpPr>
+          <p:nvPr>
+            <p:extLst>
+              <p:ext uri="{386F3935-93C4-4BCD-93E2-E3B085C9AB24}">
+                <p16:designElem xmlns:p16="http://schemas.microsoft.com/office/powerpoint/2015/main" val="1"/>
+              </p:ext>
+            </p:extLst>
+          </p:nvPr>
+        </p:nvSpPr>
+        <p:spPr>
+          <a:xfrm>
+            <a:off x="0" y="6400800"/>
+            <a:ext cx="12192000" cy="457200"/>
+          </a:xfrm>
+          <a:prstGeom prst="rect">
+            <a:avLst/>
+          </a:prstGeom>
+          <a:solidFill>
+            <a:srgbClr val="262626"/>
+          </a:solidFill>
+          <a:ln>
+            <a:noFill/>
+          </a:ln>
+        </p:spPr>
+        <p:style>
+          <a:lnRef idx="2">
+            <a:schemeClr val="accent1">
+              <a:shade val="50000"/>
+            </a:schemeClr>
+          </a:lnRef>
+          <a:fillRef idx="1">
+            <a:schemeClr val="accent1"/>
+          </a:fillRef>
+          <a:effectRef idx="0">
+            <a:schemeClr val="accent1"/>
+          </a:effectRef>
+          <a:fontRef idx="minor">
+            <a:schemeClr val="lt1"/>
+          </a:fontRef>
+        </p:style>
+      </p:sp>
+    </p:spTree>
+    <p:extLst>
+      <p:ext uri="{BB962C8B-B14F-4D97-AF65-F5344CB8AC3E}">
+        <p14:creationId xmlns:p14="http://schemas.microsoft.com/office/powerpoint/2010/main" val="2832879381"/>
+      </p:ext>
+    </p:extLst>
+  </p:cSld>
+  <p:clrMapOvr>
+    <a:masterClrMapping/>
+  </p:clrMapOvr>
+</p:sld>
+</file>
+
+<file path=ppt/slides/slide4.xml><?xml version="1.0" encoding="utf-8"?>
+<p:sld xmlns:a="http://schemas.openxmlformats.org/drawingml/2006/main" xmlns:r="http://schemas.openxmlformats.org/officeDocument/2006/relationships" xmlns:p="http://schemas.openxmlformats.org/presentationml/2006/main">
+  <p:cSld>
+    <p:bg>
+      <p:bgPr>
+        <a:solidFill>
+          <a:schemeClr val="bg1"/>
+        </a:solidFill>
+        <a:effectLst/>
+      </p:bgPr>
+    </p:bg>
+    <p:spTree>
+      <p:nvGrpSpPr>
+        <p:cNvPr id="1" name=""/>
+        <p:cNvGrpSpPr/>
+        <p:nvPr/>
+      </p:nvGrpSpPr>
+      <p:grpSpPr>
+        <a:xfrm>
+          <a:off x="0" y="0"/>
+          <a:ext cx="0" cy="0"/>
+          <a:chOff x="0" y="0"/>
+          <a:chExt cx="0" cy="0"/>
+        </a:xfrm>
+      </p:grpSpPr>
+      <p:sp>
+        <p:nvSpPr>
+          <p:cNvPr id="12" name="Rectangle 11">
+            <a:extLst>
+              <a:ext uri="{FF2B5EF4-FFF2-40B4-BE49-F238E27FC236}">
+                <a16:creationId xmlns:a16="http://schemas.microsoft.com/office/drawing/2014/main" id="{A8E9C91B-7EAD-4562-AB0E-DFB9663AECE3}"/>
+              </a:ext>
+              <a:ext uri="{C183D7F6-B498-43B3-948B-1728B52AA6E4}">
+                <adec:decorative xmlns:adec="http://schemas.microsoft.com/office/drawing/2017/decorative" val="1"/>
+              </a:ext>
+            </a:extLst>
+          </p:cNvPr>
+          <p:cNvSpPr>
+            <a:spLocks noGrp="1" noRot="1" noChangeAspect="1" noMove="1" noResize="1" noEditPoints="1" noAdjustHandles="1" noChangeArrowheads="1" noChangeShapeType="1" noTextEdit="1"/>
+          </p:cNvSpPr>
+          <p:nvPr>
+            <p:extLst>
+              <p:ext uri="{386F3935-93C4-4BCD-93E2-E3B085C9AB24}">
+                <p16:designElem xmlns:p16="http://schemas.microsoft.com/office/powerpoint/2015/main" val="1"/>
+              </p:ext>
+            </p:extLst>
+          </p:nvPr>
+        </p:nvSpPr>
+        <p:spPr>
+          <a:xfrm>
+            <a:off x="3175" y="6400800"/>
+            <a:ext cx="12188825" cy="457200"/>
+          </a:xfrm>
+          <a:prstGeom prst="rect">
+            <a:avLst/>
+          </a:prstGeom>
+          <a:solidFill>
+            <a:srgbClr val="262626"/>
+          </a:solidFill>
+          <a:ln>
+            <a:noFill/>
+          </a:ln>
+        </p:spPr>
+        <p:style>
+          <a:lnRef idx="2">
+            <a:schemeClr val="accent1">
+              <a:shade val="50000"/>
+            </a:schemeClr>
+          </a:lnRef>
+          <a:fillRef idx="1">
+            <a:schemeClr val="accent1"/>
+          </a:fillRef>
+          <a:effectRef idx="0">
+            <a:schemeClr val="accent1"/>
+          </a:effectRef>
+          <a:fontRef idx="minor">
+            <a:schemeClr val="lt1"/>
+          </a:fontRef>
+        </p:style>
+      </p:sp>
+      <p:sp>
+        <p:nvSpPr>
+          <p:cNvPr id="14" name="Rectangle 13">
+            <a:extLst>
+              <a:ext uri="{FF2B5EF4-FFF2-40B4-BE49-F238E27FC236}">
+                <a16:creationId xmlns:a16="http://schemas.microsoft.com/office/drawing/2014/main" id="{41497DE5-0939-4D1D-9350-0C5E1B209C68}"/>
+              </a:ext>
+              <a:ext uri="{C183D7F6-B498-43B3-948B-1728B52AA6E4}">
+                <adec:decorative xmlns:adec="http://schemas.microsoft.com/office/drawing/2017/decorative" val="1"/>
+              </a:ext>
+            </a:extLst>
+          </p:cNvPr>
+          <p:cNvSpPr>
+            <a:spLocks noGrp="1" noRot="1" noChangeAspect="1" noMove="1" noResize="1" noEditPoints="1" noAdjustHandles="1" noChangeArrowheads="1" noChangeShapeType="1" noTextEdit="1"/>
+          </p:cNvSpPr>
+          <p:nvPr>
+            <p:extLst>
+              <p:ext uri="{386F3935-93C4-4BCD-93E2-E3B085C9AB24}">
+                <p16:designElem xmlns:p16="http://schemas.microsoft.com/office/powerpoint/2015/main" val="1"/>
+              </p:ext>
+            </p:extLst>
+          </p:nvPr>
+        </p:nvSpPr>
+        <p:spPr>
+          <a:xfrm>
+            <a:off x="0" y="0"/>
+            <a:ext cx="12192000" cy="6858000"/>
+          </a:xfrm>
+          <a:prstGeom prst="rect">
+            <a:avLst/>
+          </a:prstGeom>
+          <a:solidFill>
+            <a:srgbClr val="262626"/>
+          </a:solidFill>
+          <a:ln>
+            <a:noFill/>
+          </a:ln>
+        </p:spPr>
+        <p:style>
+          <a:lnRef idx="2">
+            <a:schemeClr val="accent1">
+              <a:shade val="50000"/>
+            </a:schemeClr>
+          </a:lnRef>
+          <a:fillRef idx="1">
+            <a:schemeClr val="accent1"/>
+          </a:fillRef>
+          <a:effectRef idx="0">
+            <a:schemeClr val="accent1"/>
+          </a:effectRef>
+          <a:fontRef idx="minor">
+            <a:schemeClr val="lt1"/>
+          </a:fontRef>
+        </p:style>
+        <p:txBody>
+          <a:bodyPr rtlCol="0" anchor="ctr"/>
+          <a:lstStyle/>
+          <a:p>
+            <a:pPr algn="ctr"/>
+            <a:endParaRPr lang="en-US"/>
+          </a:p>
+        </p:txBody>
+      </p:sp>
+      <p:sp>
+        <p:nvSpPr>
+          <p:cNvPr id="16" name="Rectangle 15">
+            <a:extLst>
+              <a:ext uri="{FF2B5EF4-FFF2-40B4-BE49-F238E27FC236}">
+                <a16:creationId xmlns:a16="http://schemas.microsoft.com/office/drawing/2014/main" id="{5CCC70ED-6C63-4537-B7EB-51990D6C0A6F}"/>
+              </a:ext>
+              <a:ext uri="{C183D7F6-B498-43B3-948B-1728B52AA6E4}">
+                <adec:decorative xmlns:adec="http://schemas.microsoft.com/office/drawing/2017/decorative" val="1"/>
+              </a:ext>
+            </a:extLst>
+          </p:cNvPr>
+          <p:cNvSpPr>
+            <a:spLocks noGrp="1" noRot="1" noChangeAspect="1" noMove="1" noResize="1" noEditPoints="1" noAdjustHandles="1" noChangeArrowheads="1" noChangeShapeType="1" noTextEdit="1"/>
+          </p:cNvSpPr>
+          <p:nvPr>
+            <p:extLst>
+              <p:ext uri="{386F3935-93C4-4BCD-93E2-E3B085C9AB24}">
+                <p16:designElem xmlns:p16="http://schemas.microsoft.com/office/powerpoint/2015/main" val="1"/>
+              </p:ext>
+            </p:extLst>
+          </p:nvPr>
+        </p:nvSpPr>
+        <p:spPr>
+          <a:xfrm>
+            <a:off x="458724" y="457200"/>
+            <a:ext cx="11274552" cy="5943600"/>
+          </a:xfrm>
+          <a:prstGeom prst="rect">
+            <a:avLst/>
+          </a:prstGeom>
+          <a:ln>
+            <a:noFill/>
+          </a:ln>
+        </p:spPr>
+        <p:style>
+          <a:lnRef idx="2">
+            <a:schemeClr val="accent1">
+              <a:shade val="50000"/>
+            </a:schemeClr>
+          </a:lnRef>
+          <a:fillRef idx="1">
+            <a:schemeClr val="accent1"/>
+          </a:fillRef>
+          <a:effectRef idx="0">
+            <a:schemeClr val="accent1"/>
+          </a:effectRef>
+          <a:fontRef idx="minor">
+            <a:schemeClr val="lt1"/>
+          </a:fontRef>
+        </p:style>
+        <p:txBody>
+          <a:bodyPr rtlCol="0" anchor="ctr"/>
+          <a:lstStyle/>
+          <a:p>
+            <a:pPr algn="ctr"/>
+            <a:endParaRPr lang="en-US"/>
+          </a:p>
+        </p:txBody>
+      </p:sp>
+      <p:sp>
+        <p:nvSpPr>
+          <p:cNvPr id="18" name="Rectangle 17">
+            <a:extLst>
+              <a:ext uri="{FF2B5EF4-FFF2-40B4-BE49-F238E27FC236}">
+                <a16:creationId xmlns:a16="http://schemas.microsoft.com/office/drawing/2014/main" id="{B76E24C1-2968-40DC-A36E-F6B85F0F0752}"/>
+              </a:ext>
+              <a:ext uri="{C183D7F6-B498-43B3-948B-1728B52AA6E4}">
+                <adec:decorative xmlns:adec="http://schemas.microsoft.com/office/drawing/2017/decorative" val="1"/>
+              </a:ext>
+            </a:extLst>
+          </p:cNvPr>
+          <p:cNvSpPr>
+            <a:spLocks noGrp="1" noRot="1" noChangeAspect="1" noMove="1" noResize="1" noEditPoints="1" noAdjustHandles="1" noChangeArrowheads="1" noChangeShapeType="1" noTextEdit="1"/>
+          </p:cNvSpPr>
+          <p:nvPr>
+            <p:extLst>
+              <p:ext uri="{386F3935-93C4-4BCD-93E2-E3B085C9AB24}">
+                <p16:designElem xmlns:p16="http://schemas.microsoft.com/office/powerpoint/2015/main" val="1"/>
+              </p:ext>
+            </p:extLst>
+          </p:nvPr>
+        </p:nvSpPr>
+        <p:spPr>
+          <a:xfrm>
+            <a:off x="522732" y="521208"/>
+            <a:ext cx="11146536" cy="5815584"/>
+          </a:xfrm>
+          <a:prstGeom prst="rect">
+            <a:avLst/>
+          </a:prstGeom>
+          <a:solidFill>
+            <a:srgbClr val="FFFFFF"/>
+          </a:solidFill>
+          <a:ln>
+            <a:noFill/>
+          </a:ln>
+        </p:spPr>
+        <p:style>
+          <a:lnRef idx="2">
+            <a:schemeClr val="accent1">
+              <a:shade val="50000"/>
+            </a:schemeClr>
+          </a:lnRef>
+          <a:fillRef idx="1">
+            <a:schemeClr val="accent1"/>
+          </a:fillRef>
+          <a:effectRef idx="0">
+            <a:schemeClr val="accent1"/>
+          </a:effectRef>
+          <a:fontRef idx="minor">
+            <a:schemeClr val="lt1"/>
+          </a:fontRef>
+        </p:style>
+        <p:txBody>
+          <a:bodyPr rtlCol="0" anchor="ctr"/>
+          <a:lstStyle/>
+          <a:p>
+            <a:pPr algn="ctr"/>
+            <a:endParaRPr lang="en-US"/>
+          </a:p>
+        </p:txBody>
+      </p:sp>
+      <p:sp>
+        <p:nvSpPr>
           <p:cNvPr id="4" name="Arrow: Right 3">
             <a:extLst>
               <a:ext uri="{FF2B5EF4-FFF2-40B4-BE49-F238E27FC236}">
@@ -13230,8 +19085,8 @@
         </p:nvSpPr>
         <p:spPr>
           <a:xfrm>
-            <a:off x="2408904" y="2766307"/>
-            <a:ext cx="255638" cy="45719"/>
+            <a:off x="2974229" y="3129653"/>
+            <a:ext cx="217552" cy="38908"/>
           </a:xfrm>
           <a:prstGeom prst="rightArrow">
             <a:avLst/>
@@ -13276,8 +19131,8 @@
         </p:nvCxnSpPr>
         <p:spPr>
           <a:xfrm rot="16200000" flipH="1">
-            <a:off x="6107553" y="2912069"/>
-            <a:ext cx="556996" cy="265471"/>
+            <a:off x="6121833" y="3253698"/>
+            <a:ext cx="474012" cy="225920"/>
           </a:xfrm>
           <a:prstGeom prst="bentConnector3">
             <a:avLst/>
@@ -13314,14 +19169,14 @@
           <p:nvPr>
             <p:extLst>
               <p:ext uri="{D42A27DB-BD31-4B8C-83A1-F6EECF244321}">
-                <p14:modId xmlns:p14="http://schemas.microsoft.com/office/powerpoint/2010/main" val="4092242129"/>
+                <p14:modId xmlns:p14="http://schemas.microsoft.com/office/powerpoint/2010/main" val="1575043703"/>
               </p:ext>
             </p:extLst>
           </p:nvPr>
         </p:nvGraphicFramePr>
         <p:xfrm>
-          <a:off x="2032000" y="216310"/>
-          <a:ext cx="9924026" cy="5922023"/>
+          <a:off x="627017" y="640080"/>
+          <a:ext cx="10894423" cy="5564777"/>
         </p:xfrm>
         <a:graphic>
           <a:graphicData uri="http://schemas.openxmlformats.org/drawingml/2006/diagram">
@@ -13342,7 +19197,7 @@
 </p:sld>
 </file>
 
-<file path=ppt/slides/slide4.xml><?xml version="1.0" encoding="utf-8"?>
+<file path=ppt/slides/slide5.xml><?xml version="1.0" encoding="utf-8"?>
 <p:sld xmlns:a="http://schemas.openxmlformats.org/drawingml/2006/main" xmlns:r="http://schemas.openxmlformats.org/officeDocument/2006/relationships" xmlns:p="http://schemas.openxmlformats.org/presentationml/2006/main">
   <p:cSld>
     <p:spTree>
@@ -13382,13 +19237,43 @@
           </a:xfrm>
         </p:spPr>
         <p:txBody>
-          <a:bodyPr/>
+          <a:bodyPr>
+            <a:normAutofit fontScale="90000"/>
+          </a:bodyPr>
           <a:lstStyle/>
           <a:p>
+            <a:br>
+              <a:rPr lang="en-AU" sz="1200" b="0" dirty="0">
+                <a:solidFill>
+                  <a:srgbClr val="D4D4D4"/>
+                </a:solidFill>
+                <a:effectLst/>
+                <a:latin typeface="Menlo" panose="020B0609030804020204" pitchFamily="49" charset="0"/>
+              </a:rPr>
+            </a:br>
             <a:r>
-              <a:rPr lang="en-AU" dirty="0"/>
-              <a:t>Dataset </a:t>
+              <a:rPr lang="en-AU" sz="4000" dirty="0"/>
+              <a:t>Dataset 	</a:t>
             </a:r>
+            <a:r>
+              <a:rPr lang="en-AU" sz="1600" b="0" dirty="0">
+                <a:solidFill>
+                  <a:schemeClr val="tx1"/>
+                </a:solidFill>
+                <a:effectLst/>
+                <a:hlinkClick r:id="rId3"/>
+              </a:rPr>
+              <a:t>https://www.kaggle.com/datasets/rashikrahmanpritom/heart-attack-analysis-prediction-dataset?select=heart.csv</a:t>
+            </a:r>
+            <a:br>
+              <a:rPr lang="en-AU" sz="1200" b="0" dirty="0">
+                <a:solidFill>
+                  <a:schemeClr val="tx1"/>
+                </a:solidFill>
+                <a:effectLst/>
+              </a:rPr>
+            </a:br>
+            <a:endParaRPr lang="en-AU" sz="1200" dirty="0"/>
           </a:p>
         </p:txBody>
       </p:sp>
@@ -13409,7 +19294,7 @@
           </p:nvPr>
         </p:nvPicPr>
         <p:blipFill>
-          <a:blip r:embed="rId3"/>
+          <a:blip r:embed="rId4"/>
           <a:stretch>
             <a:fillRect/>
           </a:stretch>
@@ -13434,7 +19319,7 @@
 </p:sld>
 </file>
 
-<file path=ppt/slides/slide5.xml><?xml version="1.0" encoding="utf-8"?>
+<file path=ppt/slides/slide6.xml><?xml version="1.0" encoding="utf-8"?>
 <p:sld xmlns:a="http://schemas.openxmlformats.org/drawingml/2006/main" xmlns:r="http://schemas.openxmlformats.org/officeDocument/2006/relationships" xmlns:p="http://schemas.openxmlformats.org/presentationml/2006/main">
   <p:cSld>
     <p:bg>
@@ -13660,7 +19545,7 @@
 </p:sld>
 </file>
 
-<file path=ppt/slides/slide6.xml><?xml version="1.0" encoding="utf-8"?>
+<file path=ppt/slides/slide7.xml><?xml version="1.0" encoding="utf-8"?>
 <p:sld xmlns:a="http://schemas.openxmlformats.org/drawingml/2006/main" xmlns:r="http://schemas.openxmlformats.org/officeDocument/2006/relationships" xmlns:p="http://schemas.openxmlformats.org/presentationml/2006/main">
   <p:cSld>
     <p:spTree>
@@ -14049,7 +19934,444 @@
 </p:sld>
 </file>
 
-<file path=ppt/slides/slide7.xml><?xml version="1.0" encoding="utf-8"?>
+<file path=ppt/slides/slide8.xml><?xml version="1.0" encoding="utf-8"?>
+<p:sld xmlns:a="http://schemas.openxmlformats.org/drawingml/2006/main" xmlns:r="http://schemas.openxmlformats.org/officeDocument/2006/relationships" xmlns:p="http://schemas.openxmlformats.org/presentationml/2006/main">
+  <p:cSld>
+    <p:bg>
+      <p:bgPr>
+        <a:solidFill>
+          <a:schemeClr val="bg1"/>
+        </a:solidFill>
+        <a:effectLst/>
+      </p:bgPr>
+    </p:bg>
+    <p:spTree>
+      <p:nvGrpSpPr>
+        <p:cNvPr id="1" name=""/>
+        <p:cNvGrpSpPr/>
+        <p:nvPr/>
+      </p:nvGrpSpPr>
+      <p:grpSpPr>
+        <a:xfrm>
+          <a:off x="0" y="0"/>
+          <a:ext cx="0" cy="0"/>
+          <a:chOff x="0" y="0"/>
+          <a:chExt cx="0" cy="0"/>
+        </a:xfrm>
+      </p:grpSpPr>
+      <p:sp>
+        <p:nvSpPr>
+          <p:cNvPr id="73" name="Rectangle 72">
+            <a:extLst>
+              <a:ext uri="{FF2B5EF4-FFF2-40B4-BE49-F238E27FC236}">
+                <a16:creationId xmlns:a16="http://schemas.microsoft.com/office/drawing/2014/main" id="{39E3965E-AC41-4711-9D10-E25ABB132D86}"/>
+              </a:ext>
+              <a:ext uri="{C183D7F6-B498-43B3-948B-1728B52AA6E4}">
+                <adec:decorative xmlns:adec="http://schemas.microsoft.com/office/drawing/2017/decorative" val="1"/>
+              </a:ext>
+            </a:extLst>
+          </p:cNvPr>
+          <p:cNvSpPr>
+            <a:spLocks noGrp="1" noRot="1" noChangeAspect="1" noMove="1" noResize="1" noEditPoints="1" noAdjustHandles="1" noChangeArrowheads="1" noChangeShapeType="1" noTextEdit="1"/>
+          </p:cNvSpPr>
+          <p:nvPr>
+            <p:extLst>
+              <p:ext uri="{386F3935-93C4-4BCD-93E2-E3B085C9AB24}">
+                <p16:designElem xmlns:p16="http://schemas.microsoft.com/office/powerpoint/2015/main" val="1"/>
+              </p:ext>
+            </p:extLst>
+          </p:nvPr>
+        </p:nvSpPr>
+        <p:spPr>
+          <a:xfrm>
+            <a:off x="3175" y="6400800"/>
+            <a:ext cx="12188825" cy="457200"/>
+          </a:xfrm>
+          <a:prstGeom prst="rect">
+            <a:avLst/>
+          </a:prstGeom>
+          <a:solidFill>
+            <a:srgbClr val="262626"/>
+          </a:solidFill>
+          <a:ln>
+            <a:noFill/>
+          </a:ln>
+        </p:spPr>
+        <p:style>
+          <a:lnRef idx="2">
+            <a:schemeClr val="accent1">
+              <a:shade val="50000"/>
+            </a:schemeClr>
+          </a:lnRef>
+          <a:fillRef idx="1">
+            <a:schemeClr val="accent1"/>
+          </a:fillRef>
+          <a:effectRef idx="0">
+            <a:schemeClr val="accent1"/>
+          </a:effectRef>
+          <a:fontRef idx="minor">
+            <a:schemeClr val="lt1"/>
+          </a:fontRef>
+        </p:style>
+      </p:sp>
+      <p:cxnSp>
+        <p:nvCxnSpPr>
+          <p:cNvPr id="75" name="Straight Connector 74">
+            <a:extLst>
+              <a:ext uri="{FF2B5EF4-FFF2-40B4-BE49-F238E27FC236}">
+                <a16:creationId xmlns:a16="http://schemas.microsoft.com/office/drawing/2014/main" id="{1F5DC8C3-BA5F-4EED-BB9A-A14272BD82A1}"/>
+              </a:ext>
+              <a:ext uri="{C183D7F6-B498-43B3-948B-1728B52AA6E4}">
+                <adec:decorative xmlns:adec="http://schemas.microsoft.com/office/drawing/2017/decorative" val="1"/>
+              </a:ext>
+            </a:extLst>
+          </p:cNvPr>
+          <p:cNvCxnSpPr>
+            <a:cxnSpLocks noGrp="1" noRot="1" noChangeAspect="1" noMove="1" noResize="1" noEditPoints="1" noAdjustHandles="1" noChangeArrowheads="1" noChangeShapeType="1"/>
+          </p:cNvCxnSpPr>
+          <p:nvPr>
+            <p:extLst>
+              <p:ext uri="{386F3935-93C4-4BCD-93E2-E3B085C9AB24}">
+                <p16:designElem xmlns:p16="http://schemas.microsoft.com/office/powerpoint/2015/main" val="1"/>
+              </p:ext>
+            </p:extLst>
+          </p:nvPr>
+        </p:nvCxnSpPr>
+        <p:spPr>
+          <a:xfrm>
+            <a:off x="1207658" y="4474741"/>
+            <a:ext cx="9875520" cy="0"/>
+          </a:xfrm>
+          <a:prstGeom prst="line">
+            <a:avLst/>
+          </a:prstGeom>
+          <a:ln w="12700">
+            <a:solidFill>
+              <a:schemeClr val="tx1">
+                <a:lumMod val="75000"/>
+                <a:lumOff val="25000"/>
+              </a:schemeClr>
+            </a:solidFill>
+          </a:ln>
+        </p:spPr>
+        <p:style>
+          <a:lnRef idx="1">
+            <a:schemeClr val="accent1"/>
+          </a:lnRef>
+          <a:fillRef idx="0">
+            <a:schemeClr val="accent1"/>
+          </a:fillRef>
+          <a:effectRef idx="0">
+            <a:schemeClr val="accent1"/>
+          </a:effectRef>
+          <a:fontRef idx="minor">
+            <a:schemeClr val="tx1"/>
+          </a:fontRef>
+        </p:style>
+      </p:cxnSp>
+      <p:sp useBgFill="1">
+        <p:nvSpPr>
+          <p:cNvPr id="77" name="Rectangle 76">
+            <a:extLst>
+              <a:ext uri="{FF2B5EF4-FFF2-40B4-BE49-F238E27FC236}">
+                <a16:creationId xmlns:a16="http://schemas.microsoft.com/office/drawing/2014/main" id="{548B4202-DCD5-4F8C-B481-743A989A9DFF}"/>
+              </a:ext>
+              <a:ext uri="{C183D7F6-B498-43B3-948B-1728B52AA6E4}">
+                <adec:decorative xmlns:adec="http://schemas.microsoft.com/office/drawing/2017/decorative" val="1"/>
+              </a:ext>
+            </a:extLst>
+          </p:cNvPr>
+          <p:cNvSpPr>
+            <a:spLocks noGrp="1" noRot="1" noChangeAspect="1" noMove="1" noResize="1" noEditPoints="1" noAdjustHandles="1" noChangeArrowheads="1" noChangeShapeType="1" noTextEdit="1"/>
+          </p:cNvSpPr>
+          <p:nvPr>
+            <p:extLst>
+              <p:ext uri="{386F3935-93C4-4BCD-93E2-E3B085C9AB24}">
+                <p16:designElem xmlns:p16="http://schemas.microsoft.com/office/powerpoint/2015/main" val="1"/>
+              </p:ext>
+            </p:extLst>
+          </p:nvPr>
+        </p:nvSpPr>
+        <p:spPr>
+          <a:xfrm>
+            <a:off x="0" y="0"/>
+            <a:ext cx="12192001" cy="6858000"/>
+          </a:xfrm>
+          <a:prstGeom prst="rect">
+            <a:avLst/>
+          </a:prstGeom>
+          <a:ln>
+            <a:noFill/>
+          </a:ln>
+        </p:spPr>
+        <p:style>
+          <a:lnRef idx="2">
+            <a:schemeClr val="accent1">
+              <a:shade val="50000"/>
+            </a:schemeClr>
+          </a:lnRef>
+          <a:fillRef idx="1">
+            <a:schemeClr val="accent1"/>
+          </a:fillRef>
+          <a:effectRef idx="0">
+            <a:schemeClr val="accent1"/>
+          </a:effectRef>
+          <a:fontRef idx="minor">
+            <a:schemeClr val="lt1"/>
+          </a:fontRef>
+        </p:style>
+        <p:txBody>
+          <a:bodyPr rtlCol="0" anchor="ctr"/>
+          <a:lstStyle/>
+          <a:p>
+            <a:pPr algn="ctr"/>
+            <a:endParaRPr lang="en-US"/>
+          </a:p>
+        </p:txBody>
+      </p:sp>
+      <p:sp>
+        <p:nvSpPr>
+          <p:cNvPr id="2" name="Title 1">
+            <a:extLst>
+              <a:ext uri="{FF2B5EF4-FFF2-40B4-BE49-F238E27FC236}">
+                <a16:creationId xmlns:a16="http://schemas.microsoft.com/office/drawing/2014/main" id="{7E9F2E7F-517A-27CE-D80E-C497F94873C3}"/>
+              </a:ext>
+            </a:extLst>
+          </p:cNvPr>
+          <p:cNvSpPr>
+            <a:spLocks noGrp="1"/>
+          </p:cNvSpPr>
+          <p:nvPr>
+            <p:ph type="title"/>
+          </p:nvPr>
+        </p:nvSpPr>
+        <p:spPr>
+          <a:xfrm>
+            <a:off x="633999" y="4550230"/>
+            <a:ext cx="10909073" cy="957902"/>
+          </a:xfrm>
+        </p:spPr>
+        <p:txBody>
+          <a:bodyPr vert="horz" lIns="91440" tIns="45720" rIns="91440" bIns="45720" rtlCol="0" anchor="b">
+            <a:normAutofit/>
+          </a:bodyPr>
+          <a:lstStyle/>
+          <a:p>
+            <a:r>
+              <a:rPr lang="en-US" sz="3300">
+                <a:solidFill>
+                  <a:schemeClr val="tx1">
+                    <a:lumMod val="85000"/>
+                    <a:lumOff val="15000"/>
+                  </a:schemeClr>
+                </a:solidFill>
+              </a:rPr>
+              <a:t>Dashboard for each feature filtered on chance of heart disease</a:t>
+            </a:r>
+          </a:p>
+        </p:txBody>
+      </p:sp>
+      <p:pic>
+        <p:nvPicPr>
+          <p:cNvPr id="9" name="Content Placeholder 8" descr="A screenshot of a computer&#10;&#10;Description automatically generated with medium confidence">
+            <a:extLst>
+              <a:ext uri="{FF2B5EF4-FFF2-40B4-BE49-F238E27FC236}">
+                <a16:creationId xmlns:a16="http://schemas.microsoft.com/office/drawing/2014/main" id="{31945DE1-3F4A-81D7-A137-C635D1471D99}"/>
+              </a:ext>
+            </a:extLst>
+          </p:cNvPr>
+          <p:cNvPicPr>
+            <a:picLocks noGrp="1" noChangeAspect="1"/>
+          </p:cNvPicPr>
+          <p:nvPr>
+            <p:ph idx="1"/>
+          </p:nvPr>
+        </p:nvPicPr>
+        <p:blipFill rotWithShape="1">
+          <a:blip r:embed="rId2"/>
+          <a:srcRect t="19634" r="-3" b="-3"/>
+          <a:stretch/>
+        </p:blipFill>
+        <p:spPr>
+          <a:xfrm>
+            <a:off x="635459" y="679217"/>
+            <a:ext cx="5299675" cy="3524461"/>
+          </a:xfrm>
+          <a:prstGeom prst="rect">
+            <a:avLst/>
+          </a:prstGeom>
+        </p:spPr>
+      </p:pic>
+      <p:pic>
+        <p:nvPicPr>
+          <p:cNvPr id="11" name="Picture 12" descr="Tableau Logo, symbol, meaning, history, PNG, brand">
+            <a:extLst>
+              <a:ext uri="{FF2B5EF4-FFF2-40B4-BE49-F238E27FC236}">
+                <a16:creationId xmlns:a16="http://schemas.microsoft.com/office/drawing/2014/main" id="{8BC09817-39F9-4869-1ED1-CE80B49787D1}"/>
+              </a:ext>
+            </a:extLst>
+          </p:cNvPr>
+          <p:cNvPicPr>
+            <a:picLocks noChangeAspect="1" noChangeArrowheads="1"/>
+          </p:cNvPicPr>
+          <p:nvPr/>
+        </p:nvPicPr>
+        <p:blipFill>
+          <a:blip r:embed="rId3">
+            <a:extLst>
+              <a:ext uri="{28A0092B-C50C-407E-A947-70E740481C1C}">
+                <a14:useLocalDpi xmlns:a14="http://schemas.microsoft.com/office/drawing/2010/main" val="0"/>
+              </a:ext>
+            </a:extLst>
+          </a:blip>
+          <a:stretch>
+            <a:fillRect/>
+          </a:stretch>
+        </p:blipFill>
+        <p:spPr bwMode="auto">
+          <a:xfrm>
+            <a:off x="6256867" y="956822"/>
+            <a:ext cx="5302232" cy="2969249"/>
+          </a:xfrm>
+          <a:prstGeom prst="rect">
+            <a:avLst/>
+          </a:prstGeom>
+          <a:noFill/>
+          <a:extLst>
+            <a:ext uri="{909E8E84-426E-40DD-AFC4-6F175D3DCCD1}">
+              <a14:hiddenFill xmlns:a14="http://schemas.microsoft.com/office/drawing/2010/main">
+                <a:solidFill>
+                  <a:srgbClr val="FFFFFF"/>
+                </a:solidFill>
+              </a14:hiddenFill>
+            </a:ext>
+          </a:extLst>
+        </p:spPr>
+      </p:pic>
+      <p:cxnSp>
+        <p:nvCxnSpPr>
+          <p:cNvPr id="79" name="Straight Connector 78">
+            <a:extLst>
+              <a:ext uri="{FF2B5EF4-FFF2-40B4-BE49-F238E27FC236}">
+                <a16:creationId xmlns:a16="http://schemas.microsoft.com/office/drawing/2014/main" id="{F7F57F6B-E621-4E40-A34D-2FE12902AA20}"/>
+              </a:ext>
+              <a:ext uri="{C183D7F6-B498-43B3-948B-1728B52AA6E4}">
+                <adec:decorative xmlns:adec="http://schemas.microsoft.com/office/drawing/2017/decorative" val="1"/>
+              </a:ext>
+            </a:extLst>
+          </p:cNvPr>
+          <p:cNvCxnSpPr>
+            <a:cxnSpLocks noGrp="1" noRot="1" noChangeAspect="1" noMove="1" noResize="1" noEditPoints="1" noAdjustHandles="1" noChangeArrowheads="1" noChangeShapeType="1"/>
+          </p:cNvCxnSpPr>
+          <p:nvPr>
+            <p:extLst>
+              <p:ext uri="{386F3935-93C4-4BCD-93E2-E3B085C9AB24}">
+                <p16:designElem xmlns:p16="http://schemas.microsoft.com/office/powerpoint/2015/main" val="1"/>
+              </p:ext>
+            </p:extLst>
+          </p:nvPr>
+        </p:nvCxnSpPr>
+        <p:spPr>
+          <a:xfrm>
+            <a:off x="721086" y="5645296"/>
+            <a:ext cx="10515600" cy="0"/>
+          </a:xfrm>
+          <a:prstGeom prst="line">
+            <a:avLst/>
+          </a:prstGeom>
+          <a:ln w="12700">
+            <a:solidFill>
+              <a:schemeClr val="tx1">
+                <a:lumMod val="75000"/>
+                <a:lumOff val="25000"/>
+              </a:schemeClr>
+            </a:solidFill>
+          </a:ln>
+        </p:spPr>
+        <p:style>
+          <a:lnRef idx="1">
+            <a:schemeClr val="accent1"/>
+          </a:lnRef>
+          <a:fillRef idx="0">
+            <a:schemeClr val="accent1"/>
+          </a:fillRef>
+          <a:effectRef idx="0">
+            <a:schemeClr val="accent1"/>
+          </a:effectRef>
+          <a:fontRef idx="minor">
+            <a:schemeClr val="tx1"/>
+          </a:fontRef>
+        </p:style>
+      </p:cxnSp>
+      <p:sp>
+        <p:nvSpPr>
+          <p:cNvPr id="81" name="Rectangle 80">
+            <a:extLst>
+              <a:ext uri="{FF2B5EF4-FFF2-40B4-BE49-F238E27FC236}">
+                <a16:creationId xmlns:a16="http://schemas.microsoft.com/office/drawing/2014/main" id="{8EE702CF-91CE-4661-ACBF-3C8160D1B433}"/>
+              </a:ext>
+              <a:ext uri="{C183D7F6-B498-43B3-948B-1728B52AA6E4}">
+                <adec:decorative xmlns:adec="http://schemas.microsoft.com/office/drawing/2017/decorative" val="1"/>
+              </a:ext>
+            </a:extLst>
+          </p:cNvPr>
+          <p:cNvSpPr>
+            <a:spLocks noGrp="1" noRot="1" noChangeAspect="1" noMove="1" noResize="1" noEditPoints="1" noAdjustHandles="1" noChangeArrowheads="1" noChangeShapeType="1" noTextEdit="1"/>
+          </p:cNvSpPr>
+          <p:nvPr>
+            <p:extLst>
+              <p:ext uri="{386F3935-93C4-4BCD-93E2-E3B085C9AB24}">
+                <p16:designElem xmlns:p16="http://schemas.microsoft.com/office/powerpoint/2015/main" val="1"/>
+              </p:ext>
+            </p:extLst>
+          </p:nvPr>
+        </p:nvSpPr>
+        <p:spPr>
+          <a:xfrm>
+            <a:off x="1" y="6400800"/>
+            <a:ext cx="12192000" cy="457200"/>
+          </a:xfrm>
+          <a:prstGeom prst="rect">
+            <a:avLst/>
+          </a:prstGeom>
+          <a:solidFill>
+            <a:srgbClr val="262626"/>
+          </a:solidFill>
+          <a:ln>
+            <a:noFill/>
+          </a:ln>
+        </p:spPr>
+        <p:style>
+          <a:lnRef idx="2">
+            <a:schemeClr val="accent1">
+              <a:shade val="50000"/>
+            </a:schemeClr>
+          </a:lnRef>
+          <a:fillRef idx="1">
+            <a:schemeClr val="accent1"/>
+          </a:fillRef>
+          <a:effectRef idx="0">
+            <a:schemeClr val="accent1"/>
+          </a:effectRef>
+          <a:fontRef idx="minor">
+            <a:schemeClr val="lt1"/>
+          </a:fontRef>
+        </p:style>
+      </p:sp>
+    </p:spTree>
+    <p:extLst>
+      <p:ext uri="{BB962C8B-B14F-4D97-AF65-F5344CB8AC3E}">
+        <p14:creationId xmlns:p14="http://schemas.microsoft.com/office/powerpoint/2010/main" val="624812844"/>
+      </p:ext>
+    </p:extLst>
+  </p:cSld>
+  <p:clrMapOvr>
+    <a:masterClrMapping/>
+  </p:clrMapOvr>
+</p:sld>
+</file>
+
+<file path=ppt/slides/slide9.xml><?xml version="1.0" encoding="utf-8"?>
 <p:sld xmlns:a="http://schemas.openxmlformats.org/drawingml/2006/main" xmlns:r="http://schemas.openxmlformats.org/officeDocument/2006/relationships" xmlns:p="http://schemas.openxmlformats.org/presentationml/2006/main">
   <p:cSld>
     <p:bg>
@@ -14290,93 +20612,850 @@
           </a:prstGeom>
         </p:spPr>
       </p:pic>
-    </p:spTree>
-    <p:extLst>
-      <p:ext uri="{BB962C8B-B14F-4D97-AF65-F5344CB8AC3E}">
-        <p14:creationId xmlns:p14="http://schemas.microsoft.com/office/powerpoint/2010/main" val="3341332499"/>
-      </p:ext>
-    </p:extLst>
-  </p:cSld>
-  <p:clrMapOvr>
-    <a:masterClrMapping/>
-  </p:clrMapOvr>
-</p:sld>
-</file>
-
-<file path=ppt/slides/slide8.xml><?xml version="1.0" encoding="utf-8"?>
-<p:sld xmlns:a="http://schemas.openxmlformats.org/drawingml/2006/main" xmlns:r="http://schemas.openxmlformats.org/officeDocument/2006/relationships" xmlns:p="http://schemas.openxmlformats.org/presentationml/2006/main">
-  <p:cSld>
-    <p:spTree>
-      <p:nvGrpSpPr>
-        <p:cNvPr id="1" name=""/>
-        <p:cNvGrpSpPr/>
-        <p:nvPr/>
-      </p:nvGrpSpPr>
-      <p:grpSpPr>
-        <a:xfrm>
-          <a:off x="0" y="0"/>
-          <a:ext cx="0" cy="0"/>
-          <a:chOff x="0" y="0"/>
-          <a:chExt cx="0" cy="0"/>
-        </a:xfrm>
-      </p:grpSpPr>
       <p:sp>
         <p:nvSpPr>
-          <p:cNvPr id="2" name="Title 1">
+          <p:cNvPr id="2" name="Frame 1">
             <a:extLst>
               <a:ext uri="{FF2B5EF4-FFF2-40B4-BE49-F238E27FC236}">
-                <a16:creationId xmlns:a16="http://schemas.microsoft.com/office/drawing/2014/main" id="{9225D6EC-53B9-53E7-274C-34DA38DE7C0C}"/>
+                <a16:creationId xmlns:a16="http://schemas.microsoft.com/office/drawing/2014/main" id="{8FBD2F62-C119-630C-A5FB-448961AF9522}"/>
               </a:ext>
             </a:extLst>
           </p:cNvPr>
-          <p:cNvSpPr>
-            <a:spLocks noGrp="1"/>
-          </p:cNvSpPr>
-          <p:nvPr>
-            <p:ph type="title"/>
-          </p:nvPr>
+          <p:cNvSpPr/>
+          <p:nvPr/>
         </p:nvSpPr>
-        <p:spPr/>
+        <p:spPr>
+          <a:xfrm>
+            <a:off x="9908275" y="3043451"/>
+            <a:ext cx="313898" cy="1828800"/>
+          </a:xfrm>
+          <a:prstGeom prst="frame">
+            <a:avLst/>
+          </a:prstGeom>
+          <a:solidFill>
+            <a:srgbClr val="00FF64"/>
+          </a:solidFill>
+        </p:spPr>
+        <p:style>
+          <a:lnRef idx="2">
+            <a:schemeClr val="accent1">
+              <a:shade val="15000"/>
+            </a:schemeClr>
+          </a:lnRef>
+          <a:fillRef idx="1">
+            <a:schemeClr val="accent1"/>
+          </a:fillRef>
+          <a:effectRef idx="0">
+            <a:schemeClr val="accent1"/>
+          </a:effectRef>
+          <a:fontRef idx="minor">
+            <a:schemeClr val="lt1"/>
+          </a:fontRef>
+        </p:style>
         <p:txBody>
-          <a:bodyPr/>
+          <a:bodyPr rtlCol="0" anchor="ctr"/>
           <a:lstStyle/>
           <a:p>
-            <a:r>
-              <a:rPr lang="en-AU" dirty="0"/>
-              <a:t>Logistic Regression</a:t>
-            </a:r>
+            <a:pPr algn="ctr"/>
+            <a:endParaRPr lang="en-US">
+              <a:solidFill>
+                <a:schemeClr val="tx1"/>
+              </a:solidFill>
+            </a:endParaRPr>
           </a:p>
         </p:txBody>
       </p:sp>
       <p:sp>
         <p:nvSpPr>
-          <p:cNvPr id="3" name="Content Placeholder 2">
+          <p:cNvPr id="3" name="Up Arrow 2">
             <a:extLst>
               <a:ext uri="{FF2B5EF4-FFF2-40B4-BE49-F238E27FC236}">
-                <a16:creationId xmlns:a16="http://schemas.microsoft.com/office/drawing/2014/main" id="{85C9C64E-1FAF-0A7C-2EDD-E8D85F28CBC2}"/>
+                <a16:creationId xmlns:a16="http://schemas.microsoft.com/office/drawing/2014/main" id="{AF8755FE-6750-3F58-1C00-447987F079D8}"/>
               </a:ext>
             </a:extLst>
           </p:cNvPr>
-          <p:cNvSpPr>
-            <a:spLocks noGrp="1"/>
-          </p:cNvSpPr>
-          <p:nvPr>
-            <p:ph idx="1"/>
-          </p:nvPr>
+          <p:cNvSpPr/>
+          <p:nvPr/>
         </p:nvSpPr>
-        <p:spPr/>
+        <p:spPr>
+          <a:xfrm>
+            <a:off x="9648968" y="2006221"/>
+            <a:ext cx="177421" cy="1037230"/>
+          </a:xfrm>
+          <a:prstGeom prst="upArrow">
+            <a:avLst/>
+          </a:prstGeom>
+          <a:solidFill>
+            <a:srgbClr val="FF18FF"/>
+          </a:solidFill>
+        </p:spPr>
+        <p:style>
+          <a:lnRef idx="2">
+            <a:schemeClr val="accent1">
+              <a:shade val="15000"/>
+            </a:schemeClr>
+          </a:lnRef>
+          <a:fillRef idx="1">
+            <a:schemeClr val="accent1"/>
+          </a:fillRef>
+          <a:effectRef idx="0">
+            <a:schemeClr val="accent1"/>
+          </a:effectRef>
+          <a:fontRef idx="minor">
+            <a:schemeClr val="lt1"/>
+          </a:fontRef>
+        </p:style>
         <p:txBody>
-          <a:bodyPr/>
+          <a:bodyPr rtlCol="0" anchor="ctr"/>
           <a:lstStyle/>
           <a:p>
-            <a:endParaRPr lang="en-AU"/>
+            <a:pPr algn="ctr"/>
+            <a:endParaRPr lang="en-US"/>
+          </a:p>
+        </p:txBody>
+      </p:sp>
+      <p:sp>
+        <p:nvSpPr>
+          <p:cNvPr id="4" name="Down Arrow 3">
+            <a:extLst>
+              <a:ext uri="{FF2B5EF4-FFF2-40B4-BE49-F238E27FC236}">
+                <a16:creationId xmlns:a16="http://schemas.microsoft.com/office/drawing/2014/main" id="{AE19F523-9591-2A1A-7CA5-FAF32922795A}"/>
+              </a:ext>
+            </a:extLst>
+          </p:cNvPr>
+          <p:cNvSpPr/>
+          <p:nvPr/>
+        </p:nvSpPr>
+        <p:spPr>
+          <a:xfrm>
+            <a:off x="9648968" y="4872251"/>
+            <a:ext cx="177421" cy="1073410"/>
+          </a:xfrm>
+          <a:prstGeom prst="downArrow">
+            <a:avLst/>
+          </a:prstGeom>
+          <a:solidFill>
+            <a:srgbClr val="FF18FF"/>
+          </a:solidFill>
+        </p:spPr>
+        <p:style>
+          <a:lnRef idx="2">
+            <a:schemeClr val="accent1">
+              <a:shade val="15000"/>
+            </a:schemeClr>
+          </a:lnRef>
+          <a:fillRef idx="1">
+            <a:schemeClr val="accent1"/>
+          </a:fillRef>
+          <a:effectRef idx="0">
+            <a:schemeClr val="accent1"/>
+          </a:effectRef>
+          <a:fontRef idx="minor">
+            <a:schemeClr val="lt1"/>
+          </a:fontRef>
+        </p:style>
+        <p:txBody>
+          <a:bodyPr rtlCol="0" anchor="ctr"/>
+          <a:lstStyle/>
+          <a:p>
+            <a:pPr algn="ctr"/>
+            <a:endParaRPr lang="en-US"/>
+          </a:p>
+        </p:txBody>
+      </p:sp>
+      <p:sp>
+        <p:nvSpPr>
+          <p:cNvPr id="6" name="Frame 5">
+            <a:extLst>
+              <a:ext uri="{FF2B5EF4-FFF2-40B4-BE49-F238E27FC236}">
+                <a16:creationId xmlns:a16="http://schemas.microsoft.com/office/drawing/2014/main" id="{CD62A274-B68D-98DE-6837-FE0E6B02E93C}"/>
+              </a:ext>
+            </a:extLst>
+          </p:cNvPr>
+          <p:cNvSpPr/>
+          <p:nvPr/>
+        </p:nvSpPr>
+        <p:spPr>
+          <a:xfrm>
+            <a:off x="8911989" y="1883391"/>
+            <a:ext cx="586854" cy="409433"/>
+          </a:xfrm>
+          <a:prstGeom prst="frame">
+            <a:avLst/>
+          </a:prstGeom>
+          <a:solidFill>
+            <a:srgbClr val="FF18FF"/>
+          </a:solidFill>
+        </p:spPr>
+        <p:style>
+          <a:lnRef idx="2">
+            <a:schemeClr val="accent1">
+              <a:shade val="15000"/>
+            </a:schemeClr>
+          </a:lnRef>
+          <a:fillRef idx="1">
+            <a:schemeClr val="accent1"/>
+          </a:fillRef>
+          <a:effectRef idx="0">
+            <a:schemeClr val="accent1"/>
+          </a:effectRef>
+          <a:fontRef idx="minor">
+            <a:schemeClr val="lt1"/>
+          </a:fontRef>
+        </p:style>
+        <p:txBody>
+          <a:bodyPr rtlCol="0" anchor="ctr"/>
+          <a:lstStyle/>
+          <a:p>
+            <a:pPr algn="ctr"/>
+            <a:endParaRPr lang="en-US">
+              <a:solidFill>
+                <a:schemeClr val="tx1"/>
+              </a:solidFill>
+            </a:endParaRPr>
+          </a:p>
+        </p:txBody>
+      </p:sp>
+      <p:sp>
+        <p:nvSpPr>
+          <p:cNvPr id="8" name="Frame 7">
+            <a:extLst>
+              <a:ext uri="{FF2B5EF4-FFF2-40B4-BE49-F238E27FC236}">
+                <a16:creationId xmlns:a16="http://schemas.microsoft.com/office/drawing/2014/main" id="{AED6391F-5A45-3C87-2CF1-35C537875D20}"/>
+              </a:ext>
+            </a:extLst>
+          </p:cNvPr>
+          <p:cNvSpPr/>
+          <p:nvPr/>
+        </p:nvSpPr>
+        <p:spPr>
+          <a:xfrm>
+            <a:off x="7276532" y="3505093"/>
+            <a:ext cx="586854" cy="409433"/>
+          </a:xfrm>
+          <a:prstGeom prst="frame">
+            <a:avLst/>
+          </a:prstGeom>
+          <a:solidFill>
+            <a:srgbClr val="FF18FF"/>
+          </a:solidFill>
+        </p:spPr>
+        <p:style>
+          <a:lnRef idx="2">
+            <a:schemeClr val="accent1">
+              <a:shade val="15000"/>
+            </a:schemeClr>
+          </a:lnRef>
+          <a:fillRef idx="1">
+            <a:schemeClr val="accent1"/>
+          </a:fillRef>
+          <a:effectRef idx="0">
+            <a:schemeClr val="accent1"/>
+          </a:effectRef>
+          <a:fontRef idx="minor">
+            <a:schemeClr val="lt1"/>
+          </a:fontRef>
+        </p:style>
+        <p:txBody>
+          <a:bodyPr rtlCol="0" anchor="ctr"/>
+          <a:lstStyle/>
+          <a:p>
+            <a:pPr algn="ctr"/>
+            <a:endParaRPr lang="en-US">
+              <a:solidFill>
+                <a:schemeClr val="tx1"/>
+              </a:solidFill>
+            </a:endParaRPr>
+          </a:p>
+        </p:txBody>
+      </p:sp>
+      <p:sp>
+        <p:nvSpPr>
+          <p:cNvPr id="9" name="Frame 8">
+            <a:extLst>
+              <a:ext uri="{FF2B5EF4-FFF2-40B4-BE49-F238E27FC236}">
+                <a16:creationId xmlns:a16="http://schemas.microsoft.com/office/drawing/2014/main" id="{B41E31B9-160D-FB70-B9FC-284575AA62B9}"/>
+              </a:ext>
+            </a:extLst>
+          </p:cNvPr>
+          <p:cNvSpPr/>
+          <p:nvPr/>
+        </p:nvSpPr>
+        <p:spPr>
+          <a:xfrm>
+            <a:off x="8911989" y="3505093"/>
+            <a:ext cx="586854" cy="409433"/>
+          </a:xfrm>
+          <a:prstGeom prst="frame">
+            <a:avLst/>
+          </a:prstGeom>
+          <a:solidFill>
+            <a:srgbClr val="FF18FF"/>
+          </a:solidFill>
+        </p:spPr>
+        <p:style>
+          <a:lnRef idx="2">
+            <a:schemeClr val="accent1">
+              <a:shade val="15000"/>
+            </a:schemeClr>
+          </a:lnRef>
+          <a:fillRef idx="1">
+            <a:schemeClr val="accent1"/>
+          </a:fillRef>
+          <a:effectRef idx="0">
+            <a:schemeClr val="accent1"/>
+          </a:effectRef>
+          <a:fontRef idx="minor">
+            <a:schemeClr val="lt1"/>
+          </a:fontRef>
+        </p:style>
+        <p:txBody>
+          <a:bodyPr rtlCol="0" anchor="ctr"/>
+          <a:lstStyle/>
+          <a:p>
+            <a:pPr algn="ctr"/>
+            <a:endParaRPr lang="en-US">
+              <a:solidFill>
+                <a:schemeClr val="tx1"/>
+              </a:solidFill>
+            </a:endParaRPr>
+          </a:p>
+        </p:txBody>
+      </p:sp>
+      <p:sp>
+        <p:nvSpPr>
+          <p:cNvPr id="10" name="Frame 9">
+            <a:extLst>
+              <a:ext uri="{FF2B5EF4-FFF2-40B4-BE49-F238E27FC236}">
+                <a16:creationId xmlns:a16="http://schemas.microsoft.com/office/drawing/2014/main" id="{740A1B29-4CEB-4996-CE47-DFF32EB39E31}"/>
+              </a:ext>
+            </a:extLst>
+          </p:cNvPr>
+          <p:cNvSpPr/>
+          <p:nvPr/>
+        </p:nvSpPr>
+        <p:spPr>
+          <a:xfrm>
+            <a:off x="5697942" y="1262418"/>
+            <a:ext cx="586854" cy="409433"/>
+          </a:xfrm>
+          <a:prstGeom prst="frame">
+            <a:avLst/>
+          </a:prstGeom>
+          <a:solidFill>
+            <a:srgbClr val="FF18FF"/>
+          </a:solidFill>
+        </p:spPr>
+        <p:style>
+          <a:lnRef idx="2">
+            <a:schemeClr val="accent1">
+              <a:shade val="15000"/>
+            </a:schemeClr>
+          </a:lnRef>
+          <a:fillRef idx="1">
+            <a:schemeClr val="accent1"/>
+          </a:fillRef>
+          <a:effectRef idx="0">
+            <a:schemeClr val="accent1"/>
+          </a:effectRef>
+          <a:fontRef idx="minor">
+            <a:schemeClr val="lt1"/>
+          </a:fontRef>
+        </p:style>
+        <p:txBody>
+          <a:bodyPr rtlCol="0" anchor="ctr"/>
+          <a:lstStyle/>
+          <a:p>
+            <a:pPr algn="ctr"/>
+            <a:endParaRPr lang="en-US">
+              <a:solidFill>
+                <a:schemeClr val="tx1"/>
+              </a:solidFill>
+            </a:endParaRPr>
+          </a:p>
+        </p:txBody>
+      </p:sp>
+      <p:sp>
+        <p:nvSpPr>
+          <p:cNvPr id="11" name="Frame 10">
+            <a:extLst>
+              <a:ext uri="{FF2B5EF4-FFF2-40B4-BE49-F238E27FC236}">
+                <a16:creationId xmlns:a16="http://schemas.microsoft.com/office/drawing/2014/main" id="{1C7D3497-D7EF-4DC0-9043-551A74E87F05}"/>
+              </a:ext>
+            </a:extLst>
+          </p:cNvPr>
+          <p:cNvSpPr/>
+          <p:nvPr/>
+        </p:nvSpPr>
+        <p:spPr>
+          <a:xfrm>
+            <a:off x="8911989" y="3878132"/>
+            <a:ext cx="586854" cy="409433"/>
+          </a:xfrm>
+          <a:prstGeom prst="frame">
+            <a:avLst/>
+          </a:prstGeom>
+          <a:solidFill>
+            <a:srgbClr val="FF18FF"/>
+          </a:solidFill>
+        </p:spPr>
+        <p:style>
+          <a:lnRef idx="2">
+            <a:schemeClr val="accent1">
+              <a:shade val="15000"/>
+            </a:schemeClr>
+          </a:lnRef>
+          <a:fillRef idx="1">
+            <a:schemeClr val="accent1"/>
+          </a:fillRef>
+          <a:effectRef idx="0">
+            <a:schemeClr val="accent1"/>
+          </a:effectRef>
+          <a:fontRef idx="minor">
+            <a:schemeClr val="lt1"/>
+          </a:fontRef>
+        </p:style>
+        <p:txBody>
+          <a:bodyPr rtlCol="0" anchor="ctr"/>
+          <a:lstStyle/>
+          <a:p>
+            <a:pPr algn="ctr"/>
+            <a:endParaRPr lang="en-US">
+              <a:solidFill>
+                <a:schemeClr val="tx1"/>
+              </a:solidFill>
+            </a:endParaRPr>
+          </a:p>
+        </p:txBody>
+      </p:sp>
+      <p:sp>
+        <p:nvSpPr>
+          <p:cNvPr id="12" name="Frame 11">
+            <a:extLst>
+              <a:ext uri="{FF2B5EF4-FFF2-40B4-BE49-F238E27FC236}">
+                <a16:creationId xmlns:a16="http://schemas.microsoft.com/office/drawing/2014/main" id="{96030E84-4F3E-7291-B546-F513BD2676FD}"/>
+              </a:ext>
+            </a:extLst>
+          </p:cNvPr>
+          <p:cNvSpPr/>
+          <p:nvPr/>
+        </p:nvSpPr>
+        <p:spPr>
+          <a:xfrm>
+            <a:off x="6209735" y="1881116"/>
+            <a:ext cx="586854" cy="409433"/>
+          </a:xfrm>
+          <a:prstGeom prst="frame">
+            <a:avLst/>
+          </a:prstGeom>
+          <a:solidFill>
+            <a:srgbClr val="FF18FF"/>
+          </a:solidFill>
+        </p:spPr>
+        <p:style>
+          <a:lnRef idx="2">
+            <a:schemeClr val="accent1">
+              <a:shade val="15000"/>
+            </a:schemeClr>
+          </a:lnRef>
+          <a:fillRef idx="1">
+            <a:schemeClr val="accent1"/>
+          </a:fillRef>
+          <a:effectRef idx="0">
+            <a:schemeClr val="accent1"/>
+          </a:effectRef>
+          <a:fontRef idx="minor">
+            <a:schemeClr val="lt1"/>
+          </a:fontRef>
+        </p:style>
+        <p:txBody>
+          <a:bodyPr rtlCol="0" anchor="ctr"/>
+          <a:lstStyle/>
+          <a:p>
+            <a:pPr algn="ctr"/>
+            <a:endParaRPr lang="en-US">
+              <a:solidFill>
+                <a:schemeClr val="tx1"/>
+              </a:solidFill>
+            </a:endParaRPr>
+          </a:p>
+        </p:txBody>
+      </p:sp>
+      <p:sp>
+        <p:nvSpPr>
+          <p:cNvPr id="13" name="Frame 12">
+            <a:extLst>
+              <a:ext uri="{FF2B5EF4-FFF2-40B4-BE49-F238E27FC236}">
+                <a16:creationId xmlns:a16="http://schemas.microsoft.com/office/drawing/2014/main" id="{9EB951A5-041F-4963-FCA5-163EC9750ABC}"/>
+              </a:ext>
+            </a:extLst>
+          </p:cNvPr>
+          <p:cNvSpPr/>
+          <p:nvPr/>
+        </p:nvSpPr>
+        <p:spPr>
+          <a:xfrm>
+            <a:off x="8911989" y="1553570"/>
+            <a:ext cx="586854" cy="409433"/>
+          </a:xfrm>
+          <a:prstGeom prst="frame">
+            <a:avLst/>
+          </a:prstGeom>
+          <a:solidFill>
+            <a:srgbClr val="FF18FF"/>
+          </a:solidFill>
+        </p:spPr>
+        <p:style>
+          <a:lnRef idx="2">
+            <a:schemeClr val="accent1">
+              <a:shade val="15000"/>
+            </a:schemeClr>
+          </a:lnRef>
+          <a:fillRef idx="1">
+            <a:schemeClr val="accent1"/>
+          </a:fillRef>
+          <a:effectRef idx="0">
+            <a:schemeClr val="accent1"/>
+          </a:effectRef>
+          <a:fontRef idx="minor">
+            <a:schemeClr val="lt1"/>
+          </a:fontRef>
+        </p:style>
+        <p:txBody>
+          <a:bodyPr rtlCol="0" anchor="ctr"/>
+          <a:lstStyle/>
+          <a:p>
+            <a:pPr algn="ctr"/>
+            <a:endParaRPr lang="en-US">
+              <a:solidFill>
+                <a:schemeClr val="tx1"/>
+              </a:solidFill>
+            </a:endParaRPr>
+          </a:p>
+        </p:txBody>
+      </p:sp>
+      <p:sp>
+        <p:nvSpPr>
+          <p:cNvPr id="14" name="Frame 13">
+            <a:extLst>
+              <a:ext uri="{FF2B5EF4-FFF2-40B4-BE49-F238E27FC236}">
+                <a16:creationId xmlns:a16="http://schemas.microsoft.com/office/drawing/2014/main" id="{112524D1-20D4-3585-1B8F-7A612D5B96EF}"/>
+              </a:ext>
+            </a:extLst>
+          </p:cNvPr>
+          <p:cNvSpPr/>
+          <p:nvPr/>
+        </p:nvSpPr>
+        <p:spPr>
+          <a:xfrm>
+            <a:off x="8911989" y="4785601"/>
+            <a:ext cx="586854" cy="409433"/>
+          </a:xfrm>
+          <a:prstGeom prst="frame">
+            <a:avLst/>
+          </a:prstGeom>
+          <a:solidFill>
+            <a:srgbClr val="FF18FF"/>
+          </a:solidFill>
+        </p:spPr>
+        <p:style>
+          <a:lnRef idx="2">
+            <a:schemeClr val="accent1">
+              <a:shade val="15000"/>
+            </a:schemeClr>
+          </a:lnRef>
+          <a:fillRef idx="1">
+            <a:schemeClr val="accent1"/>
+          </a:fillRef>
+          <a:effectRef idx="0">
+            <a:schemeClr val="accent1"/>
+          </a:effectRef>
+          <a:fontRef idx="minor">
+            <a:schemeClr val="lt1"/>
+          </a:fontRef>
+        </p:style>
+        <p:txBody>
+          <a:bodyPr rtlCol="0" anchor="ctr"/>
+          <a:lstStyle/>
+          <a:p>
+            <a:pPr algn="ctr"/>
+            <a:endParaRPr lang="en-US">
+              <a:solidFill>
+                <a:schemeClr val="tx1"/>
+              </a:solidFill>
+            </a:endParaRPr>
+          </a:p>
+        </p:txBody>
+      </p:sp>
+      <p:sp>
+        <p:nvSpPr>
+          <p:cNvPr id="16" name="Frame 15">
+            <a:extLst>
+              <a:ext uri="{FF2B5EF4-FFF2-40B4-BE49-F238E27FC236}">
+                <a16:creationId xmlns:a16="http://schemas.microsoft.com/office/drawing/2014/main" id="{839A84D0-26A3-0F0C-492D-A3C0230208AC}"/>
+              </a:ext>
+            </a:extLst>
+          </p:cNvPr>
+          <p:cNvSpPr/>
+          <p:nvPr/>
+        </p:nvSpPr>
+        <p:spPr>
+          <a:xfrm>
+            <a:off x="8911989" y="5126795"/>
+            <a:ext cx="586854" cy="409433"/>
+          </a:xfrm>
+          <a:prstGeom prst="frame">
+            <a:avLst/>
+          </a:prstGeom>
+          <a:solidFill>
+            <a:srgbClr val="FF18FF"/>
+          </a:solidFill>
+        </p:spPr>
+        <p:style>
+          <a:lnRef idx="2">
+            <a:schemeClr val="accent1">
+              <a:shade val="15000"/>
+            </a:schemeClr>
+          </a:lnRef>
+          <a:fillRef idx="1">
+            <a:schemeClr val="accent1"/>
+          </a:fillRef>
+          <a:effectRef idx="0">
+            <a:schemeClr val="accent1"/>
+          </a:effectRef>
+          <a:fontRef idx="minor">
+            <a:schemeClr val="lt1"/>
+          </a:fontRef>
+        </p:style>
+        <p:txBody>
+          <a:bodyPr rtlCol="0" anchor="ctr"/>
+          <a:lstStyle/>
+          <a:p>
+            <a:pPr algn="ctr"/>
+            <a:endParaRPr lang="en-US">
+              <a:solidFill>
+                <a:schemeClr val="tx1"/>
+              </a:solidFill>
+            </a:endParaRPr>
+          </a:p>
+        </p:txBody>
+      </p:sp>
+      <p:sp>
+        <p:nvSpPr>
+          <p:cNvPr id="20" name="Frame 19">
+            <a:extLst>
+              <a:ext uri="{FF2B5EF4-FFF2-40B4-BE49-F238E27FC236}">
+                <a16:creationId xmlns:a16="http://schemas.microsoft.com/office/drawing/2014/main" id="{477779E4-5B8D-569F-8DBD-1A8FB787544F}"/>
+              </a:ext>
+            </a:extLst>
+          </p:cNvPr>
+          <p:cNvSpPr/>
+          <p:nvPr/>
+        </p:nvSpPr>
+        <p:spPr>
+          <a:xfrm>
+            <a:off x="6778389" y="3516413"/>
+            <a:ext cx="586854" cy="409433"/>
+          </a:xfrm>
+          <a:prstGeom prst="frame">
+            <a:avLst/>
+          </a:prstGeom>
+          <a:solidFill>
+            <a:srgbClr val="FF18FF"/>
+          </a:solidFill>
+        </p:spPr>
+        <p:style>
+          <a:lnRef idx="2">
+            <a:schemeClr val="accent1">
+              <a:shade val="15000"/>
+            </a:schemeClr>
+          </a:lnRef>
+          <a:fillRef idx="1">
+            <a:schemeClr val="accent1"/>
+          </a:fillRef>
+          <a:effectRef idx="0">
+            <a:schemeClr val="accent1"/>
+          </a:effectRef>
+          <a:fontRef idx="minor">
+            <a:schemeClr val="lt1"/>
+          </a:fontRef>
+        </p:style>
+        <p:txBody>
+          <a:bodyPr rtlCol="0" anchor="ctr"/>
+          <a:lstStyle/>
+          <a:p>
+            <a:pPr algn="ctr"/>
+            <a:endParaRPr lang="en-US">
+              <a:solidFill>
+                <a:schemeClr val="tx1"/>
+              </a:solidFill>
+            </a:endParaRPr>
+          </a:p>
+        </p:txBody>
+      </p:sp>
+      <p:sp>
+        <p:nvSpPr>
+          <p:cNvPr id="21" name="Frame 20">
+            <a:extLst>
+              <a:ext uri="{FF2B5EF4-FFF2-40B4-BE49-F238E27FC236}">
+                <a16:creationId xmlns:a16="http://schemas.microsoft.com/office/drawing/2014/main" id="{1258AB2C-4AB9-628E-621F-3A097D121724}"/>
+              </a:ext>
+            </a:extLst>
+          </p:cNvPr>
+          <p:cNvSpPr/>
+          <p:nvPr/>
+        </p:nvSpPr>
+        <p:spPr>
+          <a:xfrm>
+            <a:off x="7347046" y="4154234"/>
+            <a:ext cx="586854" cy="409433"/>
+          </a:xfrm>
+          <a:prstGeom prst="frame">
+            <a:avLst/>
+          </a:prstGeom>
+          <a:solidFill>
+            <a:srgbClr val="FF18FF"/>
+          </a:solidFill>
+        </p:spPr>
+        <p:style>
+          <a:lnRef idx="2">
+            <a:schemeClr val="accent1">
+              <a:shade val="15000"/>
+            </a:schemeClr>
+          </a:lnRef>
+          <a:fillRef idx="1">
+            <a:schemeClr val="accent1"/>
+          </a:fillRef>
+          <a:effectRef idx="0">
+            <a:schemeClr val="accent1"/>
+          </a:effectRef>
+          <a:fontRef idx="minor">
+            <a:schemeClr val="lt1"/>
+          </a:fontRef>
+        </p:style>
+        <p:txBody>
+          <a:bodyPr rtlCol="0" anchor="ctr"/>
+          <a:lstStyle/>
+          <a:p>
+            <a:pPr algn="ctr"/>
+            <a:endParaRPr lang="en-US">
+              <a:solidFill>
+                <a:schemeClr val="tx1"/>
+              </a:solidFill>
+            </a:endParaRPr>
+          </a:p>
+        </p:txBody>
+      </p:sp>
+      <p:sp>
+        <p:nvSpPr>
+          <p:cNvPr id="22" name="Frame 21">
+            <a:extLst>
+              <a:ext uri="{FF2B5EF4-FFF2-40B4-BE49-F238E27FC236}">
+                <a16:creationId xmlns:a16="http://schemas.microsoft.com/office/drawing/2014/main" id="{39D491EF-E023-B0D7-9CEB-67D5D7A1389C}"/>
+              </a:ext>
+            </a:extLst>
+          </p:cNvPr>
+          <p:cNvSpPr/>
+          <p:nvPr/>
+        </p:nvSpPr>
+        <p:spPr>
+          <a:xfrm>
+            <a:off x="6227929" y="3505093"/>
+            <a:ext cx="586854" cy="409433"/>
+          </a:xfrm>
+          <a:prstGeom prst="frame">
+            <a:avLst/>
+          </a:prstGeom>
+          <a:solidFill>
+            <a:srgbClr val="FF18FF"/>
+          </a:solidFill>
+        </p:spPr>
+        <p:style>
+          <a:lnRef idx="2">
+            <a:schemeClr val="accent1">
+              <a:shade val="15000"/>
+            </a:schemeClr>
+          </a:lnRef>
+          <a:fillRef idx="1">
+            <a:schemeClr val="accent1"/>
+          </a:fillRef>
+          <a:effectRef idx="0">
+            <a:schemeClr val="accent1"/>
+          </a:effectRef>
+          <a:fontRef idx="minor">
+            <a:schemeClr val="lt1"/>
+          </a:fontRef>
+        </p:style>
+        <p:txBody>
+          <a:bodyPr rtlCol="0" anchor="ctr"/>
+          <a:lstStyle/>
+          <a:p>
+            <a:pPr algn="ctr"/>
+            <a:endParaRPr lang="en-US">
+              <a:solidFill>
+                <a:schemeClr val="tx1"/>
+              </a:solidFill>
+            </a:endParaRPr>
+          </a:p>
+        </p:txBody>
+      </p:sp>
+      <p:sp>
+        <p:nvSpPr>
+          <p:cNvPr id="23" name="Frame 22">
+            <a:extLst>
+              <a:ext uri="{FF2B5EF4-FFF2-40B4-BE49-F238E27FC236}">
+                <a16:creationId xmlns:a16="http://schemas.microsoft.com/office/drawing/2014/main" id="{8CF6B530-11C6-4150-5E3B-4434735E2F44}"/>
+              </a:ext>
+            </a:extLst>
+          </p:cNvPr>
+          <p:cNvSpPr/>
+          <p:nvPr/>
+        </p:nvSpPr>
+        <p:spPr>
+          <a:xfrm>
+            <a:off x="8911989" y="4183805"/>
+            <a:ext cx="586854" cy="409433"/>
+          </a:xfrm>
+          <a:prstGeom prst="frame">
+            <a:avLst/>
+          </a:prstGeom>
+          <a:solidFill>
+            <a:srgbClr val="FF18FF"/>
+          </a:solidFill>
+        </p:spPr>
+        <p:style>
+          <a:lnRef idx="2">
+            <a:schemeClr val="accent1">
+              <a:shade val="15000"/>
+            </a:schemeClr>
+          </a:lnRef>
+          <a:fillRef idx="1">
+            <a:schemeClr val="accent1"/>
+          </a:fillRef>
+          <a:effectRef idx="0">
+            <a:schemeClr val="accent1"/>
+          </a:effectRef>
+          <a:fontRef idx="minor">
+            <a:schemeClr val="lt1"/>
+          </a:fontRef>
+        </p:style>
+        <p:txBody>
+          <a:bodyPr rtlCol="0" anchor="ctr"/>
+          <a:lstStyle/>
+          <a:p>
+            <a:pPr algn="ctr"/>
+            <a:endParaRPr lang="en-US">
+              <a:solidFill>
+                <a:schemeClr val="tx1"/>
+              </a:solidFill>
+            </a:endParaRPr>
           </a:p>
         </p:txBody>
       </p:sp>
     </p:spTree>
     <p:extLst>
       <p:ext uri="{BB962C8B-B14F-4D97-AF65-F5344CB8AC3E}">
-        <p14:creationId xmlns:p14="http://schemas.microsoft.com/office/powerpoint/2010/main" val="2519843490"/>
+        <p14:creationId xmlns:p14="http://schemas.microsoft.com/office/powerpoint/2010/main" val="3341332499"/>
       </p:ext>
     </p:extLst>
   </p:cSld>
@@ -15008,24 +22087,6 @@
 </file>
 
 <file path=customXml/item1.xml><?xml version="1.0" encoding="utf-8"?>
-<p:properties xmlns:p="http://schemas.microsoft.com/office/2006/metadata/properties" xmlns:xsi="http://www.w3.org/2001/XMLSchema-instance" xmlns:pc="http://schemas.microsoft.com/office/infopath/2007/PartnerControls">
-  <documentManagement>
-    <Status xmlns="71af3243-3dd4-4a8d-8c0d-dd76da1f02a5">Not started</Status>
-    <MediaServiceKeyPoints xmlns="71af3243-3dd4-4a8d-8c0d-dd76da1f02a5" xsi:nil="true"/>
-  </documentManagement>
-</p:properties>
-</file>
-
-<file path=customXml/item2.xml><?xml version="1.0" encoding="utf-8"?>
-<?mso-contentType ?>
-<FormTemplates xmlns="http://schemas.microsoft.com/sharepoint/v3/contenttype/forms">
-  <Display>DocumentLibraryForm</Display>
-  <Edit>DocumentLibraryForm</Edit>
-  <New>DocumentLibraryForm</New>
-</FormTemplates>
-</file>
-
-<file path=customXml/item3.xml><?xml version="1.0" encoding="utf-8"?>
 <ct:contentTypeSchema xmlns:ct="http://schemas.microsoft.com/office/2006/metadata/contentType" xmlns:ma="http://schemas.microsoft.com/office/2006/metadata/properties/metaAttributes" ct:_="" ma:_="" ma:contentTypeName="Document" ma:contentTypeID="0x01010079F111ED35F8CC479449609E8A0923A6" ma:contentTypeVersion="12" ma:contentTypeDescription="Create a new document." ma:contentTypeScope="" ma:versionID="a410dd7f93c95333ffa1b60ed6adedd1">
   <xsd:schema xmlns:xsd="http://www.w3.org/2001/XMLSchema" xmlns:xs="http://www.w3.org/2001/XMLSchema" xmlns:p="http://schemas.microsoft.com/office/2006/metadata/properties" xmlns:ns2="71af3243-3dd4-4a8d-8c0d-dd76da1f02a5" xmlns:ns3="16c05727-aa75-4e4a-9b5f-8a80a1165891" targetNamespace="http://schemas.microsoft.com/office/2006/metadata/properties" ma:root="true" ma:fieldsID="a936d9baba76aa3866493feff160faab" ns2:_="" ns3:_="">
     <xsd:import namespace="71af3243-3dd4-4a8d-8c0d-dd76da1f02a5"/>
@@ -15246,25 +22307,25 @@
 </ct:contentTypeSchema>
 </file>
 
-<file path=customXml/itemProps1.xml><?xml version="1.0" encoding="utf-8"?>
-<ds:datastoreItem xmlns:ds="http://schemas.openxmlformats.org/officeDocument/2006/customXml" ds:itemID="{8F3CD65D-61A5-43C9-A837-6EC73C7DA8AB}">
-  <ds:schemaRefs>
-    <ds:schemaRef ds:uri="http://schemas.microsoft.com/office/2006/metadata/properties"/>
-    <ds:schemaRef ds:uri="http://schemas.microsoft.com/office/infopath/2007/PartnerControls"/>
-    <ds:schemaRef ds:uri="71af3243-3dd4-4a8d-8c0d-dd76da1f02a5"/>
-  </ds:schemaRefs>
-</ds:datastoreItem>
+<file path=customXml/item2.xml><?xml version="1.0" encoding="utf-8"?>
+<?mso-contentType ?>
+<FormTemplates xmlns="http://schemas.microsoft.com/sharepoint/v3/contenttype/forms">
+  <Display>DocumentLibraryForm</Display>
+  <Edit>DocumentLibraryForm</Edit>
+  <New>DocumentLibraryForm</New>
+</FormTemplates>
 </file>
 
-<file path=customXml/itemProps2.xml><?xml version="1.0" encoding="utf-8"?>
-<ds:datastoreItem xmlns:ds="http://schemas.openxmlformats.org/officeDocument/2006/customXml" ds:itemID="{31F006B4-A9E1-4F39-85C8-FB836F919348}">
-  <ds:schemaRefs>
-    <ds:schemaRef ds:uri="http://schemas.microsoft.com/sharepoint/v3/contenttype/forms"/>
-  </ds:schemaRefs>
-</ds:datastoreItem>
+<file path=customXml/item3.xml><?xml version="1.0" encoding="utf-8"?>
+<p:properties xmlns:p="http://schemas.microsoft.com/office/2006/metadata/properties" xmlns:xsi="http://www.w3.org/2001/XMLSchema-instance" xmlns:pc="http://schemas.microsoft.com/office/infopath/2007/PartnerControls">
+  <documentManagement>
+    <Status xmlns="71af3243-3dd4-4a8d-8c0d-dd76da1f02a5">Not started</Status>
+    <MediaServiceKeyPoints xmlns="71af3243-3dd4-4a8d-8c0d-dd76da1f02a5" xsi:nil="true"/>
+  </documentManagement>
+</p:properties>
 </file>
 
-<file path=customXml/itemProps3.xml><?xml version="1.0" encoding="utf-8"?>
+<file path=customXml/itemProps1.xml><?xml version="1.0" encoding="utf-8"?>
 <ds:datastoreItem xmlns:ds="http://schemas.openxmlformats.org/officeDocument/2006/customXml" ds:itemID="{16377351-63A1-4C2E-8C9A-66CDD70F16AC}">
   <ds:schemaRefs>
     <ds:schemaRef ds:uri="http://schemas.microsoft.com/office/2006/metadata/contentType"/>
@@ -15281,4 +22342,22 @@
     <ds:schemaRef ds:uri="http://schemas.microsoft.com/internal/obd"/>
   </ds:schemaRefs>
 </ds:datastoreItem>
+</file>
+
+<file path=customXml/itemProps2.xml><?xml version="1.0" encoding="utf-8"?>
+<ds:datastoreItem xmlns:ds="http://schemas.openxmlformats.org/officeDocument/2006/customXml" ds:itemID="{31F006B4-A9E1-4F39-85C8-FB836F919348}">
+  <ds:schemaRefs>
+    <ds:schemaRef ds:uri="http://schemas.microsoft.com/sharepoint/v3/contenttype/forms"/>
+  </ds:schemaRefs>
+</ds:datastoreItem>
+</file>
+
+<file path=customXml/itemProps3.xml><?xml version="1.0" encoding="utf-8"?>
+<ds:datastoreItem xmlns:ds="http://schemas.openxmlformats.org/officeDocument/2006/customXml" ds:itemID="{8F3CD65D-61A5-43C9-A837-6EC73C7DA8AB}">
+  <ds:schemaRefs>
+    <ds:schemaRef ds:uri="http://schemas.microsoft.com/office/2006/metadata/properties"/>
+    <ds:schemaRef ds:uri="http://schemas.microsoft.com/office/infopath/2007/PartnerControls"/>
+    <ds:schemaRef ds:uri="71af3243-3dd4-4a8d-8c0d-dd76da1f02a5"/>
+  </ds:schemaRefs>
+</ds:datastoreItem>
 </file>